--- a/Final Presentation/La meets ML.pptx
+++ b/Final Presentation/La meets ML.pptx
@@ -7,15 +7,25 @@
   <p:sldIdLst>
     <p:sldId id="256" r:id="rId2"/>
     <p:sldId id="257" r:id="rId3"/>
-    <p:sldId id="258" r:id="rId4"/>
-    <p:sldId id="259" r:id="rId5"/>
-    <p:sldId id="260" r:id="rId6"/>
-    <p:sldId id="261" r:id="rId7"/>
-    <p:sldId id="262" r:id="rId8"/>
-    <p:sldId id="263" r:id="rId9"/>
-    <p:sldId id="264" r:id="rId10"/>
-    <p:sldId id="265" r:id="rId11"/>
-    <p:sldId id="266" r:id="rId12"/>
+    <p:sldId id="283" r:id="rId4"/>
+    <p:sldId id="267" r:id="rId5"/>
+    <p:sldId id="280" r:id="rId6"/>
+    <p:sldId id="281" r:id="rId7"/>
+    <p:sldId id="284" r:id="rId8"/>
+    <p:sldId id="285" r:id="rId9"/>
+    <p:sldId id="286" r:id="rId10"/>
+    <p:sldId id="287" r:id="rId11"/>
+    <p:sldId id="275" r:id="rId12"/>
+    <p:sldId id="276" r:id="rId13"/>
+    <p:sldId id="258" r:id="rId14"/>
+    <p:sldId id="259" r:id="rId15"/>
+    <p:sldId id="260" r:id="rId16"/>
+    <p:sldId id="261" r:id="rId17"/>
+    <p:sldId id="262" r:id="rId18"/>
+    <p:sldId id="263" r:id="rId19"/>
+    <p:sldId id="264" r:id="rId20"/>
+    <p:sldId id="265" r:id="rId21"/>
+    <p:sldId id="266" r:id="rId22"/>
   </p:sldIdLst>
   <p:sldSz cx="12192000" cy="6858000"/>
   <p:notesSz cx="6858000" cy="9144000"/>
@@ -114,6 +124,11 @@
       </a:defRPr>
     </a:lvl9pPr>
   </p:defaultTextStyle>
+  <p:extLst>
+    <p:ext uri="{EFAFB233-063F-42B5-8137-9DF3F51BA10A}">
+      <p15:sldGuideLst xmlns:p15="http://schemas.microsoft.com/office/powerpoint/2012/main"/>
+    </p:ext>
+  </p:extLst>
 </p:presentation>
 </file>
 
@@ -264,7 +279,7 @@
           <a:p>
             <a:fld id="{FD61D2B0-35BA-48CC-B465-2997EEC1297B}" type="datetimeFigureOut">
               <a:rPr lang="de-DE" smtClean="0"/>
-              <a:t>07.03.2019</a:t>
+              <a:t>16.03.2019</a:t>
             </a:fld>
             <a:endParaRPr lang="de-DE"/>
           </a:p>
@@ -462,7 +477,7 @@
           <a:p>
             <a:fld id="{FD61D2B0-35BA-48CC-B465-2997EEC1297B}" type="datetimeFigureOut">
               <a:rPr lang="de-DE" smtClean="0"/>
-              <a:t>07.03.2019</a:t>
+              <a:t>16.03.2019</a:t>
             </a:fld>
             <a:endParaRPr lang="de-DE"/>
           </a:p>
@@ -670,7 +685,7 @@
           <a:p>
             <a:fld id="{FD61D2B0-35BA-48CC-B465-2997EEC1297B}" type="datetimeFigureOut">
               <a:rPr lang="de-DE" smtClean="0"/>
-              <a:t>07.03.2019</a:t>
+              <a:t>16.03.2019</a:t>
             </a:fld>
             <a:endParaRPr lang="de-DE"/>
           </a:p>
@@ -868,7 +883,7 @@
           <a:p>
             <a:fld id="{FD61D2B0-35BA-48CC-B465-2997EEC1297B}" type="datetimeFigureOut">
               <a:rPr lang="de-DE" smtClean="0"/>
-              <a:t>07.03.2019</a:t>
+              <a:t>16.03.2019</a:t>
             </a:fld>
             <a:endParaRPr lang="de-DE"/>
           </a:p>
@@ -1143,7 +1158,7 @@
           <a:p>
             <a:fld id="{FD61D2B0-35BA-48CC-B465-2997EEC1297B}" type="datetimeFigureOut">
               <a:rPr lang="de-DE" smtClean="0"/>
-              <a:t>07.03.2019</a:t>
+              <a:t>16.03.2019</a:t>
             </a:fld>
             <a:endParaRPr lang="de-DE"/>
           </a:p>
@@ -1408,7 +1423,7 @@
           <a:p>
             <a:fld id="{FD61D2B0-35BA-48CC-B465-2997EEC1297B}" type="datetimeFigureOut">
               <a:rPr lang="de-DE" smtClean="0"/>
-              <a:t>07.03.2019</a:t>
+              <a:t>16.03.2019</a:t>
             </a:fld>
             <a:endParaRPr lang="de-DE"/>
           </a:p>
@@ -1820,7 +1835,7 @@
           <a:p>
             <a:fld id="{FD61D2B0-35BA-48CC-B465-2997EEC1297B}" type="datetimeFigureOut">
               <a:rPr lang="de-DE" smtClean="0"/>
-              <a:t>07.03.2019</a:t>
+              <a:t>16.03.2019</a:t>
             </a:fld>
             <a:endParaRPr lang="de-DE"/>
           </a:p>
@@ -1961,7 +1976,7 @@
           <a:p>
             <a:fld id="{FD61D2B0-35BA-48CC-B465-2997EEC1297B}" type="datetimeFigureOut">
               <a:rPr lang="de-DE" smtClean="0"/>
-              <a:t>07.03.2019</a:t>
+              <a:t>16.03.2019</a:t>
             </a:fld>
             <a:endParaRPr lang="de-DE"/>
           </a:p>
@@ -2074,7 +2089,7 @@
           <a:p>
             <a:fld id="{FD61D2B0-35BA-48CC-B465-2997EEC1297B}" type="datetimeFigureOut">
               <a:rPr lang="de-DE" smtClean="0"/>
-              <a:t>07.03.2019</a:t>
+              <a:t>16.03.2019</a:t>
             </a:fld>
             <a:endParaRPr lang="de-DE"/>
           </a:p>
@@ -2385,7 +2400,7 @@
           <a:p>
             <a:fld id="{FD61D2B0-35BA-48CC-B465-2997EEC1297B}" type="datetimeFigureOut">
               <a:rPr lang="de-DE" smtClean="0"/>
-              <a:t>07.03.2019</a:t>
+              <a:t>16.03.2019</a:t>
             </a:fld>
             <a:endParaRPr lang="de-DE"/>
           </a:p>
@@ -2673,7 +2688,7 @@
           <a:p>
             <a:fld id="{FD61D2B0-35BA-48CC-B465-2997EEC1297B}" type="datetimeFigureOut">
               <a:rPr lang="de-DE" smtClean="0"/>
-              <a:t>07.03.2019</a:t>
+              <a:t>16.03.2019</a:t>
             </a:fld>
             <a:endParaRPr lang="de-DE"/>
           </a:p>
@@ -2914,7 +2929,7 @@
           <a:p>
             <a:fld id="{FD61D2B0-35BA-48CC-B465-2997EEC1297B}" type="datetimeFigureOut">
               <a:rPr lang="de-DE" smtClean="0"/>
-              <a:t>07.03.2019</a:t>
+              <a:t>16.03.2019</a:t>
             </a:fld>
             <a:endParaRPr lang="de-DE"/>
           </a:p>
@@ -3367,31 +3382,6 @@
           </a:p>
         </p:txBody>
       </p:sp>
-      <p:sp>
-        <p:nvSpPr>
-          <p:cNvPr id="3" name="Untertitel 2">
-            <a:extLst>
-              <a:ext uri="{FF2B5EF4-FFF2-40B4-BE49-F238E27FC236}">
-                <a16:creationId xmlns:a16="http://schemas.microsoft.com/office/drawing/2014/main" id="{A1C60C67-089D-4E48-91D9-1BA7133B3E70}"/>
-              </a:ext>
-            </a:extLst>
-          </p:cNvPr>
-          <p:cNvSpPr>
-            <a:spLocks noGrp="1"/>
-          </p:cNvSpPr>
-          <p:nvPr>
-            <p:ph type="subTitle" idx="1"/>
-          </p:nvPr>
-        </p:nvSpPr>
-        <p:spPr/>
-        <p:txBody>
-          <a:bodyPr/>
-          <a:lstStyle/>
-          <a:p>
-            <a:endParaRPr lang="de-DE"/>
-          </a:p>
-        </p:txBody>
-      </p:sp>
     </p:spTree>
     <p:extLst>
       <p:ext uri="{BB962C8B-B14F-4D97-AF65-F5344CB8AC3E}">
@@ -3424,160 +3414,425 @@
       </p:grpSpPr>
       <p:sp>
         <p:nvSpPr>
-          <p:cNvPr id="2" name="Titel 1">
-            <a:extLst>
-              <a:ext uri="{FF2B5EF4-FFF2-40B4-BE49-F238E27FC236}">
-                <a16:creationId xmlns:a16="http://schemas.microsoft.com/office/drawing/2014/main" id="{FA077195-AB61-4654-9227-16F6C8FE3A91}"/>
-              </a:ext>
-            </a:extLst>
-          </p:cNvPr>
-          <p:cNvSpPr>
-            <a:spLocks noGrp="1"/>
-          </p:cNvSpPr>
-          <p:nvPr>
-            <p:ph type="title"/>
-          </p:nvPr>
-        </p:nvSpPr>
-        <p:spPr/>
-        <p:txBody>
-          <a:bodyPr/>
-          <a:lstStyle/>
-          <a:p>
-            <a:r>
-              <a:rPr lang="de-DE" dirty="0" err="1"/>
-              <a:t>reflection</a:t>
-            </a:r>
-            <a:endParaRPr lang="de-DE" dirty="0"/>
-          </a:p>
-        </p:txBody>
-      </p:sp>
-      <p:sp>
-        <p:nvSpPr>
-          <p:cNvPr id="3" name="Inhaltsplatzhalter 2">
-            <a:extLst>
-              <a:ext uri="{FF2B5EF4-FFF2-40B4-BE49-F238E27FC236}">
-                <a16:creationId xmlns:a16="http://schemas.microsoft.com/office/drawing/2014/main" id="{A413207E-8AE4-4E84-85B7-EDBCD454FEDE}"/>
-              </a:ext>
-            </a:extLst>
-          </p:cNvPr>
-          <p:cNvSpPr>
-            <a:spLocks noGrp="1"/>
-          </p:cNvSpPr>
-          <p:nvPr>
-            <p:ph idx="1"/>
-          </p:nvPr>
-        </p:nvSpPr>
-        <p:spPr/>
-        <p:txBody>
-          <a:bodyPr/>
-          <a:lstStyle/>
-          <a:p>
-            <a:r>
-              <a:rPr lang="de-DE" dirty="0" err="1"/>
-              <a:t>Challenges</a:t>
-            </a:r>
-            <a:endParaRPr lang="de-DE" dirty="0"/>
-          </a:p>
-          <a:p>
-            <a:r>
-              <a:rPr lang="de-DE" dirty="0" err="1"/>
-              <a:t>How</a:t>
-            </a:r>
-            <a:r>
-              <a:rPr lang="de-DE" dirty="0"/>
-              <a:t> </a:t>
-            </a:r>
-            <a:r>
-              <a:rPr lang="de-DE" dirty="0" err="1"/>
-              <a:t>we</a:t>
-            </a:r>
-            <a:r>
-              <a:rPr lang="de-DE" dirty="0"/>
-              <a:t> </a:t>
-            </a:r>
-            <a:r>
-              <a:rPr lang="de-DE" dirty="0" err="1"/>
-              <a:t>solved</a:t>
-            </a:r>
-            <a:r>
-              <a:rPr lang="de-DE" dirty="0"/>
-              <a:t> </a:t>
-            </a:r>
-            <a:r>
-              <a:rPr lang="de-DE" dirty="0" err="1"/>
-              <a:t>them</a:t>
-            </a:r>
-            <a:endParaRPr lang="de-DE" dirty="0"/>
-          </a:p>
-          <a:p>
-            <a:r>
-              <a:rPr lang="de-DE" dirty="0" err="1"/>
-              <a:t>How</a:t>
-            </a:r>
-            <a:r>
-              <a:rPr lang="de-DE" dirty="0"/>
-              <a:t> </a:t>
-            </a:r>
-            <a:r>
-              <a:rPr lang="de-DE" dirty="0" err="1"/>
-              <a:t>much</a:t>
-            </a:r>
-            <a:r>
-              <a:rPr lang="de-DE" dirty="0"/>
-              <a:t> </a:t>
-            </a:r>
-            <a:r>
-              <a:rPr lang="de-DE" dirty="0" err="1"/>
-              <a:t>of</a:t>
-            </a:r>
-            <a:r>
-              <a:rPr lang="de-DE" dirty="0"/>
-              <a:t> </a:t>
-            </a:r>
-            <a:r>
-              <a:rPr lang="de-DE" dirty="0" err="1"/>
-              <a:t>the</a:t>
-            </a:r>
-            <a:r>
-              <a:rPr lang="de-DE" dirty="0"/>
-              <a:t> </a:t>
-            </a:r>
-            <a:r>
-              <a:rPr lang="de-DE" dirty="0" err="1"/>
-              <a:t>mandetory</a:t>
-            </a:r>
-            <a:r>
-              <a:rPr lang="de-DE" dirty="0"/>
-              <a:t>/optional </a:t>
-            </a:r>
-            <a:r>
-              <a:rPr lang="de-DE" dirty="0" err="1"/>
-              <a:t>requirements</a:t>
-            </a:r>
-            <a:r>
-              <a:rPr lang="de-DE" dirty="0"/>
-              <a:t> </a:t>
-            </a:r>
-            <a:r>
-              <a:rPr lang="de-DE" dirty="0" err="1"/>
-              <a:t>we</a:t>
-            </a:r>
-            <a:r>
-              <a:rPr lang="de-DE" dirty="0"/>
-              <a:t> </a:t>
-            </a:r>
-            <a:r>
-              <a:rPr lang="de-DE" dirty="0" err="1"/>
-              <a:t>achieved</a:t>
-            </a:r>
-            <a:endParaRPr lang="de-DE" dirty="0"/>
-          </a:p>
-        </p:txBody>
-      </p:sp>
+          <p:cNvPr id="7" name="Rechteck 6">
+            <a:extLst>
+              <a:ext uri="{FF2B5EF4-FFF2-40B4-BE49-F238E27FC236}">
+                <a16:creationId xmlns:a16="http://schemas.microsoft.com/office/drawing/2014/main" id="{DDEE7F32-2FE3-4894-9D03-30A7178F7B64}"/>
+              </a:ext>
+            </a:extLst>
+          </p:cNvPr>
+          <p:cNvSpPr/>
+          <p:nvPr/>
+        </p:nvSpPr>
+        <p:spPr>
+          <a:xfrm>
+            <a:off x="1272072" y="317241"/>
+            <a:ext cx="4478694" cy="2985796"/>
+          </a:xfrm>
+          <a:prstGeom prst="rect">
+            <a:avLst/>
+          </a:prstGeom>
+        </p:spPr>
+        <p:style>
+          <a:lnRef idx="2">
+            <a:schemeClr val="accent1">
+              <a:shade val="50000"/>
+            </a:schemeClr>
+          </a:lnRef>
+          <a:fillRef idx="1">
+            <a:schemeClr val="accent1"/>
+          </a:fillRef>
+          <a:effectRef idx="0">
+            <a:schemeClr val="accent1"/>
+          </a:effectRef>
+          <a:fontRef idx="minor">
+            <a:schemeClr val="lt1"/>
+          </a:fontRef>
+        </p:style>
+        <p:txBody>
+          <a:bodyPr rtlCol="0" anchor="ctr"/>
+          <a:lstStyle/>
+          <a:p>
+            <a:pPr algn="ctr"/>
+            <a:endParaRPr lang="de-DE"/>
+          </a:p>
+        </p:txBody>
+      </p:sp>
+      <p:sp>
+        <p:nvSpPr>
+          <p:cNvPr id="9" name="Rechteck 8">
+            <a:extLst>
+              <a:ext uri="{FF2B5EF4-FFF2-40B4-BE49-F238E27FC236}">
+                <a16:creationId xmlns:a16="http://schemas.microsoft.com/office/drawing/2014/main" id="{FF3B08D9-8EA4-4625-ADF6-EB8A865F4846}"/>
+              </a:ext>
+            </a:extLst>
+          </p:cNvPr>
+          <p:cNvSpPr/>
+          <p:nvPr/>
+        </p:nvSpPr>
+        <p:spPr>
+          <a:xfrm>
+            <a:off x="1272072" y="3657600"/>
+            <a:ext cx="4478694" cy="2985796"/>
+          </a:xfrm>
+          <a:prstGeom prst="rect">
+            <a:avLst/>
+          </a:prstGeom>
+        </p:spPr>
+        <p:style>
+          <a:lnRef idx="2">
+            <a:schemeClr val="accent1">
+              <a:shade val="50000"/>
+            </a:schemeClr>
+          </a:lnRef>
+          <a:fillRef idx="1">
+            <a:schemeClr val="accent1"/>
+          </a:fillRef>
+          <a:effectRef idx="0">
+            <a:schemeClr val="accent1"/>
+          </a:effectRef>
+          <a:fontRef idx="minor">
+            <a:schemeClr val="lt1"/>
+          </a:fontRef>
+        </p:style>
+        <p:txBody>
+          <a:bodyPr rtlCol="0" anchor="ctr"/>
+          <a:lstStyle/>
+          <a:p>
+            <a:pPr algn="ctr"/>
+            <a:endParaRPr lang="de-DE"/>
+          </a:p>
+        </p:txBody>
+      </p:sp>
+      <p:pic>
+        <p:nvPicPr>
+          <p:cNvPr id="11" name="Picture 2" descr="Bildergebnis fÃ¼r stock">
+            <a:extLst>
+              <a:ext uri="{FF2B5EF4-FFF2-40B4-BE49-F238E27FC236}">
+                <a16:creationId xmlns:a16="http://schemas.microsoft.com/office/drawing/2014/main" id="{2D45B5F0-253A-4953-85AE-E63E0F5C0903}"/>
+              </a:ext>
+            </a:extLst>
+          </p:cNvPr>
+          <p:cNvPicPr>
+            <a:picLocks noChangeAspect="1" noChangeArrowheads="1"/>
+          </p:cNvPicPr>
+          <p:nvPr/>
+        </p:nvPicPr>
+        <p:blipFill>
+          <a:blip r:embed="rId2">
+            <a:extLst>
+              <a:ext uri="{28A0092B-C50C-407E-A947-70E740481C1C}">
+                <a14:useLocalDpi xmlns:a14="http://schemas.microsoft.com/office/drawing/2010/main" val="0"/>
+              </a:ext>
+            </a:extLst>
+          </a:blip>
+          <a:srcRect/>
+          <a:stretch>
+            <a:fillRect/>
+          </a:stretch>
+        </p:blipFill>
+        <p:spPr bwMode="auto">
+          <a:xfrm>
+            <a:off x="1272072" y="3657601"/>
+            <a:ext cx="4478694" cy="2985796"/>
+          </a:xfrm>
+          <a:prstGeom prst="rect">
+            <a:avLst/>
+          </a:prstGeom>
+          <a:noFill/>
+          <a:extLst>
+            <a:ext uri="{909E8E84-426E-40DD-AFC4-6F175D3DCCD1}">
+              <a14:hiddenFill xmlns:a14="http://schemas.microsoft.com/office/drawing/2010/main">
+                <a:solidFill>
+                  <a:srgbClr val="FFFFFF"/>
+                </a:solidFill>
+              </a14:hiddenFill>
+            </a:ext>
+          </a:extLst>
+        </p:spPr>
+      </p:pic>
+      <p:pic>
+        <p:nvPicPr>
+          <p:cNvPr id="4098" name="Picture 2" descr="Bildergebnis fÃ¼r webpage">
+            <a:extLst>
+              <a:ext uri="{FF2B5EF4-FFF2-40B4-BE49-F238E27FC236}">
+                <a16:creationId xmlns:a16="http://schemas.microsoft.com/office/drawing/2014/main" id="{EDB986C9-D082-4B2A-B453-3C8B53A0C3CC}"/>
+              </a:ext>
+            </a:extLst>
+          </p:cNvPr>
+          <p:cNvPicPr>
+            <a:picLocks noChangeAspect="1" noChangeArrowheads="1"/>
+          </p:cNvPicPr>
+          <p:nvPr/>
+        </p:nvPicPr>
+        <p:blipFill>
+          <a:blip r:embed="rId3">
+            <a:extLst>
+              <a:ext uri="{28A0092B-C50C-407E-A947-70E740481C1C}">
+                <a14:useLocalDpi xmlns:a14="http://schemas.microsoft.com/office/drawing/2010/main" val="0"/>
+              </a:ext>
+            </a:extLst>
+          </a:blip>
+          <a:srcRect/>
+          <a:stretch>
+            <a:fillRect/>
+          </a:stretch>
+        </p:blipFill>
+        <p:spPr bwMode="auto">
+          <a:xfrm>
+            <a:off x="6441234" y="317242"/>
+            <a:ext cx="4478693" cy="2985795"/>
+          </a:xfrm>
+          <a:prstGeom prst="rect">
+            <a:avLst/>
+          </a:prstGeom>
+          <a:noFill/>
+          <a:extLst>
+            <a:ext uri="{909E8E84-426E-40DD-AFC4-6F175D3DCCD1}">
+              <a14:hiddenFill xmlns:a14="http://schemas.microsoft.com/office/drawing/2010/main">
+                <a:solidFill>
+                  <a:srgbClr val="FFFFFF"/>
+                </a:solidFill>
+              </a14:hiddenFill>
+            </a:ext>
+          </a:extLst>
+        </p:spPr>
+      </p:pic>
+      <p:sp>
+        <p:nvSpPr>
+          <p:cNvPr id="13" name="AutoShape 6" descr="Bildergebnis fÃ¼r Quadratic programming">
+            <a:extLst>
+              <a:ext uri="{FF2B5EF4-FFF2-40B4-BE49-F238E27FC236}">
+                <a16:creationId xmlns:a16="http://schemas.microsoft.com/office/drawing/2014/main" id="{DB59D097-587B-4879-9901-761CEBA0449B}"/>
+              </a:ext>
+            </a:extLst>
+          </p:cNvPr>
+          <p:cNvSpPr>
+            <a:spLocks noChangeAspect="1" noChangeArrowheads="1"/>
+          </p:cNvSpPr>
+          <p:nvPr/>
+        </p:nvSpPr>
+        <p:spPr bwMode="auto">
+          <a:xfrm>
+            <a:off x="5943600" y="3276600"/>
+            <a:ext cx="4976328" cy="4976328"/>
+          </a:xfrm>
+          <a:prstGeom prst="rect">
+            <a:avLst/>
+          </a:prstGeom>
+          <a:noFill/>
+          <a:extLst>
+            <a:ext uri="{909E8E84-426E-40DD-AFC4-6F175D3DCCD1}">
+              <a14:hiddenFill xmlns:a14="http://schemas.microsoft.com/office/drawing/2010/main">
+                <a:solidFill>
+                  <a:srgbClr val="FFFFFF"/>
+                </a:solidFill>
+              </a14:hiddenFill>
+            </a:ext>
+          </a:extLst>
+        </p:spPr>
+        <p:txBody>
+          <a:bodyPr vert="horz" wrap="square" lIns="91440" tIns="45720" rIns="91440" bIns="45720" numCol="1" anchor="t" anchorCtr="0" compatLnSpc="1">
+            <a:prstTxWarp prst="textNoShape">
+              <a:avLst/>
+            </a:prstTxWarp>
+          </a:bodyPr>
+          <a:lstStyle/>
+          <a:p>
+            <a:endParaRPr lang="de-DE"/>
+          </a:p>
+        </p:txBody>
+      </p:sp>
+      <p:pic>
+        <p:nvPicPr>
+          <p:cNvPr id="4104" name="Picture 8" descr="Ãhnliches Foto">
+            <a:extLst>
+              <a:ext uri="{FF2B5EF4-FFF2-40B4-BE49-F238E27FC236}">
+                <a16:creationId xmlns:a16="http://schemas.microsoft.com/office/drawing/2014/main" id="{3DF9AC50-3149-4EAB-BAA4-1092BDF6F0B6}"/>
+              </a:ext>
+            </a:extLst>
+          </p:cNvPr>
+          <p:cNvPicPr>
+            <a:picLocks noChangeAspect="1" noChangeArrowheads="1"/>
+          </p:cNvPicPr>
+          <p:nvPr/>
+        </p:nvPicPr>
+        <p:blipFill>
+          <a:blip r:embed="rId4">
+            <a:extLst>
+              <a:ext uri="{28A0092B-C50C-407E-A947-70E740481C1C}">
+                <a14:useLocalDpi xmlns:a14="http://schemas.microsoft.com/office/drawing/2010/main" val="0"/>
+              </a:ext>
+            </a:extLst>
+          </a:blip>
+          <a:srcRect/>
+          <a:stretch>
+            <a:fillRect/>
+          </a:stretch>
+        </p:blipFill>
+        <p:spPr bwMode="auto">
+          <a:xfrm>
+            <a:off x="6441234" y="3657600"/>
+            <a:ext cx="4478693" cy="3006789"/>
+          </a:xfrm>
+          <a:prstGeom prst="rect">
+            <a:avLst/>
+          </a:prstGeom>
+          <a:noFill/>
+          <a:extLst>
+            <a:ext uri="{909E8E84-426E-40DD-AFC4-6F175D3DCCD1}">
+              <a14:hiddenFill xmlns:a14="http://schemas.microsoft.com/office/drawing/2010/main">
+                <a:solidFill>
+                  <a:srgbClr val="FFFFFF"/>
+                </a:solidFill>
+              </a14:hiddenFill>
+            </a:ext>
+          </a:extLst>
+        </p:spPr>
+      </p:pic>
+      <p:pic>
+        <p:nvPicPr>
+          <p:cNvPr id="10" name="Picture 6" descr="http://faculty.cse.tamu.edu/davis/matrices_files/net25_and_pre2.jpg">
+            <a:extLst>
+              <a:ext uri="{FF2B5EF4-FFF2-40B4-BE49-F238E27FC236}">
+                <a16:creationId xmlns:a16="http://schemas.microsoft.com/office/drawing/2014/main" id="{4EA83C6A-E100-4F83-BBF4-1AD297F82564}"/>
+              </a:ext>
+            </a:extLst>
+          </p:cNvPr>
+          <p:cNvPicPr>
+            <a:picLocks noChangeAspect="1" noChangeArrowheads="1"/>
+          </p:cNvPicPr>
+          <p:nvPr/>
+        </p:nvPicPr>
+        <p:blipFill rotWithShape="1">
+          <a:blip r:embed="rId5">
+            <a:extLst>
+              <a:ext uri="{28A0092B-C50C-407E-A947-70E740481C1C}">
+                <a14:useLocalDpi xmlns:a14="http://schemas.microsoft.com/office/drawing/2010/main" val="0"/>
+              </a:ext>
+            </a:extLst>
+          </a:blip>
+          <a:srcRect t="48303"/>
+          <a:stretch/>
+        </p:blipFill>
+        <p:spPr bwMode="auto">
+          <a:xfrm>
+            <a:off x="1272073" y="317241"/>
+            <a:ext cx="4495816" cy="2985796"/>
+          </a:xfrm>
+          <a:prstGeom prst="rect">
+            <a:avLst/>
+          </a:prstGeom>
+          <a:noFill/>
+          <a:extLst>
+            <a:ext uri="{909E8E84-426E-40DD-AFC4-6F175D3DCCD1}">
+              <a14:hiddenFill xmlns:a14="http://schemas.microsoft.com/office/drawing/2010/main">
+                <a:solidFill>
+                  <a:srgbClr val="FFFFFF"/>
+                </a:solidFill>
+              </a14:hiddenFill>
+            </a:ext>
+          </a:extLst>
+        </p:spPr>
+      </p:pic>
+      <p:pic>
+        <p:nvPicPr>
+          <p:cNvPr id="12" name="Picture 2" descr="http://faculty.cse.tamu.edu/davis/matrices_files/Buss%40connectus.jpg">
+            <a:extLst>
+              <a:ext uri="{FF2B5EF4-FFF2-40B4-BE49-F238E27FC236}">
+                <a16:creationId xmlns:a16="http://schemas.microsoft.com/office/drawing/2014/main" id="{E47E536E-8909-41FE-BBF5-E469E442B124}"/>
+              </a:ext>
+            </a:extLst>
+          </p:cNvPr>
+          <p:cNvPicPr>
+            <a:picLocks noChangeAspect="1" noChangeArrowheads="1"/>
+          </p:cNvPicPr>
+          <p:nvPr/>
+        </p:nvPicPr>
+        <p:blipFill>
+          <a:blip r:embed="rId6">
+            <a:extLst>
+              <a:ext uri="{28A0092B-C50C-407E-A947-70E740481C1C}">
+                <a14:useLocalDpi xmlns:a14="http://schemas.microsoft.com/office/drawing/2010/main" val="0"/>
+              </a:ext>
+            </a:extLst>
+          </a:blip>
+          <a:srcRect/>
+          <a:stretch>
+            <a:fillRect/>
+          </a:stretch>
+        </p:blipFill>
+        <p:spPr bwMode="auto">
+          <a:xfrm>
+            <a:off x="6441234" y="317866"/>
+            <a:ext cx="4478693" cy="2994732"/>
+          </a:xfrm>
+          <a:prstGeom prst="rect">
+            <a:avLst/>
+          </a:prstGeom>
+          <a:noFill/>
+          <a:extLst>
+            <a:ext uri="{909E8E84-426E-40DD-AFC4-6F175D3DCCD1}">
+              <a14:hiddenFill xmlns:a14="http://schemas.microsoft.com/office/drawing/2010/main">
+                <a:solidFill>
+                  <a:srgbClr val="FFFFFF"/>
+                </a:solidFill>
+              </a14:hiddenFill>
+            </a:ext>
+          </a:extLst>
+        </p:spPr>
+      </p:pic>
+      <p:pic>
+        <p:nvPicPr>
+          <p:cNvPr id="14" name="Picture 2" descr="http://faculty.cse.tamu.edu/davis/matrices_files/GHS_psdef%40finance256.jpg">
+            <a:extLst>
+              <a:ext uri="{FF2B5EF4-FFF2-40B4-BE49-F238E27FC236}">
+                <a16:creationId xmlns:a16="http://schemas.microsoft.com/office/drawing/2014/main" id="{C2162F5B-2394-46C7-A737-DC5C654843D4}"/>
+              </a:ext>
+            </a:extLst>
+          </p:cNvPr>
+          <p:cNvPicPr>
+            <a:picLocks noChangeAspect="1" noChangeArrowheads="1"/>
+          </p:cNvPicPr>
+          <p:nvPr/>
+        </p:nvPicPr>
+        <p:blipFill>
+          <a:blip r:embed="rId7">
+            <a:extLst>
+              <a:ext uri="{28A0092B-C50C-407E-A947-70E740481C1C}">
+                <a14:useLocalDpi xmlns:a14="http://schemas.microsoft.com/office/drawing/2010/main" val="0"/>
+              </a:ext>
+            </a:extLst>
+          </a:blip>
+          <a:srcRect/>
+          <a:stretch>
+            <a:fillRect/>
+          </a:stretch>
+        </p:blipFill>
+        <p:spPr bwMode="auto">
+          <a:xfrm>
+            <a:off x="1272072" y="3657599"/>
+            <a:ext cx="4478694" cy="2985796"/>
+          </a:xfrm>
+          <a:prstGeom prst="rect">
+            <a:avLst/>
+          </a:prstGeom>
+          <a:noFill/>
+          <a:extLst>
+            <a:ext uri="{909E8E84-426E-40DD-AFC4-6F175D3DCCD1}">
+              <a14:hiddenFill xmlns:a14="http://schemas.microsoft.com/office/drawing/2010/main">
+                <a:solidFill>
+                  <a:srgbClr val="FFFFFF"/>
+                </a:solidFill>
+              </a14:hiddenFill>
+            </a:ext>
+          </a:extLst>
+        </p:spPr>
+      </p:pic>
     </p:spTree>
     <p:extLst>
       <p:ext uri="{BB962C8B-B14F-4D97-AF65-F5344CB8AC3E}">
-        <p14:creationId xmlns:p14="http://schemas.microsoft.com/office/powerpoint/2010/main" val="2006122541"/>
+        <p14:creationId xmlns:p14="http://schemas.microsoft.com/office/powerpoint/2010/main" val="4287327766"/>
       </p:ext>
     </p:extLst>
   </p:cSld>
@@ -3606,10 +3861,410 @@
       </p:grpSpPr>
       <p:sp>
         <p:nvSpPr>
+          <p:cNvPr id="7" name="Rechteck 6">
+            <a:extLst>
+              <a:ext uri="{FF2B5EF4-FFF2-40B4-BE49-F238E27FC236}">
+                <a16:creationId xmlns:a16="http://schemas.microsoft.com/office/drawing/2014/main" id="{DDEE7F32-2FE3-4894-9D03-30A7178F7B64}"/>
+              </a:ext>
+            </a:extLst>
+          </p:cNvPr>
+          <p:cNvSpPr/>
+          <p:nvPr/>
+        </p:nvSpPr>
+        <p:spPr>
+          <a:xfrm>
+            <a:off x="1272072" y="317241"/>
+            <a:ext cx="4478694" cy="2985796"/>
+          </a:xfrm>
+          <a:prstGeom prst="rect">
+            <a:avLst/>
+          </a:prstGeom>
+        </p:spPr>
+        <p:style>
+          <a:lnRef idx="2">
+            <a:schemeClr val="accent1">
+              <a:shade val="50000"/>
+            </a:schemeClr>
+          </a:lnRef>
+          <a:fillRef idx="1">
+            <a:schemeClr val="accent1"/>
+          </a:fillRef>
+          <a:effectRef idx="0">
+            <a:schemeClr val="accent1"/>
+          </a:effectRef>
+          <a:fontRef idx="minor">
+            <a:schemeClr val="lt1"/>
+          </a:fontRef>
+        </p:style>
+        <p:txBody>
+          <a:bodyPr rtlCol="0" anchor="ctr"/>
+          <a:lstStyle/>
+          <a:p>
+            <a:pPr algn="ctr"/>
+            <a:endParaRPr lang="de-DE"/>
+          </a:p>
+        </p:txBody>
+      </p:sp>
+      <p:sp>
+        <p:nvSpPr>
+          <p:cNvPr id="8" name="Rechteck 7">
+            <a:extLst>
+              <a:ext uri="{FF2B5EF4-FFF2-40B4-BE49-F238E27FC236}">
+                <a16:creationId xmlns:a16="http://schemas.microsoft.com/office/drawing/2014/main" id="{4DE2C732-B352-4842-B99D-CDC85719EA27}"/>
+              </a:ext>
+            </a:extLst>
+          </p:cNvPr>
+          <p:cNvSpPr/>
+          <p:nvPr/>
+        </p:nvSpPr>
+        <p:spPr>
+          <a:xfrm>
+            <a:off x="6441234" y="317241"/>
+            <a:ext cx="4478694" cy="2985796"/>
+          </a:xfrm>
+          <a:prstGeom prst="rect">
+            <a:avLst/>
+          </a:prstGeom>
+        </p:spPr>
+        <p:style>
+          <a:lnRef idx="2">
+            <a:schemeClr val="accent1">
+              <a:shade val="50000"/>
+            </a:schemeClr>
+          </a:lnRef>
+          <a:fillRef idx="1">
+            <a:schemeClr val="accent1"/>
+          </a:fillRef>
+          <a:effectRef idx="0">
+            <a:schemeClr val="accent1"/>
+          </a:effectRef>
+          <a:fontRef idx="minor">
+            <a:schemeClr val="lt1"/>
+          </a:fontRef>
+        </p:style>
+        <p:txBody>
+          <a:bodyPr rtlCol="0" anchor="ctr"/>
+          <a:lstStyle/>
+          <a:p>
+            <a:pPr algn="ctr"/>
+            <a:endParaRPr lang="de-DE"/>
+          </a:p>
+        </p:txBody>
+      </p:sp>
+      <p:sp>
+        <p:nvSpPr>
+          <p:cNvPr id="9" name="Rechteck 8">
+            <a:extLst>
+              <a:ext uri="{FF2B5EF4-FFF2-40B4-BE49-F238E27FC236}">
+                <a16:creationId xmlns:a16="http://schemas.microsoft.com/office/drawing/2014/main" id="{FF3B08D9-8EA4-4625-ADF6-EB8A865F4846}"/>
+              </a:ext>
+            </a:extLst>
+          </p:cNvPr>
+          <p:cNvSpPr/>
+          <p:nvPr/>
+        </p:nvSpPr>
+        <p:spPr>
+          <a:xfrm>
+            <a:off x="1272072" y="3657600"/>
+            <a:ext cx="4478694" cy="2985796"/>
+          </a:xfrm>
+          <a:prstGeom prst="rect">
+            <a:avLst/>
+          </a:prstGeom>
+        </p:spPr>
+        <p:style>
+          <a:lnRef idx="2">
+            <a:schemeClr val="accent1">
+              <a:shade val="50000"/>
+            </a:schemeClr>
+          </a:lnRef>
+          <a:fillRef idx="1">
+            <a:schemeClr val="accent1"/>
+          </a:fillRef>
+          <a:effectRef idx="0">
+            <a:schemeClr val="accent1"/>
+          </a:effectRef>
+          <a:fontRef idx="minor">
+            <a:schemeClr val="lt1"/>
+          </a:fontRef>
+        </p:style>
+        <p:txBody>
+          <a:bodyPr rtlCol="0" anchor="ctr"/>
+          <a:lstStyle/>
+          <a:p>
+            <a:pPr algn="ctr"/>
+            <a:endParaRPr lang="de-DE"/>
+          </a:p>
+        </p:txBody>
+      </p:sp>
+      <p:sp>
+        <p:nvSpPr>
+          <p:cNvPr id="10" name="Rechteck 9">
+            <a:extLst>
+              <a:ext uri="{FF2B5EF4-FFF2-40B4-BE49-F238E27FC236}">
+                <a16:creationId xmlns:a16="http://schemas.microsoft.com/office/drawing/2014/main" id="{F56097F6-CF95-4FB8-A223-ABB0946893DE}"/>
+              </a:ext>
+            </a:extLst>
+          </p:cNvPr>
+          <p:cNvSpPr/>
+          <p:nvPr/>
+        </p:nvSpPr>
+        <p:spPr>
+          <a:xfrm>
+            <a:off x="6441234" y="3657600"/>
+            <a:ext cx="4478694" cy="2985796"/>
+          </a:xfrm>
+          <a:prstGeom prst="rect">
+            <a:avLst/>
+          </a:prstGeom>
+        </p:spPr>
+        <p:style>
+          <a:lnRef idx="2">
+            <a:schemeClr val="accent1">
+              <a:shade val="50000"/>
+            </a:schemeClr>
+          </a:lnRef>
+          <a:fillRef idx="1">
+            <a:schemeClr val="accent1"/>
+          </a:fillRef>
+          <a:effectRef idx="0">
+            <a:schemeClr val="accent1"/>
+          </a:effectRef>
+          <a:fontRef idx="minor">
+            <a:schemeClr val="lt1"/>
+          </a:fontRef>
+        </p:style>
+        <p:txBody>
+          <a:bodyPr rtlCol="0" anchor="ctr"/>
+          <a:lstStyle/>
+          <a:p>
+            <a:pPr algn="ctr"/>
+            <a:endParaRPr lang="de-DE"/>
+          </a:p>
+        </p:txBody>
+      </p:sp>
+      <p:pic>
+        <p:nvPicPr>
+          <p:cNvPr id="6" name="Picture 2" descr="http://faculty.cse.tamu.edu/davis/matrices_files/GHS_psdef%40finance256.jpg">
+            <a:extLst>
+              <a:ext uri="{FF2B5EF4-FFF2-40B4-BE49-F238E27FC236}">
+                <a16:creationId xmlns:a16="http://schemas.microsoft.com/office/drawing/2014/main" id="{61DFCF7A-E0E2-407C-9205-1044D2A6CE60}"/>
+              </a:ext>
+            </a:extLst>
+          </p:cNvPr>
+          <p:cNvPicPr>
+            <a:picLocks noChangeAspect="1" noChangeArrowheads="1"/>
+          </p:cNvPicPr>
+          <p:nvPr/>
+        </p:nvPicPr>
+        <p:blipFill>
+          <a:blip r:embed="rId2">
+            <a:extLst>
+              <a:ext uri="{28A0092B-C50C-407E-A947-70E740481C1C}">
+                <a14:useLocalDpi xmlns:a14="http://schemas.microsoft.com/office/drawing/2010/main" val="0"/>
+              </a:ext>
+            </a:extLst>
+          </a:blip>
+          <a:srcRect/>
+          <a:stretch>
+            <a:fillRect/>
+          </a:stretch>
+        </p:blipFill>
+        <p:spPr bwMode="auto">
+          <a:xfrm>
+            <a:off x="1272072" y="3657600"/>
+            <a:ext cx="4478694" cy="2985796"/>
+          </a:xfrm>
+          <a:prstGeom prst="rect">
+            <a:avLst/>
+          </a:prstGeom>
+          <a:noFill/>
+          <a:extLst>
+            <a:ext uri="{909E8E84-426E-40DD-AFC4-6F175D3DCCD1}">
+              <a14:hiddenFill xmlns:a14="http://schemas.microsoft.com/office/drawing/2010/main">
+                <a:solidFill>
+                  <a:srgbClr val="FFFFFF"/>
+                </a:solidFill>
+              </a14:hiddenFill>
+            </a:ext>
+          </a:extLst>
+        </p:spPr>
+      </p:pic>
+      <p:pic>
+        <p:nvPicPr>
+          <p:cNvPr id="3074" name="Picture 2" descr="http://faculty.cse.tamu.edu/davis/matrices_files/Buss%40connectus.jpg">
+            <a:extLst>
+              <a:ext uri="{FF2B5EF4-FFF2-40B4-BE49-F238E27FC236}">
+                <a16:creationId xmlns:a16="http://schemas.microsoft.com/office/drawing/2014/main" id="{BCAF3CDB-5626-4BD9-A0CE-FE06AC74D2FA}"/>
+              </a:ext>
+            </a:extLst>
+          </p:cNvPr>
+          <p:cNvPicPr>
+            <a:picLocks noChangeAspect="1" noChangeArrowheads="1"/>
+          </p:cNvPicPr>
+          <p:nvPr/>
+        </p:nvPicPr>
+        <p:blipFill>
+          <a:blip r:embed="rId3">
+            <a:extLst>
+              <a:ext uri="{28A0092B-C50C-407E-A947-70E740481C1C}">
+                <a14:useLocalDpi xmlns:a14="http://schemas.microsoft.com/office/drawing/2010/main" val="0"/>
+              </a:ext>
+            </a:extLst>
+          </a:blip>
+          <a:srcRect/>
+          <a:stretch>
+            <a:fillRect/>
+          </a:stretch>
+        </p:blipFill>
+        <p:spPr bwMode="auto">
+          <a:xfrm>
+            <a:off x="6441234" y="317866"/>
+            <a:ext cx="4478693" cy="2994732"/>
+          </a:xfrm>
+          <a:prstGeom prst="rect">
+            <a:avLst/>
+          </a:prstGeom>
+          <a:noFill/>
+          <a:extLst>
+            <a:ext uri="{909E8E84-426E-40DD-AFC4-6F175D3DCCD1}">
+              <a14:hiddenFill xmlns:a14="http://schemas.microsoft.com/office/drawing/2010/main">
+                <a:solidFill>
+                  <a:srgbClr val="FFFFFF"/>
+                </a:solidFill>
+              </a14:hiddenFill>
+            </a:ext>
+          </a:extLst>
+        </p:spPr>
+      </p:pic>
+      <p:pic>
+        <p:nvPicPr>
+          <p:cNvPr id="3076" name="Picture 4" descr="http://faculty.cse.tamu.edu/davis/matrices_files/GHS_psdef%40cvxbqp1.jpg">
+            <a:extLst>
+              <a:ext uri="{FF2B5EF4-FFF2-40B4-BE49-F238E27FC236}">
+                <a16:creationId xmlns:a16="http://schemas.microsoft.com/office/drawing/2014/main" id="{54722D13-9088-492B-9567-7A15DB12415D}"/>
+              </a:ext>
+            </a:extLst>
+          </p:cNvPr>
+          <p:cNvPicPr>
+            <a:picLocks noChangeAspect="1" noChangeArrowheads="1"/>
+          </p:cNvPicPr>
+          <p:nvPr/>
+        </p:nvPicPr>
+        <p:blipFill>
+          <a:blip r:embed="rId4">
+            <a:extLst>
+              <a:ext uri="{28A0092B-C50C-407E-A947-70E740481C1C}">
+                <a14:useLocalDpi xmlns:a14="http://schemas.microsoft.com/office/drawing/2010/main" val="0"/>
+              </a:ext>
+            </a:extLst>
+          </a:blip>
+          <a:srcRect/>
+          <a:stretch>
+            <a:fillRect/>
+          </a:stretch>
+        </p:blipFill>
+        <p:spPr bwMode="auto">
+          <a:xfrm>
+            <a:off x="6441234" y="3648039"/>
+            <a:ext cx="4478693" cy="2994732"/>
+          </a:xfrm>
+          <a:prstGeom prst="rect">
+            <a:avLst/>
+          </a:prstGeom>
+          <a:noFill/>
+          <a:extLst>
+            <a:ext uri="{909E8E84-426E-40DD-AFC4-6F175D3DCCD1}">
+              <a14:hiddenFill xmlns:a14="http://schemas.microsoft.com/office/drawing/2010/main">
+                <a:solidFill>
+                  <a:srgbClr val="FFFFFF"/>
+                </a:solidFill>
+              </a14:hiddenFill>
+            </a:ext>
+          </a:extLst>
+        </p:spPr>
+      </p:pic>
+      <p:pic>
+        <p:nvPicPr>
+          <p:cNvPr id="3078" name="Picture 6" descr="http://faculty.cse.tamu.edu/davis/matrices_files/net25_and_pre2.jpg">
+            <a:extLst>
+              <a:ext uri="{FF2B5EF4-FFF2-40B4-BE49-F238E27FC236}">
+                <a16:creationId xmlns:a16="http://schemas.microsoft.com/office/drawing/2014/main" id="{D76272FE-3BED-4E3A-AF62-F47267354A74}"/>
+              </a:ext>
+            </a:extLst>
+          </p:cNvPr>
+          <p:cNvPicPr>
+            <a:picLocks noChangeAspect="1" noChangeArrowheads="1"/>
+          </p:cNvPicPr>
+          <p:nvPr/>
+        </p:nvPicPr>
+        <p:blipFill rotWithShape="1">
+          <a:blip r:embed="rId5">
+            <a:extLst>
+              <a:ext uri="{28A0092B-C50C-407E-A947-70E740481C1C}">
+                <a14:useLocalDpi xmlns:a14="http://schemas.microsoft.com/office/drawing/2010/main" val="0"/>
+              </a:ext>
+            </a:extLst>
+          </a:blip>
+          <a:srcRect t="48303"/>
+          <a:stretch/>
+        </p:blipFill>
+        <p:spPr bwMode="auto">
+          <a:xfrm>
+            <a:off x="1272073" y="317241"/>
+            <a:ext cx="4495816" cy="2985796"/>
+          </a:xfrm>
+          <a:prstGeom prst="rect">
+            <a:avLst/>
+          </a:prstGeom>
+          <a:noFill/>
+          <a:extLst>
+            <a:ext uri="{909E8E84-426E-40DD-AFC4-6F175D3DCCD1}">
+              <a14:hiddenFill xmlns:a14="http://schemas.microsoft.com/office/drawing/2010/main">
+                <a:solidFill>
+                  <a:srgbClr val="FFFFFF"/>
+                </a:solidFill>
+              </a14:hiddenFill>
+            </a:ext>
+          </a:extLst>
+        </p:spPr>
+      </p:pic>
+    </p:spTree>
+    <p:extLst>
+      <p:ext uri="{BB962C8B-B14F-4D97-AF65-F5344CB8AC3E}">
+        <p14:creationId xmlns:p14="http://schemas.microsoft.com/office/powerpoint/2010/main" val="106776170"/>
+      </p:ext>
+    </p:extLst>
+  </p:cSld>
+  <p:clrMapOvr>
+    <a:masterClrMapping/>
+  </p:clrMapOvr>
+</p:sld>
+</file>
+
+<file path=ppt/slides/slide12.xml><?xml version="1.0" encoding="utf-8"?>
+<p:sld xmlns:a="http://schemas.openxmlformats.org/drawingml/2006/main" xmlns:r="http://schemas.openxmlformats.org/officeDocument/2006/relationships" xmlns:p="http://schemas.openxmlformats.org/presentationml/2006/main">
+  <p:cSld>
+    <p:spTree>
+      <p:nvGrpSpPr>
+        <p:cNvPr id="1" name=""/>
+        <p:cNvGrpSpPr/>
+        <p:nvPr/>
+      </p:nvGrpSpPr>
+      <p:grpSpPr>
+        <a:xfrm>
+          <a:off x="0" y="0"/>
+          <a:ext cx="0" cy="0"/>
+          <a:chOff x="0" y="0"/>
+          <a:chExt cx="0" cy="0"/>
+        </a:xfrm>
+      </p:grpSpPr>
+      <p:sp>
+        <p:nvSpPr>
           <p:cNvPr id="2" name="Titel 1">
             <a:extLst>
               <a:ext uri="{FF2B5EF4-FFF2-40B4-BE49-F238E27FC236}">
-                <a16:creationId xmlns:a16="http://schemas.microsoft.com/office/drawing/2014/main" id="{0F6D6057-9AD6-4A17-8E35-B0AF4E68F675}"/>
+                <a16:creationId xmlns:a16="http://schemas.microsoft.com/office/drawing/2014/main" id="{20CCDA9F-120C-46B5-88E0-2E02B83ABDC2}"/>
               </a:ext>
             </a:extLst>
           </p:cNvPr>
@@ -3625,11 +4280,7 @@
           <a:bodyPr/>
           <a:lstStyle/>
           <a:p>
-            <a:r>
-              <a:rPr lang="de-DE" dirty="0" err="1"/>
-              <a:t>outlook</a:t>
-            </a:r>
-            <a:endParaRPr lang="de-DE" dirty="0"/>
+            <a:endParaRPr lang="de-DE"/>
           </a:p>
         </p:txBody>
       </p:sp>
@@ -3638,7 +4289,7 @@
           <p:cNvPr id="3" name="Inhaltsplatzhalter 2">
             <a:extLst>
               <a:ext uri="{FF2B5EF4-FFF2-40B4-BE49-F238E27FC236}">
-                <a16:creationId xmlns:a16="http://schemas.microsoft.com/office/drawing/2014/main" id="{2BAE3E85-5952-4FCC-A5BE-B1BC7E36C319}"/>
+                <a16:creationId xmlns:a16="http://schemas.microsoft.com/office/drawing/2014/main" id="{9F69076B-AC84-4CE9-9B62-50FD858D50A8}"/>
               </a:ext>
             </a:extLst>
           </p:cNvPr>
@@ -3655,41 +4306,2105 @@
           <a:lstStyle/>
           <a:p>
             <a:r>
-              <a:rPr lang="de-DE" dirty="0" err="1"/>
-              <a:t>What</a:t>
-            </a:r>
-            <a:r>
-              <a:rPr lang="de-DE" dirty="0"/>
+              <a:rPr lang="en-US" i="1" dirty="0"/>
+              <a:t>Daisy Chain: Financial Portfolio Optimization (2009). Optimizing a financial portfolio leads to a graph with many branches, each depicting a possible future economic scenario. Which path will your portfolio take?</a:t>
+            </a:r>
+          </a:p>
+          <a:p>
+            <a:r>
+              <a:rPr lang="en-US" i="1" dirty="0"/>
+              <a:t>Web Poppies (2009) You like a web page and I like it too. 512 people like 394,792 web pages, do you like them too</a:t>
+            </a:r>
+          </a:p>
+          <a:p>
+            <a:r>
+              <a:rPr lang="en-US" i="1" dirty="0"/>
+              <a:t> reddish-orange frequency-domain circuit simulation matrix constructed via the harmonic-balance method</a:t>
+            </a:r>
+          </a:p>
+          <a:p>
+            <a:r>
+              <a:rPr lang="de-DE" i="1" dirty="0"/>
+              <a:t> </a:t>
+            </a:r>
+            <a:r>
+              <a:rPr lang="de-DE" i="1" dirty="0" err="1"/>
+              <a:t>Convex</a:t>
+            </a:r>
+            <a:r>
+              <a:rPr lang="de-DE" i="1" dirty="0"/>
               <a:t> </a:t>
             </a:r>
             <a:r>
-              <a:rPr lang="de-DE" dirty="0" err="1"/>
-              <a:t>we</a:t>
-            </a:r>
-            <a:r>
-              <a:rPr lang="de-DE" dirty="0"/>
+              <a:rPr lang="de-DE" i="1" dirty="0" err="1"/>
+              <a:t>Quadratic</a:t>
+            </a:r>
+            <a:r>
+              <a:rPr lang="de-DE" i="1" dirty="0"/>
               <a:t> </a:t>
             </a:r>
             <a:r>
-              <a:rPr lang="de-DE" dirty="0" err="1"/>
-              <a:t>could</a:t>
-            </a:r>
-            <a:r>
-              <a:rPr lang="de-DE" dirty="0"/>
-              <a:t> </a:t>
-            </a:r>
-            <a:r>
-              <a:rPr lang="de-DE" dirty="0" err="1"/>
-              <a:t>add</a:t>
+              <a:rPr lang="de-DE" i="1" dirty="0" err="1"/>
+              <a:t>Programming</a:t>
+            </a:r>
+            <a:r>
+              <a:rPr lang="de-DE" i="1" dirty="0"/>
+              <a:t> (2009)</a:t>
             </a:r>
             <a:endParaRPr lang="de-DE" dirty="0"/>
+          </a:p>
+        </p:txBody>
+      </p:sp>
+      <p:sp>
+        <p:nvSpPr>
+          <p:cNvPr id="4" name="Rectangle 1">
+            <a:extLst>
+              <a:ext uri="{FF2B5EF4-FFF2-40B4-BE49-F238E27FC236}">
+                <a16:creationId xmlns:a16="http://schemas.microsoft.com/office/drawing/2014/main" id="{D388407D-8B62-4F74-AC71-BE2839E5980B}"/>
+              </a:ext>
+            </a:extLst>
+          </p:cNvPr>
+          <p:cNvSpPr>
+            <a:spLocks noChangeArrowheads="1"/>
+          </p:cNvSpPr>
+          <p:nvPr/>
+        </p:nvSpPr>
+        <p:spPr bwMode="auto">
+          <a:xfrm>
+            <a:off x="3124200" y="32569150"/>
+            <a:ext cx="3048000" cy="457200"/>
+          </a:xfrm>
+          <a:prstGeom prst="rect">
+            <a:avLst/>
+          </a:prstGeom>
+          <a:solidFill>
+            <a:srgbClr val="FFFFFF"/>
+          </a:solidFill>
+          <a:ln>
+            <a:noFill/>
+          </a:ln>
+          <a:effectLst/>
+          <a:extLst>
+            <a:ext uri="{91240B29-F687-4F45-9708-019B960494DF}">
+              <a14:hiddenLine xmlns:a14="http://schemas.microsoft.com/office/drawing/2010/main" w="9525">
+                <a:solidFill>
+                  <a:schemeClr val="tx1"/>
+                </a:solidFill>
+                <a:miter lim="800000"/>
+                <a:headEnd/>
+                <a:tailEnd/>
+              </a14:hiddenLine>
+            </a:ext>
+            <a:ext uri="{AF507438-7753-43E0-B8FC-AC1667EBCBE1}">
+              <a14:hiddenEffects xmlns:a14="http://schemas.microsoft.com/office/drawing/2010/main">
+                <a:effectLst>
+                  <a:outerShdw dist="35921" dir="2700000" algn="ctr" rotWithShape="0">
+                    <a:schemeClr val="bg2"/>
+                  </a:outerShdw>
+                </a:effectLst>
+              </a14:hiddenEffects>
+            </a:ext>
+          </a:extLst>
+        </p:spPr>
+        <p:txBody>
+          <a:bodyPr vert="horz" wrap="none" lIns="91440" tIns="45720" rIns="91440" bIns="45720" numCol="1" anchor="ctr" anchorCtr="0" compatLnSpc="1">
+            <a:prstTxWarp prst="textNoShape">
+              <a:avLst/>
+            </a:prstTxWarp>
+            <a:spAutoFit/>
+          </a:bodyPr>
+          <a:lstStyle>
+            <a:lvl1pPr eaLnBrk="0" fontAlgn="base" hangingPunct="0">
+              <a:spcBef>
+                <a:spcPct val="0"/>
+              </a:spcBef>
+              <a:spcAft>
+                <a:spcPct val="0"/>
+              </a:spcAft>
+              <a:defRPr>
+                <a:solidFill>
+                  <a:schemeClr val="tx1"/>
+                </a:solidFill>
+                <a:latin typeface="Arial" panose="020B0604020202020204" pitchFamily="34" charset="0"/>
+              </a:defRPr>
+            </a:lvl1pPr>
+            <a:lvl2pPr eaLnBrk="0" fontAlgn="base" hangingPunct="0">
+              <a:spcBef>
+                <a:spcPct val="0"/>
+              </a:spcBef>
+              <a:spcAft>
+                <a:spcPct val="0"/>
+              </a:spcAft>
+              <a:defRPr>
+                <a:solidFill>
+                  <a:schemeClr val="tx1"/>
+                </a:solidFill>
+                <a:latin typeface="Arial" panose="020B0604020202020204" pitchFamily="34" charset="0"/>
+              </a:defRPr>
+            </a:lvl2pPr>
+            <a:lvl3pPr eaLnBrk="0" fontAlgn="base" hangingPunct="0">
+              <a:spcBef>
+                <a:spcPct val="0"/>
+              </a:spcBef>
+              <a:spcAft>
+                <a:spcPct val="0"/>
+              </a:spcAft>
+              <a:defRPr>
+                <a:solidFill>
+                  <a:schemeClr val="tx1"/>
+                </a:solidFill>
+                <a:latin typeface="Arial" panose="020B0604020202020204" pitchFamily="34" charset="0"/>
+              </a:defRPr>
+            </a:lvl3pPr>
+            <a:lvl4pPr eaLnBrk="0" fontAlgn="base" hangingPunct="0">
+              <a:spcBef>
+                <a:spcPct val="0"/>
+              </a:spcBef>
+              <a:spcAft>
+                <a:spcPct val="0"/>
+              </a:spcAft>
+              <a:defRPr>
+                <a:solidFill>
+                  <a:schemeClr val="tx1"/>
+                </a:solidFill>
+                <a:latin typeface="Arial" panose="020B0604020202020204" pitchFamily="34" charset="0"/>
+              </a:defRPr>
+            </a:lvl4pPr>
+            <a:lvl5pPr eaLnBrk="0" fontAlgn="base" hangingPunct="0">
+              <a:spcBef>
+                <a:spcPct val="0"/>
+              </a:spcBef>
+              <a:spcAft>
+                <a:spcPct val="0"/>
+              </a:spcAft>
+              <a:defRPr>
+                <a:solidFill>
+                  <a:schemeClr val="tx1"/>
+                </a:solidFill>
+                <a:latin typeface="Arial" panose="020B0604020202020204" pitchFamily="34" charset="0"/>
+              </a:defRPr>
+            </a:lvl5pPr>
+            <a:lvl6pPr eaLnBrk="0" fontAlgn="base" hangingPunct="0">
+              <a:spcBef>
+                <a:spcPct val="0"/>
+              </a:spcBef>
+              <a:spcAft>
+                <a:spcPct val="0"/>
+              </a:spcAft>
+              <a:defRPr>
+                <a:solidFill>
+                  <a:schemeClr val="tx1"/>
+                </a:solidFill>
+                <a:latin typeface="Arial" panose="020B0604020202020204" pitchFamily="34" charset="0"/>
+              </a:defRPr>
+            </a:lvl6pPr>
+            <a:lvl7pPr eaLnBrk="0" fontAlgn="base" hangingPunct="0">
+              <a:spcBef>
+                <a:spcPct val="0"/>
+              </a:spcBef>
+              <a:spcAft>
+                <a:spcPct val="0"/>
+              </a:spcAft>
+              <a:defRPr>
+                <a:solidFill>
+                  <a:schemeClr val="tx1"/>
+                </a:solidFill>
+                <a:latin typeface="Arial" panose="020B0604020202020204" pitchFamily="34" charset="0"/>
+              </a:defRPr>
+            </a:lvl7pPr>
+            <a:lvl8pPr eaLnBrk="0" fontAlgn="base" hangingPunct="0">
+              <a:spcBef>
+                <a:spcPct val="0"/>
+              </a:spcBef>
+              <a:spcAft>
+                <a:spcPct val="0"/>
+              </a:spcAft>
+              <a:defRPr>
+                <a:solidFill>
+                  <a:schemeClr val="tx1"/>
+                </a:solidFill>
+                <a:latin typeface="Arial" panose="020B0604020202020204" pitchFamily="34" charset="0"/>
+              </a:defRPr>
+            </a:lvl8pPr>
+            <a:lvl9pPr eaLnBrk="0" fontAlgn="base" hangingPunct="0">
+              <a:spcBef>
+                <a:spcPct val="0"/>
+              </a:spcBef>
+              <a:spcAft>
+                <a:spcPct val="0"/>
+              </a:spcAft>
+              <a:defRPr>
+                <a:solidFill>
+                  <a:schemeClr val="tx1"/>
+                </a:solidFill>
+                <a:latin typeface="Arial" panose="020B0604020202020204" pitchFamily="34" charset="0"/>
+              </a:defRPr>
+            </a:lvl9pPr>
+          </a:lstStyle>
+          <a:p>
+            <a:pPr marL="0" marR="0" lvl="0" indent="0" algn="l" defTabSz="914400" rtl="0" eaLnBrk="0" fontAlgn="base" latinLnBrk="0" hangingPunct="0">
+              <a:lnSpc>
+                <a:spcPct val="100000"/>
+              </a:lnSpc>
+              <a:spcBef>
+                <a:spcPct val="0"/>
+              </a:spcBef>
+              <a:spcAft>
+                <a:spcPct val="0"/>
+              </a:spcAft>
+              <a:buClrTx/>
+              <a:buSzTx/>
+              <a:buFontTx/>
+              <a:buNone/>
+              <a:tabLst/>
+            </a:pPr>
+            <a:r>
+              <a:rPr kumimoji="0" lang="de-DE" altLang="de-DE" sz="1000" b="0" i="1" u="none" strike="noStrike" cap="none" normalizeH="0" baseline="0">
+                <a:ln>
+                  <a:noFill/>
+                </a:ln>
+                <a:solidFill>
+                  <a:srgbClr val="CBCBCB"/>
+                </a:solidFill>
+                <a:effectLst/>
+                <a:latin typeface="Futura-MediumItalic"/>
+                <a:cs typeface="Times New Roman" panose="02020603050405020304" pitchFamily="18" charset="0"/>
+              </a:rPr>
+              <a:t>Web Poppies (2009) You like a web page and I like it too. 512 people like 394,792 web pages, do you like them too?</a:t>
+            </a:r>
+            <a:br>
+              <a:rPr kumimoji="0" lang="de-DE" altLang="de-DE" sz="1000" b="0" i="1" u="none" strike="noStrike" cap="none" normalizeH="0" baseline="0">
+                <a:ln>
+                  <a:noFill/>
+                </a:ln>
+                <a:solidFill>
+                  <a:srgbClr val="CBCBCB"/>
+                </a:solidFill>
+                <a:effectLst/>
+                <a:latin typeface="Futura-MediumItalic"/>
+                <a:cs typeface="Times New Roman" panose="02020603050405020304" pitchFamily="18" charset="0"/>
+              </a:rPr>
+            </a:br>
+            <a:endParaRPr kumimoji="0" lang="de-DE" altLang="de-DE" sz="800" b="0" i="0" u="none" strike="noStrike" cap="none" normalizeH="0" baseline="0">
+              <a:ln>
+                <a:noFill/>
+              </a:ln>
+              <a:solidFill>
+                <a:schemeClr val="tx1"/>
+              </a:solidFill>
+              <a:effectLst/>
+            </a:endParaRPr>
+          </a:p>
+          <a:p>
+            <a:pPr marL="0" marR="0" lvl="0" indent="0" algn="l" defTabSz="914400" rtl="0" eaLnBrk="0" fontAlgn="base" latinLnBrk="0" hangingPunct="0">
+              <a:lnSpc>
+                <a:spcPct val="100000"/>
+              </a:lnSpc>
+              <a:spcBef>
+                <a:spcPct val="0"/>
+              </a:spcBef>
+              <a:spcAft>
+                <a:spcPct val="0"/>
+              </a:spcAft>
+              <a:buClrTx/>
+              <a:buSzTx/>
+              <a:buFontTx/>
+              <a:buNone/>
+              <a:tabLst/>
+            </a:pPr>
+            <a:endParaRPr kumimoji="0" lang="de-DE" altLang="de-DE" sz="1800" b="0" i="0" u="none" strike="noStrike" cap="none" normalizeH="0" baseline="0">
+              <a:ln>
+                <a:noFill/>
+              </a:ln>
+              <a:solidFill>
+                <a:schemeClr val="tx1"/>
+              </a:solidFill>
+              <a:effectLst/>
+              <a:latin typeface="Arial" panose="020B0604020202020204" pitchFamily="34" charset="0"/>
+            </a:endParaRPr>
+          </a:p>
+        </p:txBody>
+      </p:sp>
+      <p:sp>
+        <p:nvSpPr>
+          <p:cNvPr id="5" name="Rectangle 2">
+            <a:extLst>
+              <a:ext uri="{FF2B5EF4-FFF2-40B4-BE49-F238E27FC236}">
+                <a16:creationId xmlns:a16="http://schemas.microsoft.com/office/drawing/2014/main" id="{1CCDD769-BF52-4508-80A8-70FDF0D473EC}"/>
+              </a:ext>
+            </a:extLst>
+          </p:cNvPr>
+          <p:cNvSpPr>
+            <a:spLocks noChangeArrowheads="1"/>
+          </p:cNvSpPr>
+          <p:nvPr/>
+        </p:nvSpPr>
+        <p:spPr bwMode="auto">
+          <a:xfrm>
+            <a:off x="3124200" y="41325800"/>
+            <a:ext cx="3048000" cy="457200"/>
+          </a:xfrm>
+          <a:prstGeom prst="rect">
+            <a:avLst/>
+          </a:prstGeom>
+          <a:solidFill>
+            <a:srgbClr val="FFFFFF"/>
+          </a:solidFill>
+          <a:ln>
+            <a:noFill/>
+          </a:ln>
+          <a:effectLst/>
+          <a:extLst>
+            <a:ext uri="{91240B29-F687-4F45-9708-019B960494DF}">
+              <a14:hiddenLine xmlns:a14="http://schemas.microsoft.com/office/drawing/2010/main" w="9525">
+                <a:solidFill>
+                  <a:schemeClr val="tx1"/>
+                </a:solidFill>
+                <a:miter lim="800000"/>
+                <a:headEnd/>
+                <a:tailEnd/>
+              </a14:hiddenLine>
+            </a:ext>
+            <a:ext uri="{AF507438-7753-43E0-B8FC-AC1667EBCBE1}">
+              <a14:hiddenEffects xmlns:a14="http://schemas.microsoft.com/office/drawing/2010/main">
+                <a:effectLst>
+                  <a:outerShdw dist="35921" dir="2700000" algn="ctr" rotWithShape="0">
+                    <a:schemeClr val="bg2"/>
+                  </a:outerShdw>
+                </a:effectLst>
+              </a14:hiddenEffects>
+            </a:ext>
+          </a:extLst>
+        </p:spPr>
+        <p:txBody>
+          <a:bodyPr vert="horz" wrap="none" lIns="91440" tIns="45720" rIns="91440" bIns="45720" numCol="1" anchor="ctr" anchorCtr="0" compatLnSpc="1">
+            <a:prstTxWarp prst="textNoShape">
+              <a:avLst/>
+            </a:prstTxWarp>
+            <a:spAutoFit/>
+          </a:bodyPr>
+          <a:lstStyle>
+            <a:lvl1pPr eaLnBrk="0" fontAlgn="base" hangingPunct="0">
+              <a:spcBef>
+                <a:spcPct val="0"/>
+              </a:spcBef>
+              <a:spcAft>
+                <a:spcPct val="0"/>
+              </a:spcAft>
+              <a:defRPr>
+                <a:solidFill>
+                  <a:schemeClr val="tx1"/>
+                </a:solidFill>
+                <a:latin typeface="Arial" panose="020B0604020202020204" pitchFamily="34" charset="0"/>
+              </a:defRPr>
+            </a:lvl1pPr>
+            <a:lvl2pPr eaLnBrk="0" fontAlgn="base" hangingPunct="0">
+              <a:spcBef>
+                <a:spcPct val="0"/>
+              </a:spcBef>
+              <a:spcAft>
+                <a:spcPct val="0"/>
+              </a:spcAft>
+              <a:defRPr>
+                <a:solidFill>
+                  <a:schemeClr val="tx1"/>
+                </a:solidFill>
+                <a:latin typeface="Arial" panose="020B0604020202020204" pitchFamily="34" charset="0"/>
+              </a:defRPr>
+            </a:lvl2pPr>
+            <a:lvl3pPr eaLnBrk="0" fontAlgn="base" hangingPunct="0">
+              <a:spcBef>
+                <a:spcPct val="0"/>
+              </a:spcBef>
+              <a:spcAft>
+                <a:spcPct val="0"/>
+              </a:spcAft>
+              <a:defRPr>
+                <a:solidFill>
+                  <a:schemeClr val="tx1"/>
+                </a:solidFill>
+                <a:latin typeface="Arial" panose="020B0604020202020204" pitchFamily="34" charset="0"/>
+              </a:defRPr>
+            </a:lvl3pPr>
+            <a:lvl4pPr eaLnBrk="0" fontAlgn="base" hangingPunct="0">
+              <a:spcBef>
+                <a:spcPct val="0"/>
+              </a:spcBef>
+              <a:spcAft>
+                <a:spcPct val="0"/>
+              </a:spcAft>
+              <a:defRPr>
+                <a:solidFill>
+                  <a:schemeClr val="tx1"/>
+                </a:solidFill>
+                <a:latin typeface="Arial" panose="020B0604020202020204" pitchFamily="34" charset="0"/>
+              </a:defRPr>
+            </a:lvl4pPr>
+            <a:lvl5pPr eaLnBrk="0" fontAlgn="base" hangingPunct="0">
+              <a:spcBef>
+                <a:spcPct val="0"/>
+              </a:spcBef>
+              <a:spcAft>
+                <a:spcPct val="0"/>
+              </a:spcAft>
+              <a:defRPr>
+                <a:solidFill>
+                  <a:schemeClr val="tx1"/>
+                </a:solidFill>
+                <a:latin typeface="Arial" panose="020B0604020202020204" pitchFamily="34" charset="0"/>
+              </a:defRPr>
+            </a:lvl5pPr>
+            <a:lvl6pPr eaLnBrk="0" fontAlgn="base" hangingPunct="0">
+              <a:spcBef>
+                <a:spcPct val="0"/>
+              </a:spcBef>
+              <a:spcAft>
+                <a:spcPct val="0"/>
+              </a:spcAft>
+              <a:defRPr>
+                <a:solidFill>
+                  <a:schemeClr val="tx1"/>
+                </a:solidFill>
+                <a:latin typeface="Arial" panose="020B0604020202020204" pitchFamily="34" charset="0"/>
+              </a:defRPr>
+            </a:lvl6pPr>
+            <a:lvl7pPr eaLnBrk="0" fontAlgn="base" hangingPunct="0">
+              <a:spcBef>
+                <a:spcPct val="0"/>
+              </a:spcBef>
+              <a:spcAft>
+                <a:spcPct val="0"/>
+              </a:spcAft>
+              <a:defRPr>
+                <a:solidFill>
+                  <a:schemeClr val="tx1"/>
+                </a:solidFill>
+                <a:latin typeface="Arial" panose="020B0604020202020204" pitchFamily="34" charset="0"/>
+              </a:defRPr>
+            </a:lvl7pPr>
+            <a:lvl8pPr eaLnBrk="0" fontAlgn="base" hangingPunct="0">
+              <a:spcBef>
+                <a:spcPct val="0"/>
+              </a:spcBef>
+              <a:spcAft>
+                <a:spcPct val="0"/>
+              </a:spcAft>
+              <a:defRPr>
+                <a:solidFill>
+                  <a:schemeClr val="tx1"/>
+                </a:solidFill>
+                <a:latin typeface="Arial" panose="020B0604020202020204" pitchFamily="34" charset="0"/>
+              </a:defRPr>
+            </a:lvl8pPr>
+            <a:lvl9pPr eaLnBrk="0" fontAlgn="base" hangingPunct="0">
+              <a:spcBef>
+                <a:spcPct val="0"/>
+              </a:spcBef>
+              <a:spcAft>
+                <a:spcPct val="0"/>
+              </a:spcAft>
+              <a:defRPr>
+                <a:solidFill>
+                  <a:schemeClr val="tx1"/>
+                </a:solidFill>
+                <a:latin typeface="Arial" panose="020B0604020202020204" pitchFamily="34" charset="0"/>
+              </a:defRPr>
+            </a:lvl9pPr>
+          </a:lstStyle>
+          <a:p>
+            <a:pPr marL="0" marR="0" lvl="0" indent="0" algn="l" defTabSz="914400" rtl="0" eaLnBrk="0" fontAlgn="base" latinLnBrk="0" hangingPunct="0">
+              <a:lnSpc>
+                <a:spcPct val="100000"/>
+              </a:lnSpc>
+              <a:spcBef>
+                <a:spcPct val="0"/>
+              </a:spcBef>
+              <a:spcAft>
+                <a:spcPct val="0"/>
+              </a:spcAft>
+              <a:buClrTx/>
+              <a:buSzTx/>
+              <a:buFontTx/>
+              <a:buNone/>
+              <a:tabLst/>
+            </a:pPr>
+            <a:r>
+              <a:rPr kumimoji="0" lang="de-DE" altLang="de-DE" sz="1000" b="0" i="1" u="none" strike="noStrike" cap="none" normalizeH="0" baseline="0">
+                <a:ln>
+                  <a:noFill/>
+                </a:ln>
+                <a:solidFill>
+                  <a:srgbClr val="CBCBCB"/>
+                </a:solidFill>
+                <a:effectLst/>
+                <a:latin typeface="Futura-MediumItalic"/>
+                <a:cs typeface="Times New Roman" panose="02020603050405020304" pitchFamily="18" charset="0"/>
+              </a:rPr>
+              <a:t>One Fish, Two Fish (2009) A blue constraint matrix from a linear programming problem meets a reddish-orange frequency-domain circuit simulation matrix constructed via the harmonic-balance method, swimming alongside.</a:t>
+            </a:r>
+            <a:endParaRPr kumimoji="0" lang="de-DE" altLang="de-DE" sz="800" b="0" i="0" u="none" strike="noStrike" cap="none" normalizeH="0" baseline="0">
+              <a:ln>
+                <a:noFill/>
+              </a:ln>
+              <a:solidFill>
+                <a:schemeClr val="tx1"/>
+              </a:solidFill>
+              <a:effectLst/>
+            </a:endParaRPr>
+          </a:p>
+          <a:p>
+            <a:pPr marL="0" marR="0" lvl="0" indent="0" algn="l" defTabSz="914400" rtl="0" eaLnBrk="0" fontAlgn="base" latinLnBrk="0" hangingPunct="0">
+              <a:lnSpc>
+                <a:spcPct val="100000"/>
+              </a:lnSpc>
+              <a:spcBef>
+                <a:spcPct val="0"/>
+              </a:spcBef>
+              <a:spcAft>
+                <a:spcPct val="0"/>
+              </a:spcAft>
+              <a:buClrTx/>
+              <a:buSzTx/>
+              <a:buFontTx/>
+              <a:buNone/>
+              <a:tabLst/>
+            </a:pPr>
+            <a:endParaRPr kumimoji="0" lang="de-DE" altLang="de-DE" sz="1800" b="0" i="0" u="none" strike="noStrike" cap="none" normalizeH="0" baseline="0">
+              <a:ln>
+                <a:noFill/>
+              </a:ln>
+              <a:solidFill>
+                <a:schemeClr val="tx1"/>
+              </a:solidFill>
+              <a:effectLst/>
+              <a:latin typeface="Arial" panose="020B0604020202020204" pitchFamily="34" charset="0"/>
+            </a:endParaRPr>
+          </a:p>
+        </p:txBody>
+      </p:sp>
+      <p:sp>
+        <p:nvSpPr>
+          <p:cNvPr id="6" name="AutoShape 4" descr="http://faculty.cse.tamu.edu/davis/matrices.html">
+            <a:extLst>
+              <a:ext uri="{FF2B5EF4-FFF2-40B4-BE49-F238E27FC236}">
+                <a16:creationId xmlns:a16="http://schemas.microsoft.com/office/drawing/2014/main" id="{B9F1D6D7-A354-4E6D-930E-07A8E6708A97}"/>
+              </a:ext>
+            </a:extLst>
+          </p:cNvPr>
+          <p:cNvSpPr>
+            <a:spLocks noChangeAspect="1" noChangeArrowheads="1"/>
+          </p:cNvSpPr>
+          <p:nvPr/>
+        </p:nvSpPr>
+        <p:spPr bwMode="auto">
+          <a:xfrm>
+            <a:off x="0" y="0"/>
+            <a:ext cx="304800" cy="304800"/>
+          </a:xfrm>
+          <a:prstGeom prst="rect">
+            <a:avLst/>
+          </a:prstGeom>
+          <a:noFill/>
+          <a:extLst>
+            <a:ext uri="{909E8E84-426E-40DD-AFC4-6F175D3DCCD1}">
+              <a14:hiddenFill xmlns:a14="http://schemas.microsoft.com/office/drawing/2010/main">
+                <a:solidFill>
+                  <a:srgbClr val="FFFFFF"/>
+                </a:solidFill>
+              </a14:hiddenFill>
+            </a:ext>
+          </a:extLst>
+        </p:spPr>
+        <p:txBody>
+          <a:bodyPr vert="horz" wrap="square" lIns="91440" tIns="45720" rIns="91440" bIns="45720" numCol="1" anchor="t" anchorCtr="0" compatLnSpc="1">
+            <a:prstTxWarp prst="textNoShape">
+              <a:avLst/>
+            </a:prstTxWarp>
+          </a:bodyPr>
+          <a:lstStyle/>
+          <a:p>
+            <a:endParaRPr lang="de-DE"/>
+          </a:p>
+        </p:txBody>
+      </p:sp>
+      <p:pic>
+        <p:nvPicPr>
+          <p:cNvPr id="5125" name="Picture 5" descr="http://faculty.cse.tamu.edu/davis/matrices_files/stroke.png">
+            <a:extLst>
+              <a:ext uri="{FF2B5EF4-FFF2-40B4-BE49-F238E27FC236}">
+                <a16:creationId xmlns:a16="http://schemas.microsoft.com/office/drawing/2014/main" id="{F929A299-AFF2-4157-8302-1E2E36712C39}"/>
+              </a:ext>
+            </a:extLst>
+          </p:cNvPr>
+          <p:cNvPicPr>
+            <a:picLocks noChangeAspect="1" noChangeArrowheads="1"/>
+          </p:cNvPicPr>
+          <p:nvPr/>
+        </p:nvPicPr>
+        <p:blipFill>
+          <a:blip r:embed="rId2">
+            <a:extLst>
+              <a:ext uri="{28A0092B-C50C-407E-A947-70E740481C1C}">
+                <a14:useLocalDpi xmlns:a14="http://schemas.microsoft.com/office/drawing/2010/main" val="0"/>
+              </a:ext>
+            </a:extLst>
+          </a:blip>
+          <a:srcRect/>
+          <a:stretch>
+            <a:fillRect/>
+          </a:stretch>
+        </p:blipFill>
+        <p:spPr bwMode="auto">
+          <a:xfrm>
+            <a:off x="0" y="0"/>
+            <a:ext cx="38100" cy="3343275"/>
+          </a:xfrm>
+          <a:prstGeom prst="rect">
+            <a:avLst/>
+          </a:prstGeom>
+          <a:noFill/>
+          <a:extLst>
+            <a:ext uri="{909E8E84-426E-40DD-AFC4-6F175D3DCCD1}">
+              <a14:hiddenFill xmlns:a14="http://schemas.microsoft.com/office/drawing/2010/main">
+                <a:solidFill>
+                  <a:srgbClr val="FFFFFF"/>
+                </a:solidFill>
+              </a14:hiddenFill>
+            </a:ext>
+          </a:extLst>
+        </p:spPr>
+      </p:pic>
+      <p:pic>
+        <p:nvPicPr>
+          <p:cNvPr id="5126" name="Picture 6" descr="http://faculty.cse.tamu.edu/davis/matrices_files/stroke_1.png">
+            <a:extLst>
+              <a:ext uri="{FF2B5EF4-FFF2-40B4-BE49-F238E27FC236}">
+                <a16:creationId xmlns:a16="http://schemas.microsoft.com/office/drawing/2014/main" id="{6B732314-2549-40EB-BA94-BC8D66E9A872}"/>
+              </a:ext>
+            </a:extLst>
+          </p:cNvPr>
+          <p:cNvPicPr>
+            <a:picLocks noChangeAspect="1" noChangeArrowheads="1"/>
+          </p:cNvPicPr>
+          <p:nvPr/>
+        </p:nvPicPr>
+        <p:blipFill>
+          <a:blip r:embed="rId3">
+            <a:extLst>
+              <a:ext uri="{28A0092B-C50C-407E-A947-70E740481C1C}">
+                <a14:useLocalDpi xmlns:a14="http://schemas.microsoft.com/office/drawing/2010/main" val="0"/>
+              </a:ext>
+            </a:extLst>
+          </a:blip>
+          <a:srcRect/>
+          <a:stretch>
+            <a:fillRect/>
+          </a:stretch>
+        </p:blipFill>
+        <p:spPr bwMode="auto">
+          <a:xfrm>
+            <a:off x="0" y="0"/>
+            <a:ext cx="38100" cy="38100"/>
+          </a:xfrm>
+          <a:prstGeom prst="rect">
+            <a:avLst/>
+          </a:prstGeom>
+          <a:noFill/>
+          <a:extLst>
+            <a:ext uri="{909E8E84-426E-40DD-AFC4-6F175D3DCCD1}">
+              <a14:hiddenFill xmlns:a14="http://schemas.microsoft.com/office/drawing/2010/main">
+                <a:solidFill>
+                  <a:srgbClr val="FFFFFF"/>
+                </a:solidFill>
+              </a14:hiddenFill>
+            </a:ext>
+          </a:extLst>
+        </p:spPr>
+      </p:pic>
+      <p:pic>
+        <p:nvPicPr>
+          <p:cNvPr id="5127" name="Picture 7" descr="http://faculty.cse.tamu.edu/davis/matrices_files/stroke_2.png">
+            <a:extLst>
+              <a:ext uri="{FF2B5EF4-FFF2-40B4-BE49-F238E27FC236}">
+                <a16:creationId xmlns:a16="http://schemas.microsoft.com/office/drawing/2014/main" id="{A2158F37-16BC-491B-A177-DF4DA1C55E62}"/>
+              </a:ext>
+            </a:extLst>
+          </p:cNvPr>
+          <p:cNvPicPr>
+            <a:picLocks noChangeAspect="1" noChangeArrowheads="1"/>
+          </p:cNvPicPr>
+          <p:nvPr/>
+        </p:nvPicPr>
+        <p:blipFill>
+          <a:blip r:embed="rId4">
+            <a:extLst>
+              <a:ext uri="{28A0092B-C50C-407E-A947-70E740481C1C}">
+                <a14:useLocalDpi xmlns:a14="http://schemas.microsoft.com/office/drawing/2010/main" val="0"/>
+              </a:ext>
+            </a:extLst>
+          </a:blip>
+          <a:srcRect/>
+          <a:stretch>
+            <a:fillRect/>
+          </a:stretch>
+        </p:blipFill>
+        <p:spPr bwMode="auto">
+          <a:xfrm>
+            <a:off x="0" y="0"/>
+            <a:ext cx="4010025" cy="38100"/>
+          </a:xfrm>
+          <a:prstGeom prst="rect">
+            <a:avLst/>
+          </a:prstGeom>
+          <a:noFill/>
+          <a:extLst>
+            <a:ext uri="{909E8E84-426E-40DD-AFC4-6F175D3DCCD1}">
+              <a14:hiddenFill xmlns:a14="http://schemas.microsoft.com/office/drawing/2010/main">
+                <a:solidFill>
+                  <a:srgbClr val="FFFFFF"/>
+                </a:solidFill>
+              </a14:hiddenFill>
+            </a:ext>
+          </a:extLst>
+        </p:spPr>
+      </p:pic>
+      <p:pic>
+        <p:nvPicPr>
+          <p:cNvPr id="5128" name="Picture 8" descr="http://faculty.cse.tamu.edu/davis/matrices_files/stroke_3.png">
+            <a:extLst>
+              <a:ext uri="{FF2B5EF4-FFF2-40B4-BE49-F238E27FC236}">
+                <a16:creationId xmlns:a16="http://schemas.microsoft.com/office/drawing/2014/main" id="{7E0505B7-95FE-44A5-8F12-0B0BBB5A9597}"/>
+              </a:ext>
+            </a:extLst>
+          </p:cNvPr>
+          <p:cNvPicPr>
+            <a:picLocks noChangeAspect="1" noChangeArrowheads="1"/>
+          </p:cNvPicPr>
+          <p:nvPr/>
+        </p:nvPicPr>
+        <p:blipFill>
+          <a:blip r:embed="rId3">
+            <a:extLst>
+              <a:ext uri="{28A0092B-C50C-407E-A947-70E740481C1C}">
+                <a14:useLocalDpi xmlns:a14="http://schemas.microsoft.com/office/drawing/2010/main" val="0"/>
+              </a:ext>
+            </a:extLst>
+          </a:blip>
+          <a:srcRect/>
+          <a:stretch>
+            <a:fillRect/>
+          </a:stretch>
+        </p:blipFill>
+        <p:spPr bwMode="auto">
+          <a:xfrm>
+            <a:off x="0" y="0"/>
+            <a:ext cx="38100" cy="38100"/>
+          </a:xfrm>
+          <a:prstGeom prst="rect">
+            <a:avLst/>
+          </a:prstGeom>
+          <a:noFill/>
+          <a:extLst>
+            <a:ext uri="{909E8E84-426E-40DD-AFC4-6F175D3DCCD1}">
+              <a14:hiddenFill xmlns:a14="http://schemas.microsoft.com/office/drawing/2010/main">
+                <a:solidFill>
+                  <a:srgbClr val="FFFFFF"/>
+                </a:solidFill>
+              </a14:hiddenFill>
+            </a:ext>
+          </a:extLst>
+        </p:spPr>
+      </p:pic>
+      <p:pic>
+        <p:nvPicPr>
+          <p:cNvPr id="5129" name="Picture 9" descr="http://faculty.cse.tamu.edu/davis/matrices_files/stroke_4.png">
+            <a:extLst>
+              <a:ext uri="{FF2B5EF4-FFF2-40B4-BE49-F238E27FC236}">
+                <a16:creationId xmlns:a16="http://schemas.microsoft.com/office/drawing/2014/main" id="{81F9DAD0-09FB-4EDA-A3D7-FAC8E2ED529E}"/>
+              </a:ext>
+            </a:extLst>
+          </p:cNvPr>
+          <p:cNvPicPr>
+            <a:picLocks noChangeAspect="1" noChangeArrowheads="1"/>
+          </p:cNvPicPr>
+          <p:nvPr/>
+        </p:nvPicPr>
+        <p:blipFill>
+          <a:blip r:embed="rId2">
+            <a:extLst>
+              <a:ext uri="{28A0092B-C50C-407E-A947-70E740481C1C}">
+                <a14:useLocalDpi xmlns:a14="http://schemas.microsoft.com/office/drawing/2010/main" val="0"/>
+              </a:ext>
+            </a:extLst>
+          </a:blip>
+          <a:srcRect/>
+          <a:stretch>
+            <a:fillRect/>
+          </a:stretch>
+        </p:blipFill>
+        <p:spPr bwMode="auto">
+          <a:xfrm>
+            <a:off x="0" y="0"/>
+            <a:ext cx="38100" cy="3343275"/>
+          </a:xfrm>
+          <a:prstGeom prst="rect">
+            <a:avLst/>
+          </a:prstGeom>
+          <a:noFill/>
+          <a:extLst>
+            <a:ext uri="{909E8E84-426E-40DD-AFC4-6F175D3DCCD1}">
+              <a14:hiddenFill xmlns:a14="http://schemas.microsoft.com/office/drawing/2010/main">
+                <a:solidFill>
+                  <a:srgbClr val="FFFFFF"/>
+                </a:solidFill>
+              </a14:hiddenFill>
+            </a:ext>
+          </a:extLst>
+        </p:spPr>
+      </p:pic>
+      <p:pic>
+        <p:nvPicPr>
+          <p:cNvPr id="5130" name="Picture 10" descr="http://faculty.cse.tamu.edu/davis/matrices_files/stroke_5.png">
+            <a:extLst>
+              <a:ext uri="{FF2B5EF4-FFF2-40B4-BE49-F238E27FC236}">
+                <a16:creationId xmlns:a16="http://schemas.microsoft.com/office/drawing/2014/main" id="{6105AFFD-3D59-4FDD-910C-1ABFF68D4021}"/>
+              </a:ext>
+            </a:extLst>
+          </p:cNvPr>
+          <p:cNvPicPr>
+            <a:picLocks noChangeAspect="1" noChangeArrowheads="1"/>
+          </p:cNvPicPr>
+          <p:nvPr/>
+        </p:nvPicPr>
+        <p:blipFill>
+          <a:blip r:embed="rId3">
+            <a:extLst>
+              <a:ext uri="{28A0092B-C50C-407E-A947-70E740481C1C}">
+                <a14:useLocalDpi xmlns:a14="http://schemas.microsoft.com/office/drawing/2010/main" val="0"/>
+              </a:ext>
+            </a:extLst>
+          </a:blip>
+          <a:srcRect/>
+          <a:stretch>
+            <a:fillRect/>
+          </a:stretch>
+        </p:blipFill>
+        <p:spPr bwMode="auto">
+          <a:xfrm>
+            <a:off x="0" y="0"/>
+            <a:ext cx="38100" cy="38100"/>
+          </a:xfrm>
+          <a:prstGeom prst="rect">
+            <a:avLst/>
+          </a:prstGeom>
+          <a:noFill/>
+          <a:extLst>
+            <a:ext uri="{909E8E84-426E-40DD-AFC4-6F175D3DCCD1}">
+              <a14:hiddenFill xmlns:a14="http://schemas.microsoft.com/office/drawing/2010/main">
+                <a:solidFill>
+                  <a:srgbClr val="FFFFFF"/>
+                </a:solidFill>
+              </a14:hiddenFill>
+            </a:ext>
+          </a:extLst>
+        </p:spPr>
+      </p:pic>
+      <p:pic>
+        <p:nvPicPr>
+          <p:cNvPr id="5131" name="Picture 11" descr="http://faculty.cse.tamu.edu/davis/matrices_files/stroke_6.png">
+            <a:extLst>
+              <a:ext uri="{FF2B5EF4-FFF2-40B4-BE49-F238E27FC236}">
+                <a16:creationId xmlns:a16="http://schemas.microsoft.com/office/drawing/2014/main" id="{BEEC071F-C389-47D6-80FD-7F1D90BBE679}"/>
+              </a:ext>
+            </a:extLst>
+          </p:cNvPr>
+          <p:cNvPicPr>
+            <a:picLocks noChangeAspect="1" noChangeArrowheads="1"/>
+          </p:cNvPicPr>
+          <p:nvPr/>
+        </p:nvPicPr>
+        <p:blipFill>
+          <a:blip r:embed="rId4">
+            <a:extLst>
+              <a:ext uri="{28A0092B-C50C-407E-A947-70E740481C1C}">
+                <a14:useLocalDpi xmlns:a14="http://schemas.microsoft.com/office/drawing/2010/main" val="0"/>
+              </a:ext>
+            </a:extLst>
+          </a:blip>
+          <a:srcRect/>
+          <a:stretch>
+            <a:fillRect/>
+          </a:stretch>
+        </p:blipFill>
+        <p:spPr bwMode="auto">
+          <a:xfrm>
+            <a:off x="0" y="0"/>
+            <a:ext cx="4010025" cy="38100"/>
+          </a:xfrm>
+          <a:prstGeom prst="rect">
+            <a:avLst/>
+          </a:prstGeom>
+          <a:noFill/>
+          <a:extLst>
+            <a:ext uri="{909E8E84-426E-40DD-AFC4-6F175D3DCCD1}">
+              <a14:hiddenFill xmlns:a14="http://schemas.microsoft.com/office/drawing/2010/main">
+                <a:solidFill>
+                  <a:srgbClr val="FFFFFF"/>
+                </a:solidFill>
+              </a14:hiddenFill>
+            </a:ext>
+          </a:extLst>
+        </p:spPr>
+      </p:pic>
+      <p:pic>
+        <p:nvPicPr>
+          <p:cNvPr id="5132" name="Picture 12" descr="http://faculty.cse.tamu.edu/davis/matrices_files/stroke_7.png">
+            <a:extLst>
+              <a:ext uri="{FF2B5EF4-FFF2-40B4-BE49-F238E27FC236}">
+                <a16:creationId xmlns:a16="http://schemas.microsoft.com/office/drawing/2014/main" id="{A7B66188-F561-4893-B4E9-7B4915EA34FA}"/>
+              </a:ext>
+            </a:extLst>
+          </p:cNvPr>
+          <p:cNvPicPr>
+            <a:picLocks noChangeAspect="1" noChangeArrowheads="1"/>
+          </p:cNvPicPr>
+          <p:nvPr/>
+        </p:nvPicPr>
+        <p:blipFill>
+          <a:blip r:embed="rId3">
+            <a:extLst>
+              <a:ext uri="{28A0092B-C50C-407E-A947-70E740481C1C}">
+                <a14:useLocalDpi xmlns:a14="http://schemas.microsoft.com/office/drawing/2010/main" val="0"/>
+              </a:ext>
+            </a:extLst>
+          </a:blip>
+          <a:srcRect/>
+          <a:stretch>
+            <a:fillRect/>
+          </a:stretch>
+        </p:blipFill>
+        <p:spPr bwMode="auto">
+          <a:xfrm>
+            <a:off x="0" y="0"/>
+            <a:ext cx="38100" cy="38100"/>
+          </a:xfrm>
+          <a:prstGeom prst="rect">
+            <a:avLst/>
+          </a:prstGeom>
+          <a:noFill/>
+          <a:extLst>
+            <a:ext uri="{909E8E84-426E-40DD-AFC4-6F175D3DCCD1}">
+              <a14:hiddenFill xmlns:a14="http://schemas.microsoft.com/office/drawing/2010/main">
+                <a:solidFill>
+                  <a:srgbClr val="FFFFFF"/>
+                </a:solidFill>
+              </a14:hiddenFill>
+            </a:ext>
+          </a:extLst>
+        </p:spPr>
+      </p:pic>
+      <p:sp>
+        <p:nvSpPr>
+          <p:cNvPr id="7" name="Rectangle 13">
+            <a:extLst>
+              <a:ext uri="{FF2B5EF4-FFF2-40B4-BE49-F238E27FC236}">
+                <a16:creationId xmlns:a16="http://schemas.microsoft.com/office/drawing/2014/main" id="{287CE7EF-9C08-44DF-8F7B-5F7876E3A86E}"/>
+              </a:ext>
+            </a:extLst>
+          </p:cNvPr>
+          <p:cNvSpPr>
+            <a:spLocks noChangeArrowheads="1"/>
+          </p:cNvSpPr>
+          <p:nvPr/>
+        </p:nvSpPr>
+        <p:spPr bwMode="auto">
+          <a:xfrm>
+            <a:off x="0" y="0"/>
+            <a:ext cx="12192000" cy="0"/>
+          </a:xfrm>
+          <a:prstGeom prst="rect">
+            <a:avLst/>
+          </a:prstGeom>
+          <a:solidFill>
+            <a:srgbClr val="FFFFFF"/>
+          </a:solidFill>
+          <a:ln>
+            <a:noFill/>
+          </a:ln>
+          <a:effectLst/>
+          <a:extLst>
+            <a:ext uri="{91240B29-F687-4F45-9708-019B960494DF}">
+              <a14:hiddenLine xmlns:a14="http://schemas.microsoft.com/office/drawing/2010/main" w="9525">
+                <a:solidFill>
+                  <a:schemeClr val="tx1"/>
+                </a:solidFill>
+                <a:miter lim="800000"/>
+                <a:headEnd/>
+                <a:tailEnd/>
+              </a14:hiddenLine>
+            </a:ext>
+            <a:ext uri="{AF507438-7753-43E0-B8FC-AC1667EBCBE1}">
+              <a14:hiddenEffects xmlns:a14="http://schemas.microsoft.com/office/drawing/2010/main">
+                <a:effectLst>
+                  <a:outerShdw dist="35921" dir="2700000" algn="ctr" rotWithShape="0">
+                    <a:schemeClr val="bg2"/>
+                  </a:outerShdw>
+                </a:effectLst>
+              </a14:hiddenEffects>
+            </a:ext>
+          </a:extLst>
+        </p:spPr>
+        <p:txBody>
+          <a:bodyPr vert="horz" wrap="none" lIns="91440" tIns="45720" rIns="91440" bIns="45720" numCol="1" anchor="ctr" anchorCtr="0" compatLnSpc="1">
+            <a:prstTxWarp prst="textNoShape">
+              <a:avLst/>
+            </a:prstTxWarp>
+            <a:spAutoFit/>
+          </a:bodyPr>
+          <a:lstStyle/>
+          <a:p>
+            <a:pPr marL="0" marR="0" lvl="0" indent="0" algn="l" defTabSz="914400" rtl="0" eaLnBrk="0" fontAlgn="base" latinLnBrk="0" hangingPunct="0">
+              <a:lnSpc>
+                <a:spcPct val="100000"/>
+              </a:lnSpc>
+              <a:spcBef>
+                <a:spcPct val="0"/>
+              </a:spcBef>
+              <a:spcAft>
+                <a:spcPct val="0"/>
+              </a:spcAft>
+              <a:buClrTx/>
+              <a:buSzTx/>
+              <a:buFontTx/>
+              <a:buNone/>
+              <a:tabLst/>
+            </a:pPr>
+            <a:r>
+              <a:rPr kumimoji="0" lang="de-DE" altLang="de-DE" b="0" i="0" u="none" strike="noStrike" cap="none" normalizeH="0" baseline="0">
+                <a:ln>
+                  <a:noFill/>
+                </a:ln>
+                <a:solidFill>
+                  <a:srgbClr val="000000"/>
+                </a:solidFill>
+                <a:effectLst/>
+                <a:latin typeface="Times New Roman" panose="02020603050405020304" pitchFamily="18" charset="0"/>
+                <a:cs typeface="Times New Roman" panose="02020603050405020304" pitchFamily="18" charset="0"/>
+              </a:rPr>
+              <a:t> </a:t>
+            </a:r>
+            <a:endParaRPr kumimoji="0" lang="de-DE" altLang="de-DE" sz="1800" b="0" i="0" u="none" strike="noStrike" cap="none" normalizeH="0" baseline="0">
+              <a:ln>
+                <a:noFill/>
+              </a:ln>
+              <a:solidFill>
+                <a:schemeClr val="tx1"/>
+              </a:solidFill>
+              <a:effectLst/>
+              <a:latin typeface="Arial" panose="020B0604020202020204" pitchFamily="34" charset="0"/>
+            </a:endParaRPr>
           </a:p>
         </p:txBody>
       </p:sp>
     </p:spTree>
     <p:extLst>
       <p:ext uri="{BB962C8B-B14F-4D97-AF65-F5344CB8AC3E}">
-        <p14:creationId xmlns:p14="http://schemas.microsoft.com/office/powerpoint/2010/main" val="2112290328"/>
+        <p14:creationId xmlns:p14="http://schemas.microsoft.com/office/powerpoint/2010/main" val="3093030358"/>
+      </p:ext>
+    </p:extLst>
+  </p:cSld>
+  <p:clrMapOvr>
+    <a:masterClrMapping/>
+  </p:clrMapOvr>
+</p:sld>
+</file>
+
+<file path=ppt/slides/slide13.xml><?xml version="1.0" encoding="utf-8"?>
+<p:sld xmlns:a="http://schemas.openxmlformats.org/drawingml/2006/main" xmlns:r="http://schemas.openxmlformats.org/officeDocument/2006/relationships" xmlns:p="http://schemas.openxmlformats.org/presentationml/2006/main">
+  <p:cSld>
+    <p:spTree>
+      <p:nvGrpSpPr>
+        <p:cNvPr id="1" name=""/>
+        <p:cNvGrpSpPr/>
+        <p:nvPr/>
+      </p:nvGrpSpPr>
+      <p:grpSpPr>
+        <a:xfrm>
+          <a:off x="0" y="0"/>
+          <a:ext cx="0" cy="0"/>
+          <a:chOff x="0" y="0"/>
+          <a:chExt cx="0" cy="0"/>
+        </a:xfrm>
+      </p:grpSpPr>
+      <p:sp>
+        <p:nvSpPr>
+          <p:cNvPr id="2" name="Titel 1">
+            <a:extLst>
+              <a:ext uri="{FF2B5EF4-FFF2-40B4-BE49-F238E27FC236}">
+                <a16:creationId xmlns:a16="http://schemas.microsoft.com/office/drawing/2014/main" id="{AEB05EBC-DF35-4F96-96CA-81FDBFF64F8F}"/>
+              </a:ext>
+            </a:extLst>
+          </p:cNvPr>
+          <p:cNvSpPr>
+            <a:spLocks noGrp="1"/>
+          </p:cNvSpPr>
+          <p:nvPr>
+            <p:ph type="title"/>
+          </p:nvPr>
+        </p:nvSpPr>
+        <p:spPr/>
+        <p:txBody>
+          <a:bodyPr/>
+          <a:lstStyle/>
+          <a:p>
+            <a:r>
+              <a:rPr lang="de-DE" dirty="0" err="1"/>
+              <a:t>Explain</a:t>
+            </a:r>
+            <a:r>
+              <a:rPr lang="de-DE" dirty="0"/>
+              <a:t> </a:t>
+            </a:r>
+            <a:r>
+              <a:rPr lang="de-DE" dirty="0" err="1"/>
+              <a:t>how</a:t>
+            </a:r>
+            <a:r>
+              <a:rPr lang="de-DE" dirty="0"/>
+              <a:t> </a:t>
+            </a:r>
+            <a:r>
+              <a:rPr lang="de-DE" dirty="0" err="1"/>
+              <a:t>they</a:t>
+            </a:r>
+            <a:r>
+              <a:rPr lang="de-DE" dirty="0"/>
+              <a:t> </a:t>
+            </a:r>
+            <a:r>
+              <a:rPr lang="de-DE" dirty="0" err="1"/>
+              <a:t>get</a:t>
+            </a:r>
+            <a:r>
+              <a:rPr lang="de-DE" dirty="0"/>
+              <a:t> </a:t>
+            </a:r>
+            <a:r>
+              <a:rPr lang="de-DE" dirty="0" err="1"/>
+              <a:t>solved</a:t>
+            </a:r>
+            <a:r>
+              <a:rPr lang="de-DE" dirty="0"/>
+              <a:t> </a:t>
+            </a:r>
+            <a:r>
+              <a:rPr lang="de-DE" dirty="0" err="1"/>
+              <a:t>iterativly</a:t>
+            </a:r>
+            <a:r>
+              <a:rPr lang="de-DE" dirty="0"/>
+              <a:t> </a:t>
+            </a:r>
+          </a:p>
+        </p:txBody>
+      </p:sp>
+      <p:sp>
+        <p:nvSpPr>
+          <p:cNvPr id="3" name="Inhaltsplatzhalter 2">
+            <a:extLst>
+              <a:ext uri="{FF2B5EF4-FFF2-40B4-BE49-F238E27FC236}">
+                <a16:creationId xmlns:a16="http://schemas.microsoft.com/office/drawing/2014/main" id="{265B7160-362F-418B-A9A9-FE2F07280CC9}"/>
+              </a:ext>
+            </a:extLst>
+          </p:cNvPr>
+          <p:cNvSpPr>
+            <a:spLocks noGrp="1"/>
+          </p:cNvSpPr>
+          <p:nvPr>
+            <p:ph idx="1"/>
+          </p:nvPr>
+        </p:nvSpPr>
+        <p:spPr/>
+        <p:txBody>
+          <a:bodyPr/>
+          <a:lstStyle/>
+          <a:p>
+            <a:r>
+              <a:rPr lang="de-DE" dirty="0"/>
+              <a:t>Different </a:t>
+            </a:r>
+            <a:r>
+              <a:rPr lang="de-DE" dirty="0" err="1"/>
+              <a:t>solvers</a:t>
+            </a:r>
+            <a:r>
+              <a:rPr lang="de-DE" dirty="0"/>
+              <a:t> </a:t>
+            </a:r>
+            <a:r>
+              <a:rPr lang="de-DE" dirty="0" err="1"/>
+              <a:t>with</a:t>
+            </a:r>
+            <a:r>
+              <a:rPr lang="de-DE" dirty="0"/>
+              <a:t> different </a:t>
+            </a:r>
+            <a:r>
+              <a:rPr lang="de-DE" dirty="0" err="1"/>
+              <a:t>properties</a:t>
+            </a:r>
+            <a:endParaRPr lang="de-DE" dirty="0"/>
+          </a:p>
+          <a:p>
+            <a:r>
+              <a:rPr lang="de-DE" dirty="0"/>
+              <a:t>Not </a:t>
+            </a:r>
+            <a:r>
+              <a:rPr lang="de-DE" dirty="0" err="1"/>
+              <a:t>clear</a:t>
+            </a:r>
+            <a:r>
+              <a:rPr lang="de-DE" dirty="0"/>
+              <a:t> </a:t>
+            </a:r>
+            <a:r>
+              <a:rPr lang="de-DE" dirty="0" err="1"/>
+              <a:t>which</a:t>
+            </a:r>
+            <a:r>
+              <a:rPr lang="de-DE" dirty="0"/>
+              <a:t> </a:t>
+            </a:r>
+            <a:r>
+              <a:rPr lang="de-DE" dirty="0" err="1"/>
+              <a:t>one</a:t>
+            </a:r>
+            <a:r>
+              <a:rPr lang="de-DE" dirty="0"/>
+              <a:t> will </a:t>
+            </a:r>
+            <a:r>
+              <a:rPr lang="de-DE" dirty="0" err="1"/>
+              <a:t>solve</a:t>
+            </a:r>
+            <a:r>
+              <a:rPr lang="de-DE" dirty="0"/>
+              <a:t> a </a:t>
+            </a:r>
+            <a:r>
+              <a:rPr lang="de-DE" dirty="0" err="1"/>
+              <a:t>given</a:t>
+            </a:r>
+            <a:r>
+              <a:rPr lang="de-DE" dirty="0"/>
+              <a:t> </a:t>
+            </a:r>
+            <a:r>
+              <a:rPr lang="de-DE" dirty="0" err="1"/>
+              <a:t>matrix</a:t>
+            </a:r>
+            <a:r>
+              <a:rPr lang="de-DE" dirty="0"/>
+              <a:t> </a:t>
+            </a:r>
+            <a:r>
+              <a:rPr lang="de-DE" dirty="0" err="1"/>
+              <a:t>the</a:t>
+            </a:r>
+            <a:r>
+              <a:rPr lang="de-DE" dirty="0"/>
+              <a:t> fastest</a:t>
+            </a:r>
+          </a:p>
+          <a:p>
+            <a:r>
+              <a:rPr lang="de-DE" dirty="0"/>
+              <a:t>Show </a:t>
+            </a:r>
+            <a:r>
+              <a:rPr lang="de-DE" dirty="0" err="1"/>
+              <a:t>diagram</a:t>
+            </a:r>
+            <a:r>
+              <a:rPr lang="de-DE" dirty="0"/>
+              <a:t> </a:t>
+            </a:r>
+            <a:r>
+              <a:rPr lang="de-DE" dirty="0" err="1"/>
+              <a:t>of</a:t>
+            </a:r>
+            <a:r>
+              <a:rPr lang="de-DE" dirty="0"/>
+              <a:t> </a:t>
+            </a:r>
+            <a:r>
+              <a:rPr lang="de-DE" dirty="0" err="1"/>
+              <a:t>times</a:t>
+            </a:r>
+            <a:endParaRPr lang="de-DE" dirty="0"/>
+          </a:p>
+        </p:txBody>
+      </p:sp>
+    </p:spTree>
+    <p:extLst>
+      <p:ext uri="{BB962C8B-B14F-4D97-AF65-F5344CB8AC3E}">
+        <p14:creationId xmlns:p14="http://schemas.microsoft.com/office/powerpoint/2010/main" val="3757266144"/>
+      </p:ext>
+    </p:extLst>
+  </p:cSld>
+  <p:clrMapOvr>
+    <a:masterClrMapping/>
+  </p:clrMapOvr>
+</p:sld>
+</file>
+
+<file path=ppt/slides/slide14.xml><?xml version="1.0" encoding="utf-8"?>
+<p:sld xmlns:a="http://schemas.openxmlformats.org/drawingml/2006/main" xmlns:r="http://schemas.openxmlformats.org/officeDocument/2006/relationships" xmlns:p="http://schemas.openxmlformats.org/presentationml/2006/main">
+  <p:cSld>
+    <p:spTree>
+      <p:nvGrpSpPr>
+        <p:cNvPr id="1" name=""/>
+        <p:cNvGrpSpPr/>
+        <p:nvPr/>
+      </p:nvGrpSpPr>
+      <p:grpSpPr>
+        <a:xfrm>
+          <a:off x="0" y="0"/>
+          <a:ext cx="0" cy="0"/>
+          <a:chOff x="0" y="0"/>
+          <a:chExt cx="0" cy="0"/>
+        </a:xfrm>
+      </p:grpSpPr>
+      <p:sp>
+        <p:nvSpPr>
+          <p:cNvPr id="2" name="Titel 1">
+            <a:extLst>
+              <a:ext uri="{FF2B5EF4-FFF2-40B4-BE49-F238E27FC236}">
+                <a16:creationId xmlns:a16="http://schemas.microsoft.com/office/drawing/2014/main" id="{2642A9C1-2686-4E0D-ACEA-A4055588CBD8}"/>
+              </a:ext>
+            </a:extLst>
+          </p:cNvPr>
+          <p:cNvSpPr>
+            <a:spLocks noGrp="1"/>
+          </p:cNvSpPr>
+          <p:nvPr>
+            <p:ph type="title"/>
+          </p:nvPr>
+        </p:nvSpPr>
+        <p:spPr/>
+        <p:txBody>
+          <a:bodyPr/>
+          <a:lstStyle/>
+          <a:p>
+            <a:r>
+              <a:rPr lang="de-DE" dirty="0"/>
+              <a:t>.. </a:t>
+            </a:r>
+            <a:r>
+              <a:rPr lang="de-DE" dirty="0" err="1"/>
+              <a:t>Our</a:t>
+            </a:r>
+            <a:r>
+              <a:rPr lang="de-DE" dirty="0"/>
+              <a:t> </a:t>
+            </a:r>
+            <a:r>
+              <a:rPr lang="de-DE" dirty="0" err="1"/>
+              <a:t>approach</a:t>
+            </a:r>
+            <a:r>
+              <a:rPr lang="de-DE" dirty="0"/>
+              <a:t> </a:t>
+            </a:r>
+            <a:r>
+              <a:rPr lang="de-DE" dirty="0" err="1"/>
+              <a:t>solves</a:t>
+            </a:r>
+            <a:r>
+              <a:rPr lang="de-DE" dirty="0"/>
+              <a:t> </a:t>
+            </a:r>
+            <a:r>
+              <a:rPr lang="de-DE" dirty="0" err="1"/>
+              <a:t>this</a:t>
+            </a:r>
+            <a:r>
+              <a:rPr lang="de-DE" dirty="0"/>
+              <a:t> </a:t>
+            </a:r>
+            <a:r>
+              <a:rPr lang="de-DE" dirty="0" err="1"/>
+              <a:t>issue</a:t>
+            </a:r>
+            <a:endParaRPr lang="de-DE" dirty="0"/>
+          </a:p>
+        </p:txBody>
+      </p:sp>
+      <p:sp>
+        <p:nvSpPr>
+          <p:cNvPr id="3" name="Inhaltsplatzhalter 2">
+            <a:extLst>
+              <a:ext uri="{FF2B5EF4-FFF2-40B4-BE49-F238E27FC236}">
+                <a16:creationId xmlns:a16="http://schemas.microsoft.com/office/drawing/2014/main" id="{9EE60318-F47D-4E07-A291-C5DE8DA2BC44}"/>
+              </a:ext>
+            </a:extLst>
+          </p:cNvPr>
+          <p:cNvSpPr>
+            <a:spLocks noGrp="1"/>
+          </p:cNvSpPr>
+          <p:nvPr>
+            <p:ph idx="1"/>
+          </p:nvPr>
+        </p:nvSpPr>
+        <p:spPr/>
+        <p:txBody>
+          <a:bodyPr/>
+          <a:lstStyle/>
+          <a:p>
+            <a:r>
+              <a:rPr lang="de-DE" dirty="0" err="1"/>
+              <a:t>Explain</a:t>
+            </a:r>
+            <a:r>
+              <a:rPr lang="de-DE" dirty="0"/>
+              <a:t> </a:t>
+            </a:r>
+            <a:r>
+              <a:rPr lang="de-DE" dirty="0" err="1"/>
+              <a:t>or</a:t>
+            </a:r>
+            <a:r>
+              <a:rPr lang="de-DE" dirty="0"/>
+              <a:t> </a:t>
+            </a:r>
+            <a:r>
+              <a:rPr lang="de-DE" dirty="0" err="1"/>
+              <a:t>product</a:t>
+            </a:r>
+            <a:r>
+              <a:rPr lang="de-DE" dirty="0"/>
+              <a:t> </a:t>
+            </a:r>
+          </a:p>
+          <a:p>
+            <a:r>
+              <a:rPr lang="de-DE" dirty="0"/>
+              <a:t>The 4 </a:t>
+            </a:r>
+            <a:r>
+              <a:rPr lang="de-DE" dirty="0" err="1"/>
+              <a:t>modules</a:t>
+            </a:r>
+            <a:endParaRPr lang="de-DE" dirty="0"/>
+          </a:p>
+          <a:p>
+            <a:r>
+              <a:rPr lang="de-DE" dirty="0" err="1"/>
+              <a:t>Overview</a:t>
+            </a:r>
+            <a:r>
+              <a:rPr lang="de-DE" dirty="0"/>
+              <a:t>(</a:t>
+            </a:r>
+            <a:r>
+              <a:rPr lang="de-DE" dirty="0" err="1"/>
+              <a:t>picture</a:t>
+            </a:r>
+            <a:r>
+              <a:rPr lang="de-DE" dirty="0"/>
+              <a:t>)</a:t>
+            </a:r>
+          </a:p>
+        </p:txBody>
+      </p:sp>
+    </p:spTree>
+    <p:extLst>
+      <p:ext uri="{BB962C8B-B14F-4D97-AF65-F5344CB8AC3E}">
+        <p14:creationId xmlns:p14="http://schemas.microsoft.com/office/powerpoint/2010/main" val="4206845637"/>
+      </p:ext>
+    </p:extLst>
+  </p:cSld>
+  <p:clrMapOvr>
+    <a:masterClrMapping/>
+  </p:clrMapOvr>
+</p:sld>
+</file>
+
+<file path=ppt/slides/slide15.xml><?xml version="1.0" encoding="utf-8"?>
+<p:sld xmlns:a="http://schemas.openxmlformats.org/drawingml/2006/main" xmlns:r="http://schemas.openxmlformats.org/officeDocument/2006/relationships" xmlns:p="http://schemas.openxmlformats.org/presentationml/2006/main">
+  <p:cSld>
+    <p:spTree>
+      <p:nvGrpSpPr>
+        <p:cNvPr id="1" name=""/>
+        <p:cNvGrpSpPr/>
+        <p:nvPr/>
+      </p:nvGrpSpPr>
+      <p:grpSpPr>
+        <a:xfrm>
+          <a:off x="0" y="0"/>
+          <a:ext cx="0" cy="0"/>
+          <a:chOff x="0" y="0"/>
+          <a:chExt cx="0" cy="0"/>
+        </a:xfrm>
+      </p:grpSpPr>
+      <p:sp>
+        <p:nvSpPr>
+          <p:cNvPr id="2" name="Titel 1">
+            <a:extLst>
+              <a:ext uri="{FF2B5EF4-FFF2-40B4-BE49-F238E27FC236}">
+                <a16:creationId xmlns:a16="http://schemas.microsoft.com/office/drawing/2014/main" id="{0E13D15C-127C-4343-B19C-94ECCED456EB}"/>
+              </a:ext>
+            </a:extLst>
+          </p:cNvPr>
+          <p:cNvSpPr>
+            <a:spLocks noGrp="1"/>
+          </p:cNvSpPr>
+          <p:nvPr>
+            <p:ph type="title"/>
+          </p:nvPr>
+        </p:nvSpPr>
+        <p:spPr/>
+        <p:txBody>
+          <a:bodyPr/>
+          <a:lstStyle/>
+          <a:p>
+            <a:r>
+              <a:rPr lang="de-DE" dirty="0" err="1"/>
+              <a:t>collector</a:t>
+            </a:r>
+            <a:endParaRPr lang="de-DE" dirty="0"/>
+          </a:p>
+        </p:txBody>
+      </p:sp>
+      <p:sp>
+        <p:nvSpPr>
+          <p:cNvPr id="3" name="Inhaltsplatzhalter 2">
+            <a:extLst>
+              <a:ext uri="{FF2B5EF4-FFF2-40B4-BE49-F238E27FC236}">
+                <a16:creationId xmlns:a16="http://schemas.microsoft.com/office/drawing/2014/main" id="{798C24B9-EA82-44CC-84C9-D159A939703F}"/>
+              </a:ext>
+            </a:extLst>
+          </p:cNvPr>
+          <p:cNvSpPr>
+            <a:spLocks noGrp="1"/>
+          </p:cNvSpPr>
+          <p:nvPr>
+            <p:ph idx="1"/>
+          </p:nvPr>
+        </p:nvSpPr>
+        <p:spPr/>
+        <p:txBody>
+          <a:bodyPr/>
+          <a:lstStyle/>
+          <a:p>
+            <a:endParaRPr lang="de-DE" dirty="0"/>
+          </a:p>
+        </p:txBody>
+      </p:sp>
+    </p:spTree>
+    <p:extLst>
+      <p:ext uri="{BB962C8B-B14F-4D97-AF65-F5344CB8AC3E}">
+        <p14:creationId xmlns:p14="http://schemas.microsoft.com/office/powerpoint/2010/main" val="3431600488"/>
+      </p:ext>
+    </p:extLst>
+  </p:cSld>
+  <p:clrMapOvr>
+    <a:masterClrMapping/>
+  </p:clrMapOvr>
+</p:sld>
+</file>
+
+<file path=ppt/slides/slide16.xml><?xml version="1.0" encoding="utf-8"?>
+<p:sld xmlns:a="http://schemas.openxmlformats.org/drawingml/2006/main" xmlns:r="http://schemas.openxmlformats.org/officeDocument/2006/relationships" xmlns:p="http://schemas.openxmlformats.org/presentationml/2006/main">
+  <p:cSld>
+    <p:spTree>
+      <p:nvGrpSpPr>
+        <p:cNvPr id="1" name=""/>
+        <p:cNvGrpSpPr/>
+        <p:nvPr/>
+      </p:nvGrpSpPr>
+      <p:grpSpPr>
+        <a:xfrm>
+          <a:off x="0" y="0"/>
+          <a:ext cx="0" cy="0"/>
+          <a:chOff x="0" y="0"/>
+          <a:chExt cx="0" cy="0"/>
+        </a:xfrm>
+      </p:grpSpPr>
+      <p:sp>
+        <p:nvSpPr>
+          <p:cNvPr id="2" name="Titel 1">
+            <a:extLst>
+              <a:ext uri="{FF2B5EF4-FFF2-40B4-BE49-F238E27FC236}">
+                <a16:creationId xmlns:a16="http://schemas.microsoft.com/office/drawing/2014/main" id="{C71D9E32-2C6F-407D-B345-E6AB558ADBD9}"/>
+              </a:ext>
+            </a:extLst>
+          </p:cNvPr>
+          <p:cNvSpPr>
+            <a:spLocks noGrp="1"/>
+          </p:cNvSpPr>
+          <p:nvPr>
+            <p:ph type="title"/>
+          </p:nvPr>
+        </p:nvSpPr>
+        <p:spPr/>
+        <p:txBody>
+          <a:bodyPr/>
+          <a:lstStyle/>
+          <a:p>
+            <a:r>
+              <a:rPr lang="de-DE" dirty="0"/>
+              <a:t>´</a:t>
+            </a:r>
+            <a:r>
+              <a:rPr lang="de-DE" dirty="0" err="1"/>
+              <a:t>labeling</a:t>
+            </a:r>
+            <a:r>
+              <a:rPr lang="de-DE" dirty="0"/>
+              <a:t> </a:t>
+            </a:r>
+            <a:r>
+              <a:rPr lang="de-DE" dirty="0" err="1"/>
+              <a:t>module</a:t>
+            </a:r>
+            <a:endParaRPr lang="de-DE" dirty="0"/>
+          </a:p>
+        </p:txBody>
+      </p:sp>
+      <p:sp>
+        <p:nvSpPr>
+          <p:cNvPr id="3" name="Inhaltsplatzhalter 2">
+            <a:extLst>
+              <a:ext uri="{FF2B5EF4-FFF2-40B4-BE49-F238E27FC236}">
+                <a16:creationId xmlns:a16="http://schemas.microsoft.com/office/drawing/2014/main" id="{A6E36060-4FDA-4834-B05D-0841012EE52D}"/>
+              </a:ext>
+            </a:extLst>
+          </p:cNvPr>
+          <p:cNvSpPr>
+            <a:spLocks noGrp="1"/>
+          </p:cNvSpPr>
+          <p:nvPr>
+            <p:ph idx="1"/>
+          </p:nvPr>
+        </p:nvSpPr>
+        <p:spPr/>
+        <p:txBody>
+          <a:bodyPr/>
+          <a:lstStyle/>
+          <a:p>
+            <a:endParaRPr lang="de-DE"/>
+          </a:p>
+        </p:txBody>
+      </p:sp>
+    </p:spTree>
+    <p:extLst>
+      <p:ext uri="{BB962C8B-B14F-4D97-AF65-F5344CB8AC3E}">
+        <p14:creationId xmlns:p14="http://schemas.microsoft.com/office/powerpoint/2010/main" val="1513339304"/>
+      </p:ext>
+    </p:extLst>
+  </p:cSld>
+  <p:clrMapOvr>
+    <a:masterClrMapping/>
+  </p:clrMapOvr>
+</p:sld>
+</file>
+
+<file path=ppt/slides/slide17.xml><?xml version="1.0" encoding="utf-8"?>
+<p:sld xmlns:a="http://schemas.openxmlformats.org/drawingml/2006/main" xmlns:r="http://schemas.openxmlformats.org/officeDocument/2006/relationships" xmlns:p="http://schemas.openxmlformats.org/presentationml/2006/main">
+  <p:cSld>
+    <p:spTree>
+      <p:nvGrpSpPr>
+        <p:cNvPr id="1" name=""/>
+        <p:cNvGrpSpPr/>
+        <p:nvPr/>
+      </p:nvGrpSpPr>
+      <p:grpSpPr>
+        <a:xfrm>
+          <a:off x="0" y="0"/>
+          <a:ext cx="0" cy="0"/>
+          <a:chOff x="0" y="0"/>
+          <a:chExt cx="0" cy="0"/>
+        </a:xfrm>
+      </p:grpSpPr>
+      <p:sp>
+        <p:nvSpPr>
+          <p:cNvPr id="2" name="Titel 1">
+            <a:extLst>
+              <a:ext uri="{FF2B5EF4-FFF2-40B4-BE49-F238E27FC236}">
+                <a16:creationId xmlns:a16="http://schemas.microsoft.com/office/drawing/2014/main" id="{7BC52B4E-481D-441F-B0BC-7D838FEF4397}"/>
+              </a:ext>
+            </a:extLst>
+          </p:cNvPr>
+          <p:cNvSpPr>
+            <a:spLocks noGrp="1"/>
+          </p:cNvSpPr>
+          <p:nvPr>
+            <p:ph type="title"/>
+          </p:nvPr>
+        </p:nvSpPr>
+        <p:spPr/>
+        <p:txBody>
+          <a:bodyPr/>
+          <a:lstStyle/>
+          <a:p>
+            <a:r>
+              <a:rPr lang="de-DE" dirty="0" err="1"/>
+              <a:t>Traning</a:t>
+            </a:r>
+            <a:r>
+              <a:rPr lang="de-DE" dirty="0"/>
+              <a:t> </a:t>
+            </a:r>
+            <a:r>
+              <a:rPr lang="de-DE" dirty="0" err="1"/>
+              <a:t>module</a:t>
+            </a:r>
+            <a:endParaRPr lang="de-DE" dirty="0"/>
+          </a:p>
+        </p:txBody>
+      </p:sp>
+      <p:sp>
+        <p:nvSpPr>
+          <p:cNvPr id="3" name="Inhaltsplatzhalter 2">
+            <a:extLst>
+              <a:ext uri="{FF2B5EF4-FFF2-40B4-BE49-F238E27FC236}">
+                <a16:creationId xmlns:a16="http://schemas.microsoft.com/office/drawing/2014/main" id="{F3EA1BBA-2CE4-49C6-8663-AD1B3BC3A19A}"/>
+              </a:ext>
+            </a:extLst>
+          </p:cNvPr>
+          <p:cNvSpPr>
+            <a:spLocks noGrp="1"/>
+          </p:cNvSpPr>
+          <p:nvPr>
+            <p:ph idx="1"/>
+          </p:nvPr>
+        </p:nvSpPr>
+        <p:spPr/>
+        <p:txBody>
+          <a:bodyPr/>
+          <a:lstStyle/>
+          <a:p>
+            <a:endParaRPr lang="de-DE"/>
+          </a:p>
+        </p:txBody>
+      </p:sp>
+    </p:spTree>
+    <p:extLst>
+      <p:ext uri="{BB962C8B-B14F-4D97-AF65-F5344CB8AC3E}">
+        <p14:creationId xmlns:p14="http://schemas.microsoft.com/office/powerpoint/2010/main" val="2899633845"/>
+      </p:ext>
+    </p:extLst>
+  </p:cSld>
+  <p:clrMapOvr>
+    <a:masterClrMapping/>
+  </p:clrMapOvr>
+</p:sld>
+</file>
+
+<file path=ppt/slides/slide18.xml><?xml version="1.0" encoding="utf-8"?>
+<p:sld xmlns:a="http://schemas.openxmlformats.org/drawingml/2006/main" xmlns:r="http://schemas.openxmlformats.org/officeDocument/2006/relationships" xmlns:p="http://schemas.openxmlformats.org/presentationml/2006/main">
+  <p:cSld>
+    <p:spTree>
+      <p:nvGrpSpPr>
+        <p:cNvPr id="1" name=""/>
+        <p:cNvGrpSpPr/>
+        <p:nvPr/>
+      </p:nvGrpSpPr>
+      <p:grpSpPr>
+        <a:xfrm>
+          <a:off x="0" y="0"/>
+          <a:ext cx="0" cy="0"/>
+          <a:chOff x="0" y="0"/>
+          <a:chExt cx="0" cy="0"/>
+        </a:xfrm>
+      </p:grpSpPr>
+      <p:sp>
+        <p:nvSpPr>
+          <p:cNvPr id="2" name="Titel 1">
+            <a:extLst>
+              <a:ext uri="{FF2B5EF4-FFF2-40B4-BE49-F238E27FC236}">
+                <a16:creationId xmlns:a16="http://schemas.microsoft.com/office/drawing/2014/main" id="{6D558542-279E-434B-BC32-D044D864ED62}"/>
+              </a:ext>
+            </a:extLst>
+          </p:cNvPr>
+          <p:cNvSpPr>
+            <a:spLocks noGrp="1"/>
+          </p:cNvSpPr>
+          <p:nvPr>
+            <p:ph type="title"/>
+          </p:nvPr>
+        </p:nvSpPr>
+        <p:spPr/>
+        <p:txBody>
+          <a:bodyPr/>
+          <a:lstStyle/>
+          <a:p>
+            <a:r>
+              <a:rPr lang="de-DE" dirty="0" err="1"/>
+              <a:t>Classifier</a:t>
+            </a:r>
+            <a:endParaRPr lang="de-DE" dirty="0"/>
+          </a:p>
+        </p:txBody>
+      </p:sp>
+      <p:sp>
+        <p:nvSpPr>
+          <p:cNvPr id="3" name="Inhaltsplatzhalter 2">
+            <a:extLst>
+              <a:ext uri="{FF2B5EF4-FFF2-40B4-BE49-F238E27FC236}">
+                <a16:creationId xmlns:a16="http://schemas.microsoft.com/office/drawing/2014/main" id="{E5F37A03-C172-46A9-B08F-11B32725284C}"/>
+              </a:ext>
+            </a:extLst>
+          </p:cNvPr>
+          <p:cNvSpPr>
+            <a:spLocks noGrp="1"/>
+          </p:cNvSpPr>
+          <p:nvPr>
+            <p:ph idx="1"/>
+          </p:nvPr>
+        </p:nvSpPr>
+        <p:spPr/>
+        <p:txBody>
+          <a:bodyPr/>
+          <a:lstStyle/>
+          <a:p>
+            <a:endParaRPr lang="de-DE"/>
+          </a:p>
+        </p:txBody>
+      </p:sp>
+    </p:spTree>
+    <p:extLst>
+      <p:ext uri="{BB962C8B-B14F-4D97-AF65-F5344CB8AC3E}">
+        <p14:creationId xmlns:p14="http://schemas.microsoft.com/office/powerpoint/2010/main" val="538071417"/>
+      </p:ext>
+    </p:extLst>
+  </p:cSld>
+  <p:clrMapOvr>
+    <a:masterClrMapping/>
+  </p:clrMapOvr>
+</p:sld>
+</file>
+
+<file path=ppt/slides/slide19.xml><?xml version="1.0" encoding="utf-8"?>
+<p:sld xmlns:a="http://schemas.openxmlformats.org/drawingml/2006/main" xmlns:r="http://schemas.openxmlformats.org/officeDocument/2006/relationships" xmlns:p="http://schemas.openxmlformats.org/presentationml/2006/main">
+  <p:cSld>
+    <p:spTree>
+      <p:nvGrpSpPr>
+        <p:cNvPr id="1" name=""/>
+        <p:cNvGrpSpPr/>
+        <p:nvPr/>
+      </p:nvGrpSpPr>
+      <p:grpSpPr>
+        <a:xfrm>
+          <a:off x="0" y="0"/>
+          <a:ext cx="0" cy="0"/>
+          <a:chOff x="0" y="0"/>
+          <a:chExt cx="0" cy="0"/>
+        </a:xfrm>
+      </p:grpSpPr>
+      <p:sp>
+        <p:nvSpPr>
+          <p:cNvPr id="2" name="Titel 1">
+            <a:extLst>
+              <a:ext uri="{FF2B5EF4-FFF2-40B4-BE49-F238E27FC236}">
+                <a16:creationId xmlns:a16="http://schemas.microsoft.com/office/drawing/2014/main" id="{224C21EB-7DBC-4C6F-86B1-94AE1AF8733D}"/>
+              </a:ext>
+            </a:extLst>
+          </p:cNvPr>
+          <p:cNvSpPr>
+            <a:spLocks noGrp="1"/>
+          </p:cNvSpPr>
+          <p:nvPr>
+            <p:ph type="title"/>
+          </p:nvPr>
+        </p:nvSpPr>
+        <p:spPr/>
+        <p:txBody>
+          <a:bodyPr/>
+          <a:lstStyle/>
+          <a:p>
+            <a:r>
+              <a:rPr lang="de-DE" dirty="0" err="1"/>
+              <a:t>Now</a:t>
+            </a:r>
+            <a:r>
+              <a:rPr lang="de-DE" dirty="0"/>
+              <a:t> </a:t>
+            </a:r>
+            <a:r>
+              <a:rPr lang="de-DE" dirty="0" err="1"/>
+              <a:t>we</a:t>
+            </a:r>
+            <a:r>
+              <a:rPr lang="de-DE" dirty="0"/>
+              <a:t> </a:t>
+            </a:r>
+            <a:r>
+              <a:rPr lang="de-DE" dirty="0" err="1"/>
+              <a:t>can</a:t>
+            </a:r>
+            <a:r>
+              <a:rPr lang="de-DE" dirty="0"/>
+              <a:t> </a:t>
+            </a:r>
+            <a:r>
+              <a:rPr lang="de-DE" dirty="0" err="1"/>
+              <a:t>get</a:t>
+            </a:r>
+            <a:r>
+              <a:rPr lang="de-DE" dirty="0"/>
+              <a:t> </a:t>
+            </a:r>
+            <a:r>
+              <a:rPr lang="de-DE" dirty="0" err="1"/>
+              <a:t>into</a:t>
+            </a:r>
+            <a:r>
+              <a:rPr lang="de-DE" dirty="0"/>
+              <a:t> </a:t>
+            </a:r>
+            <a:r>
+              <a:rPr lang="de-DE" dirty="0" err="1"/>
+              <a:t>details</a:t>
+            </a:r>
+            <a:r>
+              <a:rPr lang="de-DE" dirty="0"/>
+              <a:t> </a:t>
+            </a:r>
+            <a:r>
+              <a:rPr lang="de-DE" dirty="0" err="1"/>
+              <a:t>if</a:t>
+            </a:r>
+            <a:r>
+              <a:rPr lang="de-DE" dirty="0"/>
+              <a:t> </a:t>
+            </a:r>
+            <a:r>
+              <a:rPr lang="de-DE" dirty="0" err="1"/>
+              <a:t>we</a:t>
+            </a:r>
+            <a:r>
+              <a:rPr lang="de-DE" dirty="0"/>
+              <a:t> </a:t>
+            </a:r>
+            <a:r>
+              <a:rPr lang="de-DE" dirty="0" err="1"/>
+              <a:t>have</a:t>
+            </a:r>
+            <a:r>
+              <a:rPr lang="de-DE" dirty="0"/>
+              <a:t> time</a:t>
+            </a:r>
+          </a:p>
+        </p:txBody>
+      </p:sp>
+      <p:sp>
+        <p:nvSpPr>
+          <p:cNvPr id="3" name="Inhaltsplatzhalter 2">
+            <a:extLst>
+              <a:ext uri="{FF2B5EF4-FFF2-40B4-BE49-F238E27FC236}">
+                <a16:creationId xmlns:a16="http://schemas.microsoft.com/office/drawing/2014/main" id="{0C7297F6-6264-4921-83BD-3E2B06542455}"/>
+              </a:ext>
+            </a:extLst>
+          </p:cNvPr>
+          <p:cNvSpPr>
+            <a:spLocks noGrp="1"/>
+          </p:cNvSpPr>
+          <p:nvPr>
+            <p:ph idx="1"/>
+          </p:nvPr>
+        </p:nvSpPr>
+        <p:spPr/>
+        <p:txBody>
+          <a:bodyPr/>
+          <a:lstStyle/>
+          <a:p>
+            <a:r>
+              <a:rPr lang="de-DE" dirty="0"/>
+              <a:t>Output </a:t>
+            </a:r>
+            <a:r>
+              <a:rPr lang="de-DE" dirty="0" err="1"/>
+              <a:t>service</a:t>
+            </a:r>
+            <a:r>
+              <a:rPr lang="de-DE" dirty="0"/>
+              <a:t> </a:t>
+            </a:r>
+          </a:p>
+          <a:p>
+            <a:r>
+              <a:rPr lang="de-DE" dirty="0" err="1"/>
+              <a:t>Usage</a:t>
+            </a:r>
+            <a:r>
+              <a:rPr lang="de-DE" dirty="0"/>
+              <a:t> </a:t>
+            </a:r>
+            <a:r>
+              <a:rPr lang="de-DE" dirty="0" err="1"/>
+              <a:t>of</a:t>
+            </a:r>
+            <a:r>
+              <a:rPr lang="de-DE" dirty="0"/>
+              <a:t> </a:t>
+            </a:r>
+            <a:r>
+              <a:rPr lang="de-DE" dirty="0" err="1"/>
+              <a:t>our</a:t>
+            </a:r>
+            <a:r>
+              <a:rPr lang="de-DE" dirty="0"/>
+              <a:t> </a:t>
+            </a:r>
+            <a:r>
+              <a:rPr lang="de-DE" dirty="0" err="1"/>
+              <a:t>product</a:t>
+            </a:r>
+            <a:endParaRPr lang="de-DE" dirty="0"/>
+          </a:p>
+          <a:p>
+            <a:r>
+              <a:rPr lang="de-DE" dirty="0" err="1"/>
+              <a:t>Statistics</a:t>
+            </a:r>
+            <a:r>
+              <a:rPr lang="de-DE" dirty="0"/>
+              <a:t>(</a:t>
+            </a:r>
+            <a:r>
+              <a:rPr lang="de-DE" dirty="0" err="1"/>
+              <a:t>loc,coverage,accuracy</a:t>
+            </a:r>
+            <a:r>
+              <a:rPr lang="de-DE" dirty="0"/>
+              <a:t> </a:t>
+            </a:r>
+            <a:r>
+              <a:rPr lang="de-DE" dirty="0" err="1"/>
+              <a:t>of</a:t>
+            </a:r>
+            <a:r>
+              <a:rPr lang="de-DE" dirty="0"/>
+              <a:t> </a:t>
+            </a:r>
+            <a:r>
+              <a:rPr lang="de-DE" dirty="0" err="1"/>
+              <a:t>nn</a:t>
+            </a:r>
+            <a:r>
+              <a:rPr lang="de-DE" dirty="0"/>
+              <a:t>…)</a:t>
+            </a:r>
+          </a:p>
+        </p:txBody>
+      </p:sp>
+    </p:spTree>
+    <p:extLst>
+      <p:ext uri="{BB962C8B-B14F-4D97-AF65-F5344CB8AC3E}">
+        <p14:creationId xmlns:p14="http://schemas.microsoft.com/office/powerpoint/2010/main" val="4175341831"/>
       </p:ext>
     </p:extLst>
   </p:cSld>
@@ -3811,7 +6526,9 @@
         </p:nvSpPr>
         <p:spPr/>
         <p:txBody>
-          <a:bodyPr/>
+          <a:bodyPr>
+            <a:normAutofit fontScale="77500" lnSpcReduction="20000"/>
+          </a:bodyPr>
           <a:lstStyle/>
           <a:p>
             <a:pPr marL="0" indent="0">
@@ -3901,6 +6618,216 @@
             <a:r>
               <a:rPr lang="de-DE" dirty="0" err="1"/>
               <a:t>better</a:t>
+            </a:r>
+            <a:endParaRPr lang="de-DE" dirty="0"/>
+          </a:p>
+          <a:p>
+            <a:pPr marL="0" indent="0">
+              <a:buNone/>
+            </a:pPr>
+            <a:r>
+              <a:rPr lang="en-US" dirty="0"/>
+              <a:t> such as the voltage across a circuit component</a:t>
+            </a:r>
+          </a:p>
+          <a:p>
+            <a:pPr marL="0" indent="0">
+              <a:buNone/>
+            </a:pPr>
+            <a:r>
+              <a:rPr lang="en-US" dirty="0"/>
+              <a:t>the physical forces between two points in a mechanical structure</a:t>
+            </a:r>
+          </a:p>
+          <a:p>
+            <a:pPr marL="0" indent="0">
+              <a:buNone/>
+            </a:pPr>
+            <a:r>
+              <a:rPr lang="de-DE" dirty="0" err="1"/>
+              <a:t>Commonality</a:t>
+            </a:r>
+            <a:r>
+              <a:rPr lang="de-DE" dirty="0"/>
+              <a:t>-&gt; </a:t>
+            </a:r>
+            <a:r>
+              <a:rPr lang="de-DE" dirty="0" err="1"/>
+              <a:t>can</a:t>
+            </a:r>
+            <a:r>
+              <a:rPr lang="de-DE" dirty="0"/>
+              <a:t> </a:t>
+            </a:r>
+            <a:r>
+              <a:rPr lang="de-DE" dirty="0" err="1"/>
+              <a:t>be</a:t>
+            </a:r>
+            <a:r>
+              <a:rPr lang="de-DE" dirty="0"/>
+              <a:t> </a:t>
+            </a:r>
+            <a:r>
+              <a:rPr lang="de-DE" dirty="0" err="1"/>
+              <a:t>represented</a:t>
+            </a:r>
+            <a:r>
+              <a:rPr lang="de-DE" dirty="0"/>
+              <a:t> </a:t>
+            </a:r>
+            <a:r>
+              <a:rPr lang="de-DE" dirty="0" err="1"/>
+              <a:t>with</a:t>
+            </a:r>
+            <a:r>
+              <a:rPr lang="de-DE" dirty="0"/>
+              <a:t> a </a:t>
+            </a:r>
+            <a:r>
+              <a:rPr lang="de-DE" dirty="0" err="1"/>
+              <a:t>sparse</a:t>
+            </a:r>
+            <a:r>
+              <a:rPr lang="de-DE" dirty="0"/>
+              <a:t> </a:t>
+            </a:r>
+            <a:r>
+              <a:rPr lang="de-DE" dirty="0" err="1"/>
+              <a:t>matrix</a:t>
+            </a:r>
+            <a:endParaRPr lang="de-DE" dirty="0"/>
+          </a:p>
+          <a:p>
+            <a:pPr marL="0" indent="0">
+              <a:buNone/>
+            </a:pPr>
+            <a:r>
+              <a:rPr lang="de-DE" dirty="0" err="1"/>
+              <a:t>Solving</a:t>
+            </a:r>
+            <a:r>
+              <a:rPr lang="de-DE" dirty="0"/>
+              <a:t> </a:t>
+            </a:r>
+            <a:r>
+              <a:rPr lang="de-DE" dirty="0" err="1"/>
+              <a:t>those</a:t>
+            </a:r>
+            <a:r>
+              <a:rPr lang="de-DE" dirty="0"/>
+              <a:t> </a:t>
+            </a:r>
+            <a:r>
+              <a:rPr lang="de-DE" dirty="0" err="1"/>
+              <a:t>can</a:t>
+            </a:r>
+            <a:r>
+              <a:rPr lang="de-DE" dirty="0"/>
+              <a:t> </a:t>
+            </a:r>
+            <a:r>
+              <a:rPr lang="de-DE" dirty="0" err="1"/>
+              <a:t>tell</a:t>
+            </a:r>
+            <a:r>
+              <a:rPr lang="de-DE" dirty="0"/>
+              <a:t> </a:t>
+            </a:r>
+            <a:r>
+              <a:rPr lang="de-DE" dirty="0" err="1"/>
+              <a:t>us</a:t>
+            </a:r>
+            <a:r>
+              <a:rPr lang="de-DE" dirty="0"/>
+              <a:t> </a:t>
+            </a:r>
+            <a:r>
+              <a:rPr lang="de-DE" dirty="0" err="1"/>
+              <a:t>something</a:t>
+            </a:r>
+            <a:r>
+              <a:rPr lang="de-DE" dirty="0"/>
+              <a:t> </a:t>
+            </a:r>
+            <a:r>
+              <a:rPr lang="de-DE" dirty="0" err="1"/>
+              <a:t>about</a:t>
+            </a:r>
+            <a:r>
+              <a:rPr lang="de-DE" dirty="0"/>
+              <a:t> </a:t>
+            </a:r>
+            <a:r>
+              <a:rPr lang="de-DE" dirty="0" err="1"/>
+              <a:t>how</a:t>
+            </a:r>
+            <a:r>
+              <a:rPr lang="de-DE" dirty="0"/>
+              <a:t> </a:t>
+            </a:r>
+            <a:r>
+              <a:rPr lang="de-DE" dirty="0" err="1"/>
+              <a:t>the</a:t>
+            </a:r>
+            <a:r>
+              <a:rPr lang="de-DE" dirty="0"/>
+              <a:t> real </a:t>
+            </a:r>
+            <a:r>
+              <a:rPr lang="de-DE" dirty="0" err="1"/>
+              <a:t>world</a:t>
+            </a:r>
+            <a:r>
+              <a:rPr lang="de-DE" dirty="0"/>
+              <a:t> </a:t>
+            </a:r>
+            <a:r>
+              <a:rPr lang="de-DE" dirty="0" err="1"/>
+              <a:t>behaves</a:t>
+            </a:r>
+            <a:endParaRPr lang="de-DE" dirty="0"/>
+          </a:p>
+          <a:p>
+            <a:pPr marL="0" indent="0">
+              <a:buNone/>
+            </a:pPr>
+            <a:r>
+              <a:rPr lang="en-US" dirty="0"/>
+              <a:t>Google’s page rank algorithm, for example, requires the computation of an eigenvector for a matrix with as many rows and columns as there are pages on the web.</a:t>
+            </a:r>
+          </a:p>
+          <a:p>
+            <a:pPr marL="0" indent="0">
+              <a:buNone/>
+            </a:pPr>
+            <a:r>
+              <a:rPr lang="en-US" dirty="0"/>
+              <a:t>Portfolio management</a:t>
+            </a:r>
+          </a:p>
+          <a:p>
+            <a:pPr marL="0" indent="0">
+              <a:buNone/>
+            </a:pPr>
+            <a:r>
+              <a:rPr lang="de-DE" dirty="0" err="1"/>
+              <a:t>for</a:t>
+            </a:r>
+            <a:r>
+              <a:rPr lang="de-DE" dirty="0"/>
+              <a:t> </a:t>
+            </a:r>
+            <a:r>
+              <a:rPr lang="de-DE" dirty="0" err="1"/>
+              <a:t>tracking</a:t>
+            </a:r>
+            <a:r>
+              <a:rPr lang="de-DE" dirty="0"/>
+              <a:t> orbital </a:t>
+            </a:r>
+            <a:r>
+              <a:rPr lang="de-DE" dirty="0" err="1"/>
+              <a:t>debris</a:t>
             </a:r>
             <a:endParaRPr lang="de-DE" dirty="0"/>
           </a:p>
@@ -3910,6 +6837,300 @@
     <p:extLst>
       <p:ext uri="{BB962C8B-B14F-4D97-AF65-F5344CB8AC3E}">
         <p14:creationId xmlns:p14="http://schemas.microsoft.com/office/powerpoint/2010/main" val="544923446"/>
+      </p:ext>
+    </p:extLst>
+  </p:cSld>
+  <p:clrMapOvr>
+    <a:masterClrMapping/>
+  </p:clrMapOvr>
+</p:sld>
+</file>
+
+<file path=ppt/slides/slide20.xml><?xml version="1.0" encoding="utf-8"?>
+<p:sld xmlns:a="http://schemas.openxmlformats.org/drawingml/2006/main" xmlns:r="http://schemas.openxmlformats.org/officeDocument/2006/relationships" xmlns:p="http://schemas.openxmlformats.org/presentationml/2006/main">
+  <p:cSld>
+    <p:spTree>
+      <p:nvGrpSpPr>
+        <p:cNvPr id="1" name=""/>
+        <p:cNvGrpSpPr/>
+        <p:nvPr/>
+      </p:nvGrpSpPr>
+      <p:grpSpPr>
+        <a:xfrm>
+          <a:off x="0" y="0"/>
+          <a:ext cx="0" cy="0"/>
+          <a:chOff x="0" y="0"/>
+          <a:chExt cx="0" cy="0"/>
+        </a:xfrm>
+      </p:grpSpPr>
+      <p:sp>
+        <p:nvSpPr>
+          <p:cNvPr id="2" name="Titel 1">
+            <a:extLst>
+              <a:ext uri="{FF2B5EF4-FFF2-40B4-BE49-F238E27FC236}">
+                <a16:creationId xmlns:a16="http://schemas.microsoft.com/office/drawing/2014/main" id="{FA077195-AB61-4654-9227-16F6C8FE3A91}"/>
+              </a:ext>
+            </a:extLst>
+          </p:cNvPr>
+          <p:cNvSpPr>
+            <a:spLocks noGrp="1"/>
+          </p:cNvSpPr>
+          <p:nvPr>
+            <p:ph type="title"/>
+          </p:nvPr>
+        </p:nvSpPr>
+        <p:spPr/>
+        <p:txBody>
+          <a:bodyPr/>
+          <a:lstStyle/>
+          <a:p>
+            <a:r>
+              <a:rPr lang="de-DE" dirty="0" err="1"/>
+              <a:t>reflection</a:t>
+            </a:r>
+            <a:endParaRPr lang="de-DE" dirty="0"/>
+          </a:p>
+        </p:txBody>
+      </p:sp>
+      <p:sp>
+        <p:nvSpPr>
+          <p:cNvPr id="3" name="Inhaltsplatzhalter 2">
+            <a:extLst>
+              <a:ext uri="{FF2B5EF4-FFF2-40B4-BE49-F238E27FC236}">
+                <a16:creationId xmlns:a16="http://schemas.microsoft.com/office/drawing/2014/main" id="{A413207E-8AE4-4E84-85B7-EDBCD454FEDE}"/>
+              </a:ext>
+            </a:extLst>
+          </p:cNvPr>
+          <p:cNvSpPr>
+            <a:spLocks noGrp="1"/>
+          </p:cNvSpPr>
+          <p:nvPr>
+            <p:ph idx="1"/>
+          </p:nvPr>
+        </p:nvSpPr>
+        <p:spPr/>
+        <p:txBody>
+          <a:bodyPr/>
+          <a:lstStyle/>
+          <a:p>
+            <a:r>
+              <a:rPr lang="de-DE" dirty="0" err="1"/>
+              <a:t>Challenges</a:t>
+            </a:r>
+            <a:endParaRPr lang="de-DE" dirty="0"/>
+          </a:p>
+          <a:p>
+            <a:r>
+              <a:rPr lang="de-DE" dirty="0" err="1"/>
+              <a:t>How</a:t>
+            </a:r>
+            <a:r>
+              <a:rPr lang="de-DE" dirty="0"/>
+              <a:t> </a:t>
+            </a:r>
+            <a:r>
+              <a:rPr lang="de-DE" dirty="0" err="1"/>
+              <a:t>we</a:t>
+            </a:r>
+            <a:r>
+              <a:rPr lang="de-DE" dirty="0"/>
+              <a:t> </a:t>
+            </a:r>
+            <a:r>
+              <a:rPr lang="de-DE" dirty="0" err="1"/>
+              <a:t>solved</a:t>
+            </a:r>
+            <a:r>
+              <a:rPr lang="de-DE" dirty="0"/>
+              <a:t> </a:t>
+            </a:r>
+            <a:r>
+              <a:rPr lang="de-DE" dirty="0" err="1"/>
+              <a:t>them</a:t>
+            </a:r>
+            <a:endParaRPr lang="de-DE" dirty="0"/>
+          </a:p>
+          <a:p>
+            <a:r>
+              <a:rPr lang="de-DE" dirty="0" err="1"/>
+              <a:t>How</a:t>
+            </a:r>
+            <a:r>
+              <a:rPr lang="de-DE" dirty="0"/>
+              <a:t> </a:t>
+            </a:r>
+            <a:r>
+              <a:rPr lang="de-DE" dirty="0" err="1"/>
+              <a:t>much</a:t>
+            </a:r>
+            <a:r>
+              <a:rPr lang="de-DE" dirty="0"/>
+              <a:t> </a:t>
+            </a:r>
+            <a:r>
+              <a:rPr lang="de-DE" dirty="0" err="1"/>
+              <a:t>of</a:t>
+            </a:r>
+            <a:r>
+              <a:rPr lang="de-DE" dirty="0"/>
+              <a:t> </a:t>
+            </a:r>
+            <a:r>
+              <a:rPr lang="de-DE" dirty="0" err="1"/>
+              <a:t>the</a:t>
+            </a:r>
+            <a:r>
+              <a:rPr lang="de-DE" dirty="0"/>
+              <a:t> </a:t>
+            </a:r>
+            <a:r>
+              <a:rPr lang="de-DE" dirty="0" err="1"/>
+              <a:t>mandetory</a:t>
+            </a:r>
+            <a:r>
+              <a:rPr lang="de-DE" dirty="0"/>
+              <a:t>/optional </a:t>
+            </a:r>
+            <a:r>
+              <a:rPr lang="de-DE" dirty="0" err="1"/>
+              <a:t>requirements</a:t>
+            </a:r>
+            <a:r>
+              <a:rPr lang="de-DE" dirty="0"/>
+              <a:t> </a:t>
+            </a:r>
+            <a:r>
+              <a:rPr lang="de-DE" dirty="0" err="1"/>
+              <a:t>we</a:t>
+            </a:r>
+            <a:r>
+              <a:rPr lang="de-DE" dirty="0"/>
+              <a:t> </a:t>
+            </a:r>
+            <a:r>
+              <a:rPr lang="de-DE" dirty="0" err="1"/>
+              <a:t>achieved</a:t>
+            </a:r>
+            <a:endParaRPr lang="de-DE" dirty="0"/>
+          </a:p>
+        </p:txBody>
+      </p:sp>
+    </p:spTree>
+    <p:extLst>
+      <p:ext uri="{BB962C8B-B14F-4D97-AF65-F5344CB8AC3E}">
+        <p14:creationId xmlns:p14="http://schemas.microsoft.com/office/powerpoint/2010/main" val="2006122541"/>
+      </p:ext>
+    </p:extLst>
+  </p:cSld>
+  <p:clrMapOvr>
+    <a:masterClrMapping/>
+  </p:clrMapOvr>
+</p:sld>
+</file>
+
+<file path=ppt/slides/slide21.xml><?xml version="1.0" encoding="utf-8"?>
+<p:sld xmlns:a="http://schemas.openxmlformats.org/drawingml/2006/main" xmlns:r="http://schemas.openxmlformats.org/officeDocument/2006/relationships" xmlns:p="http://schemas.openxmlformats.org/presentationml/2006/main">
+  <p:cSld>
+    <p:spTree>
+      <p:nvGrpSpPr>
+        <p:cNvPr id="1" name=""/>
+        <p:cNvGrpSpPr/>
+        <p:nvPr/>
+      </p:nvGrpSpPr>
+      <p:grpSpPr>
+        <a:xfrm>
+          <a:off x="0" y="0"/>
+          <a:ext cx="0" cy="0"/>
+          <a:chOff x="0" y="0"/>
+          <a:chExt cx="0" cy="0"/>
+        </a:xfrm>
+      </p:grpSpPr>
+      <p:sp>
+        <p:nvSpPr>
+          <p:cNvPr id="2" name="Titel 1">
+            <a:extLst>
+              <a:ext uri="{FF2B5EF4-FFF2-40B4-BE49-F238E27FC236}">
+                <a16:creationId xmlns:a16="http://schemas.microsoft.com/office/drawing/2014/main" id="{0F6D6057-9AD6-4A17-8E35-B0AF4E68F675}"/>
+              </a:ext>
+            </a:extLst>
+          </p:cNvPr>
+          <p:cNvSpPr>
+            <a:spLocks noGrp="1"/>
+          </p:cNvSpPr>
+          <p:nvPr>
+            <p:ph type="title"/>
+          </p:nvPr>
+        </p:nvSpPr>
+        <p:spPr/>
+        <p:txBody>
+          <a:bodyPr/>
+          <a:lstStyle/>
+          <a:p>
+            <a:r>
+              <a:rPr lang="de-DE" dirty="0" err="1"/>
+              <a:t>outlook</a:t>
+            </a:r>
+            <a:endParaRPr lang="de-DE" dirty="0"/>
+          </a:p>
+        </p:txBody>
+      </p:sp>
+      <p:sp>
+        <p:nvSpPr>
+          <p:cNvPr id="3" name="Inhaltsplatzhalter 2">
+            <a:extLst>
+              <a:ext uri="{FF2B5EF4-FFF2-40B4-BE49-F238E27FC236}">
+                <a16:creationId xmlns:a16="http://schemas.microsoft.com/office/drawing/2014/main" id="{2BAE3E85-5952-4FCC-A5BE-B1BC7E36C319}"/>
+              </a:ext>
+            </a:extLst>
+          </p:cNvPr>
+          <p:cNvSpPr>
+            <a:spLocks noGrp="1"/>
+          </p:cNvSpPr>
+          <p:nvPr>
+            <p:ph idx="1"/>
+          </p:nvPr>
+        </p:nvSpPr>
+        <p:spPr/>
+        <p:txBody>
+          <a:bodyPr/>
+          <a:lstStyle/>
+          <a:p>
+            <a:r>
+              <a:rPr lang="de-DE" dirty="0" err="1"/>
+              <a:t>What</a:t>
+            </a:r>
+            <a:r>
+              <a:rPr lang="de-DE" dirty="0"/>
+              <a:t> </a:t>
+            </a:r>
+            <a:r>
+              <a:rPr lang="de-DE" dirty="0" err="1"/>
+              <a:t>we</a:t>
+            </a:r>
+            <a:r>
+              <a:rPr lang="de-DE" dirty="0"/>
+              <a:t> </a:t>
+            </a:r>
+            <a:r>
+              <a:rPr lang="de-DE" dirty="0" err="1"/>
+              <a:t>could</a:t>
+            </a:r>
+            <a:r>
+              <a:rPr lang="de-DE" dirty="0"/>
+              <a:t> </a:t>
+            </a:r>
+            <a:r>
+              <a:rPr lang="de-DE" dirty="0" err="1"/>
+              <a:t>add</a:t>
+            </a:r>
+            <a:endParaRPr lang="de-DE" dirty="0"/>
+          </a:p>
+        </p:txBody>
+      </p:sp>
+    </p:spTree>
+    <p:extLst>
+      <p:ext uri="{BB962C8B-B14F-4D97-AF65-F5344CB8AC3E}">
+        <p14:creationId xmlns:p14="http://schemas.microsoft.com/office/powerpoint/2010/main" val="2112290328"/>
       </p:ext>
     </p:extLst>
   </p:cSld>
@@ -3941,7 +7162,7 @@
           <p:cNvPr id="2" name="Titel 1">
             <a:extLst>
               <a:ext uri="{FF2B5EF4-FFF2-40B4-BE49-F238E27FC236}">
-                <a16:creationId xmlns:a16="http://schemas.microsoft.com/office/drawing/2014/main" id="{AEB05EBC-DF35-4F96-96CA-81FDBFF64F8F}"/>
+                <a16:creationId xmlns:a16="http://schemas.microsoft.com/office/drawing/2014/main" id="{8BECF30F-E8FF-4675-B113-99C8FD561A16}"/>
               </a:ext>
             </a:extLst>
           </p:cNvPr>
@@ -3957,54 +7178,7 @@
           <a:bodyPr/>
           <a:lstStyle/>
           <a:p>
-            <a:r>
-              <a:rPr lang="de-DE" dirty="0" err="1"/>
-              <a:t>Explain</a:t>
-            </a:r>
-            <a:r>
-              <a:rPr lang="de-DE" dirty="0"/>
-              <a:t> </a:t>
-            </a:r>
-            <a:r>
-              <a:rPr lang="de-DE" dirty="0" err="1"/>
-              <a:t>how</a:t>
-            </a:r>
-            <a:r>
-              <a:rPr lang="de-DE" dirty="0"/>
-              <a:t> </a:t>
-            </a:r>
-            <a:r>
-              <a:rPr lang="de-DE" dirty="0" err="1"/>
-              <a:t>they</a:t>
-            </a:r>
-            <a:r>
-              <a:rPr lang="de-DE" dirty="0"/>
-              <a:t> </a:t>
-            </a:r>
-            <a:r>
-              <a:rPr lang="de-DE" dirty="0" err="1"/>
-              <a:t>get</a:t>
-            </a:r>
-            <a:r>
-              <a:rPr lang="de-DE" dirty="0"/>
-              <a:t> </a:t>
-            </a:r>
-            <a:r>
-              <a:rPr lang="de-DE" dirty="0" err="1"/>
-              <a:t>solved</a:t>
-            </a:r>
-            <a:r>
-              <a:rPr lang="de-DE" dirty="0"/>
-              <a:t> </a:t>
-            </a:r>
-            <a:r>
-              <a:rPr lang="de-DE" dirty="0" err="1"/>
-              <a:t>iterativly</a:t>
-            </a:r>
-            <a:r>
-              <a:rPr lang="de-DE" dirty="0"/>
-              <a:t> </a:t>
-            </a:r>
+            <a:endParaRPr lang="de-DE"/>
           </a:p>
         </p:txBody>
       </p:sp>
@@ -4013,7 +7187,7 @@
           <p:cNvPr id="3" name="Inhaltsplatzhalter 2">
             <a:extLst>
               <a:ext uri="{FF2B5EF4-FFF2-40B4-BE49-F238E27FC236}">
-                <a16:creationId xmlns:a16="http://schemas.microsoft.com/office/drawing/2014/main" id="{265B7160-362F-418B-A9A9-FE2F07280CC9}"/>
+                <a16:creationId xmlns:a16="http://schemas.microsoft.com/office/drawing/2014/main" id="{D9125FBE-E7A9-412C-9A6E-1F6AA47140B7}"/>
               </a:ext>
             </a:extLst>
           </p:cNvPr>
@@ -4029,127 +7203,14 @@
           <a:bodyPr/>
           <a:lstStyle/>
           <a:p>
-            <a:r>
-              <a:rPr lang="de-DE" dirty="0"/>
-              <a:t>Different </a:t>
-            </a:r>
-            <a:r>
-              <a:rPr lang="de-DE" dirty="0" err="1"/>
-              <a:t>solvers</a:t>
-            </a:r>
-            <a:r>
-              <a:rPr lang="de-DE" dirty="0"/>
-              <a:t> </a:t>
-            </a:r>
-            <a:r>
-              <a:rPr lang="de-DE" dirty="0" err="1"/>
-              <a:t>with</a:t>
-            </a:r>
-            <a:r>
-              <a:rPr lang="de-DE" dirty="0"/>
-              <a:t> different </a:t>
-            </a:r>
-            <a:r>
-              <a:rPr lang="de-DE" dirty="0" err="1"/>
-              <a:t>properties</a:t>
-            </a:r>
-            <a:endParaRPr lang="de-DE" dirty="0"/>
-          </a:p>
-          <a:p>
-            <a:r>
-              <a:rPr lang="de-DE" dirty="0"/>
-              <a:t>Not </a:t>
-            </a:r>
-            <a:r>
-              <a:rPr lang="de-DE" dirty="0" err="1"/>
-              <a:t>clear</a:t>
-            </a:r>
-            <a:r>
-              <a:rPr lang="de-DE" dirty="0"/>
-              <a:t> </a:t>
-            </a:r>
-            <a:r>
-              <a:rPr lang="de-DE" dirty="0" err="1"/>
-              <a:t>which</a:t>
-            </a:r>
-            <a:r>
-              <a:rPr lang="de-DE" dirty="0"/>
-              <a:t> </a:t>
-            </a:r>
-            <a:r>
-              <a:rPr lang="de-DE" dirty="0" err="1"/>
-              <a:t>one</a:t>
-            </a:r>
-            <a:r>
-              <a:rPr lang="de-DE" dirty="0"/>
-              <a:t> will </a:t>
-            </a:r>
-            <a:r>
-              <a:rPr lang="de-DE" dirty="0" err="1"/>
-              <a:t>solve</a:t>
-            </a:r>
-            <a:r>
-              <a:rPr lang="de-DE" dirty="0"/>
-              <a:t> a </a:t>
-            </a:r>
-            <a:r>
-              <a:rPr lang="de-DE" dirty="0" err="1"/>
-              <a:t>given</a:t>
-            </a:r>
-            <a:r>
-              <a:rPr lang="de-DE" dirty="0"/>
-              <a:t> </a:t>
-            </a:r>
-            <a:r>
-              <a:rPr lang="de-DE" dirty="0" err="1"/>
-              <a:t>matrix</a:t>
-            </a:r>
-            <a:r>
-              <a:rPr lang="de-DE" dirty="0"/>
-              <a:t> </a:t>
-            </a:r>
-            <a:r>
-              <a:rPr lang="de-DE" dirty="0" err="1"/>
-              <a:t>the</a:t>
-            </a:r>
-            <a:r>
-              <a:rPr lang="de-DE" dirty="0"/>
-              <a:t> fastest</a:t>
-            </a:r>
-          </a:p>
-          <a:p>
-            <a:r>
-              <a:rPr lang="de-DE" dirty="0"/>
-              <a:t>Show </a:t>
-            </a:r>
-            <a:r>
-              <a:rPr lang="de-DE" dirty="0" err="1"/>
-              <a:t>diagram</a:t>
-            </a:r>
-            <a:r>
-              <a:rPr lang="de-DE" dirty="0"/>
-              <a:t> </a:t>
-            </a:r>
-            <a:r>
-              <a:rPr lang="de-DE" dirty="0" err="1"/>
-              <a:t>of</a:t>
-            </a:r>
-            <a:r>
-              <a:rPr lang="de-DE" dirty="0"/>
-              <a:t> </a:t>
-            </a:r>
-            <a:r>
-              <a:rPr lang="de-DE" dirty="0" err="1"/>
-              <a:t>times</a:t>
-            </a:r>
-            <a:endParaRPr lang="de-DE" dirty="0"/>
+            <a:endParaRPr lang="de-DE"/>
           </a:p>
         </p:txBody>
       </p:sp>
     </p:spTree>
     <p:extLst>
       <p:ext uri="{BB962C8B-B14F-4D97-AF65-F5344CB8AC3E}">
-        <p14:creationId xmlns:p14="http://schemas.microsoft.com/office/powerpoint/2010/main" val="3757266144"/>
+        <p14:creationId xmlns:p14="http://schemas.microsoft.com/office/powerpoint/2010/main" val="298969375"/>
       </p:ext>
     </p:extLst>
   </p:cSld>
@@ -4178,150 +7239,146 @@
       </p:grpSpPr>
       <p:sp>
         <p:nvSpPr>
-          <p:cNvPr id="2" name="Titel 1">
-            <a:extLst>
-              <a:ext uri="{FF2B5EF4-FFF2-40B4-BE49-F238E27FC236}">
-                <a16:creationId xmlns:a16="http://schemas.microsoft.com/office/drawing/2014/main" id="{2642A9C1-2686-4E0D-ACEA-A4055588CBD8}"/>
-              </a:ext>
-            </a:extLst>
-          </p:cNvPr>
-          <p:cNvSpPr>
-            <a:spLocks noGrp="1"/>
-          </p:cNvSpPr>
-          <p:nvPr>
-            <p:ph type="title"/>
-          </p:nvPr>
-        </p:nvSpPr>
-        <p:spPr/>
-        <p:txBody>
-          <a:bodyPr/>
-          <a:lstStyle/>
-          <a:p>
-            <a:r>
-              <a:rPr lang="de-DE" dirty="0"/>
-              <a:t>.. </a:t>
-            </a:r>
-            <a:r>
-              <a:rPr lang="de-DE" dirty="0" err="1"/>
-              <a:t>Our</a:t>
-            </a:r>
-            <a:r>
-              <a:rPr lang="de-DE" dirty="0"/>
-              <a:t> </a:t>
-            </a:r>
-            <a:r>
-              <a:rPr lang="de-DE" dirty="0" err="1"/>
-              <a:t>approach</a:t>
-            </a:r>
-            <a:r>
-              <a:rPr lang="de-DE" dirty="0"/>
-              <a:t> </a:t>
-            </a:r>
-            <a:r>
-              <a:rPr lang="de-DE" dirty="0" err="1"/>
-              <a:t>solves</a:t>
-            </a:r>
-            <a:r>
-              <a:rPr lang="de-DE" dirty="0"/>
-              <a:t> </a:t>
-            </a:r>
-            <a:r>
-              <a:rPr lang="de-DE" dirty="0" err="1"/>
-              <a:t>this</a:t>
-            </a:r>
-            <a:r>
-              <a:rPr lang="de-DE" dirty="0"/>
-              <a:t> </a:t>
-            </a:r>
-            <a:r>
-              <a:rPr lang="de-DE" dirty="0" err="1"/>
-              <a:t>issue</a:t>
-            </a:r>
-            <a:endParaRPr lang="de-DE" dirty="0"/>
-          </a:p>
-        </p:txBody>
-      </p:sp>
-      <p:sp>
-        <p:nvSpPr>
-          <p:cNvPr id="3" name="Inhaltsplatzhalter 2">
-            <a:extLst>
-              <a:ext uri="{FF2B5EF4-FFF2-40B4-BE49-F238E27FC236}">
-                <a16:creationId xmlns:a16="http://schemas.microsoft.com/office/drawing/2014/main" id="{9EE60318-F47D-4E07-A291-C5DE8DA2BC44}"/>
-              </a:ext>
-            </a:extLst>
-          </p:cNvPr>
-          <p:cNvSpPr>
-            <a:spLocks noGrp="1"/>
-          </p:cNvSpPr>
-          <p:nvPr>
-            <p:ph idx="1"/>
-          </p:nvPr>
-        </p:nvSpPr>
-        <p:spPr/>
-        <p:txBody>
-          <a:bodyPr/>
-          <a:lstStyle/>
-          <a:p>
-            <a:r>
-              <a:rPr lang="de-DE" dirty="0" err="1"/>
-              <a:t>Explain</a:t>
-            </a:r>
-            <a:r>
-              <a:rPr lang="de-DE" dirty="0"/>
-              <a:t> </a:t>
-            </a:r>
-            <a:r>
-              <a:rPr lang="de-DE" dirty="0" err="1"/>
-              <a:t>or</a:t>
-            </a:r>
-            <a:r>
-              <a:rPr lang="de-DE" dirty="0"/>
-              <a:t> </a:t>
-            </a:r>
-            <a:r>
-              <a:rPr lang="de-DE" dirty="0" err="1"/>
-              <a:t>product</a:t>
-            </a:r>
-            <a:r>
-              <a:rPr lang="de-DE" dirty="0"/>
-              <a:t> </a:t>
-            </a:r>
-          </a:p>
-          <a:p>
-            <a:r>
-              <a:rPr lang="de-DE" dirty="0"/>
-              <a:t>The 4 </a:t>
-            </a:r>
-            <a:r>
-              <a:rPr lang="de-DE" dirty="0" err="1"/>
-              <a:t>modules</a:t>
-            </a:r>
-            <a:endParaRPr lang="de-DE" dirty="0"/>
-          </a:p>
-          <a:p>
-            <a:r>
-              <a:rPr lang="de-DE" dirty="0" err="1"/>
-              <a:t>Overview</a:t>
-            </a:r>
-            <a:r>
-              <a:rPr lang="de-DE" dirty="0"/>
-              <a:t>(</a:t>
-            </a:r>
-            <a:r>
-              <a:rPr lang="de-DE" dirty="0" err="1"/>
-              <a:t>picture</a:t>
-            </a:r>
-            <a:r>
-              <a:rPr lang="de-DE" dirty="0"/>
-              <a:t>)</a:t>
-            </a:r>
-          </a:p>
-        </p:txBody>
-      </p:sp>
+          <p:cNvPr id="7" name="Rechteck 6">
+            <a:extLst>
+              <a:ext uri="{FF2B5EF4-FFF2-40B4-BE49-F238E27FC236}">
+                <a16:creationId xmlns:a16="http://schemas.microsoft.com/office/drawing/2014/main" id="{DDEE7F32-2FE3-4894-9D03-30A7178F7B64}"/>
+              </a:ext>
+            </a:extLst>
+          </p:cNvPr>
+          <p:cNvSpPr/>
+          <p:nvPr/>
+        </p:nvSpPr>
+        <p:spPr>
+          <a:xfrm>
+            <a:off x="1272072" y="317241"/>
+            <a:ext cx="4478694" cy="2985796"/>
+          </a:xfrm>
+          <a:prstGeom prst="rect">
+            <a:avLst/>
+          </a:prstGeom>
+        </p:spPr>
+        <p:style>
+          <a:lnRef idx="2">
+            <a:schemeClr val="accent1">
+              <a:shade val="50000"/>
+            </a:schemeClr>
+          </a:lnRef>
+          <a:fillRef idx="1">
+            <a:schemeClr val="accent1"/>
+          </a:fillRef>
+          <a:effectRef idx="0">
+            <a:schemeClr val="accent1"/>
+          </a:effectRef>
+          <a:fontRef idx="minor">
+            <a:schemeClr val="lt1"/>
+          </a:fontRef>
+        </p:style>
+        <p:txBody>
+          <a:bodyPr rtlCol="0" anchor="ctr"/>
+          <a:lstStyle/>
+          <a:p>
+            <a:pPr algn="ctr"/>
+            <a:endParaRPr lang="de-DE"/>
+          </a:p>
+        </p:txBody>
+      </p:sp>
+      <p:sp>
+        <p:nvSpPr>
+          <p:cNvPr id="13" name="AutoShape 6" descr="Bildergebnis fÃ¼r Quadratic programming">
+            <a:extLst>
+              <a:ext uri="{FF2B5EF4-FFF2-40B4-BE49-F238E27FC236}">
+                <a16:creationId xmlns:a16="http://schemas.microsoft.com/office/drawing/2014/main" id="{DB59D097-587B-4879-9901-761CEBA0449B}"/>
+              </a:ext>
+            </a:extLst>
+          </p:cNvPr>
+          <p:cNvSpPr>
+            <a:spLocks noChangeAspect="1" noChangeArrowheads="1"/>
+          </p:cNvSpPr>
+          <p:nvPr/>
+        </p:nvSpPr>
+        <p:spPr bwMode="auto">
+          <a:xfrm>
+            <a:off x="5943600" y="3276600"/>
+            <a:ext cx="4976328" cy="4976328"/>
+          </a:xfrm>
+          <a:prstGeom prst="rect">
+            <a:avLst/>
+          </a:prstGeom>
+          <a:noFill/>
+          <a:extLst>
+            <a:ext uri="{909E8E84-426E-40DD-AFC4-6F175D3DCCD1}">
+              <a14:hiddenFill xmlns:a14="http://schemas.microsoft.com/office/drawing/2010/main">
+                <a:solidFill>
+                  <a:srgbClr val="FFFFFF"/>
+                </a:solidFill>
+              </a14:hiddenFill>
+            </a:ext>
+          </a:extLst>
+        </p:spPr>
+        <p:txBody>
+          <a:bodyPr vert="horz" wrap="square" lIns="91440" tIns="45720" rIns="91440" bIns="45720" numCol="1" anchor="t" anchorCtr="0" compatLnSpc="1">
+            <a:prstTxWarp prst="textNoShape">
+              <a:avLst/>
+            </a:prstTxWarp>
+          </a:bodyPr>
+          <a:lstStyle/>
+          <a:p>
+            <a:endParaRPr lang="de-DE"/>
+          </a:p>
+        </p:txBody>
+      </p:sp>
+      <p:pic>
+        <p:nvPicPr>
+          <p:cNvPr id="4108" name="Picture 12" descr="Bildergebnis fÃ¼r circuit">
+            <a:extLst>
+              <a:ext uri="{FF2B5EF4-FFF2-40B4-BE49-F238E27FC236}">
+                <a16:creationId xmlns:a16="http://schemas.microsoft.com/office/drawing/2014/main" id="{82D03DF6-E7BA-4A37-A66F-47DC2DF5DF69}"/>
+              </a:ext>
+            </a:extLst>
+          </p:cNvPr>
+          <p:cNvPicPr>
+            <a:picLocks noChangeAspect="1" noChangeArrowheads="1"/>
+          </p:cNvPicPr>
+          <p:nvPr/>
+        </p:nvPicPr>
+        <p:blipFill>
+          <a:blip r:embed="rId2">
+            <a:extLst>
+              <a:ext uri="{28A0092B-C50C-407E-A947-70E740481C1C}">
+                <a14:useLocalDpi xmlns:a14="http://schemas.microsoft.com/office/drawing/2010/main" val="0"/>
+              </a:ext>
+            </a:extLst>
+          </a:blip>
+          <a:srcRect/>
+          <a:stretch>
+            <a:fillRect/>
+          </a:stretch>
+        </p:blipFill>
+        <p:spPr bwMode="auto">
+          <a:xfrm>
+            <a:off x="1272072" y="317241"/>
+            <a:ext cx="4478693" cy="2959360"/>
+          </a:xfrm>
+          <a:prstGeom prst="rect">
+            <a:avLst/>
+          </a:prstGeom>
+          <a:noFill/>
+          <a:extLst>
+            <a:ext uri="{909E8E84-426E-40DD-AFC4-6F175D3DCCD1}">
+              <a14:hiddenFill xmlns:a14="http://schemas.microsoft.com/office/drawing/2010/main">
+                <a:solidFill>
+                  <a:srgbClr val="FFFFFF"/>
+                </a:solidFill>
+              </a14:hiddenFill>
+            </a:ext>
+          </a:extLst>
+        </p:spPr>
+      </p:pic>
     </p:spTree>
     <p:extLst>
       <p:ext uri="{BB962C8B-B14F-4D97-AF65-F5344CB8AC3E}">
-        <p14:creationId xmlns:p14="http://schemas.microsoft.com/office/powerpoint/2010/main" val="4206845637"/>
+        <p14:creationId xmlns:p14="http://schemas.microsoft.com/office/powerpoint/2010/main" val="4165259950"/>
       </p:ext>
     </p:extLst>
   </p:cSld>
@@ -4350,62 +7407,193 @@
       </p:grpSpPr>
       <p:sp>
         <p:nvSpPr>
-          <p:cNvPr id="2" name="Titel 1">
-            <a:extLst>
-              <a:ext uri="{FF2B5EF4-FFF2-40B4-BE49-F238E27FC236}">
-                <a16:creationId xmlns:a16="http://schemas.microsoft.com/office/drawing/2014/main" id="{0E13D15C-127C-4343-B19C-94ECCED456EB}"/>
-              </a:ext>
-            </a:extLst>
-          </p:cNvPr>
-          <p:cNvSpPr>
-            <a:spLocks noGrp="1"/>
-          </p:cNvSpPr>
-          <p:nvPr>
-            <p:ph type="title"/>
-          </p:nvPr>
-        </p:nvSpPr>
-        <p:spPr/>
-        <p:txBody>
-          <a:bodyPr/>
-          <a:lstStyle/>
-          <a:p>
-            <a:r>
-              <a:rPr lang="de-DE" dirty="0" err="1"/>
-              <a:t>collector</a:t>
-            </a:r>
-            <a:endParaRPr lang="de-DE" dirty="0"/>
-          </a:p>
-        </p:txBody>
-      </p:sp>
-      <p:sp>
-        <p:nvSpPr>
-          <p:cNvPr id="3" name="Inhaltsplatzhalter 2">
-            <a:extLst>
-              <a:ext uri="{FF2B5EF4-FFF2-40B4-BE49-F238E27FC236}">
-                <a16:creationId xmlns:a16="http://schemas.microsoft.com/office/drawing/2014/main" id="{798C24B9-EA82-44CC-84C9-D159A939703F}"/>
-              </a:ext>
-            </a:extLst>
-          </p:cNvPr>
-          <p:cNvSpPr>
-            <a:spLocks noGrp="1"/>
-          </p:cNvSpPr>
-          <p:nvPr>
-            <p:ph idx="1"/>
-          </p:nvPr>
-        </p:nvSpPr>
-        <p:spPr/>
-        <p:txBody>
-          <a:bodyPr/>
-          <a:lstStyle/>
-          <a:p>
-            <a:endParaRPr lang="de-DE" dirty="0"/>
-          </a:p>
-        </p:txBody>
-      </p:sp>
+          <p:cNvPr id="7" name="Rechteck 6">
+            <a:extLst>
+              <a:ext uri="{FF2B5EF4-FFF2-40B4-BE49-F238E27FC236}">
+                <a16:creationId xmlns:a16="http://schemas.microsoft.com/office/drawing/2014/main" id="{DDEE7F32-2FE3-4894-9D03-30A7178F7B64}"/>
+              </a:ext>
+            </a:extLst>
+          </p:cNvPr>
+          <p:cNvSpPr/>
+          <p:nvPr/>
+        </p:nvSpPr>
+        <p:spPr>
+          <a:xfrm>
+            <a:off x="1272072" y="317241"/>
+            <a:ext cx="4478694" cy="2985796"/>
+          </a:xfrm>
+          <a:prstGeom prst="rect">
+            <a:avLst/>
+          </a:prstGeom>
+        </p:spPr>
+        <p:style>
+          <a:lnRef idx="2">
+            <a:schemeClr val="accent1">
+              <a:shade val="50000"/>
+            </a:schemeClr>
+          </a:lnRef>
+          <a:fillRef idx="1">
+            <a:schemeClr val="accent1"/>
+          </a:fillRef>
+          <a:effectRef idx="0">
+            <a:schemeClr val="accent1"/>
+          </a:effectRef>
+          <a:fontRef idx="minor">
+            <a:schemeClr val="lt1"/>
+          </a:fontRef>
+        </p:style>
+        <p:txBody>
+          <a:bodyPr rtlCol="0" anchor="ctr"/>
+          <a:lstStyle/>
+          <a:p>
+            <a:pPr algn="ctr"/>
+            <a:endParaRPr lang="de-DE"/>
+          </a:p>
+        </p:txBody>
+      </p:sp>
+      <p:pic>
+        <p:nvPicPr>
+          <p:cNvPr id="4098" name="Picture 2" descr="Bildergebnis fÃ¼r webpage">
+            <a:extLst>
+              <a:ext uri="{FF2B5EF4-FFF2-40B4-BE49-F238E27FC236}">
+                <a16:creationId xmlns:a16="http://schemas.microsoft.com/office/drawing/2014/main" id="{EDB986C9-D082-4B2A-B453-3C8B53A0C3CC}"/>
+              </a:ext>
+            </a:extLst>
+          </p:cNvPr>
+          <p:cNvPicPr>
+            <a:picLocks noChangeAspect="1" noChangeArrowheads="1"/>
+          </p:cNvPicPr>
+          <p:nvPr/>
+        </p:nvPicPr>
+        <p:blipFill>
+          <a:blip r:embed="rId2">
+            <a:extLst>
+              <a:ext uri="{28A0092B-C50C-407E-A947-70E740481C1C}">
+                <a14:useLocalDpi xmlns:a14="http://schemas.microsoft.com/office/drawing/2010/main" val="0"/>
+              </a:ext>
+            </a:extLst>
+          </a:blip>
+          <a:srcRect/>
+          <a:stretch>
+            <a:fillRect/>
+          </a:stretch>
+        </p:blipFill>
+        <p:spPr bwMode="auto">
+          <a:xfrm>
+            <a:off x="6441235" y="304023"/>
+            <a:ext cx="4478693" cy="2985795"/>
+          </a:xfrm>
+          <a:prstGeom prst="rect">
+            <a:avLst/>
+          </a:prstGeom>
+          <a:noFill/>
+          <a:extLst>
+            <a:ext uri="{909E8E84-426E-40DD-AFC4-6F175D3DCCD1}">
+              <a14:hiddenFill xmlns:a14="http://schemas.microsoft.com/office/drawing/2010/main">
+                <a:solidFill>
+                  <a:srgbClr val="FFFFFF"/>
+                </a:solidFill>
+              </a14:hiddenFill>
+            </a:ext>
+          </a:extLst>
+        </p:spPr>
+      </p:pic>
+      <p:sp>
+        <p:nvSpPr>
+          <p:cNvPr id="13" name="AutoShape 6" descr="Bildergebnis fÃ¼r Quadratic programming">
+            <a:extLst>
+              <a:ext uri="{FF2B5EF4-FFF2-40B4-BE49-F238E27FC236}">
+                <a16:creationId xmlns:a16="http://schemas.microsoft.com/office/drawing/2014/main" id="{DB59D097-587B-4879-9901-761CEBA0449B}"/>
+              </a:ext>
+            </a:extLst>
+          </p:cNvPr>
+          <p:cNvSpPr>
+            <a:spLocks noChangeAspect="1" noChangeArrowheads="1"/>
+          </p:cNvSpPr>
+          <p:nvPr/>
+        </p:nvSpPr>
+        <p:spPr bwMode="auto">
+          <a:xfrm>
+            <a:off x="5943600" y="3276600"/>
+            <a:ext cx="4976328" cy="4976328"/>
+          </a:xfrm>
+          <a:prstGeom prst="rect">
+            <a:avLst/>
+          </a:prstGeom>
+          <a:noFill/>
+          <a:extLst>
+            <a:ext uri="{909E8E84-426E-40DD-AFC4-6F175D3DCCD1}">
+              <a14:hiddenFill xmlns:a14="http://schemas.microsoft.com/office/drawing/2010/main">
+                <a:solidFill>
+                  <a:srgbClr val="FFFFFF"/>
+                </a:solidFill>
+              </a14:hiddenFill>
+            </a:ext>
+          </a:extLst>
+        </p:spPr>
+        <p:txBody>
+          <a:bodyPr vert="horz" wrap="square" lIns="91440" tIns="45720" rIns="91440" bIns="45720" numCol="1" anchor="t" anchorCtr="0" compatLnSpc="1">
+            <a:prstTxWarp prst="textNoShape">
+              <a:avLst/>
+            </a:prstTxWarp>
+          </a:bodyPr>
+          <a:lstStyle/>
+          <a:p>
+            <a:endParaRPr lang="de-DE"/>
+          </a:p>
+        </p:txBody>
+      </p:sp>
+      <p:pic>
+        <p:nvPicPr>
+          <p:cNvPr id="4108" name="Picture 12" descr="Bildergebnis fÃ¼r circuit">
+            <a:extLst>
+              <a:ext uri="{FF2B5EF4-FFF2-40B4-BE49-F238E27FC236}">
+                <a16:creationId xmlns:a16="http://schemas.microsoft.com/office/drawing/2014/main" id="{82D03DF6-E7BA-4A37-A66F-47DC2DF5DF69}"/>
+              </a:ext>
+            </a:extLst>
+          </p:cNvPr>
+          <p:cNvPicPr>
+            <a:picLocks noChangeAspect="1" noChangeArrowheads="1"/>
+          </p:cNvPicPr>
+          <p:nvPr/>
+        </p:nvPicPr>
+        <p:blipFill>
+          <a:blip r:embed="rId3">
+            <a:extLst>
+              <a:ext uri="{28A0092B-C50C-407E-A947-70E740481C1C}">
+                <a14:useLocalDpi xmlns:a14="http://schemas.microsoft.com/office/drawing/2010/main" val="0"/>
+              </a:ext>
+            </a:extLst>
+          </a:blip>
+          <a:srcRect/>
+          <a:stretch>
+            <a:fillRect/>
+          </a:stretch>
+        </p:blipFill>
+        <p:spPr bwMode="auto">
+          <a:xfrm>
+            <a:off x="1272072" y="317241"/>
+            <a:ext cx="4478693" cy="2959360"/>
+          </a:xfrm>
+          <a:prstGeom prst="rect">
+            <a:avLst/>
+          </a:prstGeom>
+          <a:noFill/>
+          <a:extLst>
+            <a:ext uri="{909E8E84-426E-40DD-AFC4-6F175D3DCCD1}">
+              <a14:hiddenFill xmlns:a14="http://schemas.microsoft.com/office/drawing/2010/main">
+                <a:solidFill>
+                  <a:srgbClr val="FFFFFF"/>
+                </a:solidFill>
+              </a14:hiddenFill>
+            </a:ext>
+          </a:extLst>
+        </p:spPr>
+      </p:pic>
     </p:spTree>
     <p:extLst>
       <p:ext uri="{BB962C8B-B14F-4D97-AF65-F5344CB8AC3E}">
-        <p14:creationId xmlns:p14="http://schemas.microsoft.com/office/powerpoint/2010/main" val="3431600488"/>
+        <p14:creationId xmlns:p14="http://schemas.microsoft.com/office/powerpoint/2010/main" val="4167139949"/>
       </p:ext>
     </p:extLst>
   </p:cSld>
@@ -4434,74 +7622,286 @@
       </p:grpSpPr>
       <p:sp>
         <p:nvSpPr>
-          <p:cNvPr id="2" name="Titel 1">
-            <a:extLst>
-              <a:ext uri="{FF2B5EF4-FFF2-40B4-BE49-F238E27FC236}">
-                <a16:creationId xmlns:a16="http://schemas.microsoft.com/office/drawing/2014/main" id="{C71D9E32-2C6F-407D-B345-E6AB558ADBD9}"/>
-              </a:ext>
-            </a:extLst>
-          </p:cNvPr>
-          <p:cNvSpPr>
-            <a:spLocks noGrp="1"/>
-          </p:cNvSpPr>
-          <p:nvPr>
-            <p:ph type="title"/>
-          </p:nvPr>
-        </p:nvSpPr>
-        <p:spPr/>
-        <p:txBody>
-          <a:bodyPr/>
-          <a:lstStyle/>
-          <a:p>
-            <a:r>
-              <a:rPr lang="de-DE" dirty="0"/>
-              <a:t>´</a:t>
-            </a:r>
-            <a:r>
-              <a:rPr lang="de-DE" dirty="0" err="1"/>
-              <a:t>labeling</a:t>
-            </a:r>
-            <a:r>
-              <a:rPr lang="de-DE" dirty="0"/>
-              <a:t> </a:t>
-            </a:r>
-            <a:r>
-              <a:rPr lang="de-DE" dirty="0" err="1"/>
-              <a:t>module</a:t>
-            </a:r>
-            <a:endParaRPr lang="de-DE" dirty="0"/>
-          </a:p>
-        </p:txBody>
-      </p:sp>
-      <p:sp>
-        <p:nvSpPr>
-          <p:cNvPr id="3" name="Inhaltsplatzhalter 2">
-            <a:extLst>
-              <a:ext uri="{FF2B5EF4-FFF2-40B4-BE49-F238E27FC236}">
-                <a16:creationId xmlns:a16="http://schemas.microsoft.com/office/drawing/2014/main" id="{A6E36060-4FDA-4834-B05D-0841012EE52D}"/>
-              </a:ext>
-            </a:extLst>
-          </p:cNvPr>
-          <p:cNvSpPr>
-            <a:spLocks noGrp="1"/>
-          </p:cNvSpPr>
-          <p:nvPr>
-            <p:ph idx="1"/>
-          </p:nvPr>
-        </p:nvSpPr>
-        <p:spPr/>
-        <p:txBody>
-          <a:bodyPr/>
-          <a:lstStyle/>
-          <a:p>
+          <p:cNvPr id="7" name="Rechteck 6">
+            <a:extLst>
+              <a:ext uri="{FF2B5EF4-FFF2-40B4-BE49-F238E27FC236}">
+                <a16:creationId xmlns:a16="http://schemas.microsoft.com/office/drawing/2014/main" id="{DDEE7F32-2FE3-4894-9D03-30A7178F7B64}"/>
+              </a:ext>
+            </a:extLst>
+          </p:cNvPr>
+          <p:cNvSpPr/>
+          <p:nvPr/>
+        </p:nvSpPr>
+        <p:spPr>
+          <a:xfrm>
+            <a:off x="1272072" y="317241"/>
+            <a:ext cx="4478694" cy="2985796"/>
+          </a:xfrm>
+          <a:prstGeom prst="rect">
+            <a:avLst/>
+          </a:prstGeom>
+        </p:spPr>
+        <p:style>
+          <a:lnRef idx="2">
+            <a:schemeClr val="accent1">
+              <a:shade val="50000"/>
+            </a:schemeClr>
+          </a:lnRef>
+          <a:fillRef idx="1">
+            <a:schemeClr val="accent1"/>
+          </a:fillRef>
+          <a:effectRef idx="0">
+            <a:schemeClr val="accent1"/>
+          </a:effectRef>
+          <a:fontRef idx="minor">
+            <a:schemeClr val="lt1"/>
+          </a:fontRef>
+        </p:style>
+        <p:txBody>
+          <a:bodyPr rtlCol="0" anchor="ctr"/>
+          <a:lstStyle/>
+          <a:p>
+            <a:pPr algn="ctr"/>
             <a:endParaRPr lang="de-DE"/>
           </a:p>
         </p:txBody>
       </p:sp>
+      <p:sp>
+        <p:nvSpPr>
+          <p:cNvPr id="9" name="Rechteck 8">
+            <a:extLst>
+              <a:ext uri="{FF2B5EF4-FFF2-40B4-BE49-F238E27FC236}">
+                <a16:creationId xmlns:a16="http://schemas.microsoft.com/office/drawing/2014/main" id="{FF3B08D9-8EA4-4625-ADF6-EB8A865F4846}"/>
+              </a:ext>
+            </a:extLst>
+          </p:cNvPr>
+          <p:cNvSpPr/>
+          <p:nvPr/>
+        </p:nvSpPr>
+        <p:spPr>
+          <a:xfrm>
+            <a:off x="1272072" y="3657600"/>
+            <a:ext cx="4478694" cy="2985796"/>
+          </a:xfrm>
+          <a:prstGeom prst="rect">
+            <a:avLst/>
+          </a:prstGeom>
+        </p:spPr>
+        <p:style>
+          <a:lnRef idx="2">
+            <a:schemeClr val="accent1">
+              <a:shade val="50000"/>
+            </a:schemeClr>
+          </a:lnRef>
+          <a:fillRef idx="1">
+            <a:schemeClr val="accent1"/>
+          </a:fillRef>
+          <a:effectRef idx="0">
+            <a:schemeClr val="accent1"/>
+          </a:effectRef>
+          <a:fontRef idx="minor">
+            <a:schemeClr val="lt1"/>
+          </a:fontRef>
+        </p:style>
+        <p:txBody>
+          <a:bodyPr rtlCol="0" anchor="ctr"/>
+          <a:lstStyle/>
+          <a:p>
+            <a:pPr algn="ctr"/>
+            <a:endParaRPr lang="de-DE"/>
+          </a:p>
+        </p:txBody>
+      </p:sp>
+      <p:pic>
+        <p:nvPicPr>
+          <p:cNvPr id="11" name="Picture 2" descr="Bildergebnis fÃ¼r stock">
+            <a:extLst>
+              <a:ext uri="{FF2B5EF4-FFF2-40B4-BE49-F238E27FC236}">
+                <a16:creationId xmlns:a16="http://schemas.microsoft.com/office/drawing/2014/main" id="{2D45B5F0-253A-4953-85AE-E63E0F5C0903}"/>
+              </a:ext>
+            </a:extLst>
+          </p:cNvPr>
+          <p:cNvPicPr>
+            <a:picLocks noChangeAspect="1" noChangeArrowheads="1"/>
+          </p:cNvPicPr>
+          <p:nvPr/>
+        </p:nvPicPr>
+        <p:blipFill>
+          <a:blip r:embed="rId2">
+            <a:extLst>
+              <a:ext uri="{28A0092B-C50C-407E-A947-70E740481C1C}">
+                <a14:useLocalDpi xmlns:a14="http://schemas.microsoft.com/office/drawing/2010/main" val="0"/>
+              </a:ext>
+            </a:extLst>
+          </a:blip>
+          <a:srcRect/>
+          <a:stretch>
+            <a:fillRect/>
+          </a:stretch>
+        </p:blipFill>
+        <p:spPr bwMode="auto">
+          <a:xfrm>
+            <a:off x="1272072" y="3657601"/>
+            <a:ext cx="4478694" cy="2985796"/>
+          </a:xfrm>
+          <a:prstGeom prst="rect">
+            <a:avLst/>
+          </a:prstGeom>
+          <a:noFill/>
+          <a:extLst>
+            <a:ext uri="{909E8E84-426E-40DD-AFC4-6F175D3DCCD1}">
+              <a14:hiddenFill xmlns:a14="http://schemas.microsoft.com/office/drawing/2010/main">
+                <a:solidFill>
+                  <a:srgbClr val="FFFFFF"/>
+                </a:solidFill>
+              </a14:hiddenFill>
+            </a:ext>
+          </a:extLst>
+        </p:spPr>
+      </p:pic>
+      <p:pic>
+        <p:nvPicPr>
+          <p:cNvPr id="4098" name="Picture 2" descr="Bildergebnis fÃ¼r webpage">
+            <a:extLst>
+              <a:ext uri="{FF2B5EF4-FFF2-40B4-BE49-F238E27FC236}">
+                <a16:creationId xmlns:a16="http://schemas.microsoft.com/office/drawing/2014/main" id="{EDB986C9-D082-4B2A-B453-3C8B53A0C3CC}"/>
+              </a:ext>
+            </a:extLst>
+          </p:cNvPr>
+          <p:cNvPicPr>
+            <a:picLocks noChangeAspect="1" noChangeArrowheads="1"/>
+          </p:cNvPicPr>
+          <p:nvPr/>
+        </p:nvPicPr>
+        <p:blipFill>
+          <a:blip r:embed="rId3">
+            <a:extLst>
+              <a:ext uri="{28A0092B-C50C-407E-A947-70E740481C1C}">
+                <a14:useLocalDpi xmlns:a14="http://schemas.microsoft.com/office/drawing/2010/main" val="0"/>
+              </a:ext>
+            </a:extLst>
+          </a:blip>
+          <a:srcRect/>
+          <a:stretch>
+            <a:fillRect/>
+          </a:stretch>
+        </p:blipFill>
+        <p:spPr bwMode="auto">
+          <a:xfrm>
+            <a:off x="6441235" y="317242"/>
+            <a:ext cx="4478693" cy="2985795"/>
+          </a:xfrm>
+          <a:prstGeom prst="rect">
+            <a:avLst/>
+          </a:prstGeom>
+          <a:noFill/>
+          <a:extLst>
+            <a:ext uri="{909E8E84-426E-40DD-AFC4-6F175D3DCCD1}">
+              <a14:hiddenFill xmlns:a14="http://schemas.microsoft.com/office/drawing/2010/main">
+                <a:solidFill>
+                  <a:srgbClr val="FFFFFF"/>
+                </a:solidFill>
+              </a14:hiddenFill>
+            </a:ext>
+          </a:extLst>
+        </p:spPr>
+      </p:pic>
+      <p:sp>
+        <p:nvSpPr>
+          <p:cNvPr id="13" name="AutoShape 6" descr="Bildergebnis fÃ¼r Quadratic programming">
+            <a:extLst>
+              <a:ext uri="{FF2B5EF4-FFF2-40B4-BE49-F238E27FC236}">
+                <a16:creationId xmlns:a16="http://schemas.microsoft.com/office/drawing/2014/main" id="{DB59D097-587B-4879-9901-761CEBA0449B}"/>
+              </a:ext>
+            </a:extLst>
+          </p:cNvPr>
+          <p:cNvSpPr>
+            <a:spLocks noChangeAspect="1" noChangeArrowheads="1"/>
+          </p:cNvSpPr>
+          <p:nvPr/>
+        </p:nvSpPr>
+        <p:spPr bwMode="auto">
+          <a:xfrm>
+            <a:off x="5943600" y="3276600"/>
+            <a:ext cx="4976328" cy="4976328"/>
+          </a:xfrm>
+          <a:prstGeom prst="rect">
+            <a:avLst/>
+          </a:prstGeom>
+          <a:noFill/>
+          <a:extLst>
+            <a:ext uri="{909E8E84-426E-40DD-AFC4-6F175D3DCCD1}">
+              <a14:hiddenFill xmlns:a14="http://schemas.microsoft.com/office/drawing/2010/main">
+                <a:solidFill>
+                  <a:srgbClr val="FFFFFF"/>
+                </a:solidFill>
+              </a14:hiddenFill>
+            </a:ext>
+          </a:extLst>
+        </p:spPr>
+        <p:txBody>
+          <a:bodyPr vert="horz" wrap="square" lIns="91440" tIns="45720" rIns="91440" bIns="45720" numCol="1" anchor="t" anchorCtr="0" compatLnSpc="1">
+            <a:prstTxWarp prst="textNoShape">
+              <a:avLst/>
+            </a:prstTxWarp>
+          </a:bodyPr>
+          <a:lstStyle/>
+          <a:p>
+            <a:endParaRPr lang="de-DE"/>
+          </a:p>
+        </p:txBody>
+      </p:sp>
+      <p:pic>
+        <p:nvPicPr>
+          <p:cNvPr id="4108" name="Picture 12" descr="Bildergebnis fÃ¼r circuit">
+            <a:extLst>
+              <a:ext uri="{FF2B5EF4-FFF2-40B4-BE49-F238E27FC236}">
+                <a16:creationId xmlns:a16="http://schemas.microsoft.com/office/drawing/2014/main" id="{82D03DF6-E7BA-4A37-A66F-47DC2DF5DF69}"/>
+              </a:ext>
+            </a:extLst>
+          </p:cNvPr>
+          <p:cNvPicPr>
+            <a:picLocks noChangeAspect="1" noChangeArrowheads="1"/>
+          </p:cNvPicPr>
+          <p:nvPr/>
+        </p:nvPicPr>
+        <p:blipFill>
+          <a:blip r:embed="rId4">
+            <a:extLst>
+              <a:ext uri="{28A0092B-C50C-407E-A947-70E740481C1C}">
+                <a14:useLocalDpi xmlns:a14="http://schemas.microsoft.com/office/drawing/2010/main" val="0"/>
+              </a:ext>
+            </a:extLst>
+          </a:blip>
+          <a:srcRect/>
+          <a:stretch>
+            <a:fillRect/>
+          </a:stretch>
+        </p:blipFill>
+        <p:spPr bwMode="auto">
+          <a:xfrm>
+            <a:off x="1272072" y="317241"/>
+            <a:ext cx="4478693" cy="2959360"/>
+          </a:xfrm>
+          <a:prstGeom prst="rect">
+            <a:avLst/>
+          </a:prstGeom>
+          <a:noFill/>
+          <a:extLst>
+            <a:ext uri="{909E8E84-426E-40DD-AFC4-6F175D3DCCD1}">
+              <a14:hiddenFill xmlns:a14="http://schemas.microsoft.com/office/drawing/2010/main">
+                <a:solidFill>
+                  <a:srgbClr val="FFFFFF"/>
+                </a:solidFill>
+              </a14:hiddenFill>
+            </a:ext>
+          </a:extLst>
+        </p:spPr>
+      </p:pic>
     </p:spTree>
     <p:extLst>
       <p:ext uri="{BB962C8B-B14F-4D97-AF65-F5344CB8AC3E}">
-        <p14:creationId xmlns:p14="http://schemas.microsoft.com/office/powerpoint/2010/main" val="1513339304"/>
+        <p14:creationId xmlns:p14="http://schemas.microsoft.com/office/powerpoint/2010/main" val="3335041752"/>
       </p:ext>
     </p:extLst>
   </p:cSld>
@@ -4530,70 +7930,333 @@
       </p:grpSpPr>
       <p:sp>
         <p:nvSpPr>
-          <p:cNvPr id="2" name="Titel 1">
-            <a:extLst>
-              <a:ext uri="{FF2B5EF4-FFF2-40B4-BE49-F238E27FC236}">
-                <a16:creationId xmlns:a16="http://schemas.microsoft.com/office/drawing/2014/main" id="{7BC52B4E-481D-441F-B0BC-7D838FEF4397}"/>
-              </a:ext>
-            </a:extLst>
-          </p:cNvPr>
-          <p:cNvSpPr>
-            <a:spLocks noGrp="1"/>
-          </p:cNvSpPr>
-          <p:nvPr>
-            <p:ph type="title"/>
-          </p:nvPr>
-        </p:nvSpPr>
-        <p:spPr/>
-        <p:txBody>
-          <a:bodyPr/>
-          <a:lstStyle/>
-          <a:p>
-            <a:r>
-              <a:rPr lang="de-DE" dirty="0" err="1"/>
-              <a:t>Traning</a:t>
-            </a:r>
-            <a:r>
-              <a:rPr lang="de-DE" dirty="0"/>
-              <a:t> </a:t>
-            </a:r>
-            <a:r>
-              <a:rPr lang="de-DE" dirty="0" err="1"/>
-              <a:t>module</a:t>
-            </a:r>
-            <a:endParaRPr lang="de-DE" dirty="0"/>
-          </a:p>
-        </p:txBody>
-      </p:sp>
-      <p:sp>
-        <p:nvSpPr>
-          <p:cNvPr id="3" name="Inhaltsplatzhalter 2">
-            <a:extLst>
-              <a:ext uri="{FF2B5EF4-FFF2-40B4-BE49-F238E27FC236}">
-                <a16:creationId xmlns:a16="http://schemas.microsoft.com/office/drawing/2014/main" id="{F3EA1BBA-2CE4-49C6-8663-AD1B3BC3A19A}"/>
-              </a:ext>
-            </a:extLst>
-          </p:cNvPr>
-          <p:cNvSpPr>
-            <a:spLocks noGrp="1"/>
-          </p:cNvSpPr>
-          <p:nvPr>
-            <p:ph idx="1"/>
-          </p:nvPr>
-        </p:nvSpPr>
-        <p:spPr/>
-        <p:txBody>
-          <a:bodyPr/>
-          <a:lstStyle/>
-          <a:p>
+          <p:cNvPr id="7" name="Rechteck 6">
+            <a:extLst>
+              <a:ext uri="{FF2B5EF4-FFF2-40B4-BE49-F238E27FC236}">
+                <a16:creationId xmlns:a16="http://schemas.microsoft.com/office/drawing/2014/main" id="{DDEE7F32-2FE3-4894-9D03-30A7178F7B64}"/>
+              </a:ext>
+            </a:extLst>
+          </p:cNvPr>
+          <p:cNvSpPr/>
+          <p:nvPr/>
+        </p:nvSpPr>
+        <p:spPr>
+          <a:xfrm>
+            <a:off x="1272072" y="317241"/>
+            <a:ext cx="4478694" cy="2985796"/>
+          </a:xfrm>
+          <a:prstGeom prst="rect">
+            <a:avLst/>
+          </a:prstGeom>
+        </p:spPr>
+        <p:style>
+          <a:lnRef idx="2">
+            <a:schemeClr val="accent1">
+              <a:shade val="50000"/>
+            </a:schemeClr>
+          </a:lnRef>
+          <a:fillRef idx="1">
+            <a:schemeClr val="accent1"/>
+          </a:fillRef>
+          <a:effectRef idx="0">
+            <a:schemeClr val="accent1"/>
+          </a:effectRef>
+          <a:fontRef idx="minor">
+            <a:schemeClr val="lt1"/>
+          </a:fontRef>
+        </p:style>
+        <p:txBody>
+          <a:bodyPr rtlCol="0" anchor="ctr"/>
+          <a:lstStyle/>
+          <a:p>
+            <a:pPr algn="ctr"/>
             <a:endParaRPr lang="de-DE"/>
           </a:p>
         </p:txBody>
       </p:sp>
+      <p:sp>
+        <p:nvSpPr>
+          <p:cNvPr id="9" name="Rechteck 8">
+            <a:extLst>
+              <a:ext uri="{FF2B5EF4-FFF2-40B4-BE49-F238E27FC236}">
+                <a16:creationId xmlns:a16="http://schemas.microsoft.com/office/drawing/2014/main" id="{FF3B08D9-8EA4-4625-ADF6-EB8A865F4846}"/>
+              </a:ext>
+            </a:extLst>
+          </p:cNvPr>
+          <p:cNvSpPr/>
+          <p:nvPr/>
+        </p:nvSpPr>
+        <p:spPr>
+          <a:xfrm>
+            <a:off x="1272072" y="3657600"/>
+            <a:ext cx="4478694" cy="2985796"/>
+          </a:xfrm>
+          <a:prstGeom prst="rect">
+            <a:avLst/>
+          </a:prstGeom>
+        </p:spPr>
+        <p:style>
+          <a:lnRef idx="2">
+            <a:schemeClr val="accent1">
+              <a:shade val="50000"/>
+            </a:schemeClr>
+          </a:lnRef>
+          <a:fillRef idx="1">
+            <a:schemeClr val="accent1"/>
+          </a:fillRef>
+          <a:effectRef idx="0">
+            <a:schemeClr val="accent1"/>
+          </a:effectRef>
+          <a:fontRef idx="minor">
+            <a:schemeClr val="lt1"/>
+          </a:fontRef>
+        </p:style>
+        <p:txBody>
+          <a:bodyPr rtlCol="0" anchor="ctr"/>
+          <a:lstStyle/>
+          <a:p>
+            <a:pPr algn="ctr"/>
+            <a:endParaRPr lang="de-DE"/>
+          </a:p>
+        </p:txBody>
+      </p:sp>
+      <p:pic>
+        <p:nvPicPr>
+          <p:cNvPr id="11" name="Picture 2" descr="Bildergebnis fÃ¼r stock">
+            <a:extLst>
+              <a:ext uri="{FF2B5EF4-FFF2-40B4-BE49-F238E27FC236}">
+                <a16:creationId xmlns:a16="http://schemas.microsoft.com/office/drawing/2014/main" id="{2D45B5F0-253A-4953-85AE-E63E0F5C0903}"/>
+              </a:ext>
+            </a:extLst>
+          </p:cNvPr>
+          <p:cNvPicPr>
+            <a:picLocks noChangeAspect="1" noChangeArrowheads="1"/>
+          </p:cNvPicPr>
+          <p:nvPr/>
+        </p:nvPicPr>
+        <p:blipFill>
+          <a:blip r:embed="rId2">
+            <a:extLst>
+              <a:ext uri="{28A0092B-C50C-407E-A947-70E740481C1C}">
+                <a14:useLocalDpi xmlns:a14="http://schemas.microsoft.com/office/drawing/2010/main" val="0"/>
+              </a:ext>
+            </a:extLst>
+          </a:blip>
+          <a:srcRect/>
+          <a:stretch>
+            <a:fillRect/>
+          </a:stretch>
+        </p:blipFill>
+        <p:spPr bwMode="auto">
+          <a:xfrm>
+            <a:off x="1272072" y="3657601"/>
+            <a:ext cx="4478694" cy="2985796"/>
+          </a:xfrm>
+          <a:prstGeom prst="rect">
+            <a:avLst/>
+          </a:prstGeom>
+          <a:noFill/>
+          <a:extLst>
+            <a:ext uri="{909E8E84-426E-40DD-AFC4-6F175D3DCCD1}">
+              <a14:hiddenFill xmlns:a14="http://schemas.microsoft.com/office/drawing/2010/main">
+                <a:solidFill>
+                  <a:srgbClr val="FFFFFF"/>
+                </a:solidFill>
+              </a14:hiddenFill>
+            </a:ext>
+          </a:extLst>
+        </p:spPr>
+      </p:pic>
+      <p:pic>
+        <p:nvPicPr>
+          <p:cNvPr id="4098" name="Picture 2" descr="Bildergebnis fÃ¼r webpage">
+            <a:extLst>
+              <a:ext uri="{FF2B5EF4-FFF2-40B4-BE49-F238E27FC236}">
+                <a16:creationId xmlns:a16="http://schemas.microsoft.com/office/drawing/2014/main" id="{EDB986C9-D082-4B2A-B453-3C8B53A0C3CC}"/>
+              </a:ext>
+            </a:extLst>
+          </p:cNvPr>
+          <p:cNvPicPr>
+            <a:picLocks noChangeAspect="1" noChangeArrowheads="1"/>
+          </p:cNvPicPr>
+          <p:nvPr/>
+        </p:nvPicPr>
+        <p:blipFill>
+          <a:blip r:embed="rId3">
+            <a:extLst>
+              <a:ext uri="{28A0092B-C50C-407E-A947-70E740481C1C}">
+                <a14:useLocalDpi xmlns:a14="http://schemas.microsoft.com/office/drawing/2010/main" val="0"/>
+              </a:ext>
+            </a:extLst>
+          </a:blip>
+          <a:srcRect/>
+          <a:stretch>
+            <a:fillRect/>
+          </a:stretch>
+        </p:blipFill>
+        <p:spPr bwMode="auto">
+          <a:xfrm>
+            <a:off x="6441234" y="317242"/>
+            <a:ext cx="4478693" cy="2985795"/>
+          </a:xfrm>
+          <a:prstGeom prst="rect">
+            <a:avLst/>
+          </a:prstGeom>
+          <a:noFill/>
+          <a:extLst>
+            <a:ext uri="{909E8E84-426E-40DD-AFC4-6F175D3DCCD1}">
+              <a14:hiddenFill xmlns:a14="http://schemas.microsoft.com/office/drawing/2010/main">
+                <a:solidFill>
+                  <a:srgbClr val="FFFFFF"/>
+                </a:solidFill>
+              </a14:hiddenFill>
+            </a:ext>
+          </a:extLst>
+        </p:spPr>
+      </p:pic>
+      <p:sp>
+        <p:nvSpPr>
+          <p:cNvPr id="13" name="AutoShape 6" descr="Bildergebnis fÃ¼r Quadratic programming">
+            <a:extLst>
+              <a:ext uri="{FF2B5EF4-FFF2-40B4-BE49-F238E27FC236}">
+                <a16:creationId xmlns:a16="http://schemas.microsoft.com/office/drawing/2014/main" id="{DB59D097-587B-4879-9901-761CEBA0449B}"/>
+              </a:ext>
+            </a:extLst>
+          </p:cNvPr>
+          <p:cNvSpPr>
+            <a:spLocks noChangeAspect="1" noChangeArrowheads="1"/>
+          </p:cNvSpPr>
+          <p:nvPr/>
+        </p:nvSpPr>
+        <p:spPr bwMode="auto">
+          <a:xfrm>
+            <a:off x="5943600" y="3276600"/>
+            <a:ext cx="4976328" cy="4976328"/>
+          </a:xfrm>
+          <a:prstGeom prst="rect">
+            <a:avLst/>
+          </a:prstGeom>
+          <a:noFill/>
+          <a:extLst>
+            <a:ext uri="{909E8E84-426E-40DD-AFC4-6F175D3DCCD1}">
+              <a14:hiddenFill xmlns:a14="http://schemas.microsoft.com/office/drawing/2010/main">
+                <a:solidFill>
+                  <a:srgbClr val="FFFFFF"/>
+                </a:solidFill>
+              </a14:hiddenFill>
+            </a:ext>
+          </a:extLst>
+        </p:spPr>
+        <p:txBody>
+          <a:bodyPr vert="horz" wrap="square" lIns="91440" tIns="45720" rIns="91440" bIns="45720" numCol="1" anchor="t" anchorCtr="0" compatLnSpc="1">
+            <a:prstTxWarp prst="textNoShape">
+              <a:avLst/>
+            </a:prstTxWarp>
+          </a:bodyPr>
+          <a:lstStyle/>
+          <a:p>
+            <a:endParaRPr lang="de-DE"/>
+          </a:p>
+        </p:txBody>
+      </p:sp>
+      <p:pic>
+        <p:nvPicPr>
+          <p:cNvPr id="4104" name="Picture 8" descr="Ãhnliches Foto">
+            <a:extLst>
+              <a:ext uri="{FF2B5EF4-FFF2-40B4-BE49-F238E27FC236}">
+                <a16:creationId xmlns:a16="http://schemas.microsoft.com/office/drawing/2014/main" id="{3DF9AC50-3149-4EAB-BAA4-1092BDF6F0B6}"/>
+              </a:ext>
+            </a:extLst>
+          </p:cNvPr>
+          <p:cNvPicPr>
+            <a:picLocks noChangeAspect="1" noChangeArrowheads="1"/>
+          </p:cNvPicPr>
+          <p:nvPr/>
+        </p:nvPicPr>
+        <p:blipFill>
+          <a:blip r:embed="rId4">
+            <a:extLst>
+              <a:ext uri="{28A0092B-C50C-407E-A947-70E740481C1C}">
+                <a14:useLocalDpi xmlns:a14="http://schemas.microsoft.com/office/drawing/2010/main" val="0"/>
+              </a:ext>
+            </a:extLst>
+          </a:blip>
+          <a:srcRect/>
+          <a:stretch>
+            <a:fillRect/>
+          </a:stretch>
+        </p:blipFill>
+        <p:spPr bwMode="auto">
+          <a:xfrm>
+            <a:off x="6441234" y="3657600"/>
+            <a:ext cx="4478693" cy="3006789"/>
+          </a:xfrm>
+          <a:prstGeom prst="rect">
+            <a:avLst/>
+          </a:prstGeom>
+          <a:noFill/>
+          <a:extLst>
+            <a:ext uri="{909E8E84-426E-40DD-AFC4-6F175D3DCCD1}">
+              <a14:hiddenFill xmlns:a14="http://schemas.microsoft.com/office/drawing/2010/main">
+                <a:solidFill>
+                  <a:srgbClr val="FFFFFF"/>
+                </a:solidFill>
+              </a14:hiddenFill>
+            </a:ext>
+          </a:extLst>
+        </p:spPr>
+      </p:pic>
+      <p:pic>
+        <p:nvPicPr>
+          <p:cNvPr id="4108" name="Picture 12" descr="Bildergebnis fÃ¼r circuit">
+            <a:extLst>
+              <a:ext uri="{FF2B5EF4-FFF2-40B4-BE49-F238E27FC236}">
+                <a16:creationId xmlns:a16="http://schemas.microsoft.com/office/drawing/2014/main" id="{82D03DF6-E7BA-4A37-A66F-47DC2DF5DF69}"/>
+              </a:ext>
+            </a:extLst>
+          </p:cNvPr>
+          <p:cNvPicPr>
+            <a:picLocks noChangeAspect="1" noChangeArrowheads="1"/>
+          </p:cNvPicPr>
+          <p:nvPr/>
+        </p:nvPicPr>
+        <p:blipFill>
+          <a:blip r:embed="rId5">
+            <a:extLst>
+              <a:ext uri="{28A0092B-C50C-407E-A947-70E740481C1C}">
+                <a14:useLocalDpi xmlns:a14="http://schemas.microsoft.com/office/drawing/2010/main" val="0"/>
+              </a:ext>
+            </a:extLst>
+          </a:blip>
+          <a:srcRect/>
+          <a:stretch>
+            <a:fillRect/>
+          </a:stretch>
+        </p:blipFill>
+        <p:spPr bwMode="auto">
+          <a:xfrm>
+            <a:off x="1272072" y="317241"/>
+            <a:ext cx="4478693" cy="2959360"/>
+          </a:xfrm>
+          <a:prstGeom prst="rect">
+            <a:avLst/>
+          </a:prstGeom>
+          <a:noFill/>
+          <a:extLst>
+            <a:ext uri="{909E8E84-426E-40DD-AFC4-6F175D3DCCD1}">
+              <a14:hiddenFill xmlns:a14="http://schemas.microsoft.com/office/drawing/2010/main">
+                <a:solidFill>
+                  <a:srgbClr val="FFFFFF"/>
+                </a:solidFill>
+              </a14:hiddenFill>
+            </a:ext>
+          </a:extLst>
+        </p:spPr>
+      </p:pic>
     </p:spTree>
     <p:extLst>
       <p:ext uri="{BB962C8B-B14F-4D97-AF65-F5344CB8AC3E}">
-        <p14:creationId xmlns:p14="http://schemas.microsoft.com/office/powerpoint/2010/main" val="2899633845"/>
+        <p14:creationId xmlns:p14="http://schemas.microsoft.com/office/powerpoint/2010/main" val="2917853738"/>
       </p:ext>
     </p:extLst>
   </p:cSld>
@@ -4622,62 +8285,331 @@
       </p:grpSpPr>
       <p:sp>
         <p:nvSpPr>
-          <p:cNvPr id="2" name="Titel 1">
-            <a:extLst>
-              <a:ext uri="{FF2B5EF4-FFF2-40B4-BE49-F238E27FC236}">
-                <a16:creationId xmlns:a16="http://schemas.microsoft.com/office/drawing/2014/main" id="{6D558542-279E-434B-BC32-D044D864ED62}"/>
-              </a:ext>
-            </a:extLst>
-          </p:cNvPr>
-          <p:cNvSpPr>
-            <a:spLocks noGrp="1"/>
-          </p:cNvSpPr>
-          <p:nvPr>
-            <p:ph type="title"/>
-          </p:nvPr>
-        </p:nvSpPr>
-        <p:spPr/>
-        <p:txBody>
-          <a:bodyPr/>
-          <a:lstStyle/>
-          <a:p>
-            <a:r>
-              <a:rPr lang="de-DE" dirty="0" err="1"/>
-              <a:t>Classifier</a:t>
-            </a:r>
-            <a:endParaRPr lang="de-DE" dirty="0"/>
-          </a:p>
-        </p:txBody>
-      </p:sp>
-      <p:sp>
-        <p:nvSpPr>
-          <p:cNvPr id="3" name="Inhaltsplatzhalter 2">
-            <a:extLst>
-              <a:ext uri="{FF2B5EF4-FFF2-40B4-BE49-F238E27FC236}">
-                <a16:creationId xmlns:a16="http://schemas.microsoft.com/office/drawing/2014/main" id="{E5F37A03-C172-46A9-B08F-11B32725284C}"/>
-              </a:ext>
-            </a:extLst>
-          </p:cNvPr>
-          <p:cNvSpPr>
-            <a:spLocks noGrp="1"/>
-          </p:cNvSpPr>
-          <p:nvPr>
-            <p:ph idx="1"/>
-          </p:nvPr>
-        </p:nvSpPr>
-        <p:spPr/>
-        <p:txBody>
-          <a:bodyPr/>
-          <a:lstStyle/>
-          <a:p>
+          <p:cNvPr id="7" name="Rechteck 6">
+            <a:extLst>
+              <a:ext uri="{FF2B5EF4-FFF2-40B4-BE49-F238E27FC236}">
+                <a16:creationId xmlns:a16="http://schemas.microsoft.com/office/drawing/2014/main" id="{DDEE7F32-2FE3-4894-9D03-30A7178F7B64}"/>
+              </a:ext>
+            </a:extLst>
+          </p:cNvPr>
+          <p:cNvSpPr/>
+          <p:nvPr/>
+        </p:nvSpPr>
+        <p:spPr>
+          <a:xfrm>
+            <a:off x="1272072" y="317241"/>
+            <a:ext cx="4478694" cy="2985796"/>
+          </a:xfrm>
+          <a:prstGeom prst="rect">
+            <a:avLst/>
+          </a:prstGeom>
+        </p:spPr>
+        <p:style>
+          <a:lnRef idx="2">
+            <a:schemeClr val="accent1">
+              <a:shade val="50000"/>
+            </a:schemeClr>
+          </a:lnRef>
+          <a:fillRef idx="1">
+            <a:schemeClr val="accent1"/>
+          </a:fillRef>
+          <a:effectRef idx="0">
+            <a:schemeClr val="accent1"/>
+          </a:effectRef>
+          <a:fontRef idx="minor">
+            <a:schemeClr val="lt1"/>
+          </a:fontRef>
+        </p:style>
+        <p:txBody>
+          <a:bodyPr rtlCol="0" anchor="ctr"/>
+          <a:lstStyle/>
+          <a:p>
+            <a:pPr algn="ctr"/>
             <a:endParaRPr lang="de-DE"/>
           </a:p>
         </p:txBody>
       </p:sp>
+      <p:sp>
+        <p:nvSpPr>
+          <p:cNvPr id="9" name="Rechteck 8">
+            <a:extLst>
+              <a:ext uri="{FF2B5EF4-FFF2-40B4-BE49-F238E27FC236}">
+                <a16:creationId xmlns:a16="http://schemas.microsoft.com/office/drawing/2014/main" id="{FF3B08D9-8EA4-4625-ADF6-EB8A865F4846}"/>
+              </a:ext>
+            </a:extLst>
+          </p:cNvPr>
+          <p:cNvSpPr/>
+          <p:nvPr/>
+        </p:nvSpPr>
+        <p:spPr>
+          <a:xfrm>
+            <a:off x="1272072" y="3657600"/>
+            <a:ext cx="4478694" cy="2985796"/>
+          </a:xfrm>
+          <a:prstGeom prst="rect">
+            <a:avLst/>
+          </a:prstGeom>
+        </p:spPr>
+        <p:style>
+          <a:lnRef idx="2">
+            <a:schemeClr val="accent1">
+              <a:shade val="50000"/>
+            </a:schemeClr>
+          </a:lnRef>
+          <a:fillRef idx="1">
+            <a:schemeClr val="accent1"/>
+          </a:fillRef>
+          <a:effectRef idx="0">
+            <a:schemeClr val="accent1"/>
+          </a:effectRef>
+          <a:fontRef idx="minor">
+            <a:schemeClr val="lt1"/>
+          </a:fontRef>
+        </p:style>
+        <p:txBody>
+          <a:bodyPr rtlCol="0" anchor="ctr"/>
+          <a:lstStyle/>
+          <a:p>
+            <a:pPr algn="ctr"/>
+            <a:endParaRPr lang="de-DE"/>
+          </a:p>
+        </p:txBody>
+      </p:sp>
+      <p:pic>
+        <p:nvPicPr>
+          <p:cNvPr id="11" name="Picture 2" descr="Bildergebnis fÃ¼r stock">
+            <a:extLst>
+              <a:ext uri="{FF2B5EF4-FFF2-40B4-BE49-F238E27FC236}">
+                <a16:creationId xmlns:a16="http://schemas.microsoft.com/office/drawing/2014/main" id="{2D45B5F0-253A-4953-85AE-E63E0F5C0903}"/>
+              </a:ext>
+            </a:extLst>
+          </p:cNvPr>
+          <p:cNvPicPr>
+            <a:picLocks noChangeAspect="1" noChangeArrowheads="1"/>
+          </p:cNvPicPr>
+          <p:nvPr/>
+        </p:nvPicPr>
+        <p:blipFill>
+          <a:blip r:embed="rId2">
+            <a:extLst>
+              <a:ext uri="{28A0092B-C50C-407E-A947-70E740481C1C}">
+                <a14:useLocalDpi xmlns:a14="http://schemas.microsoft.com/office/drawing/2010/main" val="0"/>
+              </a:ext>
+            </a:extLst>
+          </a:blip>
+          <a:srcRect/>
+          <a:stretch>
+            <a:fillRect/>
+          </a:stretch>
+        </p:blipFill>
+        <p:spPr bwMode="auto">
+          <a:xfrm>
+            <a:off x="1272072" y="3657601"/>
+            <a:ext cx="4478694" cy="2985796"/>
+          </a:xfrm>
+          <a:prstGeom prst="rect">
+            <a:avLst/>
+          </a:prstGeom>
+          <a:noFill/>
+          <a:extLst>
+            <a:ext uri="{909E8E84-426E-40DD-AFC4-6F175D3DCCD1}">
+              <a14:hiddenFill xmlns:a14="http://schemas.microsoft.com/office/drawing/2010/main">
+                <a:solidFill>
+                  <a:srgbClr val="FFFFFF"/>
+                </a:solidFill>
+              </a14:hiddenFill>
+            </a:ext>
+          </a:extLst>
+        </p:spPr>
+      </p:pic>
+      <p:pic>
+        <p:nvPicPr>
+          <p:cNvPr id="4098" name="Picture 2" descr="Bildergebnis fÃ¼r webpage">
+            <a:extLst>
+              <a:ext uri="{FF2B5EF4-FFF2-40B4-BE49-F238E27FC236}">
+                <a16:creationId xmlns:a16="http://schemas.microsoft.com/office/drawing/2014/main" id="{EDB986C9-D082-4B2A-B453-3C8B53A0C3CC}"/>
+              </a:ext>
+            </a:extLst>
+          </p:cNvPr>
+          <p:cNvPicPr>
+            <a:picLocks noChangeAspect="1" noChangeArrowheads="1"/>
+          </p:cNvPicPr>
+          <p:nvPr/>
+        </p:nvPicPr>
+        <p:blipFill>
+          <a:blip r:embed="rId3">
+            <a:extLst>
+              <a:ext uri="{28A0092B-C50C-407E-A947-70E740481C1C}">
+                <a14:useLocalDpi xmlns:a14="http://schemas.microsoft.com/office/drawing/2010/main" val="0"/>
+              </a:ext>
+            </a:extLst>
+          </a:blip>
+          <a:srcRect/>
+          <a:stretch>
+            <a:fillRect/>
+          </a:stretch>
+        </p:blipFill>
+        <p:spPr bwMode="auto">
+          <a:xfrm>
+            <a:off x="6441234" y="317242"/>
+            <a:ext cx="4478693" cy="2985795"/>
+          </a:xfrm>
+          <a:prstGeom prst="rect">
+            <a:avLst/>
+          </a:prstGeom>
+          <a:noFill/>
+          <a:extLst>
+            <a:ext uri="{909E8E84-426E-40DD-AFC4-6F175D3DCCD1}">
+              <a14:hiddenFill xmlns:a14="http://schemas.microsoft.com/office/drawing/2010/main">
+                <a:solidFill>
+                  <a:srgbClr val="FFFFFF"/>
+                </a:solidFill>
+              </a14:hiddenFill>
+            </a:ext>
+          </a:extLst>
+        </p:spPr>
+      </p:pic>
+      <p:sp>
+        <p:nvSpPr>
+          <p:cNvPr id="13" name="AutoShape 6" descr="Bildergebnis fÃ¼r Quadratic programming">
+            <a:extLst>
+              <a:ext uri="{FF2B5EF4-FFF2-40B4-BE49-F238E27FC236}">
+                <a16:creationId xmlns:a16="http://schemas.microsoft.com/office/drawing/2014/main" id="{DB59D097-587B-4879-9901-761CEBA0449B}"/>
+              </a:ext>
+            </a:extLst>
+          </p:cNvPr>
+          <p:cNvSpPr>
+            <a:spLocks noChangeAspect="1" noChangeArrowheads="1"/>
+          </p:cNvSpPr>
+          <p:nvPr/>
+        </p:nvSpPr>
+        <p:spPr bwMode="auto">
+          <a:xfrm>
+            <a:off x="5943600" y="3276600"/>
+            <a:ext cx="4976328" cy="4976328"/>
+          </a:xfrm>
+          <a:prstGeom prst="rect">
+            <a:avLst/>
+          </a:prstGeom>
+          <a:noFill/>
+          <a:extLst>
+            <a:ext uri="{909E8E84-426E-40DD-AFC4-6F175D3DCCD1}">
+              <a14:hiddenFill xmlns:a14="http://schemas.microsoft.com/office/drawing/2010/main">
+                <a:solidFill>
+                  <a:srgbClr val="FFFFFF"/>
+                </a:solidFill>
+              </a14:hiddenFill>
+            </a:ext>
+          </a:extLst>
+        </p:spPr>
+        <p:txBody>
+          <a:bodyPr vert="horz" wrap="square" lIns="91440" tIns="45720" rIns="91440" bIns="45720" numCol="1" anchor="t" anchorCtr="0" compatLnSpc="1">
+            <a:prstTxWarp prst="textNoShape">
+              <a:avLst/>
+            </a:prstTxWarp>
+          </a:bodyPr>
+          <a:lstStyle/>
+          <a:p>
+            <a:endParaRPr lang="de-DE"/>
+          </a:p>
+        </p:txBody>
+      </p:sp>
+      <p:pic>
+        <p:nvPicPr>
+          <p:cNvPr id="4104" name="Picture 8" descr="Ãhnliches Foto">
+            <a:extLst>
+              <a:ext uri="{FF2B5EF4-FFF2-40B4-BE49-F238E27FC236}">
+                <a16:creationId xmlns:a16="http://schemas.microsoft.com/office/drawing/2014/main" id="{3DF9AC50-3149-4EAB-BAA4-1092BDF6F0B6}"/>
+              </a:ext>
+            </a:extLst>
+          </p:cNvPr>
+          <p:cNvPicPr>
+            <a:picLocks noChangeAspect="1" noChangeArrowheads="1"/>
+          </p:cNvPicPr>
+          <p:nvPr/>
+        </p:nvPicPr>
+        <p:blipFill>
+          <a:blip r:embed="rId4">
+            <a:extLst>
+              <a:ext uri="{28A0092B-C50C-407E-A947-70E740481C1C}">
+                <a14:useLocalDpi xmlns:a14="http://schemas.microsoft.com/office/drawing/2010/main" val="0"/>
+              </a:ext>
+            </a:extLst>
+          </a:blip>
+          <a:srcRect/>
+          <a:stretch>
+            <a:fillRect/>
+          </a:stretch>
+        </p:blipFill>
+        <p:spPr bwMode="auto">
+          <a:xfrm>
+            <a:off x="6441234" y="3657600"/>
+            <a:ext cx="4478693" cy="3006789"/>
+          </a:xfrm>
+          <a:prstGeom prst="rect">
+            <a:avLst/>
+          </a:prstGeom>
+          <a:noFill/>
+          <a:extLst>
+            <a:ext uri="{909E8E84-426E-40DD-AFC4-6F175D3DCCD1}">
+              <a14:hiddenFill xmlns:a14="http://schemas.microsoft.com/office/drawing/2010/main">
+                <a:solidFill>
+                  <a:srgbClr val="FFFFFF"/>
+                </a:solidFill>
+              </a14:hiddenFill>
+            </a:ext>
+          </a:extLst>
+        </p:spPr>
+      </p:pic>
+      <p:pic>
+        <p:nvPicPr>
+          <p:cNvPr id="10" name="Picture 6" descr="http://faculty.cse.tamu.edu/davis/matrices_files/net25_and_pre2.jpg">
+            <a:extLst>
+              <a:ext uri="{FF2B5EF4-FFF2-40B4-BE49-F238E27FC236}">
+                <a16:creationId xmlns:a16="http://schemas.microsoft.com/office/drawing/2014/main" id="{4EA83C6A-E100-4F83-BBF4-1AD297F82564}"/>
+              </a:ext>
+            </a:extLst>
+          </p:cNvPr>
+          <p:cNvPicPr>
+            <a:picLocks noChangeAspect="1" noChangeArrowheads="1"/>
+          </p:cNvPicPr>
+          <p:nvPr/>
+        </p:nvPicPr>
+        <p:blipFill rotWithShape="1">
+          <a:blip r:embed="rId5">
+            <a:extLst>
+              <a:ext uri="{28A0092B-C50C-407E-A947-70E740481C1C}">
+                <a14:useLocalDpi xmlns:a14="http://schemas.microsoft.com/office/drawing/2010/main" val="0"/>
+              </a:ext>
+            </a:extLst>
+          </a:blip>
+          <a:srcRect t="48303"/>
+          <a:stretch/>
+        </p:blipFill>
+        <p:spPr bwMode="auto">
+          <a:xfrm>
+            <a:off x="1272073" y="317241"/>
+            <a:ext cx="4495816" cy="2985796"/>
+          </a:xfrm>
+          <a:prstGeom prst="rect">
+            <a:avLst/>
+          </a:prstGeom>
+          <a:noFill/>
+          <a:extLst>
+            <a:ext uri="{909E8E84-426E-40DD-AFC4-6F175D3DCCD1}">
+              <a14:hiddenFill xmlns:a14="http://schemas.microsoft.com/office/drawing/2010/main">
+                <a:solidFill>
+                  <a:srgbClr val="FFFFFF"/>
+                </a:solidFill>
+              </a14:hiddenFill>
+            </a:ext>
+          </a:extLst>
+        </p:spPr>
+      </p:pic>
     </p:spTree>
     <p:extLst>
       <p:ext uri="{BB962C8B-B14F-4D97-AF65-F5344CB8AC3E}">
-        <p14:creationId xmlns:p14="http://schemas.microsoft.com/office/powerpoint/2010/main" val="538071417"/>
+        <p14:creationId xmlns:p14="http://schemas.microsoft.com/office/powerpoint/2010/main" val="4226975708"/>
       </p:ext>
     </p:extLst>
   </p:cSld>
@@ -4706,205 +8638,378 @@
       </p:grpSpPr>
       <p:sp>
         <p:nvSpPr>
-          <p:cNvPr id="2" name="Titel 1">
-            <a:extLst>
-              <a:ext uri="{FF2B5EF4-FFF2-40B4-BE49-F238E27FC236}">
-                <a16:creationId xmlns:a16="http://schemas.microsoft.com/office/drawing/2014/main" id="{224C21EB-7DBC-4C6F-86B1-94AE1AF8733D}"/>
-              </a:ext>
-            </a:extLst>
-          </p:cNvPr>
-          <p:cNvSpPr>
-            <a:spLocks noGrp="1"/>
-          </p:cNvSpPr>
-          <p:nvPr>
-            <p:ph type="title"/>
-          </p:nvPr>
-        </p:nvSpPr>
-        <p:spPr/>
-        <p:txBody>
-          <a:bodyPr/>
-          <a:lstStyle/>
-          <a:p>
-            <a:r>
-              <a:rPr lang="de-DE" dirty="0" err="1"/>
-              <a:t>Now</a:t>
-            </a:r>
-            <a:r>
-              <a:rPr lang="de-DE" dirty="0"/>
-              <a:t> </a:t>
-            </a:r>
-            <a:r>
-              <a:rPr lang="de-DE" dirty="0" err="1"/>
-              <a:t>we</a:t>
-            </a:r>
-            <a:r>
-              <a:rPr lang="de-DE" dirty="0"/>
-              <a:t> </a:t>
-            </a:r>
-            <a:r>
-              <a:rPr lang="de-DE" dirty="0" err="1"/>
-              <a:t>can</a:t>
-            </a:r>
-            <a:r>
-              <a:rPr lang="de-DE" dirty="0"/>
-              <a:t> </a:t>
-            </a:r>
-            <a:r>
-              <a:rPr lang="de-DE" dirty="0" err="1"/>
-              <a:t>get</a:t>
-            </a:r>
-            <a:r>
-              <a:rPr lang="de-DE" dirty="0"/>
-              <a:t> </a:t>
-            </a:r>
-            <a:r>
-              <a:rPr lang="de-DE" dirty="0" err="1"/>
-              <a:t>into</a:t>
-            </a:r>
-            <a:r>
-              <a:rPr lang="de-DE" dirty="0"/>
-              <a:t> </a:t>
-            </a:r>
-            <a:r>
-              <a:rPr lang="de-DE" dirty="0" err="1"/>
-              <a:t>details</a:t>
-            </a:r>
-            <a:r>
-              <a:rPr lang="de-DE" dirty="0"/>
-              <a:t> </a:t>
-            </a:r>
-            <a:r>
-              <a:rPr lang="de-DE" dirty="0" err="1"/>
-              <a:t>if</a:t>
-            </a:r>
-            <a:r>
-              <a:rPr lang="de-DE" dirty="0"/>
-              <a:t> </a:t>
-            </a:r>
-            <a:r>
-              <a:rPr lang="de-DE" dirty="0" err="1"/>
-              <a:t>we</a:t>
-            </a:r>
-            <a:r>
-              <a:rPr lang="de-DE" dirty="0"/>
-              <a:t> </a:t>
-            </a:r>
-            <a:r>
-              <a:rPr lang="de-DE" dirty="0" err="1"/>
-              <a:t>have</a:t>
-            </a:r>
-            <a:r>
-              <a:rPr lang="de-DE" dirty="0"/>
-              <a:t> time</a:t>
-            </a:r>
-          </a:p>
-        </p:txBody>
-      </p:sp>
-      <p:sp>
-        <p:nvSpPr>
-          <p:cNvPr id="3" name="Inhaltsplatzhalter 2">
-            <a:extLst>
-              <a:ext uri="{FF2B5EF4-FFF2-40B4-BE49-F238E27FC236}">
-                <a16:creationId xmlns:a16="http://schemas.microsoft.com/office/drawing/2014/main" id="{0C7297F6-6264-4921-83BD-3E2B06542455}"/>
-              </a:ext>
-            </a:extLst>
-          </p:cNvPr>
-          <p:cNvSpPr>
-            <a:spLocks noGrp="1"/>
-          </p:cNvSpPr>
-          <p:nvPr>
-            <p:ph idx="1"/>
-          </p:nvPr>
-        </p:nvSpPr>
-        <p:spPr/>
-        <p:txBody>
-          <a:bodyPr/>
-          <a:lstStyle/>
-          <a:p>
-            <a:r>
-              <a:rPr lang="de-DE" dirty="0"/>
-              <a:t>Output </a:t>
-            </a:r>
-            <a:r>
-              <a:rPr lang="de-DE" dirty="0" err="1"/>
-              <a:t>service</a:t>
-            </a:r>
-            <a:r>
-              <a:rPr lang="de-DE" dirty="0"/>
-              <a:t> </a:t>
-            </a:r>
-          </a:p>
-          <a:p>
-            <a:r>
-              <a:rPr lang="de-DE" dirty="0" err="1"/>
-              <a:t>Usage</a:t>
-            </a:r>
-            <a:r>
-              <a:rPr lang="de-DE" dirty="0"/>
-              <a:t> </a:t>
-            </a:r>
-            <a:r>
-              <a:rPr lang="de-DE" dirty="0" err="1"/>
-              <a:t>of</a:t>
-            </a:r>
-            <a:r>
-              <a:rPr lang="de-DE" dirty="0"/>
-              <a:t> </a:t>
-            </a:r>
-            <a:r>
-              <a:rPr lang="de-DE" dirty="0" err="1"/>
-              <a:t>our</a:t>
-            </a:r>
-            <a:r>
-              <a:rPr lang="de-DE" dirty="0"/>
-              <a:t> </a:t>
-            </a:r>
-            <a:r>
-              <a:rPr lang="de-DE" dirty="0" err="1"/>
-              <a:t>product</a:t>
-            </a:r>
-            <a:endParaRPr lang="de-DE" dirty="0"/>
-          </a:p>
-          <a:p>
-            <a:r>
-              <a:rPr lang="de-DE" dirty="0" err="1"/>
-              <a:t>Statistics</a:t>
-            </a:r>
-            <a:r>
-              <a:rPr lang="de-DE" dirty="0"/>
-              <a:t>(</a:t>
-            </a:r>
-            <a:r>
-              <a:rPr lang="de-DE" dirty="0" err="1"/>
-              <a:t>loc,coverage,accuracy</a:t>
-            </a:r>
-            <a:r>
-              <a:rPr lang="de-DE" dirty="0"/>
-              <a:t> </a:t>
-            </a:r>
-            <a:r>
-              <a:rPr lang="de-DE" dirty="0" err="1"/>
-              <a:t>of</a:t>
-            </a:r>
-            <a:r>
-              <a:rPr lang="de-DE" dirty="0"/>
-              <a:t> </a:t>
-            </a:r>
-            <a:r>
-              <a:rPr lang="de-DE" dirty="0" err="1"/>
-              <a:t>nn</a:t>
-            </a:r>
-            <a:r>
-              <a:rPr lang="de-DE" dirty="0"/>
-              <a:t>…)</a:t>
-            </a:r>
-          </a:p>
-        </p:txBody>
-      </p:sp>
+          <p:cNvPr id="7" name="Rechteck 6">
+            <a:extLst>
+              <a:ext uri="{FF2B5EF4-FFF2-40B4-BE49-F238E27FC236}">
+                <a16:creationId xmlns:a16="http://schemas.microsoft.com/office/drawing/2014/main" id="{DDEE7F32-2FE3-4894-9D03-30A7178F7B64}"/>
+              </a:ext>
+            </a:extLst>
+          </p:cNvPr>
+          <p:cNvSpPr/>
+          <p:nvPr/>
+        </p:nvSpPr>
+        <p:spPr>
+          <a:xfrm>
+            <a:off x="1272072" y="317241"/>
+            <a:ext cx="4478694" cy="2985796"/>
+          </a:xfrm>
+          <a:prstGeom prst="rect">
+            <a:avLst/>
+          </a:prstGeom>
+        </p:spPr>
+        <p:style>
+          <a:lnRef idx="2">
+            <a:schemeClr val="accent1">
+              <a:shade val="50000"/>
+            </a:schemeClr>
+          </a:lnRef>
+          <a:fillRef idx="1">
+            <a:schemeClr val="accent1"/>
+          </a:fillRef>
+          <a:effectRef idx="0">
+            <a:schemeClr val="accent1"/>
+          </a:effectRef>
+          <a:fontRef idx="minor">
+            <a:schemeClr val="lt1"/>
+          </a:fontRef>
+        </p:style>
+        <p:txBody>
+          <a:bodyPr rtlCol="0" anchor="ctr"/>
+          <a:lstStyle/>
+          <a:p>
+            <a:pPr algn="ctr"/>
+            <a:endParaRPr lang="de-DE"/>
+          </a:p>
+        </p:txBody>
+      </p:sp>
+      <p:sp>
+        <p:nvSpPr>
+          <p:cNvPr id="9" name="Rechteck 8">
+            <a:extLst>
+              <a:ext uri="{FF2B5EF4-FFF2-40B4-BE49-F238E27FC236}">
+                <a16:creationId xmlns:a16="http://schemas.microsoft.com/office/drawing/2014/main" id="{FF3B08D9-8EA4-4625-ADF6-EB8A865F4846}"/>
+              </a:ext>
+            </a:extLst>
+          </p:cNvPr>
+          <p:cNvSpPr/>
+          <p:nvPr/>
+        </p:nvSpPr>
+        <p:spPr>
+          <a:xfrm>
+            <a:off x="1272072" y="3657600"/>
+            <a:ext cx="4478694" cy="2985796"/>
+          </a:xfrm>
+          <a:prstGeom prst="rect">
+            <a:avLst/>
+          </a:prstGeom>
+        </p:spPr>
+        <p:style>
+          <a:lnRef idx="2">
+            <a:schemeClr val="accent1">
+              <a:shade val="50000"/>
+            </a:schemeClr>
+          </a:lnRef>
+          <a:fillRef idx="1">
+            <a:schemeClr val="accent1"/>
+          </a:fillRef>
+          <a:effectRef idx="0">
+            <a:schemeClr val="accent1"/>
+          </a:effectRef>
+          <a:fontRef idx="minor">
+            <a:schemeClr val="lt1"/>
+          </a:fontRef>
+        </p:style>
+        <p:txBody>
+          <a:bodyPr rtlCol="0" anchor="ctr"/>
+          <a:lstStyle/>
+          <a:p>
+            <a:pPr algn="ctr"/>
+            <a:endParaRPr lang="de-DE"/>
+          </a:p>
+        </p:txBody>
+      </p:sp>
+      <p:pic>
+        <p:nvPicPr>
+          <p:cNvPr id="11" name="Picture 2" descr="Bildergebnis fÃ¼r stock">
+            <a:extLst>
+              <a:ext uri="{FF2B5EF4-FFF2-40B4-BE49-F238E27FC236}">
+                <a16:creationId xmlns:a16="http://schemas.microsoft.com/office/drawing/2014/main" id="{2D45B5F0-253A-4953-85AE-E63E0F5C0903}"/>
+              </a:ext>
+            </a:extLst>
+          </p:cNvPr>
+          <p:cNvPicPr>
+            <a:picLocks noChangeAspect="1" noChangeArrowheads="1"/>
+          </p:cNvPicPr>
+          <p:nvPr/>
+        </p:nvPicPr>
+        <p:blipFill>
+          <a:blip r:embed="rId2">
+            <a:extLst>
+              <a:ext uri="{28A0092B-C50C-407E-A947-70E740481C1C}">
+                <a14:useLocalDpi xmlns:a14="http://schemas.microsoft.com/office/drawing/2010/main" val="0"/>
+              </a:ext>
+            </a:extLst>
+          </a:blip>
+          <a:srcRect/>
+          <a:stretch>
+            <a:fillRect/>
+          </a:stretch>
+        </p:blipFill>
+        <p:spPr bwMode="auto">
+          <a:xfrm>
+            <a:off x="1272072" y="3657601"/>
+            <a:ext cx="4478694" cy="2985796"/>
+          </a:xfrm>
+          <a:prstGeom prst="rect">
+            <a:avLst/>
+          </a:prstGeom>
+          <a:noFill/>
+          <a:extLst>
+            <a:ext uri="{909E8E84-426E-40DD-AFC4-6F175D3DCCD1}">
+              <a14:hiddenFill xmlns:a14="http://schemas.microsoft.com/office/drawing/2010/main">
+                <a:solidFill>
+                  <a:srgbClr val="FFFFFF"/>
+                </a:solidFill>
+              </a14:hiddenFill>
+            </a:ext>
+          </a:extLst>
+        </p:spPr>
+      </p:pic>
+      <p:pic>
+        <p:nvPicPr>
+          <p:cNvPr id="4098" name="Picture 2" descr="Bildergebnis fÃ¼r webpage">
+            <a:extLst>
+              <a:ext uri="{FF2B5EF4-FFF2-40B4-BE49-F238E27FC236}">
+                <a16:creationId xmlns:a16="http://schemas.microsoft.com/office/drawing/2014/main" id="{EDB986C9-D082-4B2A-B453-3C8B53A0C3CC}"/>
+              </a:ext>
+            </a:extLst>
+          </p:cNvPr>
+          <p:cNvPicPr>
+            <a:picLocks noChangeAspect="1" noChangeArrowheads="1"/>
+          </p:cNvPicPr>
+          <p:nvPr/>
+        </p:nvPicPr>
+        <p:blipFill>
+          <a:blip r:embed="rId3">
+            <a:extLst>
+              <a:ext uri="{28A0092B-C50C-407E-A947-70E740481C1C}">
+                <a14:useLocalDpi xmlns:a14="http://schemas.microsoft.com/office/drawing/2010/main" val="0"/>
+              </a:ext>
+            </a:extLst>
+          </a:blip>
+          <a:srcRect/>
+          <a:stretch>
+            <a:fillRect/>
+          </a:stretch>
+        </p:blipFill>
+        <p:spPr bwMode="auto">
+          <a:xfrm>
+            <a:off x="6441234" y="317242"/>
+            <a:ext cx="4478693" cy="2985795"/>
+          </a:xfrm>
+          <a:prstGeom prst="rect">
+            <a:avLst/>
+          </a:prstGeom>
+          <a:noFill/>
+          <a:extLst>
+            <a:ext uri="{909E8E84-426E-40DD-AFC4-6F175D3DCCD1}">
+              <a14:hiddenFill xmlns:a14="http://schemas.microsoft.com/office/drawing/2010/main">
+                <a:solidFill>
+                  <a:srgbClr val="FFFFFF"/>
+                </a:solidFill>
+              </a14:hiddenFill>
+            </a:ext>
+          </a:extLst>
+        </p:spPr>
+      </p:pic>
+      <p:sp>
+        <p:nvSpPr>
+          <p:cNvPr id="13" name="AutoShape 6" descr="Bildergebnis fÃ¼r Quadratic programming">
+            <a:extLst>
+              <a:ext uri="{FF2B5EF4-FFF2-40B4-BE49-F238E27FC236}">
+                <a16:creationId xmlns:a16="http://schemas.microsoft.com/office/drawing/2014/main" id="{DB59D097-587B-4879-9901-761CEBA0449B}"/>
+              </a:ext>
+            </a:extLst>
+          </p:cNvPr>
+          <p:cNvSpPr>
+            <a:spLocks noChangeAspect="1" noChangeArrowheads="1"/>
+          </p:cNvSpPr>
+          <p:nvPr/>
+        </p:nvSpPr>
+        <p:spPr bwMode="auto">
+          <a:xfrm>
+            <a:off x="5943600" y="3276600"/>
+            <a:ext cx="4976328" cy="4976328"/>
+          </a:xfrm>
+          <a:prstGeom prst="rect">
+            <a:avLst/>
+          </a:prstGeom>
+          <a:noFill/>
+          <a:extLst>
+            <a:ext uri="{909E8E84-426E-40DD-AFC4-6F175D3DCCD1}">
+              <a14:hiddenFill xmlns:a14="http://schemas.microsoft.com/office/drawing/2010/main">
+                <a:solidFill>
+                  <a:srgbClr val="FFFFFF"/>
+                </a:solidFill>
+              </a14:hiddenFill>
+            </a:ext>
+          </a:extLst>
+        </p:spPr>
+        <p:txBody>
+          <a:bodyPr vert="horz" wrap="square" lIns="91440" tIns="45720" rIns="91440" bIns="45720" numCol="1" anchor="t" anchorCtr="0" compatLnSpc="1">
+            <a:prstTxWarp prst="textNoShape">
+              <a:avLst/>
+            </a:prstTxWarp>
+          </a:bodyPr>
+          <a:lstStyle/>
+          <a:p>
+            <a:endParaRPr lang="de-DE"/>
+          </a:p>
+        </p:txBody>
+      </p:sp>
+      <p:pic>
+        <p:nvPicPr>
+          <p:cNvPr id="4104" name="Picture 8" descr="Ãhnliches Foto">
+            <a:extLst>
+              <a:ext uri="{FF2B5EF4-FFF2-40B4-BE49-F238E27FC236}">
+                <a16:creationId xmlns:a16="http://schemas.microsoft.com/office/drawing/2014/main" id="{3DF9AC50-3149-4EAB-BAA4-1092BDF6F0B6}"/>
+              </a:ext>
+            </a:extLst>
+          </p:cNvPr>
+          <p:cNvPicPr>
+            <a:picLocks noChangeAspect="1" noChangeArrowheads="1"/>
+          </p:cNvPicPr>
+          <p:nvPr/>
+        </p:nvPicPr>
+        <p:blipFill>
+          <a:blip r:embed="rId4">
+            <a:extLst>
+              <a:ext uri="{28A0092B-C50C-407E-A947-70E740481C1C}">
+                <a14:useLocalDpi xmlns:a14="http://schemas.microsoft.com/office/drawing/2010/main" val="0"/>
+              </a:ext>
+            </a:extLst>
+          </a:blip>
+          <a:srcRect/>
+          <a:stretch>
+            <a:fillRect/>
+          </a:stretch>
+        </p:blipFill>
+        <p:spPr bwMode="auto">
+          <a:xfrm>
+            <a:off x="6441234" y="3657600"/>
+            <a:ext cx="4478693" cy="3006789"/>
+          </a:xfrm>
+          <a:prstGeom prst="rect">
+            <a:avLst/>
+          </a:prstGeom>
+          <a:noFill/>
+          <a:extLst>
+            <a:ext uri="{909E8E84-426E-40DD-AFC4-6F175D3DCCD1}">
+              <a14:hiddenFill xmlns:a14="http://schemas.microsoft.com/office/drawing/2010/main">
+                <a:solidFill>
+                  <a:srgbClr val="FFFFFF"/>
+                </a:solidFill>
+              </a14:hiddenFill>
+            </a:ext>
+          </a:extLst>
+        </p:spPr>
+      </p:pic>
+      <p:pic>
+        <p:nvPicPr>
+          <p:cNvPr id="10" name="Picture 6" descr="http://faculty.cse.tamu.edu/davis/matrices_files/net25_and_pre2.jpg">
+            <a:extLst>
+              <a:ext uri="{FF2B5EF4-FFF2-40B4-BE49-F238E27FC236}">
+                <a16:creationId xmlns:a16="http://schemas.microsoft.com/office/drawing/2014/main" id="{4EA83C6A-E100-4F83-BBF4-1AD297F82564}"/>
+              </a:ext>
+            </a:extLst>
+          </p:cNvPr>
+          <p:cNvPicPr>
+            <a:picLocks noChangeAspect="1" noChangeArrowheads="1"/>
+          </p:cNvPicPr>
+          <p:nvPr/>
+        </p:nvPicPr>
+        <p:blipFill rotWithShape="1">
+          <a:blip r:embed="rId5">
+            <a:extLst>
+              <a:ext uri="{28A0092B-C50C-407E-A947-70E740481C1C}">
+                <a14:useLocalDpi xmlns:a14="http://schemas.microsoft.com/office/drawing/2010/main" val="0"/>
+              </a:ext>
+            </a:extLst>
+          </a:blip>
+          <a:srcRect t="48303"/>
+          <a:stretch/>
+        </p:blipFill>
+        <p:spPr bwMode="auto">
+          <a:xfrm>
+            <a:off x="1272073" y="317241"/>
+            <a:ext cx="4495816" cy="2985796"/>
+          </a:xfrm>
+          <a:prstGeom prst="rect">
+            <a:avLst/>
+          </a:prstGeom>
+          <a:noFill/>
+          <a:extLst>
+            <a:ext uri="{909E8E84-426E-40DD-AFC4-6F175D3DCCD1}">
+              <a14:hiddenFill xmlns:a14="http://schemas.microsoft.com/office/drawing/2010/main">
+                <a:solidFill>
+                  <a:srgbClr val="FFFFFF"/>
+                </a:solidFill>
+              </a14:hiddenFill>
+            </a:ext>
+          </a:extLst>
+        </p:spPr>
+      </p:pic>
+      <p:pic>
+        <p:nvPicPr>
+          <p:cNvPr id="12" name="Picture 2" descr="http://faculty.cse.tamu.edu/davis/matrices_files/Buss%40connectus.jpg">
+            <a:extLst>
+              <a:ext uri="{FF2B5EF4-FFF2-40B4-BE49-F238E27FC236}">
+                <a16:creationId xmlns:a16="http://schemas.microsoft.com/office/drawing/2014/main" id="{E47E536E-8909-41FE-BBF5-E469E442B124}"/>
+              </a:ext>
+            </a:extLst>
+          </p:cNvPr>
+          <p:cNvPicPr>
+            <a:picLocks noChangeAspect="1" noChangeArrowheads="1"/>
+          </p:cNvPicPr>
+          <p:nvPr/>
+        </p:nvPicPr>
+        <p:blipFill>
+          <a:blip r:embed="rId6">
+            <a:extLst>
+              <a:ext uri="{28A0092B-C50C-407E-A947-70E740481C1C}">
+                <a14:useLocalDpi xmlns:a14="http://schemas.microsoft.com/office/drawing/2010/main" val="0"/>
+              </a:ext>
+            </a:extLst>
+          </a:blip>
+          <a:srcRect/>
+          <a:stretch>
+            <a:fillRect/>
+          </a:stretch>
+        </p:blipFill>
+        <p:spPr bwMode="auto">
+          <a:xfrm>
+            <a:off x="6441234" y="317866"/>
+            <a:ext cx="4478693" cy="2994732"/>
+          </a:xfrm>
+          <a:prstGeom prst="rect">
+            <a:avLst/>
+          </a:prstGeom>
+          <a:noFill/>
+          <a:extLst>
+            <a:ext uri="{909E8E84-426E-40DD-AFC4-6F175D3DCCD1}">
+              <a14:hiddenFill xmlns:a14="http://schemas.microsoft.com/office/drawing/2010/main">
+                <a:solidFill>
+                  <a:srgbClr val="FFFFFF"/>
+                </a:solidFill>
+              </a14:hiddenFill>
+            </a:ext>
+          </a:extLst>
+        </p:spPr>
+      </p:pic>
     </p:spTree>
     <p:extLst>
       <p:ext uri="{BB962C8B-B14F-4D97-AF65-F5344CB8AC3E}">
-        <p14:creationId xmlns:p14="http://schemas.microsoft.com/office/powerpoint/2010/main" val="4175341831"/>
+        <p14:creationId xmlns:p14="http://schemas.microsoft.com/office/powerpoint/2010/main" val="3932120313"/>
       </p:ext>
     </p:extLst>
   </p:cSld>

--- a/Final Presentation/La meets ML.pptx
+++ b/Final Presentation/La meets ML.pptx
@@ -4,28 +4,29 @@
   <p:sldMasterIdLst>
     <p:sldMasterId id="2147483648" r:id="rId1"/>
   </p:sldMasterIdLst>
+  <p:notesMasterIdLst>
+    <p:notesMasterId r:id="rId21"/>
+  </p:notesMasterIdLst>
   <p:sldIdLst>
-    <p:sldId id="256" r:id="rId2"/>
-    <p:sldId id="257" r:id="rId3"/>
-    <p:sldId id="283" r:id="rId4"/>
-    <p:sldId id="267" r:id="rId5"/>
-    <p:sldId id="280" r:id="rId6"/>
-    <p:sldId id="281" r:id="rId7"/>
-    <p:sldId id="284" r:id="rId8"/>
-    <p:sldId id="285" r:id="rId9"/>
-    <p:sldId id="286" r:id="rId10"/>
-    <p:sldId id="287" r:id="rId11"/>
-    <p:sldId id="275" r:id="rId12"/>
-    <p:sldId id="276" r:id="rId13"/>
-    <p:sldId id="258" r:id="rId14"/>
-    <p:sldId id="259" r:id="rId15"/>
-    <p:sldId id="260" r:id="rId16"/>
-    <p:sldId id="261" r:id="rId17"/>
-    <p:sldId id="262" r:id="rId18"/>
-    <p:sldId id="263" r:id="rId19"/>
-    <p:sldId id="264" r:id="rId20"/>
-    <p:sldId id="265" r:id="rId21"/>
-    <p:sldId id="266" r:id="rId22"/>
+    <p:sldId id="283" r:id="rId2"/>
+    <p:sldId id="267" r:id="rId3"/>
+    <p:sldId id="280" r:id="rId4"/>
+    <p:sldId id="281" r:id="rId5"/>
+    <p:sldId id="284" r:id="rId6"/>
+    <p:sldId id="285" r:id="rId7"/>
+    <p:sldId id="286" r:id="rId8"/>
+    <p:sldId id="287" r:id="rId9"/>
+    <p:sldId id="275" r:id="rId10"/>
+    <p:sldId id="288" r:id="rId11"/>
+    <p:sldId id="289" r:id="rId12"/>
+    <p:sldId id="259" r:id="rId13"/>
+    <p:sldId id="260" r:id="rId14"/>
+    <p:sldId id="261" r:id="rId15"/>
+    <p:sldId id="262" r:id="rId16"/>
+    <p:sldId id="263" r:id="rId17"/>
+    <p:sldId id="264" r:id="rId18"/>
+    <p:sldId id="265" r:id="rId19"/>
+    <p:sldId id="266" r:id="rId20"/>
   </p:sldIdLst>
   <p:sldSz cx="12192000" cy="6858000"/>
   <p:notesSz cx="6858000" cy="9144000"/>
@@ -132,6 +133,2961 @@
 </p:presentation>
 </file>
 
+<file path=ppt/commentAuthors.xml><?xml version="1.0" encoding="utf-8"?>
+<p:cmAuthorLst xmlns:a="http://schemas.openxmlformats.org/drawingml/2006/main" xmlns:r="http://schemas.openxmlformats.org/officeDocument/2006/relationships" xmlns:p="http://schemas.openxmlformats.org/presentationml/2006/main">
+  <p:cmAuthor id="1" name="Dennis G" initials="DG" lastIdx="1" clrIdx="0">
+    <p:extLst>
+      <p:ext uri="{19B8F6BF-5375-455C-9EA6-DF929625EA0E}">
+        <p15:presenceInfo xmlns:p15="http://schemas.microsoft.com/office/powerpoint/2012/main" userId="7162790a85292259" providerId="Windows Live"/>
+      </p:ext>
+    </p:extLst>
+  </p:cmAuthor>
+</p:cmAuthorLst>
+</file>
+
+<file path=ppt/notesMasters/notesMaster1.xml><?xml version="1.0" encoding="utf-8"?>
+<p:notesMaster xmlns:a="http://schemas.openxmlformats.org/drawingml/2006/main" xmlns:r="http://schemas.openxmlformats.org/officeDocument/2006/relationships" xmlns:p="http://schemas.openxmlformats.org/presentationml/2006/main">
+  <p:cSld>
+    <p:bg>
+      <p:bgRef idx="1001">
+        <a:schemeClr val="bg1"/>
+      </p:bgRef>
+    </p:bg>
+    <p:spTree>
+      <p:nvGrpSpPr>
+        <p:cNvPr id="1" name=""/>
+        <p:cNvGrpSpPr/>
+        <p:nvPr/>
+      </p:nvGrpSpPr>
+      <p:grpSpPr>
+        <a:xfrm>
+          <a:off x="0" y="0"/>
+          <a:ext cx="0" cy="0"/>
+          <a:chOff x="0" y="0"/>
+          <a:chExt cx="0" cy="0"/>
+        </a:xfrm>
+      </p:grpSpPr>
+      <p:sp>
+        <p:nvSpPr>
+          <p:cNvPr id="2" name="Kopfzeilenplatzhalter 1"/>
+          <p:cNvSpPr>
+            <a:spLocks noGrp="1"/>
+          </p:cNvSpPr>
+          <p:nvPr>
+            <p:ph type="hdr" sz="quarter"/>
+          </p:nvPr>
+        </p:nvSpPr>
+        <p:spPr>
+          <a:xfrm>
+            <a:off x="0" y="0"/>
+            <a:ext cx="2971800" cy="458788"/>
+          </a:xfrm>
+          <a:prstGeom prst="rect">
+            <a:avLst/>
+          </a:prstGeom>
+        </p:spPr>
+        <p:txBody>
+          <a:bodyPr vert="horz" lIns="91440" tIns="45720" rIns="91440" bIns="45720" rtlCol="0"/>
+          <a:lstStyle>
+            <a:lvl1pPr algn="l">
+              <a:defRPr sz="1200"/>
+            </a:lvl1pPr>
+          </a:lstStyle>
+          <a:p>
+            <a:endParaRPr lang="de-DE"/>
+          </a:p>
+        </p:txBody>
+      </p:sp>
+      <p:sp>
+        <p:nvSpPr>
+          <p:cNvPr id="3" name="Datumsplatzhalter 2"/>
+          <p:cNvSpPr>
+            <a:spLocks noGrp="1"/>
+          </p:cNvSpPr>
+          <p:nvPr>
+            <p:ph type="dt" idx="1"/>
+          </p:nvPr>
+        </p:nvSpPr>
+        <p:spPr>
+          <a:xfrm>
+            <a:off x="3884613" y="0"/>
+            <a:ext cx="2971800" cy="458788"/>
+          </a:xfrm>
+          <a:prstGeom prst="rect">
+            <a:avLst/>
+          </a:prstGeom>
+        </p:spPr>
+        <p:txBody>
+          <a:bodyPr vert="horz" lIns="91440" tIns="45720" rIns="91440" bIns="45720" rtlCol="0"/>
+          <a:lstStyle>
+            <a:lvl1pPr algn="r">
+              <a:defRPr sz="1200"/>
+            </a:lvl1pPr>
+          </a:lstStyle>
+          <a:p>
+            <a:fld id="{3CEC165E-15F5-4935-BBD1-A9D451E9120B}" type="datetimeFigureOut">
+              <a:rPr lang="de-DE" smtClean="0"/>
+              <a:t>17.03.2019</a:t>
+            </a:fld>
+            <a:endParaRPr lang="de-DE"/>
+          </a:p>
+        </p:txBody>
+      </p:sp>
+      <p:sp>
+        <p:nvSpPr>
+          <p:cNvPr id="4" name="Folienbildplatzhalter 3"/>
+          <p:cNvSpPr>
+            <a:spLocks noGrp="1" noRot="1" noChangeAspect="1"/>
+          </p:cNvSpPr>
+          <p:nvPr>
+            <p:ph type="sldImg" idx="2"/>
+          </p:nvPr>
+        </p:nvSpPr>
+        <p:spPr>
+          <a:xfrm>
+            <a:off x="685800" y="1143000"/>
+            <a:ext cx="5486400" cy="3086100"/>
+          </a:xfrm>
+          <a:prstGeom prst="rect">
+            <a:avLst/>
+          </a:prstGeom>
+          <a:noFill/>
+          <a:ln w="12700">
+            <a:solidFill>
+              <a:prstClr val="black"/>
+            </a:solidFill>
+          </a:ln>
+        </p:spPr>
+        <p:txBody>
+          <a:bodyPr vert="horz" lIns="91440" tIns="45720" rIns="91440" bIns="45720" rtlCol="0" anchor="ctr"/>
+          <a:lstStyle/>
+          <a:p>
+            <a:endParaRPr lang="de-DE"/>
+          </a:p>
+        </p:txBody>
+      </p:sp>
+      <p:sp>
+        <p:nvSpPr>
+          <p:cNvPr id="5" name="Notizenplatzhalter 4"/>
+          <p:cNvSpPr>
+            <a:spLocks noGrp="1"/>
+          </p:cNvSpPr>
+          <p:nvPr>
+            <p:ph type="body" sz="quarter" idx="3"/>
+          </p:nvPr>
+        </p:nvSpPr>
+        <p:spPr>
+          <a:xfrm>
+            <a:off x="685800" y="4400550"/>
+            <a:ext cx="5486400" cy="3600450"/>
+          </a:xfrm>
+          <a:prstGeom prst="rect">
+            <a:avLst/>
+          </a:prstGeom>
+        </p:spPr>
+        <p:txBody>
+          <a:bodyPr vert="horz" lIns="91440" tIns="45720" rIns="91440" bIns="45720" rtlCol="0"/>
+          <a:lstStyle/>
+          <a:p>
+            <a:pPr lvl="0"/>
+            <a:r>
+              <a:rPr lang="de-DE"/>
+              <a:t>Mastertextformat bearbeiten</a:t>
+            </a:r>
+          </a:p>
+          <a:p>
+            <a:pPr lvl="1"/>
+            <a:r>
+              <a:rPr lang="de-DE"/>
+              <a:t>Zweite Ebene</a:t>
+            </a:r>
+          </a:p>
+          <a:p>
+            <a:pPr lvl="2"/>
+            <a:r>
+              <a:rPr lang="de-DE"/>
+              <a:t>Dritte Ebene</a:t>
+            </a:r>
+          </a:p>
+          <a:p>
+            <a:pPr lvl="3"/>
+            <a:r>
+              <a:rPr lang="de-DE"/>
+              <a:t>Vierte Ebene</a:t>
+            </a:r>
+          </a:p>
+          <a:p>
+            <a:pPr lvl="4"/>
+            <a:r>
+              <a:rPr lang="de-DE"/>
+              <a:t>Fünfte Ebene</a:t>
+            </a:r>
+          </a:p>
+        </p:txBody>
+      </p:sp>
+      <p:sp>
+        <p:nvSpPr>
+          <p:cNvPr id="6" name="Fußzeilenplatzhalter 5"/>
+          <p:cNvSpPr>
+            <a:spLocks noGrp="1"/>
+          </p:cNvSpPr>
+          <p:nvPr>
+            <p:ph type="ftr" sz="quarter" idx="4"/>
+          </p:nvPr>
+        </p:nvSpPr>
+        <p:spPr>
+          <a:xfrm>
+            <a:off x="0" y="8685213"/>
+            <a:ext cx="2971800" cy="458787"/>
+          </a:xfrm>
+          <a:prstGeom prst="rect">
+            <a:avLst/>
+          </a:prstGeom>
+        </p:spPr>
+        <p:txBody>
+          <a:bodyPr vert="horz" lIns="91440" tIns="45720" rIns="91440" bIns="45720" rtlCol="0" anchor="b"/>
+          <a:lstStyle>
+            <a:lvl1pPr algn="l">
+              <a:defRPr sz="1200"/>
+            </a:lvl1pPr>
+          </a:lstStyle>
+          <a:p>
+            <a:endParaRPr lang="de-DE"/>
+          </a:p>
+        </p:txBody>
+      </p:sp>
+      <p:sp>
+        <p:nvSpPr>
+          <p:cNvPr id="7" name="Foliennummernplatzhalter 6"/>
+          <p:cNvSpPr>
+            <a:spLocks noGrp="1"/>
+          </p:cNvSpPr>
+          <p:nvPr>
+            <p:ph type="sldNum" sz="quarter" idx="5"/>
+          </p:nvPr>
+        </p:nvSpPr>
+        <p:spPr>
+          <a:xfrm>
+            <a:off x="3884613" y="8685213"/>
+            <a:ext cx="2971800" cy="458787"/>
+          </a:xfrm>
+          <a:prstGeom prst="rect">
+            <a:avLst/>
+          </a:prstGeom>
+        </p:spPr>
+        <p:txBody>
+          <a:bodyPr vert="horz" lIns="91440" tIns="45720" rIns="91440" bIns="45720" rtlCol="0" anchor="b"/>
+          <a:lstStyle>
+            <a:lvl1pPr algn="r">
+              <a:defRPr sz="1200"/>
+            </a:lvl1pPr>
+          </a:lstStyle>
+          <a:p>
+            <a:fld id="{CA04F272-B815-443A-A9C1-BA10F9533513}" type="slidenum">
+              <a:rPr lang="de-DE" smtClean="0"/>
+              <a:t>‹Nr.›</a:t>
+            </a:fld>
+            <a:endParaRPr lang="de-DE"/>
+          </a:p>
+        </p:txBody>
+      </p:sp>
+    </p:spTree>
+    <p:extLst>
+      <p:ext uri="{BB962C8B-B14F-4D97-AF65-F5344CB8AC3E}">
+        <p14:creationId xmlns:p14="http://schemas.microsoft.com/office/powerpoint/2010/main" val="1935233204"/>
+      </p:ext>
+    </p:extLst>
+  </p:cSld>
+  <p:clrMap bg1="lt1" tx1="dk1" bg2="lt2" tx2="dk2" accent1="accent1" accent2="accent2" accent3="accent3" accent4="accent4" accent5="accent5" accent6="accent6" hlink="hlink" folHlink="folHlink"/>
+  <p:notesStyle>
+    <a:lvl1pPr marL="0" algn="l" defTabSz="914400" rtl="0" eaLnBrk="1" latinLnBrk="0" hangingPunct="1">
+      <a:defRPr sz="1200" kern="1200">
+        <a:solidFill>
+          <a:schemeClr val="tx1"/>
+        </a:solidFill>
+        <a:latin typeface="+mn-lt"/>
+        <a:ea typeface="+mn-ea"/>
+        <a:cs typeface="+mn-cs"/>
+      </a:defRPr>
+    </a:lvl1pPr>
+    <a:lvl2pPr marL="457200" algn="l" defTabSz="914400" rtl="0" eaLnBrk="1" latinLnBrk="0" hangingPunct="1">
+      <a:defRPr sz="1200" kern="1200">
+        <a:solidFill>
+          <a:schemeClr val="tx1"/>
+        </a:solidFill>
+        <a:latin typeface="+mn-lt"/>
+        <a:ea typeface="+mn-ea"/>
+        <a:cs typeface="+mn-cs"/>
+      </a:defRPr>
+    </a:lvl2pPr>
+    <a:lvl3pPr marL="914400" algn="l" defTabSz="914400" rtl="0" eaLnBrk="1" latinLnBrk="0" hangingPunct="1">
+      <a:defRPr sz="1200" kern="1200">
+        <a:solidFill>
+          <a:schemeClr val="tx1"/>
+        </a:solidFill>
+        <a:latin typeface="+mn-lt"/>
+        <a:ea typeface="+mn-ea"/>
+        <a:cs typeface="+mn-cs"/>
+      </a:defRPr>
+    </a:lvl3pPr>
+    <a:lvl4pPr marL="1371600" algn="l" defTabSz="914400" rtl="0" eaLnBrk="1" latinLnBrk="0" hangingPunct="1">
+      <a:defRPr sz="1200" kern="1200">
+        <a:solidFill>
+          <a:schemeClr val="tx1"/>
+        </a:solidFill>
+        <a:latin typeface="+mn-lt"/>
+        <a:ea typeface="+mn-ea"/>
+        <a:cs typeface="+mn-cs"/>
+      </a:defRPr>
+    </a:lvl4pPr>
+    <a:lvl5pPr marL="1828800" algn="l" defTabSz="914400" rtl="0" eaLnBrk="1" latinLnBrk="0" hangingPunct="1">
+      <a:defRPr sz="1200" kern="1200">
+        <a:solidFill>
+          <a:schemeClr val="tx1"/>
+        </a:solidFill>
+        <a:latin typeface="+mn-lt"/>
+        <a:ea typeface="+mn-ea"/>
+        <a:cs typeface="+mn-cs"/>
+      </a:defRPr>
+    </a:lvl5pPr>
+    <a:lvl6pPr marL="2286000" algn="l" defTabSz="914400" rtl="0" eaLnBrk="1" latinLnBrk="0" hangingPunct="1">
+      <a:defRPr sz="1200" kern="1200">
+        <a:solidFill>
+          <a:schemeClr val="tx1"/>
+        </a:solidFill>
+        <a:latin typeface="+mn-lt"/>
+        <a:ea typeface="+mn-ea"/>
+        <a:cs typeface="+mn-cs"/>
+      </a:defRPr>
+    </a:lvl6pPr>
+    <a:lvl7pPr marL="2743200" algn="l" defTabSz="914400" rtl="0" eaLnBrk="1" latinLnBrk="0" hangingPunct="1">
+      <a:defRPr sz="1200" kern="1200">
+        <a:solidFill>
+          <a:schemeClr val="tx1"/>
+        </a:solidFill>
+        <a:latin typeface="+mn-lt"/>
+        <a:ea typeface="+mn-ea"/>
+        <a:cs typeface="+mn-cs"/>
+      </a:defRPr>
+    </a:lvl7pPr>
+    <a:lvl8pPr marL="3200400" algn="l" defTabSz="914400" rtl="0" eaLnBrk="1" latinLnBrk="0" hangingPunct="1">
+      <a:defRPr sz="1200" kern="1200">
+        <a:solidFill>
+          <a:schemeClr val="tx1"/>
+        </a:solidFill>
+        <a:latin typeface="+mn-lt"/>
+        <a:ea typeface="+mn-ea"/>
+        <a:cs typeface="+mn-cs"/>
+      </a:defRPr>
+    </a:lvl8pPr>
+    <a:lvl9pPr marL="3657600" algn="l" defTabSz="914400" rtl="0" eaLnBrk="1" latinLnBrk="0" hangingPunct="1">
+      <a:defRPr sz="1200" kern="1200">
+        <a:solidFill>
+          <a:schemeClr val="tx1"/>
+        </a:solidFill>
+        <a:latin typeface="+mn-lt"/>
+        <a:ea typeface="+mn-ea"/>
+        <a:cs typeface="+mn-cs"/>
+      </a:defRPr>
+    </a:lvl9pPr>
+  </p:notesStyle>
+</p:notesMaster>
+</file>
+
+<file path=ppt/notesSlides/notesSlide1.xml><?xml version="1.0" encoding="utf-8"?>
+<p:notes xmlns:a="http://schemas.openxmlformats.org/drawingml/2006/main" xmlns:r="http://schemas.openxmlformats.org/officeDocument/2006/relationships" xmlns:p="http://schemas.openxmlformats.org/presentationml/2006/main">
+  <p:cSld>
+    <p:spTree>
+      <p:nvGrpSpPr>
+        <p:cNvPr id="1" name=""/>
+        <p:cNvGrpSpPr/>
+        <p:nvPr/>
+      </p:nvGrpSpPr>
+      <p:grpSpPr>
+        <a:xfrm>
+          <a:off x="0" y="0"/>
+          <a:ext cx="0" cy="0"/>
+          <a:chOff x="0" y="0"/>
+          <a:chExt cx="0" cy="0"/>
+        </a:xfrm>
+      </p:grpSpPr>
+      <p:sp>
+        <p:nvSpPr>
+          <p:cNvPr id="2" name="Folienbildplatzhalter 1"/>
+          <p:cNvSpPr>
+            <a:spLocks noGrp="1" noRot="1" noChangeAspect="1"/>
+          </p:cNvSpPr>
+          <p:nvPr>
+            <p:ph type="sldImg"/>
+          </p:nvPr>
+        </p:nvSpPr>
+        <p:spPr/>
+      </p:sp>
+      <p:sp>
+        <p:nvSpPr>
+          <p:cNvPr id="3" name="Notizenplatzhalter 2"/>
+          <p:cNvSpPr>
+            <a:spLocks noGrp="1"/>
+          </p:cNvSpPr>
+          <p:nvPr>
+            <p:ph type="body" idx="1"/>
+          </p:nvPr>
+        </p:nvSpPr>
+        <p:spPr/>
+        <p:txBody>
+          <a:bodyPr/>
+          <a:lstStyle/>
+          <a:p>
+            <a:r>
+              <a:rPr lang="de-DE" dirty="0" err="1"/>
+              <a:t>Audience</a:t>
+            </a:r>
+            <a:r>
+              <a:rPr lang="de-DE" dirty="0"/>
+              <a:t> Question: </a:t>
+            </a:r>
+            <a:r>
+              <a:rPr lang="de-DE" dirty="0" err="1"/>
+              <a:t>What</a:t>
+            </a:r>
+            <a:r>
+              <a:rPr lang="de-DE" dirty="0"/>
+              <a:t> </a:t>
+            </a:r>
+            <a:r>
+              <a:rPr lang="de-DE" dirty="0" err="1"/>
+              <a:t>does</a:t>
+            </a:r>
+            <a:r>
+              <a:rPr lang="de-DE" dirty="0"/>
+              <a:t> </a:t>
+            </a:r>
+            <a:r>
+              <a:rPr lang="de-DE" dirty="0" err="1"/>
+              <a:t>electrical</a:t>
+            </a:r>
+            <a:r>
+              <a:rPr lang="de-DE" dirty="0"/>
+              <a:t> </a:t>
+            </a:r>
+            <a:r>
+              <a:rPr lang="de-DE" dirty="0" err="1"/>
+              <a:t>cuircit</a:t>
+            </a:r>
+            <a:r>
+              <a:rPr lang="de-DE" dirty="0"/>
+              <a:t> design, </a:t>
+            </a:r>
+            <a:r>
+              <a:rPr lang="de-DE" dirty="0" err="1"/>
+              <a:t>webpage</a:t>
+            </a:r>
+            <a:r>
+              <a:rPr lang="de-DE" dirty="0"/>
+              <a:t> </a:t>
+            </a:r>
+            <a:r>
+              <a:rPr lang="de-DE" dirty="0" err="1"/>
+              <a:t>ranking</a:t>
+            </a:r>
+            <a:r>
+              <a:rPr lang="de-DE" dirty="0"/>
+              <a:t>, </a:t>
+            </a:r>
+            <a:r>
+              <a:rPr lang="de-DE" dirty="0" err="1"/>
+              <a:t>portfolio</a:t>
+            </a:r>
+            <a:r>
+              <a:rPr lang="de-DE" dirty="0"/>
+              <a:t> </a:t>
+            </a:r>
+            <a:r>
+              <a:rPr lang="de-DE" dirty="0" err="1"/>
+              <a:t>management</a:t>
+            </a:r>
+            <a:r>
+              <a:rPr lang="de-DE" dirty="0"/>
+              <a:t> and </a:t>
+            </a:r>
+            <a:r>
+              <a:rPr lang="de-DE" dirty="0" err="1"/>
+              <a:t>quadratic</a:t>
+            </a:r>
+            <a:r>
+              <a:rPr lang="de-DE" dirty="0"/>
+              <a:t> </a:t>
+            </a:r>
+            <a:r>
+              <a:rPr lang="de-DE" dirty="0" err="1"/>
+              <a:t>programming</a:t>
+            </a:r>
+            <a:r>
+              <a:rPr lang="de-DE" dirty="0"/>
+              <a:t> all </a:t>
+            </a:r>
+            <a:r>
+              <a:rPr lang="de-DE" dirty="0" err="1"/>
+              <a:t>have</a:t>
+            </a:r>
+            <a:r>
+              <a:rPr lang="de-DE" dirty="0"/>
+              <a:t> in </a:t>
+            </a:r>
+            <a:r>
+              <a:rPr lang="de-DE" dirty="0" err="1"/>
+              <a:t>common</a:t>
+            </a:r>
+            <a:r>
+              <a:rPr lang="de-DE" dirty="0"/>
+              <a:t>?</a:t>
+            </a:r>
+          </a:p>
+        </p:txBody>
+      </p:sp>
+      <p:sp>
+        <p:nvSpPr>
+          <p:cNvPr id="4" name="Foliennummernplatzhalter 3"/>
+          <p:cNvSpPr>
+            <a:spLocks noGrp="1"/>
+          </p:cNvSpPr>
+          <p:nvPr>
+            <p:ph type="sldNum" sz="quarter" idx="5"/>
+          </p:nvPr>
+        </p:nvSpPr>
+        <p:spPr/>
+        <p:txBody>
+          <a:bodyPr/>
+          <a:lstStyle/>
+          <a:p>
+            <a:fld id="{CA04F272-B815-443A-A9C1-BA10F9533513}" type="slidenum">
+              <a:rPr lang="de-DE" smtClean="0"/>
+              <a:t>1</a:t>
+            </a:fld>
+            <a:endParaRPr lang="de-DE"/>
+          </a:p>
+        </p:txBody>
+      </p:sp>
+    </p:spTree>
+    <p:extLst>
+      <p:ext uri="{BB962C8B-B14F-4D97-AF65-F5344CB8AC3E}">
+        <p14:creationId xmlns:p14="http://schemas.microsoft.com/office/powerpoint/2010/main" val="3686954166"/>
+      </p:ext>
+    </p:extLst>
+  </p:cSld>
+  <p:clrMapOvr>
+    <a:masterClrMapping/>
+  </p:clrMapOvr>
+</p:notes>
+</file>
+
+<file path=ppt/notesSlides/notesSlide2.xml><?xml version="1.0" encoding="utf-8"?>
+<p:notes xmlns:a="http://schemas.openxmlformats.org/drawingml/2006/main" xmlns:r="http://schemas.openxmlformats.org/officeDocument/2006/relationships" xmlns:p="http://schemas.openxmlformats.org/presentationml/2006/main">
+  <p:cSld>
+    <p:spTree>
+      <p:nvGrpSpPr>
+        <p:cNvPr id="1" name=""/>
+        <p:cNvGrpSpPr/>
+        <p:nvPr/>
+      </p:nvGrpSpPr>
+      <p:grpSpPr>
+        <a:xfrm>
+          <a:off x="0" y="0"/>
+          <a:ext cx="0" cy="0"/>
+          <a:chOff x="0" y="0"/>
+          <a:chExt cx="0" cy="0"/>
+        </a:xfrm>
+      </p:grpSpPr>
+      <p:sp>
+        <p:nvSpPr>
+          <p:cNvPr id="2" name="Folienbildplatzhalter 1"/>
+          <p:cNvSpPr>
+            <a:spLocks noGrp="1" noRot="1" noChangeAspect="1"/>
+          </p:cNvSpPr>
+          <p:nvPr>
+            <p:ph type="sldImg"/>
+          </p:nvPr>
+        </p:nvSpPr>
+        <p:spPr/>
+      </p:sp>
+      <p:sp>
+        <p:nvSpPr>
+          <p:cNvPr id="3" name="Notizenplatzhalter 2"/>
+          <p:cNvSpPr>
+            <a:spLocks noGrp="1"/>
+          </p:cNvSpPr>
+          <p:nvPr>
+            <p:ph type="body" idx="1"/>
+          </p:nvPr>
+        </p:nvSpPr>
+        <p:spPr/>
+        <p:txBody>
+          <a:bodyPr/>
+          <a:lstStyle/>
+          <a:p>
+            <a:pPr marL="0" marR="0" lvl="0" indent="0" algn="l" defTabSz="914400" rtl="0" eaLnBrk="1" fontAlgn="auto" latinLnBrk="0" hangingPunct="1">
+              <a:lnSpc>
+                <a:spcPct val="100000"/>
+              </a:lnSpc>
+              <a:spcBef>
+                <a:spcPts val="0"/>
+              </a:spcBef>
+              <a:spcAft>
+                <a:spcPts val="0"/>
+              </a:spcAft>
+              <a:buClrTx/>
+              <a:buSzTx/>
+              <a:buFontTx/>
+              <a:buNone/>
+              <a:tabLst/>
+              <a:defRPr/>
+            </a:pPr>
+            <a:r>
+              <a:rPr lang="de-DE" dirty="0" err="1"/>
+              <a:t>To</a:t>
+            </a:r>
+            <a:r>
+              <a:rPr lang="de-DE" dirty="0"/>
+              <a:t> </a:t>
+            </a:r>
+            <a:r>
+              <a:rPr lang="de-DE" dirty="0" err="1"/>
+              <a:t>tackle</a:t>
+            </a:r>
+            <a:r>
+              <a:rPr lang="de-DE" dirty="0"/>
+              <a:t> </a:t>
+            </a:r>
+            <a:r>
+              <a:rPr lang="de-DE" dirty="0" err="1"/>
+              <a:t>each</a:t>
+            </a:r>
+            <a:r>
+              <a:rPr lang="de-DE" dirty="0"/>
+              <a:t> </a:t>
+            </a:r>
+            <a:r>
+              <a:rPr lang="de-DE" dirty="0" err="1"/>
+              <a:t>problem</a:t>
+            </a:r>
+            <a:r>
+              <a:rPr lang="de-DE" dirty="0"/>
+              <a:t> </a:t>
+            </a:r>
+            <a:r>
+              <a:rPr lang="de-DE" dirty="0" err="1"/>
+              <a:t>one</a:t>
+            </a:r>
+            <a:r>
+              <a:rPr lang="de-DE" dirty="0"/>
+              <a:t> </a:t>
+            </a:r>
+            <a:r>
+              <a:rPr lang="de-DE" dirty="0" err="1"/>
+              <a:t>has</a:t>
+            </a:r>
+            <a:r>
+              <a:rPr lang="de-DE" dirty="0"/>
+              <a:t> </a:t>
+            </a:r>
+            <a:r>
+              <a:rPr lang="de-DE" dirty="0" err="1"/>
+              <a:t>to</a:t>
+            </a:r>
+            <a:r>
+              <a:rPr lang="de-DE" dirty="0"/>
+              <a:t> </a:t>
+            </a:r>
+            <a:r>
+              <a:rPr lang="de-DE" dirty="0" err="1"/>
+              <a:t>solve</a:t>
+            </a:r>
+            <a:r>
+              <a:rPr lang="de-DE" dirty="0"/>
+              <a:t> </a:t>
+            </a:r>
+            <a:r>
+              <a:rPr lang="de-DE" dirty="0" err="1"/>
+              <a:t>some</a:t>
+            </a:r>
+            <a:r>
+              <a:rPr lang="de-DE" dirty="0"/>
+              <a:t> </a:t>
+            </a:r>
+            <a:r>
+              <a:rPr lang="de-DE" dirty="0" err="1"/>
+              <a:t>kind</a:t>
+            </a:r>
+            <a:r>
+              <a:rPr lang="de-DE" dirty="0"/>
+              <a:t> </a:t>
+            </a:r>
+            <a:r>
+              <a:rPr lang="de-DE" dirty="0" err="1"/>
+              <a:t>of</a:t>
+            </a:r>
+            <a:r>
+              <a:rPr lang="de-DE" dirty="0"/>
+              <a:t> linear </a:t>
+            </a:r>
+            <a:r>
+              <a:rPr lang="de-DE" dirty="0" err="1"/>
+              <a:t>systems</a:t>
+            </a:r>
+            <a:r>
+              <a:rPr lang="de-DE" dirty="0"/>
+              <a:t>. And </a:t>
+            </a:r>
+            <a:r>
+              <a:rPr lang="de-DE" dirty="0" err="1"/>
+              <a:t>more</a:t>
+            </a:r>
+            <a:r>
+              <a:rPr lang="de-DE" dirty="0"/>
+              <a:t> </a:t>
+            </a:r>
+            <a:r>
+              <a:rPr lang="de-DE" dirty="0" err="1"/>
+              <a:t>concretly</a:t>
+            </a:r>
+            <a:r>
+              <a:rPr lang="de-DE" dirty="0"/>
+              <a:t> , </a:t>
+            </a:r>
+            <a:r>
+              <a:rPr lang="de-DE" dirty="0" err="1"/>
+              <a:t>one</a:t>
+            </a:r>
+            <a:r>
+              <a:rPr lang="de-DE" dirty="0"/>
+              <a:t> </a:t>
+            </a:r>
+            <a:r>
+              <a:rPr lang="de-DE" dirty="0" err="1"/>
+              <a:t>has</a:t>
+            </a:r>
+            <a:r>
+              <a:rPr lang="de-DE" dirty="0"/>
+              <a:t> </a:t>
+            </a:r>
+            <a:r>
+              <a:rPr lang="de-DE" dirty="0" err="1"/>
+              <a:t>to</a:t>
+            </a:r>
+            <a:r>
+              <a:rPr lang="de-DE" dirty="0"/>
+              <a:t> </a:t>
+            </a:r>
+            <a:r>
+              <a:rPr lang="de-DE" dirty="0" err="1"/>
+              <a:t>solve</a:t>
+            </a:r>
+            <a:r>
+              <a:rPr lang="de-DE" dirty="0"/>
+              <a:t> </a:t>
+            </a:r>
+            <a:r>
+              <a:rPr lang="de-DE" sz="1200" b="0" i="0" u="sng" kern="1200" dirty="0">
+                <a:solidFill>
+                  <a:schemeClr val="tx1"/>
+                </a:solidFill>
+                <a:effectLst/>
+                <a:latin typeface="+mn-lt"/>
+                <a:ea typeface="+mn-ea"/>
+                <a:cs typeface="+mn-cs"/>
+              </a:rPr>
+              <a:t> </a:t>
+            </a:r>
+            <a:r>
+              <a:rPr lang="de-DE" sz="1200" b="0" i="0" u="none" kern="1200" dirty="0" err="1">
+                <a:solidFill>
+                  <a:schemeClr val="tx1"/>
+                </a:solidFill>
+                <a:effectLst/>
+                <a:latin typeface="+mn-lt"/>
+                <a:ea typeface="+mn-ea"/>
+                <a:cs typeface="+mn-cs"/>
+              </a:rPr>
+              <a:t>enormous</a:t>
+            </a:r>
+            <a:r>
+              <a:rPr lang="de-DE" sz="1200" b="0" i="0" u="none" kern="1200" dirty="0">
+                <a:solidFill>
+                  <a:schemeClr val="tx1"/>
+                </a:solidFill>
+                <a:effectLst/>
+                <a:latin typeface="+mn-lt"/>
+                <a:ea typeface="+mn-ea"/>
+                <a:cs typeface="+mn-cs"/>
+              </a:rPr>
+              <a:t> </a:t>
+            </a:r>
+            <a:r>
+              <a:rPr lang="de-DE" sz="1200" b="0" i="0" u="none" kern="1200" dirty="0" err="1">
+                <a:solidFill>
+                  <a:schemeClr val="tx1"/>
+                </a:solidFill>
+                <a:effectLst/>
+                <a:latin typeface="+mn-lt"/>
+                <a:ea typeface="+mn-ea"/>
+                <a:cs typeface="+mn-cs"/>
+              </a:rPr>
+              <a:t>sparse</a:t>
+            </a:r>
+            <a:r>
+              <a:rPr lang="de-DE" sz="1200" b="0" i="0" u="none" kern="1200" dirty="0">
+                <a:solidFill>
+                  <a:schemeClr val="tx1"/>
+                </a:solidFill>
+                <a:effectLst/>
+                <a:latin typeface="+mn-lt"/>
+                <a:ea typeface="+mn-ea"/>
+                <a:cs typeface="+mn-cs"/>
+              </a:rPr>
+              <a:t> linear </a:t>
+            </a:r>
+            <a:r>
+              <a:rPr lang="de-DE" sz="1200" b="0" i="0" u="none" kern="1200" dirty="0" err="1">
+                <a:solidFill>
+                  <a:schemeClr val="tx1"/>
+                </a:solidFill>
+                <a:effectLst/>
+                <a:latin typeface="+mn-lt"/>
+                <a:ea typeface="+mn-ea"/>
+                <a:cs typeface="+mn-cs"/>
+              </a:rPr>
+              <a:t>systems</a:t>
+            </a:r>
+            <a:r>
+              <a:rPr lang="de-DE" sz="1200" b="0" i="0" u="none" kern="1200" dirty="0">
+                <a:solidFill>
+                  <a:schemeClr val="tx1"/>
+                </a:solidFill>
+                <a:effectLst/>
+                <a:latin typeface="+mn-lt"/>
+                <a:ea typeface="+mn-ea"/>
+                <a:cs typeface="+mn-cs"/>
+              </a:rPr>
+              <a:t> </a:t>
+            </a:r>
+            <a:r>
+              <a:rPr lang="de-DE" sz="1200" b="0" i="0" u="none" kern="1200" dirty="0" err="1">
+                <a:solidFill>
+                  <a:schemeClr val="tx1"/>
+                </a:solidFill>
+                <a:effectLst/>
+                <a:latin typeface="+mn-lt"/>
+                <a:ea typeface="+mn-ea"/>
+                <a:cs typeface="+mn-cs"/>
+              </a:rPr>
+              <a:t>with</a:t>
+            </a:r>
+            <a:r>
+              <a:rPr lang="de-DE" sz="1200" b="0" i="0" u="none" kern="1200" dirty="0">
+                <a:solidFill>
+                  <a:schemeClr val="tx1"/>
+                </a:solidFill>
+                <a:effectLst/>
+                <a:latin typeface="+mn-lt"/>
+                <a:ea typeface="+mn-ea"/>
+                <a:cs typeface="+mn-cs"/>
+              </a:rPr>
+              <a:t> </a:t>
+            </a:r>
+            <a:r>
+              <a:rPr lang="de-DE" sz="1200" b="0" i="0" u="none" kern="1200" dirty="0" err="1">
+                <a:solidFill>
+                  <a:schemeClr val="tx1"/>
+                </a:solidFill>
+                <a:effectLst/>
+                <a:latin typeface="+mn-lt"/>
+                <a:ea typeface="+mn-ea"/>
+                <a:cs typeface="+mn-cs"/>
+              </a:rPr>
+              <a:t>maybe</a:t>
+            </a:r>
+            <a:r>
+              <a:rPr lang="de-DE" sz="1200" b="0" i="0" u="none" kern="1200" dirty="0">
+                <a:solidFill>
+                  <a:schemeClr val="tx1"/>
+                </a:solidFill>
+                <a:effectLst/>
+                <a:latin typeface="+mn-lt"/>
+                <a:ea typeface="+mn-ea"/>
+                <a:cs typeface="+mn-cs"/>
+              </a:rPr>
+              <a:t> </a:t>
+            </a:r>
+            <a:r>
+              <a:rPr lang="de-DE" sz="1200" b="0" i="0" u="none" kern="1200" dirty="0" err="1">
+                <a:solidFill>
+                  <a:schemeClr val="tx1"/>
+                </a:solidFill>
+                <a:effectLst/>
+                <a:latin typeface="+mn-lt"/>
+                <a:ea typeface="+mn-ea"/>
+                <a:cs typeface="+mn-cs"/>
+              </a:rPr>
+              <a:t>millions</a:t>
+            </a:r>
+            <a:r>
+              <a:rPr lang="de-DE" sz="1200" b="0" i="0" u="none" kern="1200" dirty="0">
+                <a:solidFill>
+                  <a:schemeClr val="tx1"/>
+                </a:solidFill>
+                <a:effectLst/>
+                <a:latin typeface="+mn-lt"/>
+                <a:ea typeface="+mn-ea"/>
+                <a:cs typeface="+mn-cs"/>
+              </a:rPr>
+              <a:t> </a:t>
+            </a:r>
+            <a:r>
+              <a:rPr lang="de-DE" sz="1200" b="0" i="0" u="none" kern="1200" dirty="0" err="1">
+                <a:solidFill>
+                  <a:schemeClr val="tx1"/>
+                </a:solidFill>
+                <a:effectLst/>
+                <a:latin typeface="+mn-lt"/>
+                <a:ea typeface="+mn-ea"/>
+                <a:cs typeface="+mn-cs"/>
+              </a:rPr>
+              <a:t>of</a:t>
+            </a:r>
+            <a:r>
+              <a:rPr lang="de-DE" sz="1200" b="0" i="0" u="none" kern="1200" dirty="0">
+                <a:solidFill>
+                  <a:schemeClr val="tx1"/>
+                </a:solidFill>
+                <a:effectLst/>
+                <a:latin typeface="+mn-lt"/>
+                <a:ea typeface="+mn-ea"/>
+                <a:cs typeface="+mn-cs"/>
+              </a:rPr>
+              <a:t> </a:t>
+            </a:r>
+            <a:r>
+              <a:rPr lang="de-DE" sz="1200" b="0" i="0" u="none" kern="1200" dirty="0" err="1">
+                <a:solidFill>
+                  <a:schemeClr val="tx1"/>
+                </a:solidFill>
+                <a:effectLst/>
+                <a:latin typeface="+mn-lt"/>
+                <a:ea typeface="+mn-ea"/>
+                <a:cs typeface="+mn-cs"/>
+              </a:rPr>
+              <a:t>entries</a:t>
+            </a:r>
+            <a:r>
+              <a:rPr lang="de-DE" sz="1200" b="0" i="0" u="none" kern="1200" dirty="0">
+                <a:solidFill>
+                  <a:schemeClr val="tx1"/>
+                </a:solidFill>
+                <a:effectLst/>
+                <a:latin typeface="+mn-lt"/>
+                <a:ea typeface="+mn-ea"/>
+                <a:cs typeface="+mn-cs"/>
+              </a:rPr>
+              <a:t> and </a:t>
+            </a:r>
+            <a:r>
+              <a:rPr lang="de-DE" sz="1200" b="0" i="0" u="none" kern="1200" dirty="0" err="1">
+                <a:solidFill>
+                  <a:schemeClr val="tx1"/>
+                </a:solidFill>
+                <a:effectLst/>
+                <a:latin typeface="+mn-lt"/>
+                <a:ea typeface="+mn-ea"/>
+                <a:cs typeface="+mn-cs"/>
+              </a:rPr>
+              <a:t>with</a:t>
+            </a:r>
+            <a:r>
+              <a:rPr lang="de-DE" sz="1200" b="0" i="0" u="none" kern="1200" dirty="0">
+                <a:solidFill>
+                  <a:schemeClr val="tx1"/>
+                </a:solidFill>
+                <a:effectLst/>
+                <a:latin typeface="+mn-lt"/>
+                <a:ea typeface="+mn-ea"/>
+                <a:cs typeface="+mn-cs"/>
+              </a:rPr>
+              <a:t> </a:t>
+            </a:r>
+            <a:r>
+              <a:rPr lang="de-DE" sz="1200" b="0" i="0" u="none" kern="1200" dirty="0" err="1">
+                <a:solidFill>
+                  <a:schemeClr val="tx1"/>
+                </a:solidFill>
+                <a:effectLst/>
+                <a:latin typeface="+mn-lt"/>
+                <a:ea typeface="+mn-ea"/>
+                <a:cs typeface="+mn-cs"/>
+              </a:rPr>
+              <a:t>most</a:t>
+            </a:r>
+            <a:r>
+              <a:rPr lang="de-DE" sz="1200" b="0" i="0" u="none" kern="1200" dirty="0">
+                <a:solidFill>
+                  <a:schemeClr val="tx1"/>
+                </a:solidFill>
+                <a:effectLst/>
+                <a:latin typeface="+mn-lt"/>
+                <a:ea typeface="+mn-ea"/>
+                <a:cs typeface="+mn-cs"/>
+              </a:rPr>
+              <a:t> </a:t>
+            </a:r>
+            <a:r>
+              <a:rPr lang="de-DE" sz="1200" b="0" i="0" u="none" kern="1200" dirty="0" err="1">
+                <a:solidFill>
+                  <a:schemeClr val="tx1"/>
+                </a:solidFill>
+                <a:effectLst/>
+                <a:latin typeface="+mn-lt"/>
+                <a:ea typeface="+mn-ea"/>
+                <a:cs typeface="+mn-cs"/>
+              </a:rPr>
+              <a:t>entries</a:t>
+            </a:r>
+            <a:r>
+              <a:rPr lang="de-DE" sz="1200" b="0" i="0" u="none" kern="1200" dirty="0">
+                <a:solidFill>
+                  <a:schemeClr val="tx1"/>
+                </a:solidFill>
+                <a:effectLst/>
+                <a:latin typeface="+mn-lt"/>
+                <a:ea typeface="+mn-ea"/>
+                <a:cs typeface="+mn-cs"/>
+              </a:rPr>
+              <a:t> </a:t>
+            </a:r>
+            <a:r>
+              <a:rPr lang="de-DE" sz="1200" b="0" i="0" u="none" kern="1200" dirty="0" err="1">
+                <a:solidFill>
+                  <a:schemeClr val="tx1"/>
+                </a:solidFill>
+                <a:effectLst/>
+                <a:latin typeface="+mn-lt"/>
+                <a:ea typeface="+mn-ea"/>
+                <a:cs typeface="+mn-cs"/>
+              </a:rPr>
+              <a:t>beeing</a:t>
+            </a:r>
+            <a:r>
+              <a:rPr lang="de-DE" sz="1200" b="0" i="0" u="none" kern="1200" dirty="0">
+                <a:solidFill>
+                  <a:schemeClr val="tx1"/>
+                </a:solidFill>
+                <a:effectLst/>
+                <a:latin typeface="+mn-lt"/>
+                <a:ea typeface="+mn-ea"/>
+                <a:cs typeface="+mn-cs"/>
+              </a:rPr>
+              <a:t> </a:t>
+            </a:r>
+            <a:r>
+              <a:rPr lang="de-DE" sz="1200" b="0" i="0" u="none" kern="1200" dirty="0" err="1">
+                <a:solidFill>
+                  <a:schemeClr val="tx1"/>
+                </a:solidFill>
+                <a:effectLst/>
+                <a:latin typeface="+mn-lt"/>
+                <a:ea typeface="+mn-ea"/>
+                <a:cs typeface="+mn-cs"/>
+              </a:rPr>
+              <a:t>zero</a:t>
+            </a:r>
+            <a:endParaRPr lang="de-DE" sz="1200" b="0" i="0" u="none" kern="1200" dirty="0">
+              <a:solidFill>
+                <a:schemeClr val="tx1"/>
+              </a:solidFill>
+              <a:effectLst/>
+              <a:latin typeface="+mn-lt"/>
+              <a:ea typeface="+mn-ea"/>
+              <a:cs typeface="+mn-cs"/>
+            </a:endParaRPr>
+          </a:p>
+          <a:p>
+            <a:pPr marL="0" marR="0" lvl="0" indent="0" algn="l" defTabSz="914400" rtl="0" eaLnBrk="1" fontAlgn="auto" latinLnBrk="0" hangingPunct="1">
+              <a:lnSpc>
+                <a:spcPct val="100000"/>
+              </a:lnSpc>
+              <a:spcBef>
+                <a:spcPts val="0"/>
+              </a:spcBef>
+              <a:spcAft>
+                <a:spcPts val="0"/>
+              </a:spcAft>
+              <a:buClrTx/>
+              <a:buSzTx/>
+              <a:buFontTx/>
+              <a:buNone/>
+              <a:tabLst/>
+              <a:defRPr/>
+            </a:pPr>
+            <a:r>
+              <a:rPr lang="de-DE" sz="1200" b="0" i="0" u="none" kern="1200" dirty="0">
+                <a:solidFill>
+                  <a:schemeClr val="tx1"/>
+                </a:solidFill>
+                <a:effectLst/>
+                <a:latin typeface="+mn-lt"/>
+                <a:ea typeface="+mn-ea"/>
+                <a:cs typeface="+mn-cs"/>
+              </a:rPr>
+              <a:t>+ </a:t>
+            </a:r>
+            <a:r>
+              <a:rPr lang="de-DE" sz="1200" b="0" i="0" u="none" kern="1200" dirty="0" err="1">
+                <a:solidFill>
+                  <a:schemeClr val="tx1"/>
+                </a:solidFill>
+                <a:effectLst/>
+                <a:latin typeface="+mn-lt"/>
+                <a:ea typeface="+mn-ea"/>
+                <a:cs typeface="+mn-cs"/>
+              </a:rPr>
+              <a:t>graphical</a:t>
+            </a:r>
+            <a:r>
+              <a:rPr lang="de-DE" sz="1200" b="0" i="0" u="none" kern="1200" dirty="0">
+                <a:solidFill>
+                  <a:schemeClr val="tx1"/>
+                </a:solidFill>
+                <a:effectLst/>
+                <a:latin typeface="+mn-lt"/>
+                <a:ea typeface="+mn-ea"/>
+                <a:cs typeface="+mn-cs"/>
+              </a:rPr>
+              <a:t> </a:t>
+            </a:r>
+            <a:r>
+              <a:rPr lang="de-DE" sz="1200" b="0" i="0" u="none" kern="1200" dirty="0" err="1">
+                <a:solidFill>
+                  <a:schemeClr val="tx1"/>
+                </a:solidFill>
+                <a:effectLst/>
+                <a:latin typeface="+mn-lt"/>
+                <a:ea typeface="+mn-ea"/>
+                <a:cs typeface="+mn-cs"/>
+              </a:rPr>
+              <a:t>representation</a:t>
+            </a:r>
+            <a:endParaRPr lang="de-DE" sz="1200" b="0" i="1" u="none" kern="1200" dirty="0">
+              <a:solidFill>
+                <a:schemeClr val="tx1"/>
+              </a:solidFill>
+              <a:effectLst/>
+              <a:latin typeface="+mn-lt"/>
+              <a:ea typeface="+mn-ea"/>
+              <a:cs typeface="+mn-cs"/>
+            </a:endParaRPr>
+          </a:p>
+          <a:p>
+            <a:endParaRPr lang="de-DE" dirty="0"/>
+          </a:p>
+        </p:txBody>
+      </p:sp>
+      <p:sp>
+        <p:nvSpPr>
+          <p:cNvPr id="4" name="Foliennummernplatzhalter 3"/>
+          <p:cNvSpPr>
+            <a:spLocks noGrp="1"/>
+          </p:cNvSpPr>
+          <p:nvPr>
+            <p:ph type="sldNum" sz="quarter" idx="5"/>
+          </p:nvPr>
+        </p:nvSpPr>
+        <p:spPr/>
+        <p:txBody>
+          <a:bodyPr/>
+          <a:lstStyle/>
+          <a:p>
+            <a:fld id="{CA04F272-B815-443A-A9C1-BA10F9533513}" type="slidenum">
+              <a:rPr lang="de-DE" smtClean="0"/>
+              <a:t>6</a:t>
+            </a:fld>
+            <a:endParaRPr lang="de-DE"/>
+          </a:p>
+        </p:txBody>
+      </p:sp>
+    </p:spTree>
+    <p:extLst>
+      <p:ext uri="{BB962C8B-B14F-4D97-AF65-F5344CB8AC3E}">
+        <p14:creationId xmlns:p14="http://schemas.microsoft.com/office/powerpoint/2010/main" val="1913766346"/>
+      </p:ext>
+    </p:extLst>
+  </p:cSld>
+  <p:clrMapOvr>
+    <a:masterClrMapping/>
+  </p:clrMapOvr>
+</p:notes>
+</file>
+
+<file path=ppt/notesSlides/notesSlide3.xml><?xml version="1.0" encoding="utf-8"?>
+<p:notes xmlns:a="http://schemas.openxmlformats.org/drawingml/2006/main" xmlns:r="http://schemas.openxmlformats.org/officeDocument/2006/relationships" xmlns:p="http://schemas.openxmlformats.org/presentationml/2006/main">
+  <p:cSld>
+    <p:spTree>
+      <p:nvGrpSpPr>
+        <p:cNvPr id="1" name=""/>
+        <p:cNvGrpSpPr/>
+        <p:nvPr/>
+      </p:nvGrpSpPr>
+      <p:grpSpPr>
+        <a:xfrm>
+          <a:off x="0" y="0"/>
+          <a:ext cx="0" cy="0"/>
+          <a:chOff x="0" y="0"/>
+          <a:chExt cx="0" cy="0"/>
+        </a:xfrm>
+      </p:grpSpPr>
+      <p:sp>
+        <p:nvSpPr>
+          <p:cNvPr id="2" name="Folienbildplatzhalter 1"/>
+          <p:cNvSpPr>
+            <a:spLocks noGrp="1" noRot="1" noChangeAspect="1"/>
+          </p:cNvSpPr>
+          <p:nvPr>
+            <p:ph type="sldImg"/>
+          </p:nvPr>
+        </p:nvSpPr>
+        <p:spPr/>
+      </p:sp>
+      <p:sp>
+        <p:nvSpPr>
+          <p:cNvPr id="3" name="Notizenplatzhalter 2"/>
+          <p:cNvSpPr>
+            <a:spLocks noGrp="1"/>
+          </p:cNvSpPr>
+          <p:nvPr>
+            <p:ph type="body" idx="1"/>
+          </p:nvPr>
+        </p:nvSpPr>
+        <p:spPr/>
+        <p:txBody>
+          <a:bodyPr/>
+          <a:lstStyle/>
+          <a:p>
+            <a:r>
+              <a:rPr lang="en-US" i="1" dirty="0"/>
+              <a:t>Daisy Chain: Financial Portfolio Optimization (2009). Optimizing a financial portfolio leads to a graph with many branches, each depicting a possible future economic scenario. Which path will your portfolio take?</a:t>
+            </a:r>
+          </a:p>
+          <a:p>
+            <a:r>
+              <a:rPr lang="en-US" i="1" dirty="0"/>
+              <a:t>Web Poppies (2009) You like a web page and I like it too. 512 people like 394,792 web pages, do you like them too</a:t>
+            </a:r>
+          </a:p>
+          <a:p>
+            <a:r>
+              <a:rPr lang="en-US" i="1" dirty="0"/>
+              <a:t> reddish-orange frequency-domain circuit simulation matrix constructed via the harmonic-balance method</a:t>
+            </a:r>
+          </a:p>
+          <a:p>
+            <a:r>
+              <a:rPr lang="de-DE" i="1" dirty="0"/>
+              <a:t> </a:t>
+            </a:r>
+            <a:r>
+              <a:rPr lang="de-DE" i="1" dirty="0" err="1"/>
+              <a:t>Convex</a:t>
+            </a:r>
+            <a:r>
+              <a:rPr lang="de-DE" i="1" dirty="0"/>
+              <a:t> </a:t>
+            </a:r>
+            <a:r>
+              <a:rPr lang="de-DE" i="1" dirty="0" err="1"/>
+              <a:t>Quadratic</a:t>
+            </a:r>
+            <a:r>
+              <a:rPr lang="de-DE" i="1" dirty="0"/>
+              <a:t> </a:t>
+            </a:r>
+            <a:r>
+              <a:rPr lang="de-DE" i="1" dirty="0" err="1"/>
+              <a:t>Programming</a:t>
+            </a:r>
+            <a:r>
+              <a:rPr lang="de-DE" i="1" dirty="0"/>
+              <a:t> (2009)</a:t>
+            </a:r>
+            <a:endParaRPr lang="de-DE" dirty="0"/>
+          </a:p>
+          <a:p>
+            <a:endParaRPr lang="de-DE" dirty="0"/>
+          </a:p>
+        </p:txBody>
+      </p:sp>
+      <p:sp>
+        <p:nvSpPr>
+          <p:cNvPr id="4" name="Foliennummernplatzhalter 3"/>
+          <p:cNvSpPr>
+            <a:spLocks noGrp="1"/>
+          </p:cNvSpPr>
+          <p:nvPr>
+            <p:ph type="sldNum" sz="quarter" idx="5"/>
+          </p:nvPr>
+        </p:nvSpPr>
+        <p:spPr/>
+        <p:txBody>
+          <a:bodyPr/>
+          <a:lstStyle/>
+          <a:p>
+            <a:fld id="{CA04F272-B815-443A-A9C1-BA10F9533513}" type="slidenum">
+              <a:rPr lang="de-DE" smtClean="0"/>
+              <a:t>9</a:t>
+            </a:fld>
+            <a:endParaRPr lang="de-DE"/>
+          </a:p>
+        </p:txBody>
+      </p:sp>
+    </p:spTree>
+    <p:extLst>
+      <p:ext uri="{BB962C8B-B14F-4D97-AF65-F5344CB8AC3E}">
+        <p14:creationId xmlns:p14="http://schemas.microsoft.com/office/powerpoint/2010/main" val="3734617383"/>
+      </p:ext>
+    </p:extLst>
+  </p:cSld>
+  <p:clrMapOvr>
+    <a:masterClrMapping/>
+  </p:clrMapOvr>
+</p:notes>
+</file>
+
+<file path=ppt/notesSlides/notesSlide4.xml><?xml version="1.0" encoding="utf-8"?>
+<p:notes xmlns:a="http://schemas.openxmlformats.org/drawingml/2006/main" xmlns:r="http://schemas.openxmlformats.org/officeDocument/2006/relationships" xmlns:p="http://schemas.openxmlformats.org/presentationml/2006/main">
+  <p:cSld>
+    <p:spTree>
+      <p:nvGrpSpPr>
+        <p:cNvPr id="1" name=""/>
+        <p:cNvGrpSpPr/>
+        <p:nvPr/>
+      </p:nvGrpSpPr>
+      <p:grpSpPr>
+        <a:xfrm>
+          <a:off x="0" y="0"/>
+          <a:ext cx="0" cy="0"/>
+          <a:chOff x="0" y="0"/>
+          <a:chExt cx="0" cy="0"/>
+        </a:xfrm>
+      </p:grpSpPr>
+      <p:sp>
+        <p:nvSpPr>
+          <p:cNvPr id="2" name="Folienbildplatzhalter 1"/>
+          <p:cNvSpPr>
+            <a:spLocks noGrp="1" noRot="1" noChangeAspect="1"/>
+          </p:cNvSpPr>
+          <p:nvPr>
+            <p:ph type="sldImg"/>
+          </p:nvPr>
+        </p:nvSpPr>
+        <p:spPr/>
+      </p:sp>
+      <p:sp>
+        <p:nvSpPr>
+          <p:cNvPr id="3" name="Notizenplatzhalter 2"/>
+          <p:cNvSpPr>
+            <a:spLocks noGrp="1"/>
+          </p:cNvSpPr>
+          <p:nvPr>
+            <p:ph type="body" idx="1"/>
+          </p:nvPr>
+        </p:nvSpPr>
+        <p:spPr/>
+        <p:txBody>
+          <a:bodyPr/>
+          <a:lstStyle/>
+          <a:p>
+            <a:r>
+              <a:rPr lang="de-DE" dirty="0" err="1"/>
+              <a:t>Gaussian</a:t>
+            </a:r>
+            <a:r>
+              <a:rPr lang="de-DE" dirty="0"/>
+              <a:t> </a:t>
+            </a:r>
+            <a:r>
+              <a:rPr lang="de-DE" dirty="0" err="1"/>
+              <a:t>to</a:t>
+            </a:r>
+            <a:r>
+              <a:rPr lang="de-DE" dirty="0"/>
+              <a:t> slow-&gt; iterative </a:t>
+            </a:r>
+            <a:r>
+              <a:rPr lang="de-DE" dirty="0" err="1"/>
+              <a:t>solvers</a:t>
+            </a:r>
+            <a:r>
+              <a:rPr lang="de-DE" dirty="0"/>
+              <a:t> </a:t>
+            </a:r>
+            <a:r>
+              <a:rPr lang="de-DE" dirty="0" err="1"/>
+              <a:t>which</a:t>
+            </a:r>
+            <a:r>
+              <a:rPr lang="de-DE" dirty="0"/>
+              <a:t> </a:t>
+            </a:r>
+            <a:r>
+              <a:rPr lang="de-DE" dirty="0" err="1"/>
+              <a:t>generate</a:t>
+            </a:r>
+            <a:r>
+              <a:rPr lang="de-DE" dirty="0"/>
+              <a:t> an </a:t>
+            </a:r>
+            <a:r>
+              <a:rPr lang="de-DE" dirty="0" err="1"/>
+              <a:t>approximate</a:t>
+            </a:r>
+            <a:r>
+              <a:rPr lang="de-DE" dirty="0"/>
+              <a:t> </a:t>
+            </a:r>
+            <a:r>
+              <a:rPr lang="de-DE" dirty="0" err="1"/>
+              <a:t>solution</a:t>
+            </a:r>
+            <a:r>
+              <a:rPr lang="de-DE" dirty="0"/>
+              <a:t> .</a:t>
+            </a:r>
+            <a:r>
+              <a:rPr lang="de-DE" dirty="0" err="1"/>
+              <a:t>They</a:t>
+            </a:r>
+            <a:r>
+              <a:rPr lang="de-DE" dirty="0"/>
+              <a:t> will </a:t>
+            </a:r>
+            <a:r>
+              <a:rPr lang="de-DE" dirty="0" err="1"/>
+              <a:t>start</a:t>
+            </a:r>
+            <a:r>
+              <a:rPr lang="de-DE" dirty="0"/>
+              <a:t> </a:t>
+            </a:r>
+            <a:r>
+              <a:rPr lang="de-DE" dirty="0" err="1"/>
+              <a:t>with</a:t>
+            </a:r>
+            <a:r>
+              <a:rPr lang="de-DE" dirty="0"/>
+              <a:t> initial </a:t>
+            </a:r>
+            <a:r>
+              <a:rPr lang="de-DE" dirty="0" err="1"/>
+              <a:t>guess</a:t>
+            </a:r>
+            <a:r>
+              <a:rPr lang="de-DE" dirty="0"/>
+              <a:t> and </a:t>
+            </a:r>
+            <a:r>
+              <a:rPr lang="de-DE" dirty="0" err="1"/>
+              <a:t>each</a:t>
+            </a:r>
+            <a:r>
+              <a:rPr lang="de-DE" dirty="0"/>
+              <a:t> </a:t>
+            </a:r>
+            <a:r>
+              <a:rPr lang="de-DE" dirty="0" err="1"/>
+              <a:t>iteration</a:t>
+            </a:r>
+            <a:r>
+              <a:rPr lang="de-DE" dirty="0"/>
+              <a:t> will </a:t>
+            </a:r>
+            <a:r>
+              <a:rPr lang="de-DE" dirty="0" err="1"/>
+              <a:t>calculate</a:t>
+            </a:r>
+            <a:r>
+              <a:rPr lang="de-DE" dirty="0"/>
+              <a:t> an </a:t>
+            </a:r>
+            <a:r>
+              <a:rPr lang="de-DE" dirty="0" err="1"/>
+              <a:t>approximate</a:t>
+            </a:r>
+            <a:r>
+              <a:rPr lang="de-DE" dirty="0"/>
+              <a:t> </a:t>
+            </a:r>
+            <a:r>
+              <a:rPr lang="de-DE" dirty="0" err="1"/>
+              <a:t>solution</a:t>
+            </a:r>
+            <a:r>
+              <a:rPr lang="de-DE" dirty="0"/>
+              <a:t> </a:t>
+            </a:r>
+            <a:r>
+              <a:rPr lang="de-DE" dirty="0" err="1"/>
+              <a:t>where</a:t>
+            </a:r>
+            <a:r>
+              <a:rPr lang="de-DE" dirty="0"/>
+              <a:t> </a:t>
+            </a:r>
+            <a:r>
+              <a:rPr lang="de-DE" dirty="0" err="1"/>
+              <a:t>the</a:t>
+            </a:r>
+            <a:r>
+              <a:rPr lang="de-DE" dirty="0"/>
+              <a:t> </a:t>
+            </a:r>
+            <a:r>
+              <a:rPr lang="de-DE" dirty="0" err="1"/>
+              <a:t>result</a:t>
+            </a:r>
+            <a:r>
+              <a:rPr lang="de-DE" dirty="0"/>
+              <a:t> </a:t>
+            </a:r>
+            <a:r>
+              <a:rPr lang="de-DE" dirty="0" err="1"/>
+              <a:t>of</a:t>
+            </a:r>
+            <a:r>
+              <a:rPr lang="de-DE" dirty="0"/>
+              <a:t> </a:t>
+            </a:r>
+            <a:r>
+              <a:rPr lang="de-DE" dirty="0" err="1"/>
+              <a:t>one</a:t>
+            </a:r>
+            <a:r>
+              <a:rPr lang="de-DE" dirty="0"/>
+              <a:t> </a:t>
+            </a:r>
+            <a:r>
+              <a:rPr lang="de-DE" dirty="0" err="1"/>
+              <a:t>iteration</a:t>
+            </a:r>
+            <a:r>
+              <a:rPr lang="de-DE" dirty="0"/>
+              <a:t> </a:t>
+            </a:r>
+            <a:r>
+              <a:rPr lang="de-DE" dirty="0" err="1"/>
+              <a:t>is</a:t>
+            </a:r>
+            <a:r>
+              <a:rPr lang="de-DE" dirty="0"/>
+              <a:t> </a:t>
+            </a:r>
+            <a:r>
+              <a:rPr lang="de-DE" dirty="0" err="1"/>
+              <a:t>derived</a:t>
+            </a:r>
+            <a:r>
+              <a:rPr lang="de-DE" dirty="0"/>
+              <a:t> </a:t>
+            </a:r>
+            <a:r>
+              <a:rPr lang="de-DE" dirty="0" err="1"/>
+              <a:t>from</a:t>
+            </a:r>
+            <a:r>
+              <a:rPr lang="de-DE" dirty="0"/>
+              <a:t> </a:t>
+            </a:r>
+            <a:r>
+              <a:rPr lang="de-DE" dirty="0" err="1"/>
+              <a:t>the</a:t>
+            </a:r>
+            <a:r>
+              <a:rPr lang="de-DE" dirty="0"/>
+              <a:t> </a:t>
+            </a:r>
+            <a:r>
+              <a:rPr lang="de-DE" dirty="0" err="1"/>
+              <a:t>previous</a:t>
+            </a:r>
+            <a:r>
+              <a:rPr lang="de-DE" dirty="0"/>
+              <a:t> </a:t>
+            </a:r>
+            <a:r>
+              <a:rPr lang="de-DE" dirty="0" err="1"/>
+              <a:t>result</a:t>
+            </a:r>
+            <a:r>
+              <a:rPr lang="de-DE" dirty="0"/>
+              <a:t>. The </a:t>
+            </a:r>
+            <a:r>
+              <a:rPr lang="de-DE" dirty="0" err="1"/>
+              <a:t>solver</a:t>
+            </a:r>
+            <a:r>
+              <a:rPr lang="de-DE" dirty="0"/>
+              <a:t> will </a:t>
+            </a:r>
+            <a:r>
+              <a:rPr lang="de-DE" dirty="0" err="1"/>
+              <a:t>stop</a:t>
+            </a:r>
+            <a:r>
+              <a:rPr lang="de-DE" dirty="0"/>
+              <a:t> </a:t>
+            </a:r>
+            <a:r>
+              <a:rPr lang="de-DE" dirty="0" err="1"/>
+              <a:t>if</a:t>
+            </a:r>
+            <a:r>
+              <a:rPr lang="de-DE" dirty="0"/>
+              <a:t> a </a:t>
+            </a:r>
+            <a:r>
+              <a:rPr lang="de-DE" dirty="0" err="1"/>
+              <a:t>certain</a:t>
+            </a:r>
+            <a:r>
+              <a:rPr lang="de-DE" dirty="0"/>
+              <a:t> </a:t>
+            </a:r>
+            <a:r>
+              <a:rPr lang="de-DE" dirty="0" err="1"/>
+              <a:t>stopping</a:t>
+            </a:r>
+            <a:r>
+              <a:rPr lang="de-DE" dirty="0"/>
+              <a:t> </a:t>
+            </a:r>
+            <a:r>
+              <a:rPr lang="de-DE" dirty="0" err="1"/>
+              <a:t>criteria</a:t>
+            </a:r>
+            <a:r>
+              <a:rPr lang="de-DE" dirty="0"/>
+              <a:t> such </a:t>
+            </a:r>
+            <a:r>
+              <a:rPr lang="de-DE" dirty="0" err="1"/>
+              <a:t>as</a:t>
+            </a:r>
+            <a:r>
+              <a:rPr lang="de-DE" dirty="0"/>
+              <a:t> a maximum </a:t>
+            </a:r>
+            <a:r>
+              <a:rPr lang="de-DE" dirty="0" err="1"/>
+              <a:t>amount</a:t>
+            </a:r>
+            <a:r>
+              <a:rPr lang="de-DE" dirty="0"/>
+              <a:t> </a:t>
+            </a:r>
+            <a:r>
+              <a:rPr lang="de-DE" dirty="0" err="1"/>
+              <a:t>of</a:t>
+            </a:r>
+            <a:r>
+              <a:rPr lang="de-DE" dirty="0"/>
+              <a:t> </a:t>
+            </a:r>
+            <a:r>
+              <a:rPr lang="de-DE" dirty="0" err="1"/>
+              <a:t>iterations</a:t>
+            </a:r>
+            <a:r>
+              <a:rPr lang="de-DE" dirty="0"/>
+              <a:t> </a:t>
+            </a:r>
+            <a:r>
+              <a:rPr lang="de-DE" dirty="0" err="1"/>
+              <a:t>is</a:t>
+            </a:r>
+            <a:r>
+              <a:rPr lang="de-DE" dirty="0"/>
+              <a:t> </a:t>
+            </a:r>
+            <a:r>
+              <a:rPr lang="de-DE" dirty="0" err="1"/>
+              <a:t>met</a:t>
+            </a:r>
+            <a:r>
+              <a:rPr lang="de-DE" dirty="0"/>
+              <a:t>.</a:t>
+            </a:r>
+          </a:p>
+        </p:txBody>
+      </p:sp>
+      <p:sp>
+        <p:nvSpPr>
+          <p:cNvPr id="4" name="Foliennummernplatzhalter 3"/>
+          <p:cNvSpPr>
+            <a:spLocks noGrp="1"/>
+          </p:cNvSpPr>
+          <p:nvPr>
+            <p:ph type="sldNum" sz="quarter" idx="5"/>
+          </p:nvPr>
+        </p:nvSpPr>
+        <p:spPr/>
+        <p:txBody>
+          <a:bodyPr/>
+          <a:lstStyle/>
+          <a:p>
+            <a:fld id="{CA04F272-B815-443A-A9C1-BA10F9533513}" type="slidenum">
+              <a:rPr lang="de-DE" smtClean="0"/>
+              <a:t>10</a:t>
+            </a:fld>
+            <a:endParaRPr lang="de-DE"/>
+          </a:p>
+        </p:txBody>
+      </p:sp>
+    </p:spTree>
+    <p:extLst>
+      <p:ext uri="{BB962C8B-B14F-4D97-AF65-F5344CB8AC3E}">
+        <p14:creationId xmlns:p14="http://schemas.microsoft.com/office/powerpoint/2010/main" val="3252508387"/>
+      </p:ext>
+    </p:extLst>
+  </p:cSld>
+  <p:clrMapOvr>
+    <a:masterClrMapping/>
+  </p:clrMapOvr>
+</p:notes>
+</file>
+
+<file path=ppt/notesSlides/notesSlide5.xml><?xml version="1.0" encoding="utf-8"?>
+<p:notes xmlns:a="http://schemas.openxmlformats.org/drawingml/2006/main" xmlns:r="http://schemas.openxmlformats.org/officeDocument/2006/relationships" xmlns:p="http://schemas.openxmlformats.org/presentationml/2006/main">
+  <p:cSld>
+    <p:spTree>
+      <p:nvGrpSpPr>
+        <p:cNvPr id="1" name=""/>
+        <p:cNvGrpSpPr/>
+        <p:nvPr/>
+      </p:nvGrpSpPr>
+      <p:grpSpPr>
+        <a:xfrm>
+          <a:off x="0" y="0"/>
+          <a:ext cx="0" cy="0"/>
+          <a:chOff x="0" y="0"/>
+          <a:chExt cx="0" cy="0"/>
+        </a:xfrm>
+      </p:grpSpPr>
+      <p:sp>
+        <p:nvSpPr>
+          <p:cNvPr id="2" name="Folienbildplatzhalter 1"/>
+          <p:cNvSpPr>
+            <a:spLocks noGrp="1" noRot="1" noChangeAspect="1"/>
+          </p:cNvSpPr>
+          <p:nvPr>
+            <p:ph type="sldImg"/>
+          </p:nvPr>
+        </p:nvSpPr>
+        <p:spPr/>
+      </p:sp>
+      <p:sp>
+        <p:nvSpPr>
+          <p:cNvPr id="3" name="Notizenplatzhalter 2"/>
+          <p:cNvSpPr>
+            <a:spLocks noGrp="1"/>
+          </p:cNvSpPr>
+          <p:nvPr>
+            <p:ph type="body" idx="1"/>
+          </p:nvPr>
+        </p:nvSpPr>
+        <p:spPr/>
+        <p:txBody>
+          <a:bodyPr/>
+          <a:lstStyle/>
+          <a:p>
+            <a:pPr marL="0" marR="0" lvl="0" indent="0" algn="l" defTabSz="914400" rtl="0" eaLnBrk="1" fontAlgn="auto" latinLnBrk="0" hangingPunct="1">
+              <a:lnSpc>
+                <a:spcPct val="100000"/>
+              </a:lnSpc>
+              <a:spcBef>
+                <a:spcPts val="0"/>
+              </a:spcBef>
+              <a:spcAft>
+                <a:spcPts val="0"/>
+              </a:spcAft>
+              <a:buClrTx/>
+              <a:buSzTx/>
+              <a:buFontTx/>
+              <a:buNone/>
+              <a:tabLst/>
+              <a:defRPr/>
+            </a:pPr>
+            <a:r>
+              <a:rPr lang="de-DE" dirty="0"/>
+              <a:t>But a linear </a:t>
+            </a:r>
+            <a:r>
+              <a:rPr lang="de-DE" dirty="0" err="1"/>
+              <a:t>system</a:t>
+            </a:r>
+            <a:r>
+              <a:rPr lang="de-DE" dirty="0"/>
+              <a:t> </a:t>
+            </a:r>
+            <a:r>
+              <a:rPr lang="de-DE" dirty="0" err="1"/>
+              <a:t>from</a:t>
+            </a:r>
+            <a:r>
+              <a:rPr lang="de-DE" dirty="0"/>
+              <a:t> </a:t>
+            </a:r>
+            <a:r>
+              <a:rPr lang="de-DE" dirty="0" err="1"/>
+              <a:t>one</a:t>
+            </a:r>
+            <a:r>
+              <a:rPr lang="de-DE" dirty="0"/>
+              <a:t> </a:t>
+            </a:r>
+            <a:r>
+              <a:rPr lang="de-DE" dirty="0" err="1"/>
+              <a:t>problem</a:t>
+            </a:r>
+            <a:r>
+              <a:rPr lang="de-DE" dirty="0"/>
+              <a:t> </a:t>
+            </a:r>
+            <a:r>
+              <a:rPr lang="de-DE" dirty="0" err="1"/>
+              <a:t>might</a:t>
+            </a:r>
+            <a:r>
+              <a:rPr lang="de-DE" dirty="0"/>
+              <a:t> </a:t>
+            </a:r>
+            <a:r>
+              <a:rPr lang="de-DE" dirty="0" err="1"/>
+              <a:t>differ</a:t>
+            </a:r>
+            <a:r>
+              <a:rPr lang="de-DE" dirty="0"/>
+              <a:t> </a:t>
+            </a:r>
+            <a:r>
+              <a:rPr lang="de-DE" sz="1200" b="0" i="0" u="none" strike="noStrike" kern="1200" dirty="0" err="1">
+                <a:solidFill>
+                  <a:schemeClr val="tx1"/>
+                </a:solidFill>
+                <a:effectLst/>
+                <a:latin typeface="+mn-lt"/>
+                <a:ea typeface="+mn-ea"/>
+                <a:cs typeface="+mn-cs"/>
+              </a:rPr>
+              <a:t>substantially</a:t>
+            </a:r>
+            <a:r>
+              <a:rPr lang="de-DE" sz="1200" b="0" i="0" u="none" strike="noStrike" kern="1200" dirty="0">
+                <a:solidFill>
+                  <a:schemeClr val="tx1"/>
+                </a:solidFill>
+                <a:effectLst/>
+                <a:latin typeface="+mn-lt"/>
+                <a:ea typeface="+mn-ea"/>
+                <a:cs typeface="+mn-cs"/>
+              </a:rPr>
+              <a:t> </a:t>
+            </a:r>
+            <a:r>
+              <a:rPr lang="de-DE" sz="1200" b="0" i="0" u="none" strike="noStrike" kern="1200" dirty="0" err="1">
+                <a:solidFill>
+                  <a:schemeClr val="tx1"/>
+                </a:solidFill>
+                <a:effectLst/>
+                <a:latin typeface="+mn-lt"/>
+                <a:ea typeface="+mn-ea"/>
+                <a:cs typeface="+mn-cs"/>
+              </a:rPr>
+              <a:t>from</a:t>
+            </a:r>
+            <a:r>
+              <a:rPr lang="de-DE" sz="1200" b="0" i="0" u="none" strike="noStrike" kern="1200" dirty="0">
+                <a:solidFill>
+                  <a:schemeClr val="tx1"/>
+                </a:solidFill>
+                <a:effectLst/>
+                <a:latin typeface="+mn-lt"/>
+                <a:ea typeface="+mn-ea"/>
+                <a:cs typeface="+mn-cs"/>
+              </a:rPr>
+              <a:t> </a:t>
+            </a:r>
+            <a:r>
+              <a:rPr lang="de-DE" sz="1200" b="0" i="0" u="none" strike="noStrike" kern="1200" dirty="0" err="1">
+                <a:solidFill>
+                  <a:schemeClr val="tx1"/>
+                </a:solidFill>
+                <a:effectLst/>
+                <a:latin typeface="+mn-lt"/>
+                <a:ea typeface="+mn-ea"/>
+                <a:cs typeface="+mn-cs"/>
+              </a:rPr>
+              <a:t>the</a:t>
+            </a:r>
+            <a:r>
+              <a:rPr lang="de-DE" sz="1200" b="0" i="0" u="none" strike="noStrike" kern="1200" dirty="0">
+                <a:solidFill>
+                  <a:schemeClr val="tx1"/>
+                </a:solidFill>
+                <a:effectLst/>
+                <a:latin typeface="+mn-lt"/>
+                <a:ea typeface="+mn-ea"/>
+                <a:cs typeface="+mn-cs"/>
+              </a:rPr>
+              <a:t> linear </a:t>
+            </a:r>
+            <a:r>
+              <a:rPr lang="de-DE" sz="1200" b="0" i="0" u="none" strike="noStrike" kern="1200" dirty="0" err="1">
+                <a:solidFill>
+                  <a:schemeClr val="tx1"/>
+                </a:solidFill>
+                <a:effectLst/>
+                <a:latin typeface="+mn-lt"/>
+                <a:ea typeface="+mn-ea"/>
+                <a:cs typeface="+mn-cs"/>
+              </a:rPr>
+              <a:t>system</a:t>
+            </a:r>
+            <a:r>
+              <a:rPr lang="de-DE" sz="1200" b="0" i="0" u="none" strike="noStrike" kern="1200" dirty="0">
+                <a:solidFill>
+                  <a:schemeClr val="tx1"/>
+                </a:solidFill>
+                <a:effectLst/>
+                <a:latin typeface="+mn-lt"/>
+                <a:ea typeface="+mn-ea"/>
+                <a:cs typeface="+mn-cs"/>
+              </a:rPr>
+              <a:t> </a:t>
+            </a:r>
+            <a:r>
+              <a:rPr lang="de-DE" sz="1200" b="0" i="0" u="none" strike="noStrike" kern="1200" dirty="0" err="1">
+                <a:solidFill>
+                  <a:schemeClr val="tx1"/>
+                </a:solidFill>
+                <a:effectLst/>
+                <a:latin typeface="+mn-lt"/>
+                <a:ea typeface="+mn-ea"/>
+                <a:cs typeface="+mn-cs"/>
+              </a:rPr>
+              <a:t>of</a:t>
+            </a:r>
+            <a:r>
+              <a:rPr lang="de-DE" sz="1200" b="0" i="0" u="none" strike="noStrike" kern="1200" dirty="0">
+                <a:solidFill>
+                  <a:schemeClr val="tx1"/>
+                </a:solidFill>
+                <a:effectLst/>
+                <a:latin typeface="+mn-lt"/>
+                <a:ea typeface="+mn-ea"/>
+                <a:cs typeface="+mn-cs"/>
+              </a:rPr>
+              <a:t> </a:t>
+            </a:r>
+            <a:r>
+              <a:rPr lang="de-DE" sz="1200" b="0" i="0" u="none" strike="noStrike" kern="1200" dirty="0" err="1">
+                <a:solidFill>
+                  <a:schemeClr val="tx1"/>
+                </a:solidFill>
+                <a:effectLst/>
+                <a:latin typeface="+mn-lt"/>
+                <a:ea typeface="+mn-ea"/>
+                <a:cs typeface="+mn-cs"/>
+              </a:rPr>
+              <a:t>another</a:t>
+            </a:r>
+            <a:r>
+              <a:rPr lang="de-DE" sz="1200" b="0" i="0" u="none" strike="noStrike" kern="1200" dirty="0">
+                <a:solidFill>
+                  <a:schemeClr val="tx1"/>
+                </a:solidFill>
+                <a:effectLst/>
+                <a:latin typeface="+mn-lt"/>
+                <a:ea typeface="+mn-ea"/>
+                <a:cs typeface="+mn-cs"/>
+              </a:rPr>
+              <a:t> </a:t>
+            </a:r>
+            <a:r>
+              <a:rPr lang="de-DE" sz="1200" b="0" i="0" u="none" strike="noStrike" kern="1200" dirty="0" err="1">
+                <a:solidFill>
+                  <a:schemeClr val="tx1"/>
+                </a:solidFill>
+                <a:effectLst/>
+                <a:latin typeface="+mn-lt"/>
+                <a:ea typeface="+mn-ea"/>
+                <a:cs typeface="+mn-cs"/>
+              </a:rPr>
+              <a:t>problem</a:t>
+            </a:r>
+            <a:r>
+              <a:rPr lang="de-DE" sz="1200" b="0" i="0" u="none" strike="noStrike" kern="1200" dirty="0">
+                <a:solidFill>
+                  <a:schemeClr val="tx1"/>
+                </a:solidFill>
+                <a:effectLst/>
+                <a:latin typeface="+mn-lt"/>
+                <a:ea typeface="+mn-ea"/>
+                <a:cs typeface="+mn-cs"/>
+              </a:rPr>
+              <a:t> like </a:t>
+            </a:r>
+            <a:r>
+              <a:rPr lang="de-DE" sz="1200" b="0" i="0" u="none" strike="noStrike" kern="1200" dirty="0" err="1">
+                <a:solidFill>
+                  <a:schemeClr val="tx1"/>
+                </a:solidFill>
+                <a:effectLst/>
+                <a:latin typeface="+mn-lt"/>
+                <a:ea typeface="+mn-ea"/>
+                <a:cs typeface="+mn-cs"/>
+              </a:rPr>
+              <a:t>you</a:t>
+            </a:r>
+            <a:r>
+              <a:rPr lang="de-DE" sz="1200" b="0" i="0" u="none" strike="noStrike" kern="1200" dirty="0">
+                <a:solidFill>
+                  <a:schemeClr val="tx1"/>
+                </a:solidFill>
+                <a:effectLst/>
+                <a:latin typeface="+mn-lt"/>
+                <a:ea typeface="+mn-ea"/>
+                <a:cs typeface="+mn-cs"/>
+              </a:rPr>
+              <a:t> </a:t>
+            </a:r>
+            <a:r>
+              <a:rPr lang="de-DE" sz="1200" b="0" i="0" u="none" strike="noStrike" kern="1200" dirty="0" err="1">
+                <a:solidFill>
+                  <a:schemeClr val="tx1"/>
+                </a:solidFill>
+                <a:effectLst/>
+                <a:latin typeface="+mn-lt"/>
+                <a:ea typeface="+mn-ea"/>
+                <a:cs typeface="+mn-cs"/>
+              </a:rPr>
+              <a:t>see</a:t>
+            </a:r>
+            <a:r>
+              <a:rPr lang="de-DE" sz="1200" b="0" i="0" u="none" strike="noStrike" kern="1200" dirty="0">
+                <a:solidFill>
+                  <a:schemeClr val="tx1"/>
+                </a:solidFill>
+                <a:effectLst/>
+                <a:latin typeface="+mn-lt"/>
+                <a:ea typeface="+mn-ea"/>
+                <a:cs typeface="+mn-cs"/>
+              </a:rPr>
+              <a:t> </a:t>
+            </a:r>
+            <a:r>
+              <a:rPr lang="de-DE" sz="1200" b="0" i="0" u="none" strike="noStrike" kern="1200" dirty="0" err="1">
+                <a:solidFill>
+                  <a:schemeClr val="tx1"/>
+                </a:solidFill>
+                <a:effectLst/>
+                <a:latin typeface="+mn-lt"/>
+                <a:ea typeface="+mn-ea"/>
+                <a:cs typeface="+mn-cs"/>
+              </a:rPr>
+              <a:t>here</a:t>
+            </a:r>
+            <a:r>
+              <a:rPr lang="de-DE" sz="1200" b="0" i="0" u="none" strike="noStrike" kern="1200" dirty="0">
+                <a:solidFill>
+                  <a:schemeClr val="tx1"/>
+                </a:solidFill>
+                <a:effectLst/>
+                <a:latin typeface="+mn-lt"/>
+                <a:ea typeface="+mn-ea"/>
+                <a:cs typeface="+mn-cs"/>
+              </a:rPr>
+              <a:t> </a:t>
+            </a:r>
+            <a:r>
+              <a:rPr lang="de-DE" sz="1200" b="0" i="0" u="none" strike="noStrike" kern="1200" dirty="0" err="1">
+                <a:solidFill>
+                  <a:schemeClr val="tx1"/>
+                </a:solidFill>
+                <a:effectLst/>
+                <a:latin typeface="+mn-lt"/>
+                <a:ea typeface="+mn-ea"/>
+                <a:cs typeface="+mn-cs"/>
+              </a:rPr>
+              <a:t>with</a:t>
+            </a:r>
+            <a:r>
+              <a:rPr lang="de-DE" sz="1200" b="0" i="0" u="none" strike="noStrike" kern="1200" dirty="0">
+                <a:solidFill>
+                  <a:schemeClr val="tx1"/>
+                </a:solidFill>
+                <a:effectLst/>
+                <a:latin typeface="+mn-lt"/>
+                <a:ea typeface="+mn-ea"/>
+                <a:cs typeface="+mn-cs"/>
+              </a:rPr>
+              <a:t> a </a:t>
+            </a:r>
+            <a:r>
+              <a:rPr lang="de-DE" sz="1200" b="0" i="0" u="none" strike="noStrike" kern="1200" dirty="0" err="1">
+                <a:solidFill>
+                  <a:schemeClr val="tx1"/>
+                </a:solidFill>
+                <a:effectLst/>
+                <a:latin typeface="+mn-lt"/>
+                <a:ea typeface="+mn-ea"/>
+                <a:cs typeface="+mn-cs"/>
+              </a:rPr>
+              <a:t>cuircuit</a:t>
+            </a:r>
+            <a:r>
+              <a:rPr lang="de-DE" sz="1200" b="0" i="0" u="none" strike="noStrike" kern="1200" dirty="0">
+                <a:solidFill>
+                  <a:schemeClr val="tx1"/>
+                </a:solidFill>
+                <a:effectLst/>
+                <a:latin typeface="+mn-lt"/>
+                <a:ea typeface="+mn-ea"/>
+                <a:cs typeface="+mn-cs"/>
+              </a:rPr>
+              <a:t> and …</a:t>
+            </a:r>
+          </a:p>
+          <a:p>
+            <a:pPr marL="0" marR="0" lvl="0" indent="0" algn="l" defTabSz="914400" rtl="0" eaLnBrk="1" fontAlgn="auto" latinLnBrk="0" hangingPunct="1">
+              <a:lnSpc>
+                <a:spcPct val="100000"/>
+              </a:lnSpc>
+              <a:spcBef>
+                <a:spcPts val="0"/>
+              </a:spcBef>
+              <a:spcAft>
+                <a:spcPts val="0"/>
+              </a:spcAft>
+              <a:buClrTx/>
+              <a:buSzTx/>
+              <a:buFontTx/>
+              <a:buNone/>
+              <a:tabLst/>
+              <a:defRPr/>
+            </a:pPr>
+            <a:r>
+              <a:rPr lang="de-DE" sz="1200" b="0" i="0" u="none" strike="noStrike" kern="1200" dirty="0">
+                <a:solidFill>
+                  <a:schemeClr val="tx1"/>
+                </a:solidFill>
+                <a:effectLst/>
+                <a:latin typeface="+mn-lt"/>
+                <a:ea typeface="+mn-ea"/>
+                <a:cs typeface="+mn-cs"/>
+              </a:rPr>
+              <a:t>As a </a:t>
+            </a:r>
+            <a:r>
+              <a:rPr lang="de-DE" sz="1200" b="0" i="0" u="none" strike="noStrike" kern="1200" dirty="0" err="1">
+                <a:solidFill>
+                  <a:schemeClr val="tx1"/>
+                </a:solidFill>
+                <a:effectLst/>
+                <a:latin typeface="+mn-lt"/>
+                <a:ea typeface="+mn-ea"/>
+                <a:cs typeface="+mn-cs"/>
+              </a:rPr>
+              <a:t>consequence</a:t>
+            </a:r>
+            <a:r>
+              <a:rPr lang="de-DE" sz="1200" b="0" i="0" u="none" strike="noStrike" kern="1200" dirty="0">
+                <a:solidFill>
+                  <a:schemeClr val="tx1"/>
+                </a:solidFill>
+                <a:effectLst/>
+                <a:latin typeface="+mn-lt"/>
+                <a:ea typeface="+mn-ea"/>
+                <a:cs typeface="+mn-cs"/>
+              </a:rPr>
+              <a:t> </a:t>
+            </a:r>
+            <a:r>
+              <a:rPr lang="de-DE" sz="1200" b="0" i="0" u="none" strike="noStrike" kern="1200" dirty="0" err="1">
+                <a:solidFill>
+                  <a:schemeClr val="tx1"/>
+                </a:solidFill>
+                <a:effectLst/>
+                <a:latin typeface="+mn-lt"/>
+                <a:ea typeface="+mn-ea"/>
+                <a:cs typeface="+mn-cs"/>
+              </a:rPr>
+              <a:t>some</a:t>
+            </a:r>
+            <a:r>
+              <a:rPr lang="de-DE" sz="1200" b="0" i="0" u="none" strike="noStrike" kern="1200" dirty="0">
+                <a:solidFill>
+                  <a:schemeClr val="tx1"/>
+                </a:solidFill>
+                <a:effectLst/>
+                <a:latin typeface="+mn-lt"/>
+                <a:ea typeface="+mn-ea"/>
+                <a:cs typeface="+mn-cs"/>
+              </a:rPr>
+              <a:t> </a:t>
+            </a:r>
+            <a:r>
+              <a:rPr lang="de-DE" sz="1200" b="0" i="0" u="none" strike="noStrike" kern="1200" dirty="0" err="1">
+                <a:solidFill>
+                  <a:schemeClr val="tx1"/>
+                </a:solidFill>
+                <a:effectLst/>
+                <a:latin typeface="+mn-lt"/>
+                <a:ea typeface="+mn-ea"/>
+                <a:cs typeface="+mn-cs"/>
+              </a:rPr>
+              <a:t>solvers</a:t>
+            </a:r>
+            <a:r>
+              <a:rPr lang="de-DE" sz="1200" b="0" i="0" u="none" strike="noStrike" kern="1200" dirty="0">
+                <a:solidFill>
+                  <a:schemeClr val="tx1"/>
+                </a:solidFill>
+                <a:effectLst/>
+                <a:latin typeface="+mn-lt"/>
+                <a:ea typeface="+mn-ea"/>
+                <a:cs typeface="+mn-cs"/>
+              </a:rPr>
+              <a:t> </a:t>
+            </a:r>
+            <a:r>
+              <a:rPr lang="de-DE" sz="1200" b="0" i="0" u="none" strike="noStrike" kern="1200" dirty="0" err="1">
+                <a:solidFill>
+                  <a:schemeClr val="tx1"/>
+                </a:solidFill>
+                <a:effectLst/>
+                <a:latin typeface="+mn-lt"/>
+                <a:ea typeface="+mn-ea"/>
+                <a:cs typeface="+mn-cs"/>
+              </a:rPr>
+              <a:t>are</a:t>
+            </a:r>
+            <a:r>
+              <a:rPr lang="de-DE" sz="1200" b="0" i="0" u="none" strike="noStrike" kern="1200" dirty="0">
+                <a:solidFill>
+                  <a:schemeClr val="tx1"/>
+                </a:solidFill>
+                <a:effectLst/>
+                <a:latin typeface="+mn-lt"/>
+                <a:ea typeface="+mn-ea"/>
+                <a:cs typeface="+mn-cs"/>
+              </a:rPr>
+              <a:t> </a:t>
+            </a:r>
+            <a:r>
+              <a:rPr lang="de-DE" sz="1200" b="0" i="0" u="none" strike="noStrike" kern="1200" dirty="0" err="1">
+                <a:solidFill>
+                  <a:schemeClr val="tx1"/>
+                </a:solidFill>
+                <a:effectLst/>
+                <a:latin typeface="+mn-lt"/>
+                <a:ea typeface="+mn-ea"/>
+                <a:cs typeface="+mn-cs"/>
+              </a:rPr>
+              <a:t>more</a:t>
+            </a:r>
+            <a:r>
+              <a:rPr lang="de-DE" sz="1200" b="0" i="0" u="none" strike="noStrike" kern="1200" dirty="0">
+                <a:solidFill>
+                  <a:schemeClr val="tx1"/>
+                </a:solidFill>
+                <a:effectLst/>
+                <a:latin typeface="+mn-lt"/>
+                <a:ea typeface="+mn-ea"/>
+                <a:cs typeface="+mn-cs"/>
+              </a:rPr>
+              <a:t> </a:t>
+            </a:r>
+            <a:r>
+              <a:rPr lang="de-DE" sz="1200" b="0" i="0" u="none" strike="noStrike" kern="1200" dirty="0" err="1">
+                <a:solidFill>
+                  <a:schemeClr val="tx1"/>
+                </a:solidFill>
+                <a:effectLst/>
+                <a:latin typeface="+mn-lt"/>
+                <a:ea typeface="+mn-ea"/>
+                <a:cs typeface="+mn-cs"/>
+              </a:rPr>
+              <a:t>suited</a:t>
+            </a:r>
+            <a:r>
+              <a:rPr lang="de-DE" sz="1200" b="0" i="0" u="none" strike="noStrike" kern="1200" dirty="0">
+                <a:solidFill>
+                  <a:schemeClr val="tx1"/>
+                </a:solidFill>
+                <a:effectLst/>
+                <a:latin typeface="+mn-lt"/>
+                <a:ea typeface="+mn-ea"/>
+                <a:cs typeface="+mn-cs"/>
+              </a:rPr>
+              <a:t> </a:t>
+            </a:r>
+            <a:r>
+              <a:rPr lang="de-DE" sz="1200" b="0" i="0" u="none" strike="noStrike" kern="1200" dirty="0" err="1">
+                <a:solidFill>
+                  <a:schemeClr val="tx1"/>
+                </a:solidFill>
+                <a:effectLst/>
+                <a:latin typeface="+mn-lt"/>
+                <a:ea typeface="+mn-ea"/>
+                <a:cs typeface="+mn-cs"/>
+              </a:rPr>
+              <a:t>to</a:t>
+            </a:r>
+            <a:r>
+              <a:rPr lang="de-DE" sz="1200" b="0" i="0" u="none" strike="noStrike" kern="1200" dirty="0">
+                <a:solidFill>
+                  <a:schemeClr val="tx1"/>
+                </a:solidFill>
+                <a:effectLst/>
+                <a:latin typeface="+mn-lt"/>
+                <a:ea typeface="+mn-ea"/>
+                <a:cs typeface="+mn-cs"/>
+              </a:rPr>
+              <a:t> </a:t>
+            </a:r>
+            <a:r>
+              <a:rPr lang="de-DE" sz="1200" b="0" i="0" u="none" strike="noStrike" kern="1200" dirty="0" err="1">
+                <a:solidFill>
+                  <a:schemeClr val="tx1"/>
+                </a:solidFill>
+                <a:effectLst/>
+                <a:latin typeface="+mn-lt"/>
+                <a:ea typeface="+mn-ea"/>
+                <a:cs typeface="+mn-cs"/>
+              </a:rPr>
+              <a:t>solve</a:t>
+            </a:r>
+            <a:r>
+              <a:rPr lang="de-DE" sz="1200" b="0" i="0" u="none" strike="noStrike" kern="1200" dirty="0">
+                <a:solidFill>
+                  <a:schemeClr val="tx1"/>
+                </a:solidFill>
+                <a:effectLst/>
+                <a:latin typeface="+mn-lt"/>
+                <a:ea typeface="+mn-ea"/>
+                <a:cs typeface="+mn-cs"/>
+              </a:rPr>
+              <a:t> </a:t>
+            </a:r>
+            <a:r>
+              <a:rPr lang="de-DE" sz="1200" b="0" i="0" u="none" strike="noStrike" kern="1200" dirty="0" err="1">
+                <a:solidFill>
+                  <a:schemeClr val="tx1"/>
+                </a:solidFill>
+                <a:effectLst/>
+                <a:latin typeface="+mn-lt"/>
+                <a:ea typeface="+mn-ea"/>
+                <a:cs typeface="+mn-cs"/>
+              </a:rPr>
+              <a:t>some</a:t>
+            </a:r>
+            <a:r>
+              <a:rPr lang="de-DE" sz="1200" b="0" i="0" u="none" strike="noStrike" kern="1200" dirty="0">
+                <a:solidFill>
+                  <a:schemeClr val="tx1"/>
+                </a:solidFill>
+                <a:effectLst/>
+                <a:latin typeface="+mn-lt"/>
+                <a:ea typeface="+mn-ea"/>
+                <a:cs typeface="+mn-cs"/>
+              </a:rPr>
+              <a:t> </a:t>
+            </a:r>
+            <a:r>
+              <a:rPr lang="de-DE" sz="1200" b="0" i="0" u="none" strike="noStrike" kern="1200" dirty="0" err="1">
+                <a:solidFill>
+                  <a:schemeClr val="tx1"/>
+                </a:solidFill>
+                <a:effectLst/>
+                <a:latin typeface="+mn-lt"/>
+                <a:ea typeface="+mn-ea"/>
+                <a:cs typeface="+mn-cs"/>
+              </a:rPr>
+              <a:t>kind</a:t>
+            </a:r>
+            <a:r>
+              <a:rPr lang="de-DE" sz="1200" b="0" i="0" u="none" strike="noStrike" kern="1200" dirty="0">
+                <a:solidFill>
+                  <a:schemeClr val="tx1"/>
+                </a:solidFill>
+                <a:effectLst/>
+                <a:latin typeface="+mn-lt"/>
+                <a:ea typeface="+mn-ea"/>
+                <a:cs typeface="+mn-cs"/>
+              </a:rPr>
+              <a:t> </a:t>
+            </a:r>
+            <a:r>
+              <a:rPr lang="de-DE" sz="1200" b="0" i="0" u="none" strike="noStrike" kern="1200" dirty="0" err="1">
+                <a:solidFill>
+                  <a:schemeClr val="tx1"/>
+                </a:solidFill>
+                <a:effectLst/>
+                <a:latin typeface="+mn-lt"/>
+                <a:ea typeface="+mn-ea"/>
+                <a:cs typeface="+mn-cs"/>
+              </a:rPr>
+              <a:t>of</a:t>
+            </a:r>
+            <a:r>
+              <a:rPr lang="de-DE" sz="1200" b="0" i="0" u="none" strike="noStrike" kern="1200" dirty="0">
+                <a:solidFill>
+                  <a:schemeClr val="tx1"/>
+                </a:solidFill>
+                <a:effectLst/>
+                <a:latin typeface="+mn-lt"/>
+                <a:ea typeface="+mn-ea"/>
+                <a:cs typeface="+mn-cs"/>
+              </a:rPr>
+              <a:t> </a:t>
+            </a:r>
+            <a:r>
+              <a:rPr lang="de-DE" sz="1200" b="0" i="0" u="none" strike="noStrike" kern="1200" dirty="0" err="1">
+                <a:solidFill>
+                  <a:schemeClr val="tx1"/>
+                </a:solidFill>
+                <a:effectLst/>
+                <a:latin typeface="+mn-lt"/>
+                <a:ea typeface="+mn-ea"/>
+                <a:cs typeface="+mn-cs"/>
+              </a:rPr>
+              <a:t>problem</a:t>
+            </a:r>
+            <a:r>
+              <a:rPr lang="de-DE" sz="1200" b="0" i="0" u="none" strike="noStrike" kern="1200" dirty="0">
+                <a:solidFill>
+                  <a:schemeClr val="tx1"/>
+                </a:solidFill>
+                <a:effectLst/>
+                <a:latin typeface="+mn-lt"/>
+                <a:ea typeface="+mn-ea"/>
+                <a:cs typeface="+mn-cs"/>
+              </a:rPr>
+              <a:t> and </a:t>
+            </a:r>
+            <a:r>
+              <a:rPr lang="de-DE" sz="1200" b="0" i="0" u="none" strike="noStrike" kern="1200" dirty="0" err="1">
+                <a:solidFill>
+                  <a:schemeClr val="tx1"/>
+                </a:solidFill>
+                <a:effectLst/>
+                <a:latin typeface="+mn-lt"/>
+                <a:ea typeface="+mn-ea"/>
+                <a:cs typeface="+mn-cs"/>
+              </a:rPr>
+              <a:t>others</a:t>
+            </a:r>
+            <a:r>
+              <a:rPr lang="de-DE" sz="1200" b="0" i="0" u="none" strike="noStrike" kern="1200" dirty="0">
+                <a:solidFill>
+                  <a:schemeClr val="tx1"/>
+                </a:solidFill>
+                <a:effectLst/>
+                <a:latin typeface="+mn-lt"/>
+                <a:ea typeface="+mn-ea"/>
+                <a:cs typeface="+mn-cs"/>
+              </a:rPr>
+              <a:t> </a:t>
+            </a:r>
+            <a:r>
+              <a:rPr lang="de-DE" sz="1200" b="0" i="0" u="none" strike="noStrike" kern="1200" dirty="0" err="1">
+                <a:solidFill>
+                  <a:schemeClr val="tx1"/>
+                </a:solidFill>
+                <a:effectLst/>
+                <a:latin typeface="+mn-lt"/>
+                <a:ea typeface="+mn-ea"/>
+                <a:cs typeface="+mn-cs"/>
+              </a:rPr>
+              <a:t>may</a:t>
+            </a:r>
+            <a:r>
+              <a:rPr lang="de-DE" sz="1200" b="0" i="0" u="none" strike="noStrike" kern="1200" dirty="0">
+                <a:solidFill>
+                  <a:schemeClr val="tx1"/>
+                </a:solidFill>
+                <a:effectLst/>
+                <a:latin typeface="+mn-lt"/>
+                <a:ea typeface="+mn-ea"/>
+                <a:cs typeface="+mn-cs"/>
+              </a:rPr>
+              <a:t> </a:t>
+            </a:r>
+            <a:r>
+              <a:rPr lang="de-DE" sz="1200" b="0" i="0" u="none" strike="noStrike" kern="1200" dirty="0" err="1">
+                <a:solidFill>
+                  <a:schemeClr val="tx1"/>
+                </a:solidFill>
+                <a:effectLst/>
+                <a:latin typeface="+mn-lt"/>
+                <a:ea typeface="+mn-ea"/>
+                <a:cs typeface="+mn-cs"/>
+              </a:rPr>
+              <a:t>be</a:t>
+            </a:r>
+            <a:r>
+              <a:rPr lang="de-DE" sz="1200" b="0" i="0" u="none" strike="noStrike" kern="1200" dirty="0">
+                <a:solidFill>
+                  <a:schemeClr val="tx1"/>
+                </a:solidFill>
+                <a:effectLst/>
+                <a:latin typeface="+mn-lt"/>
+                <a:ea typeface="+mn-ea"/>
+                <a:cs typeface="+mn-cs"/>
+              </a:rPr>
+              <a:t> </a:t>
+            </a:r>
+            <a:r>
+              <a:rPr lang="de-DE" sz="1200" b="0" i="0" u="none" strike="noStrike" kern="1200" dirty="0" err="1">
+                <a:solidFill>
+                  <a:schemeClr val="tx1"/>
+                </a:solidFill>
+                <a:effectLst/>
+                <a:latin typeface="+mn-lt"/>
+                <a:ea typeface="+mn-ea"/>
+                <a:cs typeface="+mn-cs"/>
+              </a:rPr>
+              <a:t>more</a:t>
+            </a:r>
+            <a:r>
+              <a:rPr lang="de-DE" sz="1200" b="0" i="0" u="none" strike="noStrike" kern="1200" dirty="0">
+                <a:solidFill>
+                  <a:schemeClr val="tx1"/>
+                </a:solidFill>
+                <a:effectLst/>
+                <a:latin typeface="+mn-lt"/>
+                <a:ea typeface="+mn-ea"/>
+                <a:cs typeface="+mn-cs"/>
+              </a:rPr>
+              <a:t> </a:t>
+            </a:r>
+            <a:r>
+              <a:rPr lang="de-DE" sz="1200" b="0" i="0" u="none" strike="noStrike" kern="1200" dirty="0" err="1">
+                <a:solidFill>
+                  <a:schemeClr val="tx1"/>
+                </a:solidFill>
+                <a:effectLst/>
+                <a:latin typeface="+mn-lt"/>
+                <a:ea typeface="+mn-ea"/>
+                <a:cs typeface="+mn-cs"/>
+              </a:rPr>
+              <a:t>suited</a:t>
+            </a:r>
+            <a:r>
+              <a:rPr lang="de-DE" sz="1200" b="0" i="0" u="none" strike="noStrike" kern="1200" dirty="0">
+                <a:solidFill>
+                  <a:schemeClr val="tx1"/>
+                </a:solidFill>
+                <a:effectLst/>
+                <a:latin typeface="+mn-lt"/>
+                <a:ea typeface="+mn-ea"/>
+                <a:cs typeface="+mn-cs"/>
+              </a:rPr>
+              <a:t> </a:t>
+            </a:r>
+            <a:r>
+              <a:rPr lang="de-DE" sz="1200" b="0" i="0" u="none" strike="noStrike" kern="1200" dirty="0" err="1">
+                <a:solidFill>
+                  <a:schemeClr val="tx1"/>
+                </a:solidFill>
+                <a:effectLst/>
+                <a:latin typeface="+mn-lt"/>
+                <a:ea typeface="+mn-ea"/>
+                <a:cs typeface="+mn-cs"/>
+              </a:rPr>
+              <a:t>to</a:t>
+            </a:r>
+            <a:r>
+              <a:rPr lang="de-DE" sz="1200" b="0" i="0" u="none" strike="noStrike" kern="1200" dirty="0">
+                <a:solidFill>
+                  <a:schemeClr val="tx1"/>
+                </a:solidFill>
+                <a:effectLst/>
+                <a:latin typeface="+mn-lt"/>
+                <a:ea typeface="+mn-ea"/>
+                <a:cs typeface="+mn-cs"/>
+              </a:rPr>
+              <a:t> </a:t>
+            </a:r>
+            <a:r>
+              <a:rPr lang="de-DE" sz="1200" b="0" i="0" u="none" strike="noStrike" kern="1200" dirty="0" err="1">
+                <a:solidFill>
+                  <a:schemeClr val="tx1"/>
+                </a:solidFill>
+                <a:effectLst/>
+                <a:latin typeface="+mn-lt"/>
+                <a:ea typeface="+mn-ea"/>
+                <a:cs typeface="+mn-cs"/>
+              </a:rPr>
+              <a:t>solve</a:t>
+            </a:r>
+            <a:r>
+              <a:rPr lang="de-DE" sz="1200" b="0" i="0" u="none" strike="noStrike" kern="1200" dirty="0">
+                <a:solidFill>
+                  <a:schemeClr val="tx1"/>
+                </a:solidFill>
+                <a:effectLst/>
+                <a:latin typeface="+mn-lt"/>
+                <a:ea typeface="+mn-ea"/>
+                <a:cs typeface="+mn-cs"/>
+              </a:rPr>
+              <a:t> a different </a:t>
+            </a:r>
+            <a:r>
+              <a:rPr lang="de-DE" sz="1200" b="0" i="0" u="none" strike="noStrike" kern="1200" dirty="0" err="1">
+                <a:solidFill>
+                  <a:schemeClr val="tx1"/>
+                </a:solidFill>
+                <a:effectLst/>
+                <a:latin typeface="+mn-lt"/>
+                <a:ea typeface="+mn-ea"/>
+                <a:cs typeface="+mn-cs"/>
+              </a:rPr>
+              <a:t>kind</a:t>
+            </a:r>
+            <a:r>
+              <a:rPr lang="de-DE" sz="1200" b="0" i="0" u="none" strike="noStrike" kern="1200" dirty="0">
+                <a:solidFill>
+                  <a:schemeClr val="tx1"/>
+                </a:solidFill>
+                <a:effectLst/>
+                <a:latin typeface="+mn-lt"/>
+                <a:ea typeface="+mn-ea"/>
+                <a:cs typeface="+mn-cs"/>
+              </a:rPr>
+              <a:t> </a:t>
+            </a:r>
+            <a:r>
+              <a:rPr lang="de-DE" sz="1200" b="0" i="0" u="none" strike="noStrike" kern="1200" dirty="0" err="1">
+                <a:solidFill>
+                  <a:schemeClr val="tx1"/>
+                </a:solidFill>
+                <a:effectLst/>
+                <a:latin typeface="+mn-lt"/>
+                <a:ea typeface="+mn-ea"/>
+                <a:cs typeface="+mn-cs"/>
+              </a:rPr>
+              <a:t>of</a:t>
+            </a:r>
+            <a:r>
+              <a:rPr lang="de-DE" sz="1200" b="0" i="0" u="none" strike="noStrike" kern="1200" dirty="0">
+                <a:solidFill>
+                  <a:schemeClr val="tx1"/>
+                </a:solidFill>
+                <a:effectLst/>
+                <a:latin typeface="+mn-lt"/>
+                <a:ea typeface="+mn-ea"/>
+                <a:cs typeface="+mn-cs"/>
+              </a:rPr>
+              <a:t> </a:t>
+            </a:r>
+            <a:r>
+              <a:rPr lang="de-DE" sz="1200" b="0" i="0" u="none" strike="noStrike" kern="1200" dirty="0" err="1">
+                <a:solidFill>
+                  <a:schemeClr val="tx1"/>
+                </a:solidFill>
+                <a:effectLst/>
+                <a:latin typeface="+mn-lt"/>
+                <a:ea typeface="+mn-ea"/>
+                <a:cs typeface="+mn-cs"/>
+              </a:rPr>
+              <a:t>problem</a:t>
+            </a:r>
+            <a:endParaRPr lang="de-DE" sz="1200" b="0" i="0" u="none" strike="noStrike" kern="1200" dirty="0">
+              <a:solidFill>
+                <a:schemeClr val="tx1"/>
+              </a:solidFill>
+              <a:effectLst/>
+              <a:latin typeface="+mn-lt"/>
+              <a:ea typeface="+mn-ea"/>
+              <a:cs typeface="+mn-cs"/>
+            </a:endParaRPr>
+          </a:p>
+          <a:p>
+            <a:pPr marL="0" marR="0" lvl="0" indent="0" algn="l" defTabSz="914400" rtl="0" eaLnBrk="1" fontAlgn="auto" latinLnBrk="0" hangingPunct="1">
+              <a:lnSpc>
+                <a:spcPct val="100000"/>
+              </a:lnSpc>
+              <a:spcBef>
+                <a:spcPts val="0"/>
+              </a:spcBef>
+              <a:spcAft>
+                <a:spcPts val="0"/>
+              </a:spcAft>
+              <a:buClrTx/>
+              <a:buSzTx/>
+              <a:buFontTx/>
+              <a:buNone/>
+              <a:tabLst/>
+              <a:defRPr/>
+            </a:pPr>
+            <a:endParaRPr lang="de-DE" sz="1200" b="0" i="0" u="none" strike="noStrike" kern="1200" dirty="0">
+              <a:solidFill>
+                <a:schemeClr val="tx1"/>
+              </a:solidFill>
+              <a:effectLst/>
+              <a:latin typeface="+mn-lt"/>
+              <a:ea typeface="+mn-ea"/>
+              <a:cs typeface="+mn-cs"/>
+            </a:endParaRPr>
+          </a:p>
+          <a:p>
+            <a:pPr marL="0" marR="0" lvl="0" indent="0" algn="l" defTabSz="914400" rtl="0" eaLnBrk="1" fontAlgn="auto" latinLnBrk="0" hangingPunct="1">
+              <a:lnSpc>
+                <a:spcPct val="100000"/>
+              </a:lnSpc>
+              <a:spcBef>
+                <a:spcPts val="0"/>
+              </a:spcBef>
+              <a:spcAft>
+                <a:spcPts val="0"/>
+              </a:spcAft>
+              <a:buClrTx/>
+              <a:buSzTx/>
+              <a:buFontTx/>
+              <a:buNone/>
+              <a:tabLst/>
+              <a:defRPr/>
+            </a:pPr>
+            <a:r>
+              <a:rPr lang="de-DE" dirty="0"/>
+              <a:t>But </a:t>
+            </a:r>
+            <a:r>
+              <a:rPr lang="de-DE" dirty="0" err="1"/>
+              <a:t>determing</a:t>
+            </a:r>
+            <a:r>
+              <a:rPr lang="de-DE" dirty="0"/>
+              <a:t> </a:t>
+            </a:r>
+            <a:r>
+              <a:rPr lang="de-DE" dirty="0" err="1"/>
+              <a:t>which</a:t>
+            </a:r>
+            <a:r>
+              <a:rPr lang="de-DE" dirty="0"/>
+              <a:t> </a:t>
+            </a:r>
+            <a:r>
+              <a:rPr lang="de-DE" dirty="0" err="1"/>
+              <a:t>solver</a:t>
+            </a:r>
+            <a:r>
+              <a:rPr lang="de-DE" dirty="0"/>
+              <a:t> will </a:t>
+            </a:r>
+            <a:r>
+              <a:rPr lang="de-DE" dirty="0" err="1"/>
+              <a:t>solve</a:t>
+            </a:r>
+            <a:r>
+              <a:rPr lang="de-DE" dirty="0"/>
+              <a:t> a </a:t>
+            </a:r>
+            <a:r>
+              <a:rPr lang="de-DE" dirty="0" err="1"/>
+              <a:t>given</a:t>
+            </a:r>
+            <a:r>
+              <a:rPr lang="de-DE" dirty="0"/>
+              <a:t> </a:t>
+            </a:r>
+            <a:r>
+              <a:rPr lang="de-DE" dirty="0" err="1"/>
+              <a:t>matrix</a:t>
+            </a:r>
+            <a:r>
+              <a:rPr lang="de-DE" dirty="0"/>
+              <a:t> </a:t>
+            </a:r>
+            <a:r>
+              <a:rPr lang="de-DE" dirty="0" err="1"/>
+              <a:t>the</a:t>
+            </a:r>
+            <a:r>
+              <a:rPr lang="de-DE" dirty="0"/>
+              <a:t> fastest </a:t>
+            </a:r>
+            <a:r>
+              <a:rPr lang="de-DE" dirty="0" err="1"/>
+              <a:t>might</a:t>
+            </a:r>
+            <a:r>
+              <a:rPr lang="de-DE" dirty="0"/>
+              <a:t> </a:t>
+            </a:r>
+            <a:r>
+              <a:rPr lang="de-DE" dirty="0" err="1"/>
+              <a:t>generally</a:t>
+            </a:r>
+            <a:r>
+              <a:rPr lang="de-DE" dirty="0"/>
+              <a:t> not </a:t>
+            </a:r>
+            <a:r>
+              <a:rPr lang="de-DE" dirty="0" err="1"/>
+              <a:t>be</a:t>
+            </a:r>
+            <a:r>
+              <a:rPr lang="de-DE" dirty="0"/>
+              <a:t> </a:t>
+            </a:r>
+            <a:r>
+              <a:rPr lang="de-DE" dirty="0" err="1"/>
+              <a:t>very</a:t>
+            </a:r>
+            <a:r>
+              <a:rPr lang="de-DE" dirty="0"/>
+              <a:t> </a:t>
+            </a:r>
+            <a:r>
+              <a:rPr lang="de-DE" dirty="0" err="1"/>
+              <a:t>obvious</a:t>
+            </a:r>
+            <a:r>
+              <a:rPr lang="de-DE" dirty="0"/>
+              <a:t>. And </a:t>
+            </a:r>
+            <a:r>
+              <a:rPr lang="de-DE" dirty="0" err="1"/>
+              <a:t>that</a:t>
+            </a:r>
+            <a:r>
+              <a:rPr lang="de-DE" dirty="0"/>
+              <a:t> </a:t>
+            </a:r>
+            <a:r>
+              <a:rPr lang="de-DE" dirty="0" err="1"/>
+              <a:t>is</a:t>
+            </a:r>
+            <a:r>
+              <a:rPr lang="de-DE" dirty="0"/>
+              <a:t> </a:t>
+            </a:r>
+            <a:r>
+              <a:rPr lang="de-DE" dirty="0" err="1"/>
+              <a:t>where</a:t>
+            </a:r>
+            <a:r>
+              <a:rPr lang="de-DE" dirty="0"/>
+              <a:t> </a:t>
+            </a:r>
+            <a:r>
+              <a:rPr lang="de-DE" dirty="0" err="1"/>
+              <a:t>our</a:t>
+            </a:r>
+            <a:r>
+              <a:rPr lang="de-DE" dirty="0"/>
+              <a:t> </a:t>
+            </a:r>
+            <a:r>
+              <a:rPr lang="de-DE" dirty="0" err="1"/>
+              <a:t>software</a:t>
+            </a:r>
+            <a:r>
+              <a:rPr lang="de-DE" dirty="0"/>
+              <a:t> </a:t>
+            </a:r>
+            <a:r>
+              <a:rPr lang="de-DE" dirty="0" err="1"/>
+              <a:t>gets</a:t>
+            </a:r>
+            <a:r>
+              <a:rPr lang="de-DE" dirty="0"/>
+              <a:t> </a:t>
+            </a:r>
+            <a:r>
+              <a:rPr lang="de-DE" dirty="0" err="1"/>
+              <a:t>involved</a:t>
+            </a:r>
+            <a:endParaRPr lang="de-DE" dirty="0"/>
+          </a:p>
+          <a:p>
+            <a:pPr marL="0" marR="0" lvl="0" indent="0" algn="l" defTabSz="914400" rtl="0" eaLnBrk="1" fontAlgn="auto" latinLnBrk="0" hangingPunct="1">
+              <a:lnSpc>
+                <a:spcPct val="100000"/>
+              </a:lnSpc>
+              <a:spcBef>
+                <a:spcPts val="0"/>
+              </a:spcBef>
+              <a:spcAft>
+                <a:spcPts val="0"/>
+              </a:spcAft>
+              <a:buClrTx/>
+              <a:buSzTx/>
+              <a:buFontTx/>
+              <a:buNone/>
+              <a:tabLst/>
+              <a:defRPr/>
+            </a:pPr>
+            <a:endParaRPr lang="de-DE" sz="1200" b="0" i="1" kern="1200" dirty="0">
+              <a:solidFill>
+                <a:schemeClr val="tx1"/>
+              </a:solidFill>
+              <a:effectLst/>
+              <a:latin typeface="+mn-lt"/>
+              <a:ea typeface="+mn-ea"/>
+              <a:cs typeface="+mn-cs"/>
+            </a:endParaRPr>
+          </a:p>
+          <a:p>
+            <a:endParaRPr lang="de-DE" dirty="0"/>
+          </a:p>
+        </p:txBody>
+      </p:sp>
+      <p:sp>
+        <p:nvSpPr>
+          <p:cNvPr id="4" name="Foliennummernplatzhalter 3"/>
+          <p:cNvSpPr>
+            <a:spLocks noGrp="1"/>
+          </p:cNvSpPr>
+          <p:nvPr>
+            <p:ph type="sldNum" sz="quarter" idx="5"/>
+          </p:nvPr>
+        </p:nvSpPr>
+        <p:spPr/>
+        <p:txBody>
+          <a:bodyPr/>
+          <a:lstStyle/>
+          <a:p>
+            <a:fld id="{CA04F272-B815-443A-A9C1-BA10F9533513}" type="slidenum">
+              <a:rPr lang="de-DE" smtClean="0"/>
+              <a:t>11</a:t>
+            </a:fld>
+            <a:endParaRPr lang="de-DE"/>
+          </a:p>
+        </p:txBody>
+      </p:sp>
+    </p:spTree>
+    <p:extLst>
+      <p:ext uri="{BB962C8B-B14F-4D97-AF65-F5344CB8AC3E}">
+        <p14:creationId xmlns:p14="http://schemas.microsoft.com/office/powerpoint/2010/main" val="4170992098"/>
+      </p:ext>
+    </p:extLst>
+  </p:cSld>
+  <p:clrMapOvr>
+    <a:masterClrMapping/>
+  </p:clrMapOvr>
+</p:notes>
+</file>
+
 <file path=ppt/slideLayouts/slideLayout1.xml><?xml version="1.0" encoding="utf-8"?>
 <p:sldLayout xmlns:a="http://schemas.openxmlformats.org/drawingml/2006/main" xmlns:r="http://schemas.openxmlformats.org/officeDocument/2006/relationships" xmlns:p="http://schemas.openxmlformats.org/presentationml/2006/main" type="title" preserve="1">
   <p:cSld name="Titelfolie">
@@ -279,7 +3235,7 @@
           <a:p>
             <a:fld id="{FD61D2B0-35BA-48CC-B465-2997EEC1297B}" type="datetimeFigureOut">
               <a:rPr lang="de-DE" smtClean="0"/>
-              <a:t>16.03.2019</a:t>
+              <a:t>17.03.2019</a:t>
             </a:fld>
             <a:endParaRPr lang="de-DE"/>
           </a:p>
@@ -477,7 +3433,7 @@
           <a:p>
             <a:fld id="{FD61D2B0-35BA-48CC-B465-2997EEC1297B}" type="datetimeFigureOut">
               <a:rPr lang="de-DE" smtClean="0"/>
-              <a:t>16.03.2019</a:t>
+              <a:t>17.03.2019</a:t>
             </a:fld>
             <a:endParaRPr lang="de-DE"/>
           </a:p>
@@ -685,7 +3641,7 @@
           <a:p>
             <a:fld id="{FD61D2B0-35BA-48CC-B465-2997EEC1297B}" type="datetimeFigureOut">
               <a:rPr lang="de-DE" smtClean="0"/>
-              <a:t>16.03.2019</a:t>
+              <a:t>17.03.2019</a:t>
             </a:fld>
             <a:endParaRPr lang="de-DE"/>
           </a:p>
@@ -883,7 +3839,7 @@
           <a:p>
             <a:fld id="{FD61D2B0-35BA-48CC-B465-2997EEC1297B}" type="datetimeFigureOut">
               <a:rPr lang="de-DE" smtClean="0"/>
-              <a:t>16.03.2019</a:t>
+              <a:t>17.03.2019</a:t>
             </a:fld>
             <a:endParaRPr lang="de-DE"/>
           </a:p>
@@ -1158,7 +4114,7 @@
           <a:p>
             <a:fld id="{FD61D2B0-35BA-48CC-B465-2997EEC1297B}" type="datetimeFigureOut">
               <a:rPr lang="de-DE" smtClean="0"/>
-              <a:t>16.03.2019</a:t>
+              <a:t>17.03.2019</a:t>
             </a:fld>
             <a:endParaRPr lang="de-DE"/>
           </a:p>
@@ -1423,7 +4379,7 @@
           <a:p>
             <a:fld id="{FD61D2B0-35BA-48CC-B465-2997EEC1297B}" type="datetimeFigureOut">
               <a:rPr lang="de-DE" smtClean="0"/>
-              <a:t>16.03.2019</a:t>
+              <a:t>17.03.2019</a:t>
             </a:fld>
             <a:endParaRPr lang="de-DE"/>
           </a:p>
@@ -1835,7 +4791,7 @@
           <a:p>
             <a:fld id="{FD61D2B0-35BA-48CC-B465-2997EEC1297B}" type="datetimeFigureOut">
               <a:rPr lang="de-DE" smtClean="0"/>
-              <a:t>16.03.2019</a:t>
+              <a:t>17.03.2019</a:t>
             </a:fld>
             <a:endParaRPr lang="de-DE"/>
           </a:p>
@@ -1976,7 +4932,7 @@
           <a:p>
             <a:fld id="{FD61D2B0-35BA-48CC-B465-2997EEC1297B}" type="datetimeFigureOut">
               <a:rPr lang="de-DE" smtClean="0"/>
-              <a:t>16.03.2019</a:t>
+              <a:t>17.03.2019</a:t>
             </a:fld>
             <a:endParaRPr lang="de-DE"/>
           </a:p>
@@ -2089,7 +5045,7 @@
           <a:p>
             <a:fld id="{FD61D2B0-35BA-48CC-B465-2997EEC1297B}" type="datetimeFigureOut">
               <a:rPr lang="de-DE" smtClean="0"/>
-              <a:t>16.03.2019</a:t>
+              <a:t>17.03.2019</a:t>
             </a:fld>
             <a:endParaRPr lang="de-DE"/>
           </a:p>
@@ -2400,7 +5356,7 @@
           <a:p>
             <a:fld id="{FD61D2B0-35BA-48CC-B465-2997EEC1297B}" type="datetimeFigureOut">
               <a:rPr lang="de-DE" smtClean="0"/>
-              <a:t>16.03.2019</a:t>
+              <a:t>17.03.2019</a:t>
             </a:fld>
             <a:endParaRPr lang="de-DE"/>
           </a:p>
@@ -2688,7 +5644,7 @@
           <a:p>
             <a:fld id="{FD61D2B0-35BA-48CC-B465-2997EEC1297B}" type="datetimeFigureOut">
               <a:rPr lang="de-DE" smtClean="0"/>
-              <a:t>16.03.2019</a:t>
+              <a:t>17.03.2019</a:t>
             </a:fld>
             <a:endParaRPr lang="de-DE"/>
           </a:p>
@@ -2929,7 +5885,7 @@
           <a:p>
             <a:fld id="{FD61D2B0-35BA-48CC-B465-2997EEC1297B}" type="datetimeFigureOut">
               <a:rPr lang="de-DE" smtClean="0"/>
-              <a:t>16.03.2019</a:t>
+              <a:t>17.03.2019</a:t>
             </a:fld>
             <a:endParaRPr lang="de-DE"/>
           </a:p>
@@ -3346,46 +6302,10 @@
           <a:chExt cx="0" cy="0"/>
         </a:xfrm>
       </p:grpSpPr>
-      <p:sp>
-        <p:nvSpPr>
-          <p:cNvPr id="2" name="Titel 1">
-            <a:extLst>
-              <a:ext uri="{FF2B5EF4-FFF2-40B4-BE49-F238E27FC236}">
-                <a16:creationId xmlns:a16="http://schemas.microsoft.com/office/drawing/2014/main" id="{29DAF2D4-781C-4033-906D-72E99153EDCB}"/>
-              </a:ext>
-            </a:extLst>
-          </p:cNvPr>
-          <p:cNvSpPr>
-            <a:spLocks noGrp="1"/>
-          </p:cNvSpPr>
-          <p:nvPr>
-            <p:ph type="ctrTitle"/>
-          </p:nvPr>
-        </p:nvSpPr>
-        <p:spPr/>
-        <p:txBody>
-          <a:bodyPr/>
-          <a:lstStyle/>
-          <a:p>
-            <a:r>
-              <a:rPr lang="de-DE" dirty="0"/>
-              <a:t>La </a:t>
-            </a:r>
-            <a:r>
-              <a:rPr lang="de-DE" dirty="0" err="1"/>
-              <a:t>meets</a:t>
-            </a:r>
-            <a:r>
-              <a:rPr lang="de-DE" dirty="0"/>
-              <a:t> ML</a:t>
-            </a:r>
-          </a:p>
-        </p:txBody>
-      </p:sp>
     </p:spTree>
     <p:extLst>
       <p:ext uri="{BB962C8B-B14F-4D97-AF65-F5344CB8AC3E}">
-        <p14:creationId xmlns:p14="http://schemas.microsoft.com/office/powerpoint/2010/main" val="2601923096"/>
+        <p14:creationId xmlns:p14="http://schemas.microsoft.com/office/powerpoint/2010/main" val="298969375"/>
       </p:ext>
     </p:extLst>
   </p:cSld>
@@ -3412,427 +6332,10 @@
           <a:chExt cx="0" cy="0"/>
         </a:xfrm>
       </p:grpSpPr>
-      <p:sp>
-        <p:nvSpPr>
-          <p:cNvPr id="7" name="Rechteck 6">
-            <a:extLst>
-              <a:ext uri="{FF2B5EF4-FFF2-40B4-BE49-F238E27FC236}">
-                <a16:creationId xmlns:a16="http://schemas.microsoft.com/office/drawing/2014/main" id="{DDEE7F32-2FE3-4894-9D03-30A7178F7B64}"/>
-              </a:ext>
-            </a:extLst>
-          </p:cNvPr>
-          <p:cNvSpPr/>
-          <p:nvPr/>
-        </p:nvSpPr>
-        <p:spPr>
-          <a:xfrm>
-            <a:off x="1272072" y="317241"/>
-            <a:ext cx="4478694" cy="2985796"/>
-          </a:xfrm>
-          <a:prstGeom prst="rect">
-            <a:avLst/>
-          </a:prstGeom>
-        </p:spPr>
-        <p:style>
-          <a:lnRef idx="2">
-            <a:schemeClr val="accent1">
-              <a:shade val="50000"/>
-            </a:schemeClr>
-          </a:lnRef>
-          <a:fillRef idx="1">
-            <a:schemeClr val="accent1"/>
-          </a:fillRef>
-          <a:effectRef idx="0">
-            <a:schemeClr val="accent1"/>
-          </a:effectRef>
-          <a:fontRef idx="minor">
-            <a:schemeClr val="lt1"/>
-          </a:fontRef>
-        </p:style>
-        <p:txBody>
-          <a:bodyPr rtlCol="0" anchor="ctr"/>
-          <a:lstStyle/>
-          <a:p>
-            <a:pPr algn="ctr"/>
-            <a:endParaRPr lang="de-DE"/>
-          </a:p>
-        </p:txBody>
-      </p:sp>
-      <p:sp>
-        <p:nvSpPr>
-          <p:cNvPr id="9" name="Rechteck 8">
-            <a:extLst>
-              <a:ext uri="{FF2B5EF4-FFF2-40B4-BE49-F238E27FC236}">
-                <a16:creationId xmlns:a16="http://schemas.microsoft.com/office/drawing/2014/main" id="{FF3B08D9-8EA4-4625-ADF6-EB8A865F4846}"/>
-              </a:ext>
-            </a:extLst>
-          </p:cNvPr>
-          <p:cNvSpPr/>
-          <p:nvPr/>
-        </p:nvSpPr>
-        <p:spPr>
-          <a:xfrm>
-            <a:off x="1272072" y="3657600"/>
-            <a:ext cx="4478694" cy="2985796"/>
-          </a:xfrm>
-          <a:prstGeom prst="rect">
-            <a:avLst/>
-          </a:prstGeom>
-        </p:spPr>
-        <p:style>
-          <a:lnRef idx="2">
-            <a:schemeClr val="accent1">
-              <a:shade val="50000"/>
-            </a:schemeClr>
-          </a:lnRef>
-          <a:fillRef idx="1">
-            <a:schemeClr val="accent1"/>
-          </a:fillRef>
-          <a:effectRef idx="0">
-            <a:schemeClr val="accent1"/>
-          </a:effectRef>
-          <a:fontRef idx="minor">
-            <a:schemeClr val="lt1"/>
-          </a:fontRef>
-        </p:style>
-        <p:txBody>
-          <a:bodyPr rtlCol="0" anchor="ctr"/>
-          <a:lstStyle/>
-          <a:p>
-            <a:pPr algn="ctr"/>
-            <a:endParaRPr lang="de-DE"/>
-          </a:p>
-        </p:txBody>
-      </p:sp>
-      <p:pic>
-        <p:nvPicPr>
-          <p:cNvPr id="11" name="Picture 2" descr="Bildergebnis fÃ¼r stock">
-            <a:extLst>
-              <a:ext uri="{FF2B5EF4-FFF2-40B4-BE49-F238E27FC236}">
-                <a16:creationId xmlns:a16="http://schemas.microsoft.com/office/drawing/2014/main" id="{2D45B5F0-253A-4953-85AE-E63E0F5C0903}"/>
-              </a:ext>
-            </a:extLst>
-          </p:cNvPr>
-          <p:cNvPicPr>
-            <a:picLocks noChangeAspect="1" noChangeArrowheads="1"/>
-          </p:cNvPicPr>
-          <p:nvPr/>
-        </p:nvPicPr>
-        <p:blipFill>
-          <a:blip r:embed="rId2">
-            <a:extLst>
-              <a:ext uri="{28A0092B-C50C-407E-A947-70E740481C1C}">
-                <a14:useLocalDpi xmlns:a14="http://schemas.microsoft.com/office/drawing/2010/main" val="0"/>
-              </a:ext>
-            </a:extLst>
-          </a:blip>
-          <a:srcRect/>
-          <a:stretch>
-            <a:fillRect/>
-          </a:stretch>
-        </p:blipFill>
-        <p:spPr bwMode="auto">
-          <a:xfrm>
-            <a:off x="1272072" y="3657601"/>
-            <a:ext cx="4478694" cy="2985796"/>
-          </a:xfrm>
-          <a:prstGeom prst="rect">
-            <a:avLst/>
-          </a:prstGeom>
-          <a:noFill/>
-          <a:extLst>
-            <a:ext uri="{909E8E84-426E-40DD-AFC4-6F175D3DCCD1}">
-              <a14:hiddenFill xmlns:a14="http://schemas.microsoft.com/office/drawing/2010/main">
-                <a:solidFill>
-                  <a:srgbClr val="FFFFFF"/>
-                </a:solidFill>
-              </a14:hiddenFill>
-            </a:ext>
-          </a:extLst>
-        </p:spPr>
-      </p:pic>
-      <p:pic>
-        <p:nvPicPr>
-          <p:cNvPr id="4098" name="Picture 2" descr="Bildergebnis fÃ¼r webpage">
-            <a:extLst>
-              <a:ext uri="{FF2B5EF4-FFF2-40B4-BE49-F238E27FC236}">
-                <a16:creationId xmlns:a16="http://schemas.microsoft.com/office/drawing/2014/main" id="{EDB986C9-D082-4B2A-B453-3C8B53A0C3CC}"/>
-              </a:ext>
-            </a:extLst>
-          </p:cNvPr>
-          <p:cNvPicPr>
-            <a:picLocks noChangeAspect="1" noChangeArrowheads="1"/>
-          </p:cNvPicPr>
-          <p:nvPr/>
-        </p:nvPicPr>
-        <p:blipFill>
-          <a:blip r:embed="rId3">
-            <a:extLst>
-              <a:ext uri="{28A0092B-C50C-407E-A947-70E740481C1C}">
-                <a14:useLocalDpi xmlns:a14="http://schemas.microsoft.com/office/drawing/2010/main" val="0"/>
-              </a:ext>
-            </a:extLst>
-          </a:blip>
-          <a:srcRect/>
-          <a:stretch>
-            <a:fillRect/>
-          </a:stretch>
-        </p:blipFill>
-        <p:spPr bwMode="auto">
-          <a:xfrm>
-            <a:off x="6441234" y="317242"/>
-            <a:ext cx="4478693" cy="2985795"/>
-          </a:xfrm>
-          <a:prstGeom prst="rect">
-            <a:avLst/>
-          </a:prstGeom>
-          <a:noFill/>
-          <a:extLst>
-            <a:ext uri="{909E8E84-426E-40DD-AFC4-6F175D3DCCD1}">
-              <a14:hiddenFill xmlns:a14="http://schemas.microsoft.com/office/drawing/2010/main">
-                <a:solidFill>
-                  <a:srgbClr val="FFFFFF"/>
-                </a:solidFill>
-              </a14:hiddenFill>
-            </a:ext>
-          </a:extLst>
-        </p:spPr>
-      </p:pic>
-      <p:sp>
-        <p:nvSpPr>
-          <p:cNvPr id="13" name="AutoShape 6" descr="Bildergebnis fÃ¼r Quadratic programming">
-            <a:extLst>
-              <a:ext uri="{FF2B5EF4-FFF2-40B4-BE49-F238E27FC236}">
-                <a16:creationId xmlns:a16="http://schemas.microsoft.com/office/drawing/2014/main" id="{DB59D097-587B-4879-9901-761CEBA0449B}"/>
-              </a:ext>
-            </a:extLst>
-          </p:cNvPr>
-          <p:cNvSpPr>
-            <a:spLocks noChangeAspect="1" noChangeArrowheads="1"/>
-          </p:cNvSpPr>
-          <p:nvPr/>
-        </p:nvSpPr>
-        <p:spPr bwMode="auto">
-          <a:xfrm>
-            <a:off x="5943600" y="3276600"/>
-            <a:ext cx="4976328" cy="4976328"/>
-          </a:xfrm>
-          <a:prstGeom prst="rect">
-            <a:avLst/>
-          </a:prstGeom>
-          <a:noFill/>
-          <a:extLst>
-            <a:ext uri="{909E8E84-426E-40DD-AFC4-6F175D3DCCD1}">
-              <a14:hiddenFill xmlns:a14="http://schemas.microsoft.com/office/drawing/2010/main">
-                <a:solidFill>
-                  <a:srgbClr val="FFFFFF"/>
-                </a:solidFill>
-              </a14:hiddenFill>
-            </a:ext>
-          </a:extLst>
-        </p:spPr>
-        <p:txBody>
-          <a:bodyPr vert="horz" wrap="square" lIns="91440" tIns="45720" rIns="91440" bIns="45720" numCol="1" anchor="t" anchorCtr="0" compatLnSpc="1">
-            <a:prstTxWarp prst="textNoShape">
-              <a:avLst/>
-            </a:prstTxWarp>
-          </a:bodyPr>
-          <a:lstStyle/>
-          <a:p>
-            <a:endParaRPr lang="de-DE"/>
-          </a:p>
-        </p:txBody>
-      </p:sp>
-      <p:pic>
-        <p:nvPicPr>
-          <p:cNvPr id="4104" name="Picture 8" descr="Ãhnliches Foto">
-            <a:extLst>
-              <a:ext uri="{FF2B5EF4-FFF2-40B4-BE49-F238E27FC236}">
-                <a16:creationId xmlns:a16="http://schemas.microsoft.com/office/drawing/2014/main" id="{3DF9AC50-3149-4EAB-BAA4-1092BDF6F0B6}"/>
-              </a:ext>
-            </a:extLst>
-          </p:cNvPr>
-          <p:cNvPicPr>
-            <a:picLocks noChangeAspect="1" noChangeArrowheads="1"/>
-          </p:cNvPicPr>
-          <p:nvPr/>
-        </p:nvPicPr>
-        <p:blipFill>
-          <a:blip r:embed="rId4">
-            <a:extLst>
-              <a:ext uri="{28A0092B-C50C-407E-A947-70E740481C1C}">
-                <a14:useLocalDpi xmlns:a14="http://schemas.microsoft.com/office/drawing/2010/main" val="0"/>
-              </a:ext>
-            </a:extLst>
-          </a:blip>
-          <a:srcRect/>
-          <a:stretch>
-            <a:fillRect/>
-          </a:stretch>
-        </p:blipFill>
-        <p:spPr bwMode="auto">
-          <a:xfrm>
-            <a:off x="6441234" y="3657600"/>
-            <a:ext cx="4478693" cy="3006789"/>
-          </a:xfrm>
-          <a:prstGeom prst="rect">
-            <a:avLst/>
-          </a:prstGeom>
-          <a:noFill/>
-          <a:extLst>
-            <a:ext uri="{909E8E84-426E-40DD-AFC4-6F175D3DCCD1}">
-              <a14:hiddenFill xmlns:a14="http://schemas.microsoft.com/office/drawing/2010/main">
-                <a:solidFill>
-                  <a:srgbClr val="FFFFFF"/>
-                </a:solidFill>
-              </a14:hiddenFill>
-            </a:ext>
-          </a:extLst>
-        </p:spPr>
-      </p:pic>
-      <p:pic>
-        <p:nvPicPr>
-          <p:cNvPr id="10" name="Picture 6" descr="http://faculty.cse.tamu.edu/davis/matrices_files/net25_and_pre2.jpg">
-            <a:extLst>
-              <a:ext uri="{FF2B5EF4-FFF2-40B4-BE49-F238E27FC236}">
-                <a16:creationId xmlns:a16="http://schemas.microsoft.com/office/drawing/2014/main" id="{4EA83C6A-E100-4F83-BBF4-1AD297F82564}"/>
-              </a:ext>
-            </a:extLst>
-          </p:cNvPr>
-          <p:cNvPicPr>
-            <a:picLocks noChangeAspect="1" noChangeArrowheads="1"/>
-          </p:cNvPicPr>
-          <p:nvPr/>
-        </p:nvPicPr>
-        <p:blipFill rotWithShape="1">
-          <a:blip r:embed="rId5">
-            <a:extLst>
-              <a:ext uri="{28A0092B-C50C-407E-A947-70E740481C1C}">
-                <a14:useLocalDpi xmlns:a14="http://schemas.microsoft.com/office/drawing/2010/main" val="0"/>
-              </a:ext>
-            </a:extLst>
-          </a:blip>
-          <a:srcRect t="48303"/>
-          <a:stretch/>
-        </p:blipFill>
-        <p:spPr bwMode="auto">
-          <a:xfrm>
-            <a:off x="1272073" y="317241"/>
-            <a:ext cx="4495816" cy="2985796"/>
-          </a:xfrm>
-          <a:prstGeom prst="rect">
-            <a:avLst/>
-          </a:prstGeom>
-          <a:noFill/>
-          <a:extLst>
-            <a:ext uri="{909E8E84-426E-40DD-AFC4-6F175D3DCCD1}">
-              <a14:hiddenFill xmlns:a14="http://schemas.microsoft.com/office/drawing/2010/main">
-                <a:solidFill>
-                  <a:srgbClr val="FFFFFF"/>
-                </a:solidFill>
-              </a14:hiddenFill>
-            </a:ext>
-          </a:extLst>
-        </p:spPr>
-      </p:pic>
-      <p:pic>
-        <p:nvPicPr>
-          <p:cNvPr id="12" name="Picture 2" descr="http://faculty.cse.tamu.edu/davis/matrices_files/Buss%40connectus.jpg">
-            <a:extLst>
-              <a:ext uri="{FF2B5EF4-FFF2-40B4-BE49-F238E27FC236}">
-                <a16:creationId xmlns:a16="http://schemas.microsoft.com/office/drawing/2014/main" id="{E47E536E-8909-41FE-BBF5-E469E442B124}"/>
-              </a:ext>
-            </a:extLst>
-          </p:cNvPr>
-          <p:cNvPicPr>
-            <a:picLocks noChangeAspect="1" noChangeArrowheads="1"/>
-          </p:cNvPicPr>
-          <p:nvPr/>
-        </p:nvPicPr>
-        <p:blipFill>
-          <a:blip r:embed="rId6">
-            <a:extLst>
-              <a:ext uri="{28A0092B-C50C-407E-A947-70E740481C1C}">
-                <a14:useLocalDpi xmlns:a14="http://schemas.microsoft.com/office/drawing/2010/main" val="0"/>
-              </a:ext>
-            </a:extLst>
-          </a:blip>
-          <a:srcRect/>
-          <a:stretch>
-            <a:fillRect/>
-          </a:stretch>
-        </p:blipFill>
-        <p:spPr bwMode="auto">
-          <a:xfrm>
-            <a:off x="6441234" y="317866"/>
-            <a:ext cx="4478693" cy="2994732"/>
-          </a:xfrm>
-          <a:prstGeom prst="rect">
-            <a:avLst/>
-          </a:prstGeom>
-          <a:noFill/>
-          <a:extLst>
-            <a:ext uri="{909E8E84-426E-40DD-AFC4-6F175D3DCCD1}">
-              <a14:hiddenFill xmlns:a14="http://schemas.microsoft.com/office/drawing/2010/main">
-                <a:solidFill>
-                  <a:srgbClr val="FFFFFF"/>
-                </a:solidFill>
-              </a14:hiddenFill>
-            </a:ext>
-          </a:extLst>
-        </p:spPr>
-      </p:pic>
-      <p:pic>
-        <p:nvPicPr>
-          <p:cNvPr id="14" name="Picture 2" descr="http://faculty.cse.tamu.edu/davis/matrices_files/GHS_psdef%40finance256.jpg">
-            <a:extLst>
-              <a:ext uri="{FF2B5EF4-FFF2-40B4-BE49-F238E27FC236}">
-                <a16:creationId xmlns:a16="http://schemas.microsoft.com/office/drawing/2014/main" id="{C2162F5B-2394-46C7-A737-DC5C654843D4}"/>
-              </a:ext>
-            </a:extLst>
-          </p:cNvPr>
-          <p:cNvPicPr>
-            <a:picLocks noChangeAspect="1" noChangeArrowheads="1"/>
-          </p:cNvPicPr>
-          <p:nvPr/>
-        </p:nvPicPr>
-        <p:blipFill>
-          <a:blip r:embed="rId7">
-            <a:extLst>
-              <a:ext uri="{28A0092B-C50C-407E-A947-70E740481C1C}">
-                <a14:useLocalDpi xmlns:a14="http://schemas.microsoft.com/office/drawing/2010/main" val="0"/>
-              </a:ext>
-            </a:extLst>
-          </a:blip>
-          <a:srcRect/>
-          <a:stretch>
-            <a:fillRect/>
-          </a:stretch>
-        </p:blipFill>
-        <p:spPr bwMode="auto">
-          <a:xfrm>
-            <a:off x="1272072" y="3657599"/>
-            <a:ext cx="4478694" cy="2985796"/>
-          </a:xfrm>
-          <a:prstGeom prst="rect">
-            <a:avLst/>
-          </a:prstGeom>
-          <a:noFill/>
-          <a:extLst>
-            <a:ext uri="{909E8E84-426E-40DD-AFC4-6F175D3DCCD1}">
-              <a14:hiddenFill xmlns:a14="http://schemas.microsoft.com/office/drawing/2010/main">
-                <a:solidFill>
-                  <a:srgbClr val="FFFFFF"/>
-                </a:solidFill>
-              </a14:hiddenFill>
-            </a:ext>
-          </a:extLst>
-        </p:spPr>
-      </p:pic>
     </p:spTree>
     <p:extLst>
       <p:ext uri="{BB962C8B-B14F-4D97-AF65-F5344CB8AC3E}">
-        <p14:creationId xmlns:p14="http://schemas.microsoft.com/office/powerpoint/2010/main" val="4287327766"/>
+        <p14:creationId xmlns:p14="http://schemas.microsoft.com/office/powerpoint/2010/main" val="3810333523"/>
       </p:ext>
     </p:extLst>
   </p:cSld>
@@ -3859,196 +6362,12 @@
           <a:chExt cx="0" cy="0"/>
         </a:xfrm>
       </p:grpSpPr>
-      <p:sp>
-        <p:nvSpPr>
-          <p:cNvPr id="7" name="Rechteck 6">
-            <a:extLst>
-              <a:ext uri="{FF2B5EF4-FFF2-40B4-BE49-F238E27FC236}">
-                <a16:creationId xmlns:a16="http://schemas.microsoft.com/office/drawing/2014/main" id="{DDEE7F32-2FE3-4894-9D03-30A7178F7B64}"/>
-              </a:ext>
-            </a:extLst>
-          </p:cNvPr>
-          <p:cNvSpPr/>
-          <p:nvPr/>
-        </p:nvSpPr>
-        <p:spPr>
-          <a:xfrm>
-            <a:off x="1272072" y="317241"/>
-            <a:ext cx="4478694" cy="2985796"/>
-          </a:xfrm>
-          <a:prstGeom prst="rect">
-            <a:avLst/>
-          </a:prstGeom>
-        </p:spPr>
-        <p:style>
-          <a:lnRef idx="2">
-            <a:schemeClr val="accent1">
-              <a:shade val="50000"/>
-            </a:schemeClr>
-          </a:lnRef>
-          <a:fillRef idx="1">
-            <a:schemeClr val="accent1"/>
-          </a:fillRef>
-          <a:effectRef idx="0">
-            <a:schemeClr val="accent1"/>
-          </a:effectRef>
-          <a:fontRef idx="minor">
-            <a:schemeClr val="lt1"/>
-          </a:fontRef>
-        </p:style>
-        <p:txBody>
-          <a:bodyPr rtlCol="0" anchor="ctr"/>
-          <a:lstStyle/>
-          <a:p>
-            <a:pPr algn="ctr"/>
-            <a:endParaRPr lang="de-DE"/>
-          </a:p>
-        </p:txBody>
-      </p:sp>
-      <p:sp>
-        <p:nvSpPr>
-          <p:cNvPr id="8" name="Rechteck 7">
-            <a:extLst>
-              <a:ext uri="{FF2B5EF4-FFF2-40B4-BE49-F238E27FC236}">
-                <a16:creationId xmlns:a16="http://schemas.microsoft.com/office/drawing/2014/main" id="{4DE2C732-B352-4842-B99D-CDC85719EA27}"/>
-              </a:ext>
-            </a:extLst>
-          </p:cNvPr>
-          <p:cNvSpPr/>
-          <p:nvPr/>
-        </p:nvSpPr>
-        <p:spPr>
-          <a:xfrm>
-            <a:off x="6441234" y="317241"/>
-            <a:ext cx="4478694" cy="2985796"/>
-          </a:xfrm>
-          <a:prstGeom prst="rect">
-            <a:avLst/>
-          </a:prstGeom>
-        </p:spPr>
-        <p:style>
-          <a:lnRef idx="2">
-            <a:schemeClr val="accent1">
-              <a:shade val="50000"/>
-            </a:schemeClr>
-          </a:lnRef>
-          <a:fillRef idx="1">
-            <a:schemeClr val="accent1"/>
-          </a:fillRef>
-          <a:effectRef idx="0">
-            <a:schemeClr val="accent1"/>
-          </a:effectRef>
-          <a:fontRef idx="minor">
-            <a:schemeClr val="lt1"/>
-          </a:fontRef>
-        </p:style>
-        <p:txBody>
-          <a:bodyPr rtlCol="0" anchor="ctr"/>
-          <a:lstStyle/>
-          <a:p>
-            <a:pPr algn="ctr"/>
-            <a:endParaRPr lang="de-DE"/>
-          </a:p>
-        </p:txBody>
-      </p:sp>
-      <p:sp>
-        <p:nvSpPr>
-          <p:cNvPr id="9" name="Rechteck 8">
-            <a:extLst>
-              <a:ext uri="{FF2B5EF4-FFF2-40B4-BE49-F238E27FC236}">
-                <a16:creationId xmlns:a16="http://schemas.microsoft.com/office/drawing/2014/main" id="{FF3B08D9-8EA4-4625-ADF6-EB8A865F4846}"/>
-              </a:ext>
-            </a:extLst>
-          </p:cNvPr>
-          <p:cNvSpPr/>
-          <p:nvPr/>
-        </p:nvSpPr>
-        <p:spPr>
-          <a:xfrm>
-            <a:off x="1272072" y="3657600"/>
-            <a:ext cx="4478694" cy="2985796"/>
-          </a:xfrm>
-          <a:prstGeom prst="rect">
-            <a:avLst/>
-          </a:prstGeom>
-        </p:spPr>
-        <p:style>
-          <a:lnRef idx="2">
-            <a:schemeClr val="accent1">
-              <a:shade val="50000"/>
-            </a:schemeClr>
-          </a:lnRef>
-          <a:fillRef idx="1">
-            <a:schemeClr val="accent1"/>
-          </a:fillRef>
-          <a:effectRef idx="0">
-            <a:schemeClr val="accent1"/>
-          </a:effectRef>
-          <a:fontRef idx="minor">
-            <a:schemeClr val="lt1"/>
-          </a:fontRef>
-        </p:style>
-        <p:txBody>
-          <a:bodyPr rtlCol="0" anchor="ctr"/>
-          <a:lstStyle/>
-          <a:p>
-            <a:pPr algn="ctr"/>
-            <a:endParaRPr lang="de-DE"/>
-          </a:p>
-        </p:txBody>
-      </p:sp>
-      <p:sp>
-        <p:nvSpPr>
-          <p:cNvPr id="10" name="Rechteck 9">
-            <a:extLst>
-              <a:ext uri="{FF2B5EF4-FFF2-40B4-BE49-F238E27FC236}">
-                <a16:creationId xmlns:a16="http://schemas.microsoft.com/office/drawing/2014/main" id="{F56097F6-CF95-4FB8-A223-ABB0946893DE}"/>
-              </a:ext>
-            </a:extLst>
-          </p:cNvPr>
-          <p:cNvSpPr/>
-          <p:nvPr/>
-        </p:nvSpPr>
-        <p:spPr>
-          <a:xfrm>
-            <a:off x="6441234" y="3657600"/>
-            <a:ext cx="4478694" cy="2985796"/>
-          </a:xfrm>
-          <a:prstGeom prst="rect">
-            <a:avLst/>
-          </a:prstGeom>
-        </p:spPr>
-        <p:style>
-          <a:lnRef idx="2">
-            <a:schemeClr val="accent1">
-              <a:shade val="50000"/>
-            </a:schemeClr>
-          </a:lnRef>
-          <a:fillRef idx="1">
-            <a:schemeClr val="accent1"/>
-          </a:fillRef>
-          <a:effectRef idx="0">
-            <a:schemeClr val="accent1"/>
-          </a:effectRef>
-          <a:fontRef idx="minor">
-            <a:schemeClr val="lt1"/>
-          </a:fontRef>
-        </p:style>
-        <p:txBody>
-          <a:bodyPr rtlCol="0" anchor="ctr"/>
-          <a:lstStyle/>
-          <a:p>
-            <a:pPr algn="ctr"/>
-            <a:endParaRPr lang="de-DE"/>
-          </a:p>
-        </p:txBody>
-      </p:sp>
       <p:pic>
         <p:nvPicPr>
-          <p:cNvPr id="6" name="Picture 2" descr="http://faculty.cse.tamu.edu/davis/matrices_files/GHS_psdef%40finance256.jpg">
-            <a:extLst>
-              <a:ext uri="{FF2B5EF4-FFF2-40B4-BE49-F238E27FC236}">
-                <a16:creationId xmlns:a16="http://schemas.microsoft.com/office/drawing/2014/main" id="{61DFCF7A-E0E2-407C-9205-1044D2A6CE60}"/>
+          <p:cNvPr id="1028" name="Picture 4" descr="https://sparse.tamu.edu/files/HB/beacxc.png">
+            <a:extLst>
+              <a:ext uri="{FF2B5EF4-FFF2-40B4-BE49-F238E27FC236}">
+                <a16:creationId xmlns:a16="http://schemas.microsoft.com/office/drawing/2014/main" id="{23A3DD72-3ACF-4F41-8817-04E9BD45C2D1}"/>
               </a:ext>
             </a:extLst>
           </p:cNvPr>
@@ -4058,7 +6377,7 @@
           <p:nvPr/>
         </p:nvPicPr>
         <p:blipFill>
-          <a:blip r:embed="rId2">
+          <a:blip r:embed="rId3">
             <a:extLst>
               <a:ext uri="{28A0092B-C50C-407E-A947-70E740481C1C}">
                 <a14:useLocalDpi xmlns:a14="http://schemas.microsoft.com/office/drawing/2010/main" val="0"/>
@@ -4072,8 +6391,8 @@
         </p:blipFill>
         <p:spPr bwMode="auto">
           <a:xfrm>
-            <a:off x="1272072" y="3657600"/>
-            <a:ext cx="4478694" cy="2985796"/>
+            <a:off x="6096000" y="1100240"/>
+            <a:ext cx="4876800" cy="3657600"/>
           </a:xfrm>
           <a:prstGeom prst="rect">
             <a:avLst/>
@@ -4092,10 +6411,10 @@
       </p:pic>
       <p:pic>
         <p:nvPicPr>
-          <p:cNvPr id="3074" name="Picture 2" descr="http://faculty.cse.tamu.edu/davis/matrices_files/Buss%40connectus.jpg">
-            <a:extLst>
-              <a:ext uri="{FF2B5EF4-FFF2-40B4-BE49-F238E27FC236}">
-                <a16:creationId xmlns:a16="http://schemas.microsoft.com/office/drawing/2014/main" id="{BCAF3CDB-5626-4BD9-A0CE-FE06AC74D2FA}"/>
+          <p:cNvPr id="1026" name="Picture 2" descr="https://sparse.tamu.edu/files/HB/bcsstk13.png">
+            <a:extLst>
+              <a:ext uri="{FF2B5EF4-FFF2-40B4-BE49-F238E27FC236}">
+                <a16:creationId xmlns:a16="http://schemas.microsoft.com/office/drawing/2014/main" id="{5D86790B-36C5-4BEF-A358-A001DF487DA6}"/>
               </a:ext>
             </a:extLst>
           </p:cNvPr>
@@ -4105,7 +6424,7 @@
           <p:nvPr/>
         </p:nvPicPr>
         <p:blipFill>
-          <a:blip r:embed="rId3">
+          <a:blip r:embed="rId4">
             <a:extLst>
               <a:ext uri="{28A0092B-C50C-407E-A947-70E740481C1C}">
                 <a14:useLocalDpi xmlns:a14="http://schemas.microsoft.com/office/drawing/2010/main" val="0"/>
@@ -4119,8 +6438,8 @@
         </p:blipFill>
         <p:spPr bwMode="auto">
           <a:xfrm>
-            <a:off x="6441234" y="317866"/>
-            <a:ext cx="4478693" cy="2994732"/>
+            <a:off x="1219200" y="1100240"/>
+            <a:ext cx="4876800" cy="3657600"/>
           </a:xfrm>
           <a:prstGeom prst="rect">
             <a:avLst/>
@@ -4137,102 +6456,82 @@
           </a:extLst>
         </p:spPr>
       </p:pic>
-      <p:pic>
-        <p:nvPicPr>
-          <p:cNvPr id="3076" name="Picture 4" descr="http://faculty.cse.tamu.edu/davis/matrices_files/GHS_psdef%40cvxbqp1.jpg">
-            <a:extLst>
-              <a:ext uri="{FF2B5EF4-FFF2-40B4-BE49-F238E27FC236}">
-                <a16:creationId xmlns:a16="http://schemas.microsoft.com/office/drawing/2014/main" id="{54722D13-9088-492B-9567-7A15DB12415D}"/>
-              </a:ext>
-            </a:extLst>
-          </p:cNvPr>
-          <p:cNvPicPr>
-            <a:picLocks noChangeAspect="1" noChangeArrowheads="1"/>
-          </p:cNvPicPr>
+      <p:sp>
+        <p:nvSpPr>
+          <p:cNvPr id="4" name="Rechteck 3">
+            <a:extLst>
+              <a:ext uri="{FF2B5EF4-FFF2-40B4-BE49-F238E27FC236}">
+                <a16:creationId xmlns:a16="http://schemas.microsoft.com/office/drawing/2014/main" id="{8827A970-0086-4C13-B84D-83F8529A3BE6}"/>
+              </a:ext>
+            </a:extLst>
+          </p:cNvPr>
+          <p:cNvSpPr/>
           <p:nvPr/>
-        </p:nvPicPr>
-        <p:blipFill>
-          <a:blip r:embed="rId4">
-            <a:extLst>
-              <a:ext uri="{28A0092B-C50C-407E-A947-70E740481C1C}">
-                <a14:useLocalDpi xmlns:a14="http://schemas.microsoft.com/office/drawing/2010/main" val="0"/>
-              </a:ext>
-            </a:extLst>
-          </a:blip>
-          <a:srcRect/>
-          <a:stretch>
-            <a:fillRect/>
-          </a:stretch>
-        </p:blipFill>
-        <p:spPr bwMode="auto">
+        </p:nvSpPr>
+        <p:spPr>
           <a:xfrm>
-            <a:off x="6441234" y="3648039"/>
-            <a:ext cx="4478693" cy="2994732"/>
+            <a:off x="1714119" y="5227088"/>
+            <a:ext cx="3886962" cy="369332"/>
           </a:xfrm>
           <a:prstGeom prst="rect">
             <a:avLst/>
           </a:prstGeom>
-          <a:noFill/>
-          <a:extLst>
-            <a:ext uri="{909E8E84-426E-40DD-AFC4-6F175D3DCCD1}">
-              <a14:hiddenFill xmlns:a14="http://schemas.microsoft.com/office/drawing/2010/main">
-                <a:solidFill>
-                  <a:srgbClr val="FFFFFF"/>
-                </a:solidFill>
-              </a14:hiddenFill>
-            </a:ext>
-          </a:extLst>
         </p:spPr>
-      </p:pic>
-      <p:pic>
-        <p:nvPicPr>
-          <p:cNvPr id="3078" name="Picture 6" descr="http://faculty.cse.tamu.edu/davis/matrices_files/net25_and_pre2.jpg">
-            <a:extLst>
-              <a:ext uri="{FF2B5EF4-FFF2-40B4-BE49-F238E27FC236}">
-                <a16:creationId xmlns:a16="http://schemas.microsoft.com/office/drawing/2014/main" id="{D76272FE-3BED-4E3A-AF62-F47267354A74}"/>
-              </a:ext>
-            </a:extLst>
-          </p:cNvPr>
-          <p:cNvPicPr>
-            <a:picLocks noChangeAspect="1" noChangeArrowheads="1"/>
-          </p:cNvPicPr>
+        <p:txBody>
+          <a:bodyPr wrap="none">
+            <a:spAutoFit/>
+          </a:bodyPr>
+          <a:lstStyle/>
+          <a:p>
+            <a:r>
+              <a:rPr lang="de-DE" dirty="0"/>
+              <a:t>Computational Fluid Dynamics Problem</a:t>
+            </a:r>
+          </a:p>
+        </p:txBody>
+      </p:sp>
+      <p:sp>
+        <p:nvSpPr>
+          <p:cNvPr id="5" name="Rechteck 4">
+            <a:extLst>
+              <a:ext uri="{FF2B5EF4-FFF2-40B4-BE49-F238E27FC236}">
+                <a16:creationId xmlns:a16="http://schemas.microsoft.com/office/drawing/2014/main" id="{46802268-6F79-4DC6-AF0E-42083C38EBE6}"/>
+              </a:ext>
+            </a:extLst>
+          </p:cNvPr>
+          <p:cNvSpPr/>
           <p:nvPr/>
-        </p:nvPicPr>
-        <p:blipFill rotWithShape="1">
-          <a:blip r:embed="rId5">
-            <a:extLst>
-              <a:ext uri="{28A0092B-C50C-407E-A947-70E740481C1C}">
-                <a14:useLocalDpi xmlns:a14="http://schemas.microsoft.com/office/drawing/2010/main" val="0"/>
-              </a:ext>
-            </a:extLst>
-          </a:blip>
-          <a:srcRect t="48303"/>
-          <a:stretch/>
-        </p:blipFill>
-        <p:spPr bwMode="auto">
+        </p:nvSpPr>
+        <p:spPr>
           <a:xfrm>
-            <a:off x="1272073" y="317241"/>
-            <a:ext cx="4495816" cy="2985796"/>
+            <a:off x="7567212" y="5227088"/>
+            <a:ext cx="1934376" cy="369332"/>
           </a:xfrm>
           <a:prstGeom prst="rect">
             <a:avLst/>
           </a:prstGeom>
-          <a:noFill/>
-          <a:extLst>
-            <a:ext uri="{909E8E84-426E-40DD-AFC4-6F175D3DCCD1}">
-              <a14:hiddenFill xmlns:a14="http://schemas.microsoft.com/office/drawing/2010/main">
-                <a:solidFill>
-                  <a:srgbClr val="FFFFFF"/>
-                </a:solidFill>
-              </a14:hiddenFill>
-            </a:ext>
-          </a:extLst>
         </p:spPr>
-      </p:pic>
+        <p:txBody>
+          <a:bodyPr wrap="none">
+            <a:spAutoFit/>
+          </a:bodyPr>
+          <a:lstStyle/>
+          <a:p>
+            <a:r>
+              <a:rPr lang="de-DE" dirty="0" err="1"/>
+              <a:t>Economic</a:t>
+            </a:r>
+            <a:r>
+              <a:rPr lang="de-DE" dirty="0"/>
+              <a:t> Problem</a:t>
+            </a:r>
+          </a:p>
+        </p:txBody>
+      </p:sp>
     </p:spTree>
     <p:extLst>
       <p:ext uri="{BB962C8B-B14F-4D97-AF65-F5344CB8AC3E}">
-        <p14:creationId xmlns:p14="http://schemas.microsoft.com/office/powerpoint/2010/main" val="106776170"/>
+        <p14:creationId xmlns:p14="http://schemas.microsoft.com/office/powerpoint/2010/main" val="2572047751"/>
       </p:ext>
     </p:extLst>
   </p:cSld>
@@ -4264,7 +6563,7 @@
           <p:cNvPr id="2" name="Titel 1">
             <a:extLst>
               <a:ext uri="{FF2B5EF4-FFF2-40B4-BE49-F238E27FC236}">
-                <a16:creationId xmlns:a16="http://schemas.microsoft.com/office/drawing/2014/main" id="{20CCDA9F-120C-46B5-88E0-2E02B83ABDC2}"/>
+                <a16:creationId xmlns:a16="http://schemas.microsoft.com/office/drawing/2014/main" id="{2642A9C1-2686-4E0D-ACEA-A4055588CBD8}"/>
               </a:ext>
             </a:extLst>
           </p:cNvPr>
@@ -4280,7 +6579,47 @@
           <a:bodyPr/>
           <a:lstStyle/>
           <a:p>
-            <a:endParaRPr lang="de-DE"/>
+            <a:r>
+              <a:rPr lang="de-DE" dirty="0"/>
+              <a:t>.. </a:t>
+            </a:r>
+            <a:r>
+              <a:rPr lang="de-DE" dirty="0" err="1"/>
+              <a:t>Our</a:t>
+            </a:r>
+            <a:r>
+              <a:rPr lang="de-DE" dirty="0"/>
+              <a:t> </a:t>
+            </a:r>
+            <a:r>
+              <a:rPr lang="de-DE" dirty="0" err="1"/>
+              <a:t>approach</a:t>
+            </a:r>
+            <a:r>
+              <a:rPr lang="de-DE" dirty="0"/>
+              <a:t> </a:t>
+            </a:r>
+            <a:r>
+              <a:rPr lang="de-DE" dirty="0" err="1"/>
+              <a:t>solves</a:t>
+            </a:r>
+            <a:r>
+              <a:rPr lang="de-DE" dirty="0"/>
+              <a:t> </a:t>
+            </a:r>
+            <a:r>
+              <a:rPr lang="de-DE" dirty="0" err="1"/>
+              <a:t>this</a:t>
+            </a:r>
+            <a:r>
+              <a:rPr lang="de-DE" dirty="0"/>
+              <a:t> </a:t>
+            </a:r>
+            <a:r>
+              <a:rPr lang="de-DE" dirty="0" err="1"/>
+              <a:t>issue</a:t>
+            </a:r>
+            <a:endParaRPr lang="de-DE" dirty="0"/>
           </a:p>
         </p:txBody>
       </p:sp>
@@ -4289,7 +6628,7 @@
           <p:cNvPr id="3" name="Inhaltsplatzhalter 2">
             <a:extLst>
               <a:ext uri="{FF2B5EF4-FFF2-40B4-BE49-F238E27FC236}">
-                <a16:creationId xmlns:a16="http://schemas.microsoft.com/office/drawing/2014/main" id="{9F69076B-AC84-4CE9-9B62-50FD858D50A8}"/>
+                <a16:creationId xmlns:a16="http://schemas.microsoft.com/office/drawing/2014/main" id="{9EE60318-F47D-4E07-A291-C5DE8DA2BC44}"/>
               </a:ext>
             </a:extLst>
           </p:cNvPr>
@@ -4306,1110 +6645,91 @@
           <a:lstStyle/>
           <a:p>
             <a:r>
-              <a:rPr lang="en-US" i="1" dirty="0"/>
-              <a:t>Daisy Chain: Financial Portfolio Optimization (2009). Optimizing a financial portfolio leads to a graph with many branches, each depicting a possible future economic scenario. Which path will your portfolio take?</a:t>
-            </a:r>
-          </a:p>
-          <a:p>
-            <a:r>
-              <a:rPr lang="en-US" i="1" dirty="0"/>
-              <a:t>Web Poppies (2009) You like a web page and I like it too. 512 people like 394,792 web pages, do you like them too</a:t>
-            </a:r>
-          </a:p>
-          <a:p>
-            <a:r>
-              <a:rPr lang="en-US" i="1" dirty="0"/>
-              <a:t> reddish-orange frequency-domain circuit simulation matrix constructed via the harmonic-balance method</a:t>
-            </a:r>
-          </a:p>
-          <a:p>
-            <a:r>
-              <a:rPr lang="de-DE" i="1" dirty="0"/>
-              <a:t> </a:t>
-            </a:r>
-            <a:r>
-              <a:rPr lang="de-DE" i="1" dirty="0" err="1"/>
-              <a:t>Convex</a:t>
-            </a:r>
-            <a:r>
-              <a:rPr lang="de-DE" i="1" dirty="0"/>
-              <a:t> </a:t>
-            </a:r>
-            <a:r>
-              <a:rPr lang="de-DE" i="1" dirty="0" err="1"/>
-              <a:t>Quadratic</a:t>
-            </a:r>
-            <a:r>
-              <a:rPr lang="de-DE" i="1" dirty="0"/>
-              <a:t> </a:t>
-            </a:r>
-            <a:r>
-              <a:rPr lang="de-DE" i="1" dirty="0" err="1"/>
-              <a:t>Programming</a:t>
-            </a:r>
-            <a:r>
-              <a:rPr lang="de-DE" i="1" dirty="0"/>
-              <a:t> (2009)</a:t>
+              <a:rPr lang="de-DE" dirty="0" err="1"/>
+              <a:t>Explain</a:t>
+            </a:r>
+            <a:r>
+              <a:rPr lang="de-DE" dirty="0"/>
+              <a:t> </a:t>
+            </a:r>
+            <a:r>
+              <a:rPr lang="de-DE" dirty="0" err="1"/>
+              <a:t>or</a:t>
+            </a:r>
+            <a:r>
+              <a:rPr lang="de-DE" dirty="0"/>
+              <a:t> </a:t>
+            </a:r>
+            <a:r>
+              <a:rPr lang="de-DE" dirty="0" err="1"/>
+              <a:t>product</a:t>
+            </a:r>
+            <a:r>
+              <a:rPr lang="de-DE" dirty="0"/>
+              <a:t> </a:t>
+            </a:r>
+          </a:p>
+          <a:p>
+            <a:r>
+              <a:rPr lang="de-DE" dirty="0"/>
+              <a:t>The 4 </a:t>
+            </a:r>
+            <a:r>
+              <a:rPr lang="de-DE" dirty="0" err="1"/>
+              <a:t>modules</a:t>
             </a:r>
             <a:endParaRPr lang="de-DE" dirty="0"/>
           </a:p>
-        </p:txBody>
-      </p:sp>
-      <p:sp>
-        <p:nvSpPr>
-          <p:cNvPr id="4" name="Rectangle 1">
-            <a:extLst>
-              <a:ext uri="{FF2B5EF4-FFF2-40B4-BE49-F238E27FC236}">
-                <a16:creationId xmlns:a16="http://schemas.microsoft.com/office/drawing/2014/main" id="{D388407D-8B62-4F74-AC71-BE2839E5980B}"/>
-              </a:ext>
-            </a:extLst>
-          </p:cNvPr>
-          <p:cNvSpPr>
-            <a:spLocks noChangeArrowheads="1"/>
-          </p:cNvSpPr>
-          <p:nvPr/>
-        </p:nvSpPr>
-        <p:spPr bwMode="auto">
-          <a:xfrm>
-            <a:off x="3124200" y="32569150"/>
-            <a:ext cx="3048000" cy="457200"/>
-          </a:xfrm>
-          <a:prstGeom prst="rect">
-            <a:avLst/>
-          </a:prstGeom>
-          <a:solidFill>
-            <a:srgbClr val="FFFFFF"/>
-          </a:solidFill>
-          <a:ln>
-            <a:noFill/>
-          </a:ln>
-          <a:effectLst/>
-          <a:extLst>
-            <a:ext uri="{91240B29-F687-4F45-9708-019B960494DF}">
-              <a14:hiddenLine xmlns:a14="http://schemas.microsoft.com/office/drawing/2010/main" w="9525">
-                <a:solidFill>
-                  <a:schemeClr val="tx1"/>
-                </a:solidFill>
-                <a:miter lim="800000"/>
-                <a:headEnd/>
-                <a:tailEnd/>
-              </a14:hiddenLine>
-            </a:ext>
-            <a:ext uri="{AF507438-7753-43E0-B8FC-AC1667EBCBE1}">
-              <a14:hiddenEffects xmlns:a14="http://schemas.microsoft.com/office/drawing/2010/main">
-                <a:effectLst>
-                  <a:outerShdw dist="35921" dir="2700000" algn="ctr" rotWithShape="0">
-                    <a:schemeClr val="bg2"/>
-                  </a:outerShdw>
-                </a:effectLst>
-              </a14:hiddenEffects>
-            </a:ext>
-          </a:extLst>
-        </p:spPr>
-        <p:txBody>
-          <a:bodyPr vert="horz" wrap="none" lIns="91440" tIns="45720" rIns="91440" bIns="45720" numCol="1" anchor="ctr" anchorCtr="0" compatLnSpc="1">
-            <a:prstTxWarp prst="textNoShape">
-              <a:avLst/>
-            </a:prstTxWarp>
-            <a:spAutoFit/>
-          </a:bodyPr>
-          <a:lstStyle>
-            <a:lvl1pPr eaLnBrk="0" fontAlgn="base" hangingPunct="0">
-              <a:spcBef>
-                <a:spcPct val="0"/>
-              </a:spcBef>
-              <a:spcAft>
-                <a:spcPct val="0"/>
-              </a:spcAft>
-              <a:defRPr>
-                <a:solidFill>
-                  <a:schemeClr val="tx1"/>
-                </a:solidFill>
-                <a:latin typeface="Arial" panose="020B0604020202020204" pitchFamily="34" charset="0"/>
-              </a:defRPr>
-            </a:lvl1pPr>
-            <a:lvl2pPr eaLnBrk="0" fontAlgn="base" hangingPunct="0">
-              <a:spcBef>
-                <a:spcPct val="0"/>
-              </a:spcBef>
-              <a:spcAft>
-                <a:spcPct val="0"/>
-              </a:spcAft>
-              <a:defRPr>
-                <a:solidFill>
-                  <a:schemeClr val="tx1"/>
-                </a:solidFill>
-                <a:latin typeface="Arial" panose="020B0604020202020204" pitchFamily="34" charset="0"/>
-              </a:defRPr>
-            </a:lvl2pPr>
-            <a:lvl3pPr eaLnBrk="0" fontAlgn="base" hangingPunct="0">
-              <a:spcBef>
-                <a:spcPct val="0"/>
-              </a:spcBef>
-              <a:spcAft>
-                <a:spcPct val="0"/>
-              </a:spcAft>
-              <a:defRPr>
-                <a:solidFill>
-                  <a:schemeClr val="tx1"/>
-                </a:solidFill>
-                <a:latin typeface="Arial" panose="020B0604020202020204" pitchFamily="34" charset="0"/>
-              </a:defRPr>
-            </a:lvl3pPr>
-            <a:lvl4pPr eaLnBrk="0" fontAlgn="base" hangingPunct="0">
-              <a:spcBef>
-                <a:spcPct val="0"/>
-              </a:spcBef>
-              <a:spcAft>
-                <a:spcPct val="0"/>
-              </a:spcAft>
-              <a:defRPr>
-                <a:solidFill>
-                  <a:schemeClr val="tx1"/>
-                </a:solidFill>
-                <a:latin typeface="Arial" panose="020B0604020202020204" pitchFamily="34" charset="0"/>
-              </a:defRPr>
-            </a:lvl4pPr>
-            <a:lvl5pPr eaLnBrk="0" fontAlgn="base" hangingPunct="0">
-              <a:spcBef>
-                <a:spcPct val="0"/>
-              </a:spcBef>
-              <a:spcAft>
-                <a:spcPct val="0"/>
-              </a:spcAft>
-              <a:defRPr>
-                <a:solidFill>
-                  <a:schemeClr val="tx1"/>
-                </a:solidFill>
-                <a:latin typeface="Arial" panose="020B0604020202020204" pitchFamily="34" charset="0"/>
-              </a:defRPr>
-            </a:lvl5pPr>
-            <a:lvl6pPr eaLnBrk="0" fontAlgn="base" hangingPunct="0">
-              <a:spcBef>
-                <a:spcPct val="0"/>
-              </a:spcBef>
-              <a:spcAft>
-                <a:spcPct val="0"/>
-              </a:spcAft>
-              <a:defRPr>
-                <a:solidFill>
-                  <a:schemeClr val="tx1"/>
-                </a:solidFill>
-                <a:latin typeface="Arial" panose="020B0604020202020204" pitchFamily="34" charset="0"/>
-              </a:defRPr>
-            </a:lvl6pPr>
-            <a:lvl7pPr eaLnBrk="0" fontAlgn="base" hangingPunct="0">
-              <a:spcBef>
-                <a:spcPct val="0"/>
-              </a:spcBef>
-              <a:spcAft>
-                <a:spcPct val="0"/>
-              </a:spcAft>
-              <a:defRPr>
-                <a:solidFill>
-                  <a:schemeClr val="tx1"/>
-                </a:solidFill>
-                <a:latin typeface="Arial" panose="020B0604020202020204" pitchFamily="34" charset="0"/>
-              </a:defRPr>
-            </a:lvl7pPr>
-            <a:lvl8pPr eaLnBrk="0" fontAlgn="base" hangingPunct="0">
-              <a:spcBef>
-                <a:spcPct val="0"/>
-              </a:spcBef>
-              <a:spcAft>
-                <a:spcPct val="0"/>
-              </a:spcAft>
-              <a:defRPr>
-                <a:solidFill>
-                  <a:schemeClr val="tx1"/>
-                </a:solidFill>
-                <a:latin typeface="Arial" panose="020B0604020202020204" pitchFamily="34" charset="0"/>
-              </a:defRPr>
-            </a:lvl8pPr>
-            <a:lvl9pPr eaLnBrk="0" fontAlgn="base" hangingPunct="0">
-              <a:spcBef>
-                <a:spcPct val="0"/>
-              </a:spcBef>
-              <a:spcAft>
-                <a:spcPct val="0"/>
-              </a:spcAft>
-              <a:defRPr>
-                <a:solidFill>
-                  <a:schemeClr val="tx1"/>
-                </a:solidFill>
-                <a:latin typeface="Arial" panose="020B0604020202020204" pitchFamily="34" charset="0"/>
-              </a:defRPr>
-            </a:lvl9pPr>
-          </a:lstStyle>
-          <a:p>
-            <a:pPr marL="0" marR="0" lvl="0" indent="0" algn="l" defTabSz="914400" rtl="0" eaLnBrk="0" fontAlgn="base" latinLnBrk="0" hangingPunct="0">
-              <a:lnSpc>
-                <a:spcPct val="100000"/>
-              </a:lnSpc>
-              <a:spcBef>
-                <a:spcPct val="0"/>
-              </a:spcBef>
-              <a:spcAft>
-                <a:spcPct val="0"/>
-              </a:spcAft>
-              <a:buClrTx/>
-              <a:buSzTx/>
-              <a:buFontTx/>
-              <a:buNone/>
-              <a:tabLst/>
-            </a:pPr>
-            <a:r>
-              <a:rPr kumimoji="0" lang="de-DE" altLang="de-DE" sz="1000" b="0" i="1" u="none" strike="noStrike" cap="none" normalizeH="0" baseline="0">
-                <a:ln>
-                  <a:noFill/>
-                </a:ln>
-                <a:solidFill>
-                  <a:srgbClr val="CBCBCB"/>
-                </a:solidFill>
-                <a:effectLst/>
-                <a:latin typeface="Futura-MediumItalic"/>
-                <a:cs typeface="Times New Roman" panose="02020603050405020304" pitchFamily="18" charset="0"/>
-              </a:rPr>
-              <a:t>Web Poppies (2009) You like a web page and I like it too. 512 people like 394,792 web pages, do you like them too?</a:t>
-            </a:r>
-            <a:br>
-              <a:rPr kumimoji="0" lang="de-DE" altLang="de-DE" sz="1000" b="0" i="1" u="none" strike="noStrike" cap="none" normalizeH="0" baseline="0">
-                <a:ln>
-                  <a:noFill/>
-                </a:ln>
-                <a:solidFill>
-                  <a:srgbClr val="CBCBCB"/>
-                </a:solidFill>
-                <a:effectLst/>
-                <a:latin typeface="Futura-MediumItalic"/>
-                <a:cs typeface="Times New Roman" panose="02020603050405020304" pitchFamily="18" charset="0"/>
-              </a:rPr>
-            </a:br>
-            <a:endParaRPr kumimoji="0" lang="de-DE" altLang="de-DE" sz="800" b="0" i="0" u="none" strike="noStrike" cap="none" normalizeH="0" baseline="0">
-              <a:ln>
-                <a:noFill/>
-              </a:ln>
-              <a:solidFill>
-                <a:schemeClr val="tx1"/>
-              </a:solidFill>
-              <a:effectLst/>
-            </a:endParaRPr>
-          </a:p>
-          <a:p>
-            <a:pPr marL="0" marR="0" lvl="0" indent="0" algn="l" defTabSz="914400" rtl="0" eaLnBrk="0" fontAlgn="base" latinLnBrk="0" hangingPunct="0">
-              <a:lnSpc>
-                <a:spcPct val="100000"/>
-              </a:lnSpc>
-              <a:spcBef>
-                <a:spcPct val="0"/>
-              </a:spcBef>
-              <a:spcAft>
-                <a:spcPct val="0"/>
-              </a:spcAft>
-              <a:buClrTx/>
-              <a:buSzTx/>
-              <a:buFontTx/>
-              <a:buNone/>
-              <a:tabLst/>
-            </a:pPr>
-            <a:endParaRPr kumimoji="0" lang="de-DE" altLang="de-DE" sz="1800" b="0" i="0" u="none" strike="noStrike" cap="none" normalizeH="0" baseline="0">
-              <a:ln>
-                <a:noFill/>
-              </a:ln>
-              <a:solidFill>
-                <a:schemeClr val="tx1"/>
-              </a:solidFill>
-              <a:effectLst/>
-              <a:latin typeface="Arial" panose="020B0604020202020204" pitchFamily="34" charset="0"/>
-            </a:endParaRPr>
-          </a:p>
-        </p:txBody>
-      </p:sp>
-      <p:sp>
-        <p:nvSpPr>
-          <p:cNvPr id="5" name="Rectangle 2">
-            <a:extLst>
-              <a:ext uri="{FF2B5EF4-FFF2-40B4-BE49-F238E27FC236}">
-                <a16:creationId xmlns:a16="http://schemas.microsoft.com/office/drawing/2014/main" id="{1CCDD769-BF52-4508-80A8-70FDF0D473EC}"/>
-              </a:ext>
-            </a:extLst>
-          </p:cNvPr>
-          <p:cNvSpPr>
-            <a:spLocks noChangeArrowheads="1"/>
-          </p:cNvSpPr>
-          <p:nvPr/>
-        </p:nvSpPr>
-        <p:spPr bwMode="auto">
-          <a:xfrm>
-            <a:off x="3124200" y="41325800"/>
-            <a:ext cx="3048000" cy="457200"/>
-          </a:xfrm>
-          <a:prstGeom prst="rect">
-            <a:avLst/>
-          </a:prstGeom>
-          <a:solidFill>
-            <a:srgbClr val="FFFFFF"/>
-          </a:solidFill>
-          <a:ln>
-            <a:noFill/>
-          </a:ln>
-          <a:effectLst/>
-          <a:extLst>
-            <a:ext uri="{91240B29-F687-4F45-9708-019B960494DF}">
-              <a14:hiddenLine xmlns:a14="http://schemas.microsoft.com/office/drawing/2010/main" w="9525">
-                <a:solidFill>
-                  <a:schemeClr val="tx1"/>
-                </a:solidFill>
-                <a:miter lim="800000"/>
-                <a:headEnd/>
-                <a:tailEnd/>
-              </a14:hiddenLine>
-            </a:ext>
-            <a:ext uri="{AF507438-7753-43E0-B8FC-AC1667EBCBE1}">
-              <a14:hiddenEffects xmlns:a14="http://schemas.microsoft.com/office/drawing/2010/main">
-                <a:effectLst>
-                  <a:outerShdw dist="35921" dir="2700000" algn="ctr" rotWithShape="0">
-                    <a:schemeClr val="bg2"/>
-                  </a:outerShdw>
-                </a:effectLst>
-              </a14:hiddenEffects>
-            </a:ext>
-          </a:extLst>
-        </p:spPr>
-        <p:txBody>
-          <a:bodyPr vert="horz" wrap="none" lIns="91440" tIns="45720" rIns="91440" bIns="45720" numCol="1" anchor="ctr" anchorCtr="0" compatLnSpc="1">
-            <a:prstTxWarp prst="textNoShape">
-              <a:avLst/>
-            </a:prstTxWarp>
-            <a:spAutoFit/>
-          </a:bodyPr>
-          <a:lstStyle>
-            <a:lvl1pPr eaLnBrk="0" fontAlgn="base" hangingPunct="0">
-              <a:spcBef>
-                <a:spcPct val="0"/>
-              </a:spcBef>
-              <a:spcAft>
-                <a:spcPct val="0"/>
-              </a:spcAft>
-              <a:defRPr>
-                <a:solidFill>
-                  <a:schemeClr val="tx1"/>
-                </a:solidFill>
-                <a:latin typeface="Arial" panose="020B0604020202020204" pitchFamily="34" charset="0"/>
-              </a:defRPr>
-            </a:lvl1pPr>
-            <a:lvl2pPr eaLnBrk="0" fontAlgn="base" hangingPunct="0">
-              <a:spcBef>
-                <a:spcPct val="0"/>
-              </a:spcBef>
-              <a:spcAft>
-                <a:spcPct val="0"/>
-              </a:spcAft>
-              <a:defRPr>
-                <a:solidFill>
-                  <a:schemeClr val="tx1"/>
-                </a:solidFill>
-                <a:latin typeface="Arial" panose="020B0604020202020204" pitchFamily="34" charset="0"/>
-              </a:defRPr>
-            </a:lvl2pPr>
-            <a:lvl3pPr eaLnBrk="0" fontAlgn="base" hangingPunct="0">
-              <a:spcBef>
-                <a:spcPct val="0"/>
-              </a:spcBef>
-              <a:spcAft>
-                <a:spcPct val="0"/>
-              </a:spcAft>
-              <a:defRPr>
-                <a:solidFill>
-                  <a:schemeClr val="tx1"/>
-                </a:solidFill>
-                <a:latin typeface="Arial" panose="020B0604020202020204" pitchFamily="34" charset="0"/>
-              </a:defRPr>
-            </a:lvl3pPr>
-            <a:lvl4pPr eaLnBrk="0" fontAlgn="base" hangingPunct="0">
-              <a:spcBef>
-                <a:spcPct val="0"/>
-              </a:spcBef>
-              <a:spcAft>
-                <a:spcPct val="0"/>
-              </a:spcAft>
-              <a:defRPr>
-                <a:solidFill>
-                  <a:schemeClr val="tx1"/>
-                </a:solidFill>
-                <a:latin typeface="Arial" panose="020B0604020202020204" pitchFamily="34" charset="0"/>
-              </a:defRPr>
-            </a:lvl4pPr>
-            <a:lvl5pPr eaLnBrk="0" fontAlgn="base" hangingPunct="0">
-              <a:spcBef>
-                <a:spcPct val="0"/>
-              </a:spcBef>
-              <a:spcAft>
-                <a:spcPct val="0"/>
-              </a:spcAft>
-              <a:defRPr>
-                <a:solidFill>
-                  <a:schemeClr val="tx1"/>
-                </a:solidFill>
-                <a:latin typeface="Arial" panose="020B0604020202020204" pitchFamily="34" charset="0"/>
-              </a:defRPr>
-            </a:lvl5pPr>
-            <a:lvl6pPr eaLnBrk="0" fontAlgn="base" hangingPunct="0">
-              <a:spcBef>
-                <a:spcPct val="0"/>
-              </a:spcBef>
-              <a:spcAft>
-                <a:spcPct val="0"/>
-              </a:spcAft>
-              <a:defRPr>
-                <a:solidFill>
-                  <a:schemeClr val="tx1"/>
-                </a:solidFill>
-                <a:latin typeface="Arial" panose="020B0604020202020204" pitchFamily="34" charset="0"/>
-              </a:defRPr>
-            </a:lvl6pPr>
-            <a:lvl7pPr eaLnBrk="0" fontAlgn="base" hangingPunct="0">
-              <a:spcBef>
-                <a:spcPct val="0"/>
-              </a:spcBef>
-              <a:spcAft>
-                <a:spcPct val="0"/>
-              </a:spcAft>
-              <a:defRPr>
-                <a:solidFill>
-                  <a:schemeClr val="tx1"/>
-                </a:solidFill>
-                <a:latin typeface="Arial" panose="020B0604020202020204" pitchFamily="34" charset="0"/>
-              </a:defRPr>
-            </a:lvl7pPr>
-            <a:lvl8pPr eaLnBrk="0" fontAlgn="base" hangingPunct="0">
-              <a:spcBef>
-                <a:spcPct val="0"/>
-              </a:spcBef>
-              <a:spcAft>
-                <a:spcPct val="0"/>
-              </a:spcAft>
-              <a:defRPr>
-                <a:solidFill>
-                  <a:schemeClr val="tx1"/>
-                </a:solidFill>
-                <a:latin typeface="Arial" panose="020B0604020202020204" pitchFamily="34" charset="0"/>
-              </a:defRPr>
-            </a:lvl8pPr>
-            <a:lvl9pPr eaLnBrk="0" fontAlgn="base" hangingPunct="0">
-              <a:spcBef>
-                <a:spcPct val="0"/>
-              </a:spcBef>
-              <a:spcAft>
-                <a:spcPct val="0"/>
-              </a:spcAft>
-              <a:defRPr>
-                <a:solidFill>
-                  <a:schemeClr val="tx1"/>
-                </a:solidFill>
-                <a:latin typeface="Arial" panose="020B0604020202020204" pitchFamily="34" charset="0"/>
-              </a:defRPr>
-            </a:lvl9pPr>
-          </a:lstStyle>
-          <a:p>
-            <a:pPr marL="0" marR="0" lvl="0" indent="0" algn="l" defTabSz="914400" rtl="0" eaLnBrk="0" fontAlgn="base" latinLnBrk="0" hangingPunct="0">
-              <a:lnSpc>
-                <a:spcPct val="100000"/>
-              </a:lnSpc>
-              <a:spcBef>
-                <a:spcPct val="0"/>
-              </a:spcBef>
-              <a:spcAft>
-                <a:spcPct val="0"/>
-              </a:spcAft>
-              <a:buClrTx/>
-              <a:buSzTx/>
-              <a:buFontTx/>
-              <a:buNone/>
-              <a:tabLst/>
-            </a:pPr>
-            <a:r>
-              <a:rPr kumimoji="0" lang="de-DE" altLang="de-DE" sz="1000" b="0" i="1" u="none" strike="noStrike" cap="none" normalizeH="0" baseline="0">
-                <a:ln>
-                  <a:noFill/>
-                </a:ln>
-                <a:solidFill>
-                  <a:srgbClr val="CBCBCB"/>
-                </a:solidFill>
-                <a:effectLst/>
-                <a:latin typeface="Futura-MediumItalic"/>
-                <a:cs typeface="Times New Roman" panose="02020603050405020304" pitchFamily="18" charset="0"/>
-              </a:rPr>
-              <a:t>One Fish, Two Fish (2009) A blue constraint matrix from a linear programming problem meets a reddish-orange frequency-domain circuit simulation matrix constructed via the harmonic-balance method, swimming alongside.</a:t>
-            </a:r>
-            <a:endParaRPr kumimoji="0" lang="de-DE" altLang="de-DE" sz="800" b="0" i="0" u="none" strike="noStrike" cap="none" normalizeH="0" baseline="0">
-              <a:ln>
-                <a:noFill/>
-              </a:ln>
-              <a:solidFill>
-                <a:schemeClr val="tx1"/>
-              </a:solidFill>
-              <a:effectLst/>
-            </a:endParaRPr>
-          </a:p>
-          <a:p>
-            <a:pPr marL="0" marR="0" lvl="0" indent="0" algn="l" defTabSz="914400" rtl="0" eaLnBrk="0" fontAlgn="base" latinLnBrk="0" hangingPunct="0">
-              <a:lnSpc>
-                <a:spcPct val="100000"/>
-              </a:lnSpc>
-              <a:spcBef>
-                <a:spcPct val="0"/>
-              </a:spcBef>
-              <a:spcAft>
-                <a:spcPct val="0"/>
-              </a:spcAft>
-              <a:buClrTx/>
-              <a:buSzTx/>
-              <a:buFontTx/>
-              <a:buNone/>
-              <a:tabLst/>
-            </a:pPr>
-            <a:endParaRPr kumimoji="0" lang="de-DE" altLang="de-DE" sz="1800" b="0" i="0" u="none" strike="noStrike" cap="none" normalizeH="0" baseline="0">
-              <a:ln>
-                <a:noFill/>
-              </a:ln>
-              <a:solidFill>
-                <a:schemeClr val="tx1"/>
-              </a:solidFill>
-              <a:effectLst/>
-              <a:latin typeface="Arial" panose="020B0604020202020204" pitchFamily="34" charset="0"/>
-            </a:endParaRPr>
-          </a:p>
-        </p:txBody>
-      </p:sp>
-      <p:sp>
-        <p:nvSpPr>
-          <p:cNvPr id="6" name="AutoShape 4" descr="http://faculty.cse.tamu.edu/davis/matrices.html">
-            <a:extLst>
-              <a:ext uri="{FF2B5EF4-FFF2-40B4-BE49-F238E27FC236}">
-                <a16:creationId xmlns:a16="http://schemas.microsoft.com/office/drawing/2014/main" id="{B9F1D6D7-A354-4E6D-930E-07A8E6708A97}"/>
-              </a:ext>
-            </a:extLst>
-          </p:cNvPr>
-          <p:cNvSpPr>
-            <a:spLocks noChangeAspect="1" noChangeArrowheads="1"/>
-          </p:cNvSpPr>
-          <p:nvPr/>
-        </p:nvSpPr>
-        <p:spPr bwMode="auto">
-          <a:xfrm>
-            <a:off x="0" y="0"/>
-            <a:ext cx="304800" cy="304800"/>
-          </a:xfrm>
-          <a:prstGeom prst="rect">
-            <a:avLst/>
-          </a:prstGeom>
-          <a:noFill/>
-          <a:extLst>
-            <a:ext uri="{909E8E84-426E-40DD-AFC4-6F175D3DCCD1}">
-              <a14:hiddenFill xmlns:a14="http://schemas.microsoft.com/office/drawing/2010/main">
-                <a:solidFill>
-                  <a:srgbClr val="FFFFFF"/>
-                </a:solidFill>
-              </a14:hiddenFill>
-            </a:ext>
-          </a:extLst>
-        </p:spPr>
-        <p:txBody>
-          <a:bodyPr vert="horz" wrap="square" lIns="91440" tIns="45720" rIns="91440" bIns="45720" numCol="1" anchor="t" anchorCtr="0" compatLnSpc="1">
-            <a:prstTxWarp prst="textNoShape">
-              <a:avLst/>
-            </a:prstTxWarp>
-          </a:bodyPr>
-          <a:lstStyle/>
-          <a:p>
-            <a:endParaRPr lang="de-DE"/>
-          </a:p>
-        </p:txBody>
-      </p:sp>
-      <p:pic>
-        <p:nvPicPr>
-          <p:cNvPr id="5125" name="Picture 5" descr="http://faculty.cse.tamu.edu/davis/matrices_files/stroke.png">
-            <a:extLst>
-              <a:ext uri="{FF2B5EF4-FFF2-40B4-BE49-F238E27FC236}">
-                <a16:creationId xmlns:a16="http://schemas.microsoft.com/office/drawing/2014/main" id="{F929A299-AFF2-4157-8302-1E2E36712C39}"/>
-              </a:ext>
-            </a:extLst>
-          </p:cNvPr>
-          <p:cNvPicPr>
-            <a:picLocks noChangeAspect="1" noChangeArrowheads="1"/>
-          </p:cNvPicPr>
-          <p:nvPr/>
-        </p:nvPicPr>
-        <p:blipFill>
-          <a:blip r:embed="rId2">
-            <a:extLst>
-              <a:ext uri="{28A0092B-C50C-407E-A947-70E740481C1C}">
-                <a14:useLocalDpi xmlns:a14="http://schemas.microsoft.com/office/drawing/2010/main" val="0"/>
-              </a:ext>
-            </a:extLst>
-          </a:blip>
-          <a:srcRect/>
-          <a:stretch>
-            <a:fillRect/>
-          </a:stretch>
-        </p:blipFill>
-        <p:spPr bwMode="auto">
-          <a:xfrm>
-            <a:off x="0" y="0"/>
-            <a:ext cx="38100" cy="3343275"/>
-          </a:xfrm>
-          <a:prstGeom prst="rect">
-            <a:avLst/>
-          </a:prstGeom>
-          <a:noFill/>
-          <a:extLst>
-            <a:ext uri="{909E8E84-426E-40DD-AFC4-6F175D3DCCD1}">
-              <a14:hiddenFill xmlns:a14="http://schemas.microsoft.com/office/drawing/2010/main">
-                <a:solidFill>
-                  <a:srgbClr val="FFFFFF"/>
-                </a:solidFill>
-              </a14:hiddenFill>
-            </a:ext>
-          </a:extLst>
-        </p:spPr>
-      </p:pic>
-      <p:pic>
-        <p:nvPicPr>
-          <p:cNvPr id="5126" name="Picture 6" descr="http://faculty.cse.tamu.edu/davis/matrices_files/stroke_1.png">
-            <a:extLst>
-              <a:ext uri="{FF2B5EF4-FFF2-40B4-BE49-F238E27FC236}">
-                <a16:creationId xmlns:a16="http://schemas.microsoft.com/office/drawing/2014/main" id="{6B732314-2549-40EB-BA94-BC8D66E9A872}"/>
-              </a:ext>
-            </a:extLst>
-          </p:cNvPr>
-          <p:cNvPicPr>
-            <a:picLocks noChangeAspect="1" noChangeArrowheads="1"/>
-          </p:cNvPicPr>
-          <p:nvPr/>
-        </p:nvPicPr>
-        <p:blipFill>
-          <a:blip r:embed="rId3">
-            <a:extLst>
-              <a:ext uri="{28A0092B-C50C-407E-A947-70E740481C1C}">
-                <a14:useLocalDpi xmlns:a14="http://schemas.microsoft.com/office/drawing/2010/main" val="0"/>
-              </a:ext>
-            </a:extLst>
-          </a:blip>
-          <a:srcRect/>
-          <a:stretch>
-            <a:fillRect/>
-          </a:stretch>
-        </p:blipFill>
-        <p:spPr bwMode="auto">
-          <a:xfrm>
-            <a:off x="0" y="0"/>
-            <a:ext cx="38100" cy="38100"/>
-          </a:xfrm>
-          <a:prstGeom prst="rect">
-            <a:avLst/>
-          </a:prstGeom>
-          <a:noFill/>
-          <a:extLst>
-            <a:ext uri="{909E8E84-426E-40DD-AFC4-6F175D3DCCD1}">
-              <a14:hiddenFill xmlns:a14="http://schemas.microsoft.com/office/drawing/2010/main">
-                <a:solidFill>
-                  <a:srgbClr val="FFFFFF"/>
-                </a:solidFill>
-              </a14:hiddenFill>
-            </a:ext>
-          </a:extLst>
-        </p:spPr>
-      </p:pic>
-      <p:pic>
-        <p:nvPicPr>
-          <p:cNvPr id="5127" name="Picture 7" descr="http://faculty.cse.tamu.edu/davis/matrices_files/stroke_2.png">
-            <a:extLst>
-              <a:ext uri="{FF2B5EF4-FFF2-40B4-BE49-F238E27FC236}">
-                <a16:creationId xmlns:a16="http://schemas.microsoft.com/office/drawing/2014/main" id="{A2158F37-16BC-491B-A177-DF4DA1C55E62}"/>
-              </a:ext>
-            </a:extLst>
-          </p:cNvPr>
-          <p:cNvPicPr>
-            <a:picLocks noChangeAspect="1" noChangeArrowheads="1"/>
-          </p:cNvPicPr>
-          <p:nvPr/>
-        </p:nvPicPr>
-        <p:blipFill>
-          <a:blip r:embed="rId4">
-            <a:extLst>
-              <a:ext uri="{28A0092B-C50C-407E-A947-70E740481C1C}">
-                <a14:useLocalDpi xmlns:a14="http://schemas.microsoft.com/office/drawing/2010/main" val="0"/>
-              </a:ext>
-            </a:extLst>
-          </a:blip>
-          <a:srcRect/>
-          <a:stretch>
-            <a:fillRect/>
-          </a:stretch>
-        </p:blipFill>
-        <p:spPr bwMode="auto">
-          <a:xfrm>
-            <a:off x="0" y="0"/>
-            <a:ext cx="4010025" cy="38100"/>
-          </a:xfrm>
-          <a:prstGeom prst="rect">
-            <a:avLst/>
-          </a:prstGeom>
-          <a:noFill/>
-          <a:extLst>
-            <a:ext uri="{909E8E84-426E-40DD-AFC4-6F175D3DCCD1}">
-              <a14:hiddenFill xmlns:a14="http://schemas.microsoft.com/office/drawing/2010/main">
-                <a:solidFill>
-                  <a:srgbClr val="FFFFFF"/>
-                </a:solidFill>
-              </a14:hiddenFill>
-            </a:ext>
-          </a:extLst>
-        </p:spPr>
-      </p:pic>
-      <p:pic>
-        <p:nvPicPr>
-          <p:cNvPr id="5128" name="Picture 8" descr="http://faculty.cse.tamu.edu/davis/matrices_files/stroke_3.png">
-            <a:extLst>
-              <a:ext uri="{FF2B5EF4-FFF2-40B4-BE49-F238E27FC236}">
-                <a16:creationId xmlns:a16="http://schemas.microsoft.com/office/drawing/2014/main" id="{7E0505B7-95FE-44A5-8F12-0B0BBB5A9597}"/>
-              </a:ext>
-            </a:extLst>
-          </p:cNvPr>
-          <p:cNvPicPr>
-            <a:picLocks noChangeAspect="1" noChangeArrowheads="1"/>
-          </p:cNvPicPr>
-          <p:nvPr/>
-        </p:nvPicPr>
-        <p:blipFill>
-          <a:blip r:embed="rId3">
-            <a:extLst>
-              <a:ext uri="{28A0092B-C50C-407E-A947-70E740481C1C}">
-                <a14:useLocalDpi xmlns:a14="http://schemas.microsoft.com/office/drawing/2010/main" val="0"/>
-              </a:ext>
-            </a:extLst>
-          </a:blip>
-          <a:srcRect/>
-          <a:stretch>
-            <a:fillRect/>
-          </a:stretch>
-        </p:blipFill>
-        <p:spPr bwMode="auto">
-          <a:xfrm>
-            <a:off x="0" y="0"/>
-            <a:ext cx="38100" cy="38100"/>
-          </a:xfrm>
-          <a:prstGeom prst="rect">
-            <a:avLst/>
-          </a:prstGeom>
-          <a:noFill/>
-          <a:extLst>
-            <a:ext uri="{909E8E84-426E-40DD-AFC4-6F175D3DCCD1}">
-              <a14:hiddenFill xmlns:a14="http://schemas.microsoft.com/office/drawing/2010/main">
-                <a:solidFill>
-                  <a:srgbClr val="FFFFFF"/>
-                </a:solidFill>
-              </a14:hiddenFill>
-            </a:ext>
-          </a:extLst>
-        </p:spPr>
-      </p:pic>
-      <p:pic>
-        <p:nvPicPr>
-          <p:cNvPr id="5129" name="Picture 9" descr="http://faculty.cse.tamu.edu/davis/matrices_files/stroke_4.png">
-            <a:extLst>
-              <a:ext uri="{FF2B5EF4-FFF2-40B4-BE49-F238E27FC236}">
-                <a16:creationId xmlns:a16="http://schemas.microsoft.com/office/drawing/2014/main" id="{81F9DAD0-09FB-4EDA-A3D7-FAC8E2ED529E}"/>
-              </a:ext>
-            </a:extLst>
-          </p:cNvPr>
-          <p:cNvPicPr>
-            <a:picLocks noChangeAspect="1" noChangeArrowheads="1"/>
-          </p:cNvPicPr>
-          <p:nvPr/>
-        </p:nvPicPr>
-        <p:blipFill>
-          <a:blip r:embed="rId2">
-            <a:extLst>
-              <a:ext uri="{28A0092B-C50C-407E-A947-70E740481C1C}">
-                <a14:useLocalDpi xmlns:a14="http://schemas.microsoft.com/office/drawing/2010/main" val="0"/>
-              </a:ext>
-            </a:extLst>
-          </a:blip>
-          <a:srcRect/>
-          <a:stretch>
-            <a:fillRect/>
-          </a:stretch>
-        </p:blipFill>
-        <p:spPr bwMode="auto">
-          <a:xfrm>
-            <a:off x="0" y="0"/>
-            <a:ext cx="38100" cy="3343275"/>
-          </a:xfrm>
-          <a:prstGeom prst="rect">
-            <a:avLst/>
-          </a:prstGeom>
-          <a:noFill/>
-          <a:extLst>
-            <a:ext uri="{909E8E84-426E-40DD-AFC4-6F175D3DCCD1}">
-              <a14:hiddenFill xmlns:a14="http://schemas.microsoft.com/office/drawing/2010/main">
-                <a:solidFill>
-                  <a:srgbClr val="FFFFFF"/>
-                </a:solidFill>
-              </a14:hiddenFill>
-            </a:ext>
-          </a:extLst>
-        </p:spPr>
-      </p:pic>
-      <p:pic>
-        <p:nvPicPr>
-          <p:cNvPr id="5130" name="Picture 10" descr="http://faculty.cse.tamu.edu/davis/matrices_files/stroke_5.png">
-            <a:extLst>
-              <a:ext uri="{FF2B5EF4-FFF2-40B4-BE49-F238E27FC236}">
-                <a16:creationId xmlns:a16="http://schemas.microsoft.com/office/drawing/2014/main" id="{6105AFFD-3D59-4FDD-910C-1ABFF68D4021}"/>
-              </a:ext>
-            </a:extLst>
-          </p:cNvPr>
-          <p:cNvPicPr>
-            <a:picLocks noChangeAspect="1" noChangeArrowheads="1"/>
-          </p:cNvPicPr>
-          <p:nvPr/>
-        </p:nvPicPr>
-        <p:blipFill>
-          <a:blip r:embed="rId3">
-            <a:extLst>
-              <a:ext uri="{28A0092B-C50C-407E-A947-70E740481C1C}">
-                <a14:useLocalDpi xmlns:a14="http://schemas.microsoft.com/office/drawing/2010/main" val="0"/>
-              </a:ext>
-            </a:extLst>
-          </a:blip>
-          <a:srcRect/>
-          <a:stretch>
-            <a:fillRect/>
-          </a:stretch>
-        </p:blipFill>
-        <p:spPr bwMode="auto">
-          <a:xfrm>
-            <a:off x="0" y="0"/>
-            <a:ext cx="38100" cy="38100"/>
-          </a:xfrm>
-          <a:prstGeom prst="rect">
-            <a:avLst/>
-          </a:prstGeom>
-          <a:noFill/>
-          <a:extLst>
-            <a:ext uri="{909E8E84-426E-40DD-AFC4-6F175D3DCCD1}">
-              <a14:hiddenFill xmlns:a14="http://schemas.microsoft.com/office/drawing/2010/main">
-                <a:solidFill>
-                  <a:srgbClr val="FFFFFF"/>
-                </a:solidFill>
-              </a14:hiddenFill>
-            </a:ext>
-          </a:extLst>
-        </p:spPr>
-      </p:pic>
-      <p:pic>
-        <p:nvPicPr>
-          <p:cNvPr id="5131" name="Picture 11" descr="http://faculty.cse.tamu.edu/davis/matrices_files/stroke_6.png">
-            <a:extLst>
-              <a:ext uri="{FF2B5EF4-FFF2-40B4-BE49-F238E27FC236}">
-                <a16:creationId xmlns:a16="http://schemas.microsoft.com/office/drawing/2014/main" id="{BEEC071F-C389-47D6-80FD-7F1D90BBE679}"/>
-              </a:ext>
-            </a:extLst>
-          </p:cNvPr>
-          <p:cNvPicPr>
-            <a:picLocks noChangeAspect="1" noChangeArrowheads="1"/>
-          </p:cNvPicPr>
-          <p:nvPr/>
-        </p:nvPicPr>
-        <p:blipFill>
-          <a:blip r:embed="rId4">
-            <a:extLst>
-              <a:ext uri="{28A0092B-C50C-407E-A947-70E740481C1C}">
-                <a14:useLocalDpi xmlns:a14="http://schemas.microsoft.com/office/drawing/2010/main" val="0"/>
-              </a:ext>
-            </a:extLst>
-          </a:blip>
-          <a:srcRect/>
-          <a:stretch>
-            <a:fillRect/>
-          </a:stretch>
-        </p:blipFill>
-        <p:spPr bwMode="auto">
-          <a:xfrm>
-            <a:off x="0" y="0"/>
-            <a:ext cx="4010025" cy="38100"/>
-          </a:xfrm>
-          <a:prstGeom prst="rect">
-            <a:avLst/>
-          </a:prstGeom>
-          <a:noFill/>
-          <a:extLst>
-            <a:ext uri="{909E8E84-426E-40DD-AFC4-6F175D3DCCD1}">
-              <a14:hiddenFill xmlns:a14="http://schemas.microsoft.com/office/drawing/2010/main">
-                <a:solidFill>
-                  <a:srgbClr val="FFFFFF"/>
-                </a:solidFill>
-              </a14:hiddenFill>
-            </a:ext>
-          </a:extLst>
-        </p:spPr>
-      </p:pic>
-      <p:pic>
-        <p:nvPicPr>
-          <p:cNvPr id="5132" name="Picture 12" descr="http://faculty.cse.tamu.edu/davis/matrices_files/stroke_7.png">
-            <a:extLst>
-              <a:ext uri="{FF2B5EF4-FFF2-40B4-BE49-F238E27FC236}">
-                <a16:creationId xmlns:a16="http://schemas.microsoft.com/office/drawing/2014/main" id="{A7B66188-F561-4893-B4E9-7B4915EA34FA}"/>
-              </a:ext>
-            </a:extLst>
-          </p:cNvPr>
-          <p:cNvPicPr>
-            <a:picLocks noChangeAspect="1" noChangeArrowheads="1"/>
-          </p:cNvPicPr>
-          <p:nvPr/>
-        </p:nvPicPr>
-        <p:blipFill>
-          <a:blip r:embed="rId3">
-            <a:extLst>
-              <a:ext uri="{28A0092B-C50C-407E-A947-70E740481C1C}">
-                <a14:useLocalDpi xmlns:a14="http://schemas.microsoft.com/office/drawing/2010/main" val="0"/>
-              </a:ext>
-            </a:extLst>
-          </a:blip>
-          <a:srcRect/>
-          <a:stretch>
-            <a:fillRect/>
-          </a:stretch>
-        </p:blipFill>
-        <p:spPr bwMode="auto">
-          <a:xfrm>
-            <a:off x="0" y="0"/>
-            <a:ext cx="38100" cy="38100"/>
-          </a:xfrm>
-          <a:prstGeom prst="rect">
-            <a:avLst/>
-          </a:prstGeom>
-          <a:noFill/>
-          <a:extLst>
-            <a:ext uri="{909E8E84-426E-40DD-AFC4-6F175D3DCCD1}">
-              <a14:hiddenFill xmlns:a14="http://schemas.microsoft.com/office/drawing/2010/main">
-                <a:solidFill>
-                  <a:srgbClr val="FFFFFF"/>
-                </a:solidFill>
-              </a14:hiddenFill>
-            </a:ext>
-          </a:extLst>
-        </p:spPr>
-      </p:pic>
-      <p:sp>
-        <p:nvSpPr>
-          <p:cNvPr id="7" name="Rectangle 13">
-            <a:extLst>
-              <a:ext uri="{FF2B5EF4-FFF2-40B4-BE49-F238E27FC236}">
-                <a16:creationId xmlns:a16="http://schemas.microsoft.com/office/drawing/2014/main" id="{287CE7EF-9C08-44DF-8F7B-5F7876E3A86E}"/>
-              </a:ext>
-            </a:extLst>
-          </p:cNvPr>
-          <p:cNvSpPr>
-            <a:spLocks noChangeArrowheads="1"/>
-          </p:cNvSpPr>
-          <p:nvPr/>
-        </p:nvSpPr>
-        <p:spPr bwMode="auto">
-          <a:xfrm>
-            <a:off x="0" y="0"/>
-            <a:ext cx="12192000" cy="0"/>
-          </a:xfrm>
-          <a:prstGeom prst="rect">
-            <a:avLst/>
-          </a:prstGeom>
-          <a:solidFill>
-            <a:srgbClr val="FFFFFF"/>
-          </a:solidFill>
-          <a:ln>
-            <a:noFill/>
-          </a:ln>
-          <a:effectLst/>
-          <a:extLst>
-            <a:ext uri="{91240B29-F687-4F45-9708-019B960494DF}">
-              <a14:hiddenLine xmlns:a14="http://schemas.microsoft.com/office/drawing/2010/main" w="9525">
-                <a:solidFill>
-                  <a:schemeClr val="tx1"/>
-                </a:solidFill>
-                <a:miter lim="800000"/>
-                <a:headEnd/>
-                <a:tailEnd/>
-              </a14:hiddenLine>
-            </a:ext>
-            <a:ext uri="{AF507438-7753-43E0-B8FC-AC1667EBCBE1}">
-              <a14:hiddenEffects xmlns:a14="http://schemas.microsoft.com/office/drawing/2010/main">
-                <a:effectLst>
-                  <a:outerShdw dist="35921" dir="2700000" algn="ctr" rotWithShape="0">
-                    <a:schemeClr val="bg2"/>
-                  </a:outerShdw>
-                </a:effectLst>
-              </a14:hiddenEffects>
-            </a:ext>
-          </a:extLst>
-        </p:spPr>
-        <p:txBody>
-          <a:bodyPr vert="horz" wrap="none" lIns="91440" tIns="45720" rIns="91440" bIns="45720" numCol="1" anchor="ctr" anchorCtr="0" compatLnSpc="1">
-            <a:prstTxWarp prst="textNoShape">
-              <a:avLst/>
-            </a:prstTxWarp>
-            <a:spAutoFit/>
-          </a:bodyPr>
-          <a:lstStyle/>
-          <a:p>
-            <a:pPr marL="0" marR="0" lvl="0" indent="0" algn="l" defTabSz="914400" rtl="0" eaLnBrk="0" fontAlgn="base" latinLnBrk="0" hangingPunct="0">
-              <a:lnSpc>
-                <a:spcPct val="100000"/>
-              </a:lnSpc>
-              <a:spcBef>
-                <a:spcPct val="0"/>
-              </a:spcBef>
-              <a:spcAft>
-                <a:spcPct val="0"/>
-              </a:spcAft>
-              <a:buClrTx/>
-              <a:buSzTx/>
-              <a:buFontTx/>
-              <a:buNone/>
-              <a:tabLst/>
-            </a:pPr>
-            <a:r>
-              <a:rPr kumimoji="0" lang="de-DE" altLang="de-DE" b="0" i="0" u="none" strike="noStrike" cap="none" normalizeH="0" baseline="0">
-                <a:ln>
-                  <a:noFill/>
-                </a:ln>
-                <a:solidFill>
-                  <a:srgbClr val="000000"/>
-                </a:solidFill>
-                <a:effectLst/>
-                <a:latin typeface="Times New Roman" panose="02020603050405020304" pitchFamily="18" charset="0"/>
-                <a:cs typeface="Times New Roman" panose="02020603050405020304" pitchFamily="18" charset="0"/>
-              </a:rPr>
-              <a:t> </a:t>
-            </a:r>
-            <a:endParaRPr kumimoji="0" lang="de-DE" altLang="de-DE" sz="1800" b="0" i="0" u="none" strike="noStrike" cap="none" normalizeH="0" baseline="0">
-              <a:ln>
-                <a:noFill/>
-              </a:ln>
-              <a:solidFill>
-                <a:schemeClr val="tx1"/>
-              </a:solidFill>
-              <a:effectLst/>
-              <a:latin typeface="Arial" panose="020B0604020202020204" pitchFamily="34" charset="0"/>
-            </a:endParaRPr>
+          <a:p>
+            <a:r>
+              <a:rPr lang="de-DE" dirty="0" err="1"/>
+              <a:t>Overview</a:t>
+            </a:r>
+            <a:r>
+              <a:rPr lang="de-DE" dirty="0"/>
+              <a:t>(</a:t>
+            </a:r>
+            <a:r>
+              <a:rPr lang="de-DE" dirty="0" err="1"/>
+              <a:t>picture</a:t>
+            </a:r>
+            <a:r>
+              <a:rPr lang="de-DE" dirty="0"/>
+              <a:t>)</a:t>
+            </a:r>
+          </a:p>
+          <a:p>
+            <a:r>
+              <a:rPr lang="de-DE" dirty="0" err="1"/>
+              <a:t>We</a:t>
+            </a:r>
+            <a:r>
+              <a:rPr lang="de-DE" dirty="0"/>
+              <a:t> </a:t>
+            </a:r>
+            <a:r>
+              <a:rPr lang="de-DE" dirty="0" err="1"/>
+              <a:t>used</a:t>
+            </a:r>
+            <a:r>
+              <a:rPr lang="de-DE" dirty="0"/>
+              <a:t> </a:t>
+            </a:r>
+            <a:r>
+              <a:rPr lang="de-DE" dirty="0" err="1"/>
+              <a:t>ginkgo</a:t>
+            </a:r>
+            <a:r>
+              <a:rPr lang="de-DE" dirty="0"/>
+              <a:t>…</a:t>
+            </a:r>
           </a:p>
         </p:txBody>
       </p:sp>
     </p:spTree>
     <p:extLst>
       <p:ext uri="{BB962C8B-B14F-4D97-AF65-F5344CB8AC3E}">
-        <p14:creationId xmlns:p14="http://schemas.microsoft.com/office/powerpoint/2010/main" val="3093030358"/>
+        <p14:creationId xmlns:p14="http://schemas.microsoft.com/office/powerpoint/2010/main" val="4206845637"/>
       </p:ext>
     </p:extLst>
   </p:cSld>
@@ -5441,7 +6761,7 @@
           <p:cNvPr id="2" name="Titel 1">
             <a:extLst>
               <a:ext uri="{FF2B5EF4-FFF2-40B4-BE49-F238E27FC236}">
-                <a16:creationId xmlns:a16="http://schemas.microsoft.com/office/drawing/2014/main" id="{AEB05EBC-DF35-4F96-96CA-81FDBFF64F8F}"/>
+                <a16:creationId xmlns:a16="http://schemas.microsoft.com/office/drawing/2014/main" id="{0E13D15C-127C-4343-B19C-94ECCED456EB}"/>
               </a:ext>
             </a:extLst>
           </p:cNvPr>
@@ -5459,52 +6779,9 @@
           <a:p>
             <a:r>
               <a:rPr lang="de-DE" dirty="0" err="1"/>
-              <a:t>Explain</a:t>
-            </a:r>
-            <a:r>
-              <a:rPr lang="de-DE" dirty="0"/>
-              <a:t> </a:t>
-            </a:r>
-            <a:r>
-              <a:rPr lang="de-DE" dirty="0" err="1"/>
-              <a:t>how</a:t>
-            </a:r>
-            <a:r>
-              <a:rPr lang="de-DE" dirty="0"/>
-              <a:t> </a:t>
-            </a:r>
-            <a:r>
-              <a:rPr lang="de-DE" dirty="0" err="1"/>
-              <a:t>they</a:t>
-            </a:r>
-            <a:r>
-              <a:rPr lang="de-DE" dirty="0"/>
-              <a:t> </a:t>
-            </a:r>
-            <a:r>
-              <a:rPr lang="de-DE" dirty="0" err="1"/>
-              <a:t>get</a:t>
-            </a:r>
-            <a:r>
-              <a:rPr lang="de-DE" dirty="0"/>
-              <a:t> </a:t>
-            </a:r>
-            <a:r>
-              <a:rPr lang="de-DE" dirty="0" err="1"/>
-              <a:t>solved</a:t>
-            </a:r>
-            <a:r>
-              <a:rPr lang="de-DE" dirty="0"/>
-              <a:t> </a:t>
-            </a:r>
-            <a:r>
-              <a:rPr lang="de-DE" dirty="0" err="1"/>
-              <a:t>iterativly</a:t>
-            </a:r>
-            <a:r>
-              <a:rPr lang="de-DE" dirty="0"/>
-              <a:t> </a:t>
-            </a:r>
+              <a:t>collector</a:t>
+            </a:r>
+            <a:endParaRPr lang="de-DE" dirty="0"/>
           </a:p>
         </p:txBody>
       </p:sp>
@@ -5513,7 +6790,7 @@
           <p:cNvPr id="3" name="Inhaltsplatzhalter 2">
             <a:extLst>
               <a:ext uri="{FF2B5EF4-FFF2-40B4-BE49-F238E27FC236}">
-                <a16:creationId xmlns:a16="http://schemas.microsoft.com/office/drawing/2014/main" id="{265B7160-362F-418B-A9A9-FE2F07280CC9}"/>
+                <a16:creationId xmlns:a16="http://schemas.microsoft.com/office/drawing/2014/main" id="{798C24B9-EA82-44CC-84C9-D159A939703F}"/>
               </a:ext>
             </a:extLst>
           </p:cNvPr>
@@ -5529,119 +6806,6 @@
           <a:bodyPr/>
           <a:lstStyle/>
           <a:p>
-            <a:r>
-              <a:rPr lang="de-DE" dirty="0"/>
-              <a:t>Different </a:t>
-            </a:r>
-            <a:r>
-              <a:rPr lang="de-DE" dirty="0" err="1"/>
-              <a:t>solvers</a:t>
-            </a:r>
-            <a:r>
-              <a:rPr lang="de-DE" dirty="0"/>
-              <a:t> </a:t>
-            </a:r>
-            <a:r>
-              <a:rPr lang="de-DE" dirty="0" err="1"/>
-              <a:t>with</a:t>
-            </a:r>
-            <a:r>
-              <a:rPr lang="de-DE" dirty="0"/>
-              <a:t> different </a:t>
-            </a:r>
-            <a:r>
-              <a:rPr lang="de-DE" dirty="0" err="1"/>
-              <a:t>properties</a:t>
-            </a:r>
-            <a:endParaRPr lang="de-DE" dirty="0"/>
-          </a:p>
-          <a:p>
-            <a:r>
-              <a:rPr lang="de-DE" dirty="0"/>
-              <a:t>Not </a:t>
-            </a:r>
-            <a:r>
-              <a:rPr lang="de-DE" dirty="0" err="1"/>
-              <a:t>clear</a:t>
-            </a:r>
-            <a:r>
-              <a:rPr lang="de-DE" dirty="0"/>
-              <a:t> </a:t>
-            </a:r>
-            <a:r>
-              <a:rPr lang="de-DE" dirty="0" err="1"/>
-              <a:t>which</a:t>
-            </a:r>
-            <a:r>
-              <a:rPr lang="de-DE" dirty="0"/>
-              <a:t> </a:t>
-            </a:r>
-            <a:r>
-              <a:rPr lang="de-DE" dirty="0" err="1"/>
-              <a:t>one</a:t>
-            </a:r>
-            <a:r>
-              <a:rPr lang="de-DE" dirty="0"/>
-              <a:t> will </a:t>
-            </a:r>
-            <a:r>
-              <a:rPr lang="de-DE" dirty="0" err="1"/>
-              <a:t>solve</a:t>
-            </a:r>
-            <a:r>
-              <a:rPr lang="de-DE" dirty="0"/>
-              <a:t> a </a:t>
-            </a:r>
-            <a:r>
-              <a:rPr lang="de-DE" dirty="0" err="1"/>
-              <a:t>given</a:t>
-            </a:r>
-            <a:r>
-              <a:rPr lang="de-DE" dirty="0"/>
-              <a:t> </a:t>
-            </a:r>
-            <a:r>
-              <a:rPr lang="de-DE" dirty="0" err="1"/>
-              <a:t>matrix</a:t>
-            </a:r>
-            <a:r>
-              <a:rPr lang="de-DE" dirty="0"/>
-              <a:t> </a:t>
-            </a:r>
-            <a:r>
-              <a:rPr lang="de-DE" dirty="0" err="1"/>
-              <a:t>the</a:t>
-            </a:r>
-            <a:r>
-              <a:rPr lang="de-DE" dirty="0"/>
-              <a:t> fastest</a:t>
-            </a:r>
-          </a:p>
-          <a:p>
-            <a:r>
-              <a:rPr lang="de-DE" dirty="0"/>
-              <a:t>Show </a:t>
-            </a:r>
-            <a:r>
-              <a:rPr lang="de-DE" dirty="0" err="1"/>
-              <a:t>diagram</a:t>
-            </a:r>
-            <a:r>
-              <a:rPr lang="de-DE" dirty="0"/>
-              <a:t> </a:t>
-            </a:r>
-            <a:r>
-              <a:rPr lang="de-DE" dirty="0" err="1"/>
-              <a:t>of</a:t>
-            </a:r>
-            <a:r>
-              <a:rPr lang="de-DE" dirty="0"/>
-              <a:t> </a:t>
-            </a:r>
-            <a:r>
-              <a:rPr lang="de-DE" dirty="0" err="1"/>
-              <a:t>times</a:t>
-            </a:r>
             <a:endParaRPr lang="de-DE" dirty="0"/>
           </a:p>
         </p:txBody>
@@ -5649,7 +6813,7 @@
     </p:spTree>
     <p:extLst>
       <p:ext uri="{BB962C8B-B14F-4D97-AF65-F5344CB8AC3E}">
-        <p14:creationId xmlns:p14="http://schemas.microsoft.com/office/powerpoint/2010/main" val="3757266144"/>
+        <p14:creationId xmlns:p14="http://schemas.microsoft.com/office/powerpoint/2010/main" val="3431600488"/>
       </p:ext>
     </p:extLst>
   </p:cSld>
@@ -5681,7 +6845,7 @@
           <p:cNvPr id="2" name="Titel 1">
             <a:extLst>
               <a:ext uri="{FF2B5EF4-FFF2-40B4-BE49-F238E27FC236}">
-                <a16:creationId xmlns:a16="http://schemas.microsoft.com/office/drawing/2014/main" id="{2642A9C1-2686-4E0D-ACEA-A4055588CBD8}"/>
+                <a16:creationId xmlns:a16="http://schemas.microsoft.com/office/drawing/2014/main" id="{C71D9E32-2C6F-407D-B345-E6AB558ADBD9}"/>
               </a:ext>
             </a:extLst>
           </p:cNvPr>
@@ -5699,43 +6863,19 @@
           <a:p>
             <a:r>
               <a:rPr lang="de-DE" dirty="0"/>
-              <a:t>.. </a:t>
-            </a:r>
-            <a:r>
-              <a:rPr lang="de-DE" dirty="0" err="1"/>
-              <a:t>Our</a:t>
-            </a:r>
-            <a:r>
-              <a:rPr lang="de-DE" dirty="0"/>
-              <a:t> </a:t>
-            </a:r>
-            <a:r>
-              <a:rPr lang="de-DE" dirty="0" err="1"/>
-              <a:t>approach</a:t>
-            </a:r>
-            <a:r>
-              <a:rPr lang="de-DE" dirty="0"/>
-              <a:t> </a:t>
-            </a:r>
-            <a:r>
-              <a:rPr lang="de-DE" dirty="0" err="1"/>
-              <a:t>solves</a:t>
-            </a:r>
-            <a:r>
-              <a:rPr lang="de-DE" dirty="0"/>
-              <a:t> </a:t>
-            </a:r>
-            <a:r>
-              <a:rPr lang="de-DE" dirty="0" err="1"/>
-              <a:t>this</a:t>
-            </a:r>
-            <a:r>
-              <a:rPr lang="de-DE" dirty="0"/>
-              <a:t> </a:t>
-            </a:r>
-            <a:r>
-              <a:rPr lang="de-DE" dirty="0" err="1"/>
-              <a:t>issue</a:t>
+              <a:t>´</a:t>
+            </a:r>
+            <a:r>
+              <a:rPr lang="de-DE" dirty="0" err="1"/>
+              <a:t>labeling</a:t>
+            </a:r>
+            <a:r>
+              <a:rPr lang="de-DE" dirty="0"/>
+              <a:t> </a:t>
+            </a:r>
+            <a:r>
+              <a:rPr lang="de-DE" dirty="0" err="1"/>
+              <a:t>module</a:t>
             </a:r>
             <a:endParaRPr lang="de-DE" dirty="0"/>
           </a:p>
@@ -5746,7 +6886,7 @@
           <p:cNvPr id="3" name="Inhaltsplatzhalter 2">
             <a:extLst>
               <a:ext uri="{FF2B5EF4-FFF2-40B4-BE49-F238E27FC236}">
-                <a16:creationId xmlns:a16="http://schemas.microsoft.com/office/drawing/2014/main" id="{9EE60318-F47D-4E07-A291-C5DE8DA2BC44}"/>
+                <a16:creationId xmlns:a16="http://schemas.microsoft.com/office/drawing/2014/main" id="{A6E36060-4FDA-4834-B05D-0841012EE52D}"/>
               </a:ext>
             </a:extLst>
           </p:cNvPr>
@@ -5762,66 +6902,14 @@
           <a:bodyPr/>
           <a:lstStyle/>
           <a:p>
-            <a:r>
-              <a:rPr lang="de-DE" dirty="0" err="1"/>
-              <a:t>Explain</a:t>
-            </a:r>
-            <a:r>
-              <a:rPr lang="de-DE" dirty="0"/>
-              <a:t> </a:t>
-            </a:r>
-            <a:r>
-              <a:rPr lang="de-DE" dirty="0" err="1"/>
-              <a:t>or</a:t>
-            </a:r>
-            <a:r>
-              <a:rPr lang="de-DE" dirty="0"/>
-              <a:t> </a:t>
-            </a:r>
-            <a:r>
-              <a:rPr lang="de-DE" dirty="0" err="1"/>
-              <a:t>product</a:t>
-            </a:r>
-            <a:r>
-              <a:rPr lang="de-DE" dirty="0"/>
-              <a:t> </a:t>
-            </a:r>
-          </a:p>
-          <a:p>
-            <a:r>
-              <a:rPr lang="de-DE" dirty="0"/>
-              <a:t>The 4 </a:t>
-            </a:r>
-            <a:r>
-              <a:rPr lang="de-DE" dirty="0" err="1"/>
-              <a:t>modules</a:t>
-            </a:r>
-            <a:endParaRPr lang="de-DE" dirty="0"/>
-          </a:p>
-          <a:p>
-            <a:r>
-              <a:rPr lang="de-DE" dirty="0" err="1"/>
-              <a:t>Overview</a:t>
-            </a:r>
-            <a:r>
-              <a:rPr lang="de-DE" dirty="0"/>
-              <a:t>(</a:t>
-            </a:r>
-            <a:r>
-              <a:rPr lang="de-DE" dirty="0" err="1"/>
-              <a:t>picture</a:t>
-            </a:r>
-            <a:r>
-              <a:rPr lang="de-DE" dirty="0"/>
-              <a:t>)</a:t>
-            </a:r>
+            <a:endParaRPr lang="de-DE"/>
           </a:p>
         </p:txBody>
       </p:sp>
     </p:spTree>
     <p:extLst>
       <p:ext uri="{BB962C8B-B14F-4D97-AF65-F5344CB8AC3E}">
-        <p14:creationId xmlns:p14="http://schemas.microsoft.com/office/powerpoint/2010/main" val="4206845637"/>
+        <p14:creationId xmlns:p14="http://schemas.microsoft.com/office/powerpoint/2010/main" val="1513339304"/>
       </p:ext>
     </p:extLst>
   </p:cSld>
@@ -5853,7 +6941,7 @@
           <p:cNvPr id="2" name="Titel 1">
             <a:extLst>
               <a:ext uri="{FF2B5EF4-FFF2-40B4-BE49-F238E27FC236}">
-                <a16:creationId xmlns:a16="http://schemas.microsoft.com/office/drawing/2014/main" id="{0E13D15C-127C-4343-B19C-94ECCED456EB}"/>
+                <a16:creationId xmlns:a16="http://schemas.microsoft.com/office/drawing/2014/main" id="{7BC52B4E-481D-441F-B0BC-7D838FEF4397}"/>
               </a:ext>
             </a:extLst>
           </p:cNvPr>
@@ -5871,7 +6959,15 @@
           <a:p>
             <a:r>
               <a:rPr lang="de-DE" dirty="0" err="1"/>
-              <a:t>collector</a:t>
+              <a:t>Traning</a:t>
+            </a:r>
+            <a:r>
+              <a:rPr lang="de-DE" dirty="0"/>
+              <a:t> </a:t>
+            </a:r>
+            <a:r>
+              <a:rPr lang="de-DE" dirty="0" err="1"/>
+              <a:t>module</a:t>
             </a:r>
             <a:endParaRPr lang="de-DE" dirty="0"/>
           </a:p>
@@ -5882,7 +6978,7 @@
           <p:cNvPr id="3" name="Inhaltsplatzhalter 2">
             <a:extLst>
               <a:ext uri="{FF2B5EF4-FFF2-40B4-BE49-F238E27FC236}">
-                <a16:creationId xmlns:a16="http://schemas.microsoft.com/office/drawing/2014/main" id="{798C24B9-EA82-44CC-84C9-D159A939703F}"/>
+                <a16:creationId xmlns:a16="http://schemas.microsoft.com/office/drawing/2014/main" id="{F3EA1BBA-2CE4-49C6-8663-AD1B3BC3A19A}"/>
               </a:ext>
             </a:extLst>
           </p:cNvPr>
@@ -5898,14 +6994,14 @@
           <a:bodyPr/>
           <a:lstStyle/>
           <a:p>
-            <a:endParaRPr lang="de-DE" dirty="0"/>
+            <a:endParaRPr lang="de-DE"/>
           </a:p>
         </p:txBody>
       </p:sp>
     </p:spTree>
     <p:extLst>
       <p:ext uri="{BB962C8B-B14F-4D97-AF65-F5344CB8AC3E}">
-        <p14:creationId xmlns:p14="http://schemas.microsoft.com/office/powerpoint/2010/main" val="3431600488"/>
+        <p14:creationId xmlns:p14="http://schemas.microsoft.com/office/powerpoint/2010/main" val="2899633845"/>
       </p:ext>
     </p:extLst>
   </p:cSld>
@@ -5937,7 +7033,7 @@
           <p:cNvPr id="2" name="Titel 1">
             <a:extLst>
               <a:ext uri="{FF2B5EF4-FFF2-40B4-BE49-F238E27FC236}">
-                <a16:creationId xmlns:a16="http://schemas.microsoft.com/office/drawing/2014/main" id="{C71D9E32-2C6F-407D-B345-E6AB558ADBD9}"/>
+                <a16:creationId xmlns:a16="http://schemas.microsoft.com/office/drawing/2014/main" id="{6D558542-279E-434B-BC32-D044D864ED62}"/>
               </a:ext>
             </a:extLst>
           </p:cNvPr>
@@ -5954,20 +7050,8 @@
           <a:lstStyle/>
           <a:p>
             <a:r>
-              <a:rPr lang="de-DE" dirty="0"/>
-              <a:t>´</a:t>
-            </a:r>
-            <a:r>
-              <a:rPr lang="de-DE" dirty="0" err="1"/>
-              <a:t>labeling</a:t>
-            </a:r>
-            <a:r>
-              <a:rPr lang="de-DE" dirty="0"/>
-              <a:t> </a:t>
-            </a:r>
-            <a:r>
-              <a:rPr lang="de-DE" dirty="0" err="1"/>
-              <a:t>module</a:t>
+              <a:rPr lang="de-DE" dirty="0" err="1"/>
+              <a:t>Classifier</a:t>
             </a:r>
             <a:endParaRPr lang="de-DE" dirty="0"/>
           </a:p>
@@ -5978,7 +7062,7 @@
           <p:cNvPr id="3" name="Inhaltsplatzhalter 2">
             <a:extLst>
               <a:ext uri="{FF2B5EF4-FFF2-40B4-BE49-F238E27FC236}">
-                <a16:creationId xmlns:a16="http://schemas.microsoft.com/office/drawing/2014/main" id="{A6E36060-4FDA-4834-B05D-0841012EE52D}"/>
+                <a16:creationId xmlns:a16="http://schemas.microsoft.com/office/drawing/2014/main" id="{E5F37A03-C172-46A9-B08F-11B32725284C}"/>
               </a:ext>
             </a:extLst>
           </p:cNvPr>
@@ -6001,7 +7085,7 @@
     </p:spTree>
     <p:extLst>
       <p:ext uri="{BB962C8B-B14F-4D97-AF65-F5344CB8AC3E}">
-        <p14:creationId xmlns:p14="http://schemas.microsoft.com/office/powerpoint/2010/main" val="1513339304"/>
+        <p14:creationId xmlns:p14="http://schemas.microsoft.com/office/powerpoint/2010/main" val="538071417"/>
       </p:ext>
     </p:extLst>
   </p:cSld>
@@ -6033,7 +7117,7 @@
           <p:cNvPr id="2" name="Titel 1">
             <a:extLst>
               <a:ext uri="{FF2B5EF4-FFF2-40B4-BE49-F238E27FC236}">
-                <a16:creationId xmlns:a16="http://schemas.microsoft.com/office/drawing/2014/main" id="{7BC52B4E-481D-441F-B0BC-7D838FEF4397}"/>
+                <a16:creationId xmlns:a16="http://schemas.microsoft.com/office/drawing/2014/main" id="{224C21EB-7DBC-4C6F-86B1-94AE1AF8733D}"/>
               </a:ext>
             </a:extLst>
           </p:cNvPr>
@@ -6051,17 +7135,76 @@
           <a:p>
             <a:r>
               <a:rPr lang="de-DE" dirty="0" err="1"/>
-              <a:t>Traning</a:t>
-            </a:r>
-            <a:r>
-              <a:rPr lang="de-DE" dirty="0"/>
-              <a:t> </a:t>
-            </a:r>
-            <a:r>
-              <a:rPr lang="de-DE" dirty="0" err="1"/>
-              <a:t>module</a:t>
-            </a:r>
-            <a:endParaRPr lang="de-DE" dirty="0"/>
+              <a:t>Now</a:t>
+            </a:r>
+            <a:r>
+              <a:rPr lang="de-DE" dirty="0"/>
+              <a:t> </a:t>
+            </a:r>
+            <a:r>
+              <a:rPr lang="de-DE" dirty="0" err="1"/>
+              <a:t>we</a:t>
+            </a:r>
+            <a:r>
+              <a:rPr lang="de-DE" dirty="0"/>
+              <a:t> </a:t>
+            </a:r>
+            <a:r>
+              <a:rPr lang="de-DE" dirty="0" err="1"/>
+              <a:t>can</a:t>
+            </a:r>
+            <a:r>
+              <a:rPr lang="de-DE" dirty="0"/>
+              <a:t> </a:t>
+            </a:r>
+            <a:r>
+              <a:rPr lang="de-DE" dirty="0" err="1"/>
+              <a:t>get</a:t>
+            </a:r>
+            <a:r>
+              <a:rPr lang="de-DE" dirty="0"/>
+              <a:t> </a:t>
+            </a:r>
+            <a:r>
+              <a:rPr lang="de-DE" dirty="0" err="1"/>
+              <a:t>into</a:t>
+            </a:r>
+            <a:r>
+              <a:rPr lang="de-DE" dirty="0"/>
+              <a:t> </a:t>
+            </a:r>
+            <a:r>
+              <a:rPr lang="de-DE" dirty="0" err="1"/>
+              <a:t>details</a:t>
+            </a:r>
+            <a:r>
+              <a:rPr lang="de-DE" dirty="0"/>
+              <a:t> </a:t>
+            </a:r>
+            <a:r>
+              <a:rPr lang="de-DE" dirty="0" err="1"/>
+              <a:t>if</a:t>
+            </a:r>
+            <a:r>
+              <a:rPr lang="de-DE" dirty="0"/>
+              <a:t> </a:t>
+            </a:r>
+            <a:r>
+              <a:rPr lang="de-DE" dirty="0" err="1"/>
+              <a:t>we</a:t>
+            </a:r>
+            <a:r>
+              <a:rPr lang="de-DE" dirty="0"/>
+              <a:t> </a:t>
+            </a:r>
+            <a:r>
+              <a:rPr lang="de-DE" dirty="0" err="1"/>
+              <a:t>have</a:t>
+            </a:r>
+            <a:r>
+              <a:rPr lang="de-DE" dirty="0"/>
+              <a:t> time</a:t>
+            </a:r>
           </a:p>
         </p:txBody>
       </p:sp>
@@ -6070,7 +7213,7 @@
           <p:cNvPr id="3" name="Inhaltsplatzhalter 2">
             <a:extLst>
               <a:ext uri="{FF2B5EF4-FFF2-40B4-BE49-F238E27FC236}">
-                <a16:creationId xmlns:a16="http://schemas.microsoft.com/office/drawing/2014/main" id="{F3EA1BBA-2CE4-49C6-8663-AD1B3BC3A19A}"/>
+                <a16:creationId xmlns:a16="http://schemas.microsoft.com/office/drawing/2014/main" id="{0C7297F6-6264-4921-83BD-3E2B06542455}"/>
               </a:ext>
             </a:extLst>
           </p:cNvPr>
@@ -6086,14 +7229,90 @@
           <a:bodyPr/>
           <a:lstStyle/>
           <a:p>
-            <a:endParaRPr lang="de-DE"/>
+            <a:r>
+              <a:rPr lang="de-DE" dirty="0"/>
+              <a:t>Output </a:t>
+            </a:r>
+            <a:r>
+              <a:rPr lang="de-DE" dirty="0" err="1"/>
+              <a:t>service</a:t>
+            </a:r>
+            <a:r>
+              <a:rPr lang="de-DE" dirty="0"/>
+              <a:t> </a:t>
+            </a:r>
+          </a:p>
+          <a:p>
+            <a:r>
+              <a:rPr lang="de-DE" dirty="0" err="1"/>
+              <a:t>Usage</a:t>
+            </a:r>
+            <a:r>
+              <a:rPr lang="de-DE" dirty="0"/>
+              <a:t> </a:t>
+            </a:r>
+            <a:r>
+              <a:rPr lang="de-DE" dirty="0" err="1"/>
+              <a:t>of</a:t>
+            </a:r>
+            <a:r>
+              <a:rPr lang="de-DE" dirty="0"/>
+              <a:t> </a:t>
+            </a:r>
+            <a:r>
+              <a:rPr lang="de-DE" dirty="0" err="1"/>
+              <a:t>our</a:t>
+            </a:r>
+            <a:r>
+              <a:rPr lang="de-DE" dirty="0"/>
+              <a:t> </a:t>
+            </a:r>
+            <a:r>
+              <a:rPr lang="de-DE" dirty="0" err="1"/>
+              <a:t>product</a:t>
+            </a:r>
+            <a:endParaRPr lang="de-DE" dirty="0"/>
+          </a:p>
+          <a:p>
+            <a:r>
+              <a:rPr lang="de-DE" dirty="0" err="1"/>
+              <a:t>Statistics</a:t>
+            </a:r>
+            <a:r>
+              <a:rPr lang="de-DE" dirty="0"/>
+              <a:t>(</a:t>
+            </a:r>
+            <a:r>
+              <a:rPr lang="de-DE" dirty="0" err="1"/>
+              <a:t>loc,coverage,accuracy</a:t>
+            </a:r>
+            <a:r>
+              <a:rPr lang="de-DE" dirty="0"/>
+              <a:t> </a:t>
+            </a:r>
+            <a:r>
+              <a:rPr lang="de-DE" dirty="0" err="1"/>
+              <a:t>of</a:t>
+            </a:r>
+            <a:r>
+              <a:rPr lang="de-DE" dirty="0"/>
+              <a:t> </a:t>
+            </a:r>
+            <a:r>
+              <a:rPr lang="de-DE" dirty="0" err="1"/>
+              <a:t>nn</a:t>
+            </a:r>
+            <a:r>
+              <a:rPr lang="de-DE" dirty="0"/>
+              <a:t>…)</a:t>
+            </a:r>
           </a:p>
         </p:txBody>
       </p:sp>
     </p:spTree>
     <p:extLst>
       <p:ext uri="{BB962C8B-B14F-4D97-AF65-F5344CB8AC3E}">
-        <p14:creationId xmlns:p14="http://schemas.microsoft.com/office/powerpoint/2010/main" val="2899633845"/>
+        <p14:creationId xmlns:p14="http://schemas.microsoft.com/office/powerpoint/2010/main" val="4175341831"/>
       </p:ext>
     </p:extLst>
   </p:cSld>
@@ -6125,7 +7344,7 @@
           <p:cNvPr id="2" name="Titel 1">
             <a:extLst>
               <a:ext uri="{FF2B5EF4-FFF2-40B4-BE49-F238E27FC236}">
-                <a16:creationId xmlns:a16="http://schemas.microsoft.com/office/drawing/2014/main" id="{6D558542-279E-434B-BC32-D044D864ED62}"/>
+                <a16:creationId xmlns:a16="http://schemas.microsoft.com/office/drawing/2014/main" id="{FA077195-AB61-4654-9227-16F6C8FE3A91}"/>
               </a:ext>
             </a:extLst>
           </p:cNvPr>
@@ -6143,7 +7362,7 @@
           <a:p>
             <a:r>
               <a:rPr lang="de-DE" dirty="0" err="1"/>
-              <a:t>Classifier</a:t>
+              <a:t>reflection</a:t>
             </a:r>
             <a:endParaRPr lang="de-DE" dirty="0"/>
           </a:p>
@@ -6154,7 +7373,7 @@
           <p:cNvPr id="3" name="Inhaltsplatzhalter 2">
             <a:extLst>
               <a:ext uri="{FF2B5EF4-FFF2-40B4-BE49-F238E27FC236}">
-                <a16:creationId xmlns:a16="http://schemas.microsoft.com/office/drawing/2014/main" id="{E5F37A03-C172-46A9-B08F-11B32725284C}"/>
+                <a16:creationId xmlns:a16="http://schemas.microsoft.com/office/drawing/2014/main" id="{A413207E-8AE4-4E84-85B7-EDBCD454FEDE}"/>
               </a:ext>
             </a:extLst>
           </p:cNvPr>
@@ -6170,14 +7389,112 @@
           <a:bodyPr/>
           <a:lstStyle/>
           <a:p>
-            <a:endParaRPr lang="de-DE"/>
+            <a:r>
+              <a:rPr lang="de-DE" dirty="0" err="1"/>
+              <a:t>Challenges</a:t>
+            </a:r>
+            <a:endParaRPr lang="de-DE" dirty="0"/>
+          </a:p>
+          <a:p>
+            <a:r>
+              <a:rPr lang="de-DE" dirty="0" err="1"/>
+              <a:t>How</a:t>
+            </a:r>
+            <a:r>
+              <a:rPr lang="de-DE" dirty="0"/>
+              <a:t> </a:t>
+            </a:r>
+            <a:r>
+              <a:rPr lang="de-DE" dirty="0" err="1"/>
+              <a:t>we</a:t>
+            </a:r>
+            <a:r>
+              <a:rPr lang="de-DE" dirty="0"/>
+              <a:t> </a:t>
+            </a:r>
+            <a:r>
+              <a:rPr lang="de-DE" dirty="0" err="1"/>
+              <a:t>solved</a:t>
+            </a:r>
+            <a:r>
+              <a:rPr lang="de-DE" dirty="0"/>
+              <a:t> </a:t>
+            </a:r>
+            <a:r>
+              <a:rPr lang="de-DE" dirty="0" err="1"/>
+              <a:t>them</a:t>
+            </a:r>
+            <a:endParaRPr lang="de-DE" dirty="0"/>
+          </a:p>
+          <a:p>
+            <a:r>
+              <a:rPr lang="de-DE" dirty="0" err="1"/>
+              <a:t>How</a:t>
+            </a:r>
+            <a:r>
+              <a:rPr lang="de-DE" dirty="0"/>
+              <a:t> </a:t>
+            </a:r>
+            <a:r>
+              <a:rPr lang="de-DE" dirty="0" err="1"/>
+              <a:t>much</a:t>
+            </a:r>
+            <a:r>
+              <a:rPr lang="de-DE" dirty="0"/>
+              <a:t> </a:t>
+            </a:r>
+            <a:r>
+              <a:rPr lang="de-DE" dirty="0" err="1"/>
+              <a:t>of</a:t>
+            </a:r>
+            <a:r>
+              <a:rPr lang="de-DE" dirty="0"/>
+              <a:t> </a:t>
+            </a:r>
+            <a:r>
+              <a:rPr lang="de-DE" dirty="0" err="1"/>
+              <a:t>the</a:t>
+            </a:r>
+            <a:r>
+              <a:rPr lang="de-DE" dirty="0"/>
+              <a:t> </a:t>
+            </a:r>
+            <a:r>
+              <a:rPr lang="de-DE" dirty="0" err="1"/>
+              <a:t>mandetory</a:t>
+            </a:r>
+            <a:r>
+              <a:rPr lang="de-DE" dirty="0"/>
+              <a:t>/optional </a:t>
+            </a:r>
+            <a:r>
+              <a:rPr lang="de-DE" dirty="0" err="1"/>
+              <a:t>requirements</a:t>
+            </a:r>
+            <a:r>
+              <a:rPr lang="de-DE" dirty="0"/>
+              <a:t> </a:t>
+            </a:r>
+            <a:r>
+              <a:rPr lang="de-DE" dirty="0" err="1"/>
+              <a:t>we</a:t>
+            </a:r>
+            <a:r>
+              <a:rPr lang="de-DE" dirty="0"/>
+              <a:t> </a:t>
+            </a:r>
+            <a:r>
+              <a:rPr lang="de-DE" dirty="0" err="1"/>
+              <a:t>achieved</a:t>
+            </a:r>
+            <a:endParaRPr lang="de-DE" dirty="0"/>
           </a:p>
         </p:txBody>
       </p:sp>
     </p:spTree>
     <p:extLst>
       <p:ext uri="{BB962C8B-B14F-4D97-AF65-F5344CB8AC3E}">
-        <p14:creationId xmlns:p14="http://schemas.microsoft.com/office/powerpoint/2010/main" val="538071417"/>
+        <p14:creationId xmlns:p14="http://schemas.microsoft.com/office/powerpoint/2010/main" val="2006122541"/>
       </p:ext>
     </p:extLst>
   </p:cSld>
@@ -6209,7 +7526,7 @@
           <p:cNvPr id="2" name="Titel 1">
             <a:extLst>
               <a:ext uri="{FF2B5EF4-FFF2-40B4-BE49-F238E27FC236}">
-                <a16:creationId xmlns:a16="http://schemas.microsoft.com/office/drawing/2014/main" id="{224C21EB-7DBC-4C6F-86B1-94AE1AF8733D}"/>
+                <a16:creationId xmlns:a16="http://schemas.microsoft.com/office/drawing/2014/main" id="{0F6D6057-9AD6-4A17-8E35-B0AF4E68F675}"/>
               </a:ext>
             </a:extLst>
           </p:cNvPr>
@@ -6227,76 +7544,9 @@
           <a:p>
             <a:r>
               <a:rPr lang="de-DE" dirty="0" err="1"/>
-              <a:t>Now</a:t>
-            </a:r>
-            <a:r>
-              <a:rPr lang="de-DE" dirty="0"/>
-              <a:t> </a:t>
-            </a:r>
-            <a:r>
-              <a:rPr lang="de-DE" dirty="0" err="1"/>
-              <a:t>we</a:t>
-            </a:r>
-            <a:r>
-              <a:rPr lang="de-DE" dirty="0"/>
-              <a:t> </a:t>
-            </a:r>
-            <a:r>
-              <a:rPr lang="de-DE" dirty="0" err="1"/>
-              <a:t>can</a:t>
-            </a:r>
-            <a:r>
-              <a:rPr lang="de-DE" dirty="0"/>
-              <a:t> </a:t>
-            </a:r>
-            <a:r>
-              <a:rPr lang="de-DE" dirty="0" err="1"/>
-              <a:t>get</a:t>
-            </a:r>
-            <a:r>
-              <a:rPr lang="de-DE" dirty="0"/>
-              <a:t> </a:t>
-            </a:r>
-            <a:r>
-              <a:rPr lang="de-DE" dirty="0" err="1"/>
-              <a:t>into</a:t>
-            </a:r>
-            <a:r>
-              <a:rPr lang="de-DE" dirty="0"/>
-              <a:t> </a:t>
-            </a:r>
-            <a:r>
-              <a:rPr lang="de-DE" dirty="0" err="1"/>
-              <a:t>details</a:t>
-            </a:r>
-            <a:r>
-              <a:rPr lang="de-DE" dirty="0"/>
-              <a:t> </a:t>
-            </a:r>
-            <a:r>
-              <a:rPr lang="de-DE" dirty="0" err="1"/>
-              <a:t>if</a:t>
-            </a:r>
-            <a:r>
-              <a:rPr lang="de-DE" dirty="0"/>
-              <a:t> </a:t>
-            </a:r>
-            <a:r>
-              <a:rPr lang="de-DE" dirty="0" err="1"/>
-              <a:t>we</a:t>
-            </a:r>
-            <a:r>
-              <a:rPr lang="de-DE" dirty="0"/>
-              <a:t> </a:t>
-            </a:r>
-            <a:r>
-              <a:rPr lang="de-DE" dirty="0" err="1"/>
-              <a:t>have</a:t>
-            </a:r>
-            <a:r>
-              <a:rPr lang="de-DE" dirty="0"/>
-              <a:t> time</a:t>
-            </a:r>
+              <a:t>outlook</a:t>
+            </a:r>
+            <a:endParaRPr lang="de-DE" dirty="0"/>
           </a:p>
         </p:txBody>
       </p:sp>
@@ -6305,7 +7555,7 @@
           <p:cNvPr id="3" name="Inhaltsplatzhalter 2">
             <a:extLst>
               <a:ext uri="{FF2B5EF4-FFF2-40B4-BE49-F238E27FC236}">
-                <a16:creationId xmlns:a16="http://schemas.microsoft.com/office/drawing/2014/main" id="{0C7297F6-6264-4921-83BD-3E2B06542455}"/>
+                <a16:creationId xmlns:a16="http://schemas.microsoft.com/office/drawing/2014/main" id="{2BAE3E85-5952-4FCC-A5BE-B1BC7E36C319}"/>
               </a:ext>
             </a:extLst>
           </p:cNvPr>
@@ -6322,89 +7572,41 @@
           <a:lstStyle/>
           <a:p>
             <a:r>
-              <a:rPr lang="de-DE" dirty="0"/>
-              <a:t>Output </a:t>
-            </a:r>
-            <a:r>
-              <a:rPr lang="de-DE" dirty="0" err="1"/>
-              <a:t>service</a:t>
-            </a:r>
-            <a:r>
-              <a:rPr lang="de-DE" dirty="0"/>
-              <a:t> </a:t>
-            </a:r>
-          </a:p>
-          <a:p>
-            <a:r>
-              <a:rPr lang="de-DE" dirty="0" err="1"/>
-              <a:t>Usage</a:t>
-            </a:r>
-            <a:r>
-              <a:rPr lang="de-DE" dirty="0"/>
-              <a:t> </a:t>
-            </a:r>
-            <a:r>
-              <a:rPr lang="de-DE" dirty="0" err="1"/>
-              <a:t>of</a:t>
-            </a:r>
-            <a:r>
-              <a:rPr lang="de-DE" dirty="0"/>
-              <a:t> </a:t>
-            </a:r>
-            <a:r>
-              <a:rPr lang="de-DE" dirty="0" err="1"/>
-              <a:t>our</a:t>
-            </a:r>
-            <a:r>
-              <a:rPr lang="de-DE" dirty="0"/>
-              <a:t> </a:t>
-            </a:r>
-            <a:r>
-              <a:rPr lang="de-DE" dirty="0" err="1"/>
-              <a:t>product</a:t>
+              <a:rPr lang="de-DE" dirty="0" err="1"/>
+              <a:t>What</a:t>
+            </a:r>
+            <a:r>
+              <a:rPr lang="de-DE" dirty="0"/>
+              <a:t> </a:t>
+            </a:r>
+            <a:r>
+              <a:rPr lang="de-DE" dirty="0" err="1"/>
+              <a:t>we</a:t>
+            </a:r>
+            <a:r>
+              <a:rPr lang="de-DE" dirty="0"/>
+              <a:t> </a:t>
+            </a:r>
+            <a:r>
+              <a:rPr lang="de-DE" dirty="0" err="1"/>
+              <a:t>could</a:t>
+            </a:r>
+            <a:r>
+              <a:rPr lang="de-DE" dirty="0"/>
+              <a:t> </a:t>
+            </a:r>
+            <a:r>
+              <a:rPr lang="de-DE" dirty="0" err="1"/>
+              <a:t>add</a:t>
             </a:r>
             <a:endParaRPr lang="de-DE" dirty="0"/>
-          </a:p>
-          <a:p>
-            <a:r>
-              <a:rPr lang="de-DE" dirty="0" err="1"/>
-              <a:t>Statistics</a:t>
-            </a:r>
-            <a:r>
-              <a:rPr lang="de-DE" dirty="0"/>
-              <a:t>(</a:t>
-            </a:r>
-            <a:r>
-              <a:rPr lang="de-DE" dirty="0" err="1"/>
-              <a:t>loc,coverage,accuracy</a:t>
-            </a:r>
-            <a:r>
-              <a:rPr lang="de-DE" dirty="0"/>
-              <a:t> </a:t>
-            </a:r>
-            <a:r>
-              <a:rPr lang="de-DE" dirty="0" err="1"/>
-              <a:t>of</a:t>
-            </a:r>
-            <a:r>
-              <a:rPr lang="de-DE" dirty="0"/>
-              <a:t> </a:t>
-            </a:r>
-            <a:r>
-              <a:rPr lang="de-DE" dirty="0" err="1"/>
-              <a:t>nn</a:t>
-            </a:r>
-            <a:r>
-              <a:rPr lang="de-DE" dirty="0"/>
-              <a:t>…)</a:t>
-            </a:r>
           </a:p>
         </p:txBody>
       </p:sp>
     </p:spTree>
     <p:extLst>
       <p:ext uri="{BB962C8B-B14F-4D97-AF65-F5344CB8AC3E}">
-        <p14:creationId xmlns:p14="http://schemas.microsoft.com/office/powerpoint/2010/main" val="4175341831"/>
+        <p14:creationId xmlns:p14="http://schemas.microsoft.com/office/powerpoint/2010/main" val="2112290328"/>
       </p:ext>
     </p:extLst>
   </p:cSld>
@@ -6433,704 +7635,146 @@
       </p:grpSpPr>
       <p:sp>
         <p:nvSpPr>
-          <p:cNvPr id="2" name="Titel 1">
-            <a:extLst>
-              <a:ext uri="{FF2B5EF4-FFF2-40B4-BE49-F238E27FC236}">
-                <a16:creationId xmlns:a16="http://schemas.microsoft.com/office/drawing/2014/main" id="{F0FD7046-F7F4-4B97-812E-521C5BE2FA1A}"/>
+          <p:cNvPr id="7" name="Rechteck 6">
+            <a:extLst>
+              <a:ext uri="{FF2B5EF4-FFF2-40B4-BE49-F238E27FC236}">
+                <a16:creationId xmlns:a16="http://schemas.microsoft.com/office/drawing/2014/main" id="{DDEE7F32-2FE3-4894-9D03-30A7178F7B64}"/>
+              </a:ext>
+            </a:extLst>
+          </p:cNvPr>
+          <p:cNvSpPr/>
+          <p:nvPr/>
+        </p:nvSpPr>
+        <p:spPr>
+          <a:xfrm>
+            <a:off x="1272072" y="317241"/>
+            <a:ext cx="4478694" cy="2985796"/>
+          </a:xfrm>
+          <a:prstGeom prst="rect">
+            <a:avLst/>
+          </a:prstGeom>
+        </p:spPr>
+        <p:style>
+          <a:lnRef idx="2">
+            <a:schemeClr val="accent1">
+              <a:shade val="50000"/>
+            </a:schemeClr>
+          </a:lnRef>
+          <a:fillRef idx="1">
+            <a:schemeClr val="accent1"/>
+          </a:fillRef>
+          <a:effectRef idx="0">
+            <a:schemeClr val="accent1"/>
+          </a:effectRef>
+          <a:fontRef idx="minor">
+            <a:schemeClr val="lt1"/>
+          </a:fontRef>
+        </p:style>
+        <p:txBody>
+          <a:bodyPr rtlCol="0" anchor="ctr"/>
+          <a:lstStyle/>
+          <a:p>
+            <a:pPr algn="ctr"/>
+            <a:endParaRPr lang="de-DE"/>
+          </a:p>
+        </p:txBody>
+      </p:sp>
+      <p:sp>
+        <p:nvSpPr>
+          <p:cNvPr id="13" name="AutoShape 6" descr="Bildergebnis fÃ¼r Quadratic programming">
+            <a:extLst>
+              <a:ext uri="{FF2B5EF4-FFF2-40B4-BE49-F238E27FC236}">
+                <a16:creationId xmlns:a16="http://schemas.microsoft.com/office/drawing/2014/main" id="{DB59D097-587B-4879-9901-761CEBA0449B}"/>
               </a:ext>
             </a:extLst>
           </p:cNvPr>
           <p:cNvSpPr>
-            <a:spLocks noGrp="1"/>
+            <a:spLocks noChangeAspect="1" noChangeArrowheads="1"/>
           </p:cNvSpPr>
-          <p:nvPr>
-            <p:ph type="title"/>
-          </p:nvPr>
-        </p:nvSpPr>
-        <p:spPr/>
-        <p:txBody>
-          <a:bodyPr/>
-          <a:lstStyle/>
-          <a:p>
-            <a:r>
-              <a:rPr lang="de-DE" dirty="0" err="1"/>
-              <a:t>Why</a:t>
-            </a:r>
-            <a:r>
-              <a:rPr lang="de-DE" dirty="0"/>
-              <a:t> </a:t>
-            </a:r>
-            <a:r>
-              <a:rPr lang="de-DE" dirty="0" err="1"/>
-              <a:t>one</a:t>
-            </a:r>
-            <a:r>
-              <a:rPr lang="de-DE" dirty="0"/>
-              <a:t> </a:t>
-            </a:r>
-            <a:r>
-              <a:rPr lang="de-DE" dirty="0" err="1"/>
-              <a:t>has</a:t>
-            </a:r>
-            <a:r>
-              <a:rPr lang="de-DE" dirty="0"/>
-              <a:t> </a:t>
-            </a:r>
-            <a:r>
-              <a:rPr lang="de-DE" dirty="0" err="1"/>
-              <a:t>to</a:t>
-            </a:r>
-            <a:r>
-              <a:rPr lang="de-DE" dirty="0"/>
-              <a:t> </a:t>
-            </a:r>
-            <a:r>
-              <a:rPr lang="de-DE" dirty="0" err="1"/>
-              <a:t>solve</a:t>
-            </a:r>
-            <a:r>
-              <a:rPr lang="de-DE" dirty="0"/>
-              <a:t> large </a:t>
-            </a:r>
-            <a:r>
-              <a:rPr lang="de-DE" dirty="0" err="1"/>
-              <a:t>sparse</a:t>
-            </a:r>
-            <a:r>
-              <a:rPr lang="de-DE" dirty="0"/>
-              <a:t> </a:t>
-            </a:r>
-            <a:r>
-              <a:rPr lang="de-DE" dirty="0" err="1"/>
-              <a:t>systems</a:t>
-            </a:r>
-            <a:endParaRPr lang="de-DE" dirty="0"/>
-          </a:p>
-        </p:txBody>
-      </p:sp>
-      <p:sp>
-        <p:nvSpPr>
-          <p:cNvPr id="3" name="Inhaltsplatzhalter 2">
-            <a:extLst>
-              <a:ext uri="{FF2B5EF4-FFF2-40B4-BE49-F238E27FC236}">
-                <a16:creationId xmlns:a16="http://schemas.microsoft.com/office/drawing/2014/main" id="{BD511278-2D50-4B05-9158-E089C425DF3D}"/>
-              </a:ext>
-            </a:extLst>
-          </p:cNvPr>
-          <p:cNvSpPr>
-            <a:spLocks noGrp="1"/>
-          </p:cNvSpPr>
-          <p:nvPr>
-            <p:ph idx="1"/>
-          </p:nvPr>
-        </p:nvSpPr>
-        <p:spPr/>
-        <p:txBody>
-          <a:bodyPr>
-            <a:normAutofit fontScale="77500" lnSpcReduction="20000"/>
+          <p:nvPr/>
+        </p:nvSpPr>
+        <p:spPr bwMode="auto">
+          <a:xfrm>
+            <a:off x="5943600" y="3276600"/>
+            <a:ext cx="4976328" cy="4976328"/>
+          </a:xfrm>
+          <a:prstGeom prst="rect">
+            <a:avLst/>
+          </a:prstGeom>
+          <a:noFill/>
+          <a:extLst>
+            <a:ext uri="{909E8E84-426E-40DD-AFC4-6F175D3DCCD1}">
+              <a14:hiddenFill xmlns:a14="http://schemas.microsoft.com/office/drawing/2010/main">
+                <a:solidFill>
+                  <a:srgbClr val="FFFFFF"/>
+                </a:solidFill>
+              </a14:hiddenFill>
+            </a:ext>
+          </a:extLst>
+        </p:spPr>
+        <p:txBody>
+          <a:bodyPr vert="horz" wrap="square" lIns="91440" tIns="45720" rIns="91440" bIns="45720" numCol="1" anchor="t" anchorCtr="0" compatLnSpc="1">
+            <a:prstTxWarp prst="textNoShape">
+              <a:avLst/>
+            </a:prstTxWarp>
           </a:bodyPr>
           <a:lstStyle/>
           <a:p>
-            <a:pPr marL="0" indent="0">
-              <a:buNone/>
-            </a:pPr>
-            <a:r>
-              <a:rPr lang="de-DE" dirty="0" err="1"/>
-              <a:t>physics</a:t>
-            </a:r>
-            <a:endParaRPr lang="de-DE" dirty="0"/>
-          </a:p>
-          <a:p>
-            <a:pPr marL="0" indent="0">
-              <a:buNone/>
-            </a:pPr>
-            <a:r>
-              <a:rPr lang="de-DE" dirty="0" err="1"/>
-              <a:t>Electrical</a:t>
-            </a:r>
-            <a:r>
-              <a:rPr lang="de-DE" dirty="0"/>
-              <a:t> </a:t>
-            </a:r>
-            <a:r>
-              <a:rPr lang="de-DE" dirty="0" err="1"/>
-              <a:t>engineering</a:t>
-            </a:r>
-            <a:endParaRPr lang="de-DE" dirty="0"/>
-          </a:p>
-          <a:p>
-            <a:pPr marL="0" indent="0">
-              <a:buNone/>
-            </a:pPr>
-            <a:r>
-              <a:rPr lang="de-DE" dirty="0"/>
-              <a:t>…</a:t>
-            </a:r>
-          </a:p>
-          <a:p>
-            <a:pPr marL="0" indent="0">
-              <a:buNone/>
-            </a:pPr>
-            <a:r>
-              <a:rPr lang="de-DE" dirty="0"/>
-              <a:t>Pretty </a:t>
-            </a:r>
-            <a:r>
-              <a:rPr lang="de-DE" dirty="0" err="1"/>
-              <a:t>pictures</a:t>
-            </a:r>
-            <a:r>
-              <a:rPr lang="de-DE" dirty="0"/>
-              <a:t>, </a:t>
-            </a:r>
-            <a:r>
-              <a:rPr lang="de-DE" dirty="0" err="1"/>
-              <a:t>the</a:t>
-            </a:r>
-            <a:r>
-              <a:rPr lang="de-DE" dirty="0"/>
-              <a:t> </a:t>
-            </a:r>
-            <a:r>
-              <a:rPr lang="de-DE" dirty="0" err="1"/>
-              <a:t>more</a:t>
-            </a:r>
-            <a:r>
-              <a:rPr lang="de-DE" dirty="0"/>
-              <a:t> </a:t>
-            </a:r>
-            <a:r>
-              <a:rPr lang="de-DE" dirty="0" err="1"/>
-              <a:t>dramatic</a:t>
-            </a:r>
-            <a:r>
-              <a:rPr lang="de-DE" dirty="0"/>
-              <a:t> </a:t>
-            </a:r>
-            <a:r>
-              <a:rPr lang="de-DE" dirty="0" err="1"/>
-              <a:t>the</a:t>
-            </a:r>
-            <a:r>
-              <a:rPr lang="de-DE" dirty="0"/>
-              <a:t> </a:t>
-            </a:r>
-            <a:r>
-              <a:rPr lang="de-DE" dirty="0" err="1"/>
-              <a:t>better</a:t>
-            </a:r>
-            <a:endParaRPr lang="de-DE" dirty="0"/>
-          </a:p>
-          <a:p>
-            <a:pPr marL="0" indent="0">
-              <a:buNone/>
-            </a:pPr>
-            <a:r>
-              <a:rPr lang="en-US" dirty="0"/>
-              <a:t> such as the voltage across a circuit component</a:t>
-            </a:r>
-          </a:p>
-          <a:p>
-            <a:pPr marL="0" indent="0">
-              <a:buNone/>
-            </a:pPr>
-            <a:r>
-              <a:rPr lang="en-US" dirty="0"/>
-              <a:t>the physical forces between two points in a mechanical structure</a:t>
-            </a:r>
-          </a:p>
-          <a:p>
-            <a:pPr marL="0" indent="0">
-              <a:buNone/>
-            </a:pPr>
-            <a:r>
-              <a:rPr lang="de-DE" dirty="0" err="1"/>
-              <a:t>Commonality</a:t>
-            </a:r>
-            <a:r>
-              <a:rPr lang="de-DE" dirty="0"/>
-              <a:t>-&gt; </a:t>
-            </a:r>
-            <a:r>
-              <a:rPr lang="de-DE" dirty="0" err="1"/>
-              <a:t>can</a:t>
-            </a:r>
-            <a:r>
-              <a:rPr lang="de-DE" dirty="0"/>
-              <a:t> </a:t>
-            </a:r>
-            <a:r>
-              <a:rPr lang="de-DE" dirty="0" err="1"/>
-              <a:t>be</a:t>
-            </a:r>
-            <a:r>
-              <a:rPr lang="de-DE" dirty="0"/>
-              <a:t> </a:t>
-            </a:r>
-            <a:r>
-              <a:rPr lang="de-DE" dirty="0" err="1"/>
-              <a:t>represented</a:t>
-            </a:r>
-            <a:r>
-              <a:rPr lang="de-DE" dirty="0"/>
-              <a:t> </a:t>
-            </a:r>
-            <a:r>
-              <a:rPr lang="de-DE" dirty="0" err="1"/>
-              <a:t>with</a:t>
-            </a:r>
-            <a:r>
-              <a:rPr lang="de-DE" dirty="0"/>
-              <a:t> a </a:t>
-            </a:r>
-            <a:r>
-              <a:rPr lang="de-DE" dirty="0" err="1"/>
-              <a:t>sparse</a:t>
-            </a:r>
-            <a:r>
-              <a:rPr lang="de-DE" dirty="0"/>
-              <a:t> </a:t>
-            </a:r>
-            <a:r>
-              <a:rPr lang="de-DE" dirty="0" err="1"/>
-              <a:t>matrix</a:t>
-            </a:r>
-            <a:endParaRPr lang="de-DE" dirty="0"/>
-          </a:p>
-          <a:p>
-            <a:pPr marL="0" indent="0">
-              <a:buNone/>
-            </a:pPr>
-            <a:r>
-              <a:rPr lang="de-DE" dirty="0" err="1"/>
-              <a:t>Solving</a:t>
-            </a:r>
-            <a:r>
-              <a:rPr lang="de-DE" dirty="0"/>
-              <a:t> </a:t>
-            </a:r>
-            <a:r>
-              <a:rPr lang="de-DE" dirty="0" err="1"/>
-              <a:t>those</a:t>
-            </a:r>
-            <a:r>
-              <a:rPr lang="de-DE" dirty="0"/>
-              <a:t> </a:t>
-            </a:r>
-            <a:r>
-              <a:rPr lang="de-DE" dirty="0" err="1"/>
-              <a:t>can</a:t>
-            </a:r>
-            <a:r>
-              <a:rPr lang="de-DE" dirty="0"/>
-              <a:t> </a:t>
-            </a:r>
-            <a:r>
-              <a:rPr lang="de-DE" dirty="0" err="1"/>
-              <a:t>tell</a:t>
-            </a:r>
-            <a:r>
-              <a:rPr lang="de-DE" dirty="0"/>
-              <a:t> </a:t>
-            </a:r>
-            <a:r>
-              <a:rPr lang="de-DE" dirty="0" err="1"/>
-              <a:t>us</a:t>
-            </a:r>
-            <a:r>
-              <a:rPr lang="de-DE" dirty="0"/>
-              <a:t> </a:t>
-            </a:r>
-            <a:r>
-              <a:rPr lang="de-DE" dirty="0" err="1"/>
-              <a:t>something</a:t>
-            </a:r>
-            <a:r>
-              <a:rPr lang="de-DE" dirty="0"/>
-              <a:t> </a:t>
-            </a:r>
-            <a:r>
-              <a:rPr lang="de-DE" dirty="0" err="1"/>
-              <a:t>about</a:t>
-            </a:r>
-            <a:r>
-              <a:rPr lang="de-DE" dirty="0"/>
-              <a:t> </a:t>
-            </a:r>
-            <a:r>
-              <a:rPr lang="de-DE" dirty="0" err="1"/>
-              <a:t>how</a:t>
-            </a:r>
-            <a:r>
-              <a:rPr lang="de-DE" dirty="0"/>
-              <a:t> </a:t>
-            </a:r>
-            <a:r>
-              <a:rPr lang="de-DE" dirty="0" err="1"/>
-              <a:t>the</a:t>
-            </a:r>
-            <a:r>
-              <a:rPr lang="de-DE" dirty="0"/>
-              <a:t> real </a:t>
-            </a:r>
-            <a:r>
-              <a:rPr lang="de-DE" dirty="0" err="1"/>
-              <a:t>world</a:t>
-            </a:r>
-            <a:r>
-              <a:rPr lang="de-DE" dirty="0"/>
-              <a:t> </a:t>
-            </a:r>
-            <a:r>
-              <a:rPr lang="de-DE" dirty="0" err="1"/>
-              <a:t>behaves</a:t>
-            </a:r>
-            <a:endParaRPr lang="de-DE" dirty="0"/>
-          </a:p>
-          <a:p>
-            <a:pPr marL="0" indent="0">
-              <a:buNone/>
-            </a:pPr>
-            <a:r>
-              <a:rPr lang="en-US" dirty="0"/>
-              <a:t>Google’s page rank algorithm, for example, requires the computation of an eigenvector for a matrix with as many rows and columns as there are pages on the web.</a:t>
-            </a:r>
-          </a:p>
-          <a:p>
-            <a:pPr marL="0" indent="0">
-              <a:buNone/>
-            </a:pPr>
-            <a:r>
-              <a:rPr lang="en-US" dirty="0"/>
-              <a:t>Portfolio management</a:t>
-            </a:r>
-          </a:p>
-          <a:p>
-            <a:pPr marL="0" indent="0">
-              <a:buNone/>
-            </a:pPr>
-            <a:r>
-              <a:rPr lang="de-DE" dirty="0" err="1"/>
-              <a:t>for</a:t>
-            </a:r>
-            <a:r>
-              <a:rPr lang="de-DE" dirty="0"/>
-              <a:t> </a:t>
-            </a:r>
-            <a:r>
-              <a:rPr lang="de-DE" dirty="0" err="1"/>
-              <a:t>tracking</a:t>
-            </a:r>
-            <a:r>
-              <a:rPr lang="de-DE" dirty="0"/>
-              <a:t> orbital </a:t>
-            </a:r>
-            <a:r>
-              <a:rPr lang="de-DE" dirty="0" err="1"/>
-              <a:t>debris</a:t>
-            </a:r>
-            <a:endParaRPr lang="de-DE" dirty="0"/>
-          </a:p>
-        </p:txBody>
-      </p:sp>
+            <a:endParaRPr lang="de-DE"/>
+          </a:p>
+        </p:txBody>
+      </p:sp>
+      <p:pic>
+        <p:nvPicPr>
+          <p:cNvPr id="4108" name="Picture 12" descr="Bildergebnis fÃ¼r circuit">
+            <a:extLst>
+              <a:ext uri="{FF2B5EF4-FFF2-40B4-BE49-F238E27FC236}">
+                <a16:creationId xmlns:a16="http://schemas.microsoft.com/office/drawing/2014/main" id="{82D03DF6-E7BA-4A37-A66F-47DC2DF5DF69}"/>
+              </a:ext>
+            </a:extLst>
+          </p:cNvPr>
+          <p:cNvPicPr>
+            <a:picLocks noChangeAspect="1" noChangeArrowheads="1"/>
+          </p:cNvPicPr>
+          <p:nvPr/>
+        </p:nvPicPr>
+        <p:blipFill>
+          <a:blip r:embed="rId2">
+            <a:extLst>
+              <a:ext uri="{28A0092B-C50C-407E-A947-70E740481C1C}">
+                <a14:useLocalDpi xmlns:a14="http://schemas.microsoft.com/office/drawing/2010/main" val="0"/>
+              </a:ext>
+            </a:extLst>
+          </a:blip>
+          <a:srcRect/>
+          <a:stretch>
+            <a:fillRect/>
+          </a:stretch>
+        </p:blipFill>
+        <p:spPr bwMode="auto">
+          <a:xfrm>
+            <a:off x="1272072" y="317241"/>
+            <a:ext cx="4478693" cy="2959360"/>
+          </a:xfrm>
+          <a:prstGeom prst="rect">
+            <a:avLst/>
+          </a:prstGeom>
+          <a:noFill/>
+          <a:extLst>
+            <a:ext uri="{909E8E84-426E-40DD-AFC4-6F175D3DCCD1}">
+              <a14:hiddenFill xmlns:a14="http://schemas.microsoft.com/office/drawing/2010/main">
+                <a:solidFill>
+                  <a:srgbClr val="FFFFFF"/>
+                </a:solidFill>
+              </a14:hiddenFill>
+            </a:ext>
+          </a:extLst>
+        </p:spPr>
+      </p:pic>
     </p:spTree>
     <p:extLst>
       <p:ext uri="{BB962C8B-B14F-4D97-AF65-F5344CB8AC3E}">
-        <p14:creationId xmlns:p14="http://schemas.microsoft.com/office/powerpoint/2010/main" val="544923446"/>
-      </p:ext>
-    </p:extLst>
-  </p:cSld>
-  <p:clrMapOvr>
-    <a:masterClrMapping/>
-  </p:clrMapOvr>
-</p:sld>
-</file>
-
-<file path=ppt/slides/slide20.xml><?xml version="1.0" encoding="utf-8"?>
-<p:sld xmlns:a="http://schemas.openxmlformats.org/drawingml/2006/main" xmlns:r="http://schemas.openxmlformats.org/officeDocument/2006/relationships" xmlns:p="http://schemas.openxmlformats.org/presentationml/2006/main">
-  <p:cSld>
-    <p:spTree>
-      <p:nvGrpSpPr>
-        <p:cNvPr id="1" name=""/>
-        <p:cNvGrpSpPr/>
-        <p:nvPr/>
-      </p:nvGrpSpPr>
-      <p:grpSpPr>
-        <a:xfrm>
-          <a:off x="0" y="0"/>
-          <a:ext cx="0" cy="0"/>
-          <a:chOff x="0" y="0"/>
-          <a:chExt cx="0" cy="0"/>
-        </a:xfrm>
-      </p:grpSpPr>
-      <p:sp>
-        <p:nvSpPr>
-          <p:cNvPr id="2" name="Titel 1">
-            <a:extLst>
-              <a:ext uri="{FF2B5EF4-FFF2-40B4-BE49-F238E27FC236}">
-                <a16:creationId xmlns:a16="http://schemas.microsoft.com/office/drawing/2014/main" id="{FA077195-AB61-4654-9227-16F6C8FE3A91}"/>
-              </a:ext>
-            </a:extLst>
-          </p:cNvPr>
-          <p:cNvSpPr>
-            <a:spLocks noGrp="1"/>
-          </p:cNvSpPr>
-          <p:nvPr>
-            <p:ph type="title"/>
-          </p:nvPr>
-        </p:nvSpPr>
-        <p:spPr/>
-        <p:txBody>
-          <a:bodyPr/>
-          <a:lstStyle/>
-          <a:p>
-            <a:r>
-              <a:rPr lang="de-DE" dirty="0" err="1"/>
-              <a:t>reflection</a:t>
-            </a:r>
-            <a:endParaRPr lang="de-DE" dirty="0"/>
-          </a:p>
-        </p:txBody>
-      </p:sp>
-      <p:sp>
-        <p:nvSpPr>
-          <p:cNvPr id="3" name="Inhaltsplatzhalter 2">
-            <a:extLst>
-              <a:ext uri="{FF2B5EF4-FFF2-40B4-BE49-F238E27FC236}">
-                <a16:creationId xmlns:a16="http://schemas.microsoft.com/office/drawing/2014/main" id="{A413207E-8AE4-4E84-85B7-EDBCD454FEDE}"/>
-              </a:ext>
-            </a:extLst>
-          </p:cNvPr>
-          <p:cNvSpPr>
-            <a:spLocks noGrp="1"/>
-          </p:cNvSpPr>
-          <p:nvPr>
-            <p:ph idx="1"/>
-          </p:nvPr>
-        </p:nvSpPr>
-        <p:spPr/>
-        <p:txBody>
-          <a:bodyPr/>
-          <a:lstStyle/>
-          <a:p>
-            <a:r>
-              <a:rPr lang="de-DE" dirty="0" err="1"/>
-              <a:t>Challenges</a:t>
-            </a:r>
-            <a:endParaRPr lang="de-DE" dirty="0"/>
-          </a:p>
-          <a:p>
-            <a:r>
-              <a:rPr lang="de-DE" dirty="0" err="1"/>
-              <a:t>How</a:t>
-            </a:r>
-            <a:r>
-              <a:rPr lang="de-DE" dirty="0"/>
-              <a:t> </a:t>
-            </a:r>
-            <a:r>
-              <a:rPr lang="de-DE" dirty="0" err="1"/>
-              <a:t>we</a:t>
-            </a:r>
-            <a:r>
-              <a:rPr lang="de-DE" dirty="0"/>
-              <a:t> </a:t>
-            </a:r>
-            <a:r>
-              <a:rPr lang="de-DE" dirty="0" err="1"/>
-              <a:t>solved</a:t>
-            </a:r>
-            <a:r>
-              <a:rPr lang="de-DE" dirty="0"/>
-              <a:t> </a:t>
-            </a:r>
-            <a:r>
-              <a:rPr lang="de-DE" dirty="0" err="1"/>
-              <a:t>them</a:t>
-            </a:r>
-            <a:endParaRPr lang="de-DE" dirty="0"/>
-          </a:p>
-          <a:p>
-            <a:r>
-              <a:rPr lang="de-DE" dirty="0" err="1"/>
-              <a:t>How</a:t>
-            </a:r>
-            <a:r>
-              <a:rPr lang="de-DE" dirty="0"/>
-              <a:t> </a:t>
-            </a:r>
-            <a:r>
-              <a:rPr lang="de-DE" dirty="0" err="1"/>
-              <a:t>much</a:t>
-            </a:r>
-            <a:r>
-              <a:rPr lang="de-DE" dirty="0"/>
-              <a:t> </a:t>
-            </a:r>
-            <a:r>
-              <a:rPr lang="de-DE" dirty="0" err="1"/>
-              <a:t>of</a:t>
-            </a:r>
-            <a:r>
-              <a:rPr lang="de-DE" dirty="0"/>
-              <a:t> </a:t>
-            </a:r>
-            <a:r>
-              <a:rPr lang="de-DE" dirty="0" err="1"/>
-              <a:t>the</a:t>
-            </a:r>
-            <a:r>
-              <a:rPr lang="de-DE" dirty="0"/>
-              <a:t> </a:t>
-            </a:r>
-            <a:r>
-              <a:rPr lang="de-DE" dirty="0" err="1"/>
-              <a:t>mandetory</a:t>
-            </a:r>
-            <a:r>
-              <a:rPr lang="de-DE" dirty="0"/>
-              <a:t>/optional </a:t>
-            </a:r>
-            <a:r>
-              <a:rPr lang="de-DE" dirty="0" err="1"/>
-              <a:t>requirements</a:t>
-            </a:r>
-            <a:r>
-              <a:rPr lang="de-DE" dirty="0"/>
-              <a:t> </a:t>
-            </a:r>
-            <a:r>
-              <a:rPr lang="de-DE" dirty="0" err="1"/>
-              <a:t>we</a:t>
-            </a:r>
-            <a:r>
-              <a:rPr lang="de-DE" dirty="0"/>
-              <a:t> </a:t>
-            </a:r>
-            <a:r>
-              <a:rPr lang="de-DE" dirty="0" err="1"/>
-              <a:t>achieved</a:t>
-            </a:r>
-            <a:endParaRPr lang="de-DE" dirty="0"/>
-          </a:p>
-        </p:txBody>
-      </p:sp>
-    </p:spTree>
-    <p:extLst>
-      <p:ext uri="{BB962C8B-B14F-4D97-AF65-F5344CB8AC3E}">
-        <p14:creationId xmlns:p14="http://schemas.microsoft.com/office/powerpoint/2010/main" val="2006122541"/>
-      </p:ext>
-    </p:extLst>
-  </p:cSld>
-  <p:clrMapOvr>
-    <a:masterClrMapping/>
-  </p:clrMapOvr>
-</p:sld>
-</file>
-
-<file path=ppt/slides/slide21.xml><?xml version="1.0" encoding="utf-8"?>
-<p:sld xmlns:a="http://schemas.openxmlformats.org/drawingml/2006/main" xmlns:r="http://schemas.openxmlformats.org/officeDocument/2006/relationships" xmlns:p="http://schemas.openxmlformats.org/presentationml/2006/main">
-  <p:cSld>
-    <p:spTree>
-      <p:nvGrpSpPr>
-        <p:cNvPr id="1" name=""/>
-        <p:cNvGrpSpPr/>
-        <p:nvPr/>
-      </p:nvGrpSpPr>
-      <p:grpSpPr>
-        <a:xfrm>
-          <a:off x="0" y="0"/>
-          <a:ext cx="0" cy="0"/>
-          <a:chOff x="0" y="0"/>
-          <a:chExt cx="0" cy="0"/>
-        </a:xfrm>
-      </p:grpSpPr>
-      <p:sp>
-        <p:nvSpPr>
-          <p:cNvPr id="2" name="Titel 1">
-            <a:extLst>
-              <a:ext uri="{FF2B5EF4-FFF2-40B4-BE49-F238E27FC236}">
-                <a16:creationId xmlns:a16="http://schemas.microsoft.com/office/drawing/2014/main" id="{0F6D6057-9AD6-4A17-8E35-B0AF4E68F675}"/>
-              </a:ext>
-            </a:extLst>
-          </p:cNvPr>
-          <p:cNvSpPr>
-            <a:spLocks noGrp="1"/>
-          </p:cNvSpPr>
-          <p:nvPr>
-            <p:ph type="title"/>
-          </p:nvPr>
-        </p:nvSpPr>
-        <p:spPr/>
-        <p:txBody>
-          <a:bodyPr/>
-          <a:lstStyle/>
-          <a:p>
-            <a:r>
-              <a:rPr lang="de-DE" dirty="0" err="1"/>
-              <a:t>outlook</a:t>
-            </a:r>
-            <a:endParaRPr lang="de-DE" dirty="0"/>
-          </a:p>
-        </p:txBody>
-      </p:sp>
-      <p:sp>
-        <p:nvSpPr>
-          <p:cNvPr id="3" name="Inhaltsplatzhalter 2">
-            <a:extLst>
-              <a:ext uri="{FF2B5EF4-FFF2-40B4-BE49-F238E27FC236}">
-                <a16:creationId xmlns:a16="http://schemas.microsoft.com/office/drawing/2014/main" id="{2BAE3E85-5952-4FCC-A5BE-B1BC7E36C319}"/>
-              </a:ext>
-            </a:extLst>
-          </p:cNvPr>
-          <p:cNvSpPr>
-            <a:spLocks noGrp="1"/>
-          </p:cNvSpPr>
-          <p:nvPr>
-            <p:ph idx="1"/>
-          </p:nvPr>
-        </p:nvSpPr>
-        <p:spPr/>
-        <p:txBody>
-          <a:bodyPr/>
-          <a:lstStyle/>
-          <a:p>
-            <a:r>
-              <a:rPr lang="de-DE" dirty="0" err="1"/>
-              <a:t>What</a:t>
-            </a:r>
-            <a:r>
-              <a:rPr lang="de-DE" dirty="0"/>
-              <a:t> </a:t>
-            </a:r>
-            <a:r>
-              <a:rPr lang="de-DE" dirty="0" err="1"/>
-              <a:t>we</a:t>
-            </a:r>
-            <a:r>
-              <a:rPr lang="de-DE" dirty="0"/>
-              <a:t> </a:t>
-            </a:r>
-            <a:r>
-              <a:rPr lang="de-DE" dirty="0" err="1"/>
-              <a:t>could</a:t>
-            </a:r>
-            <a:r>
-              <a:rPr lang="de-DE" dirty="0"/>
-              <a:t> </a:t>
-            </a:r>
-            <a:r>
-              <a:rPr lang="de-DE" dirty="0" err="1"/>
-              <a:t>add</a:t>
-            </a:r>
-            <a:endParaRPr lang="de-DE" dirty="0"/>
-          </a:p>
-        </p:txBody>
-      </p:sp>
-    </p:spTree>
-    <p:extLst>
-      <p:ext uri="{BB962C8B-B14F-4D97-AF65-F5344CB8AC3E}">
-        <p14:creationId xmlns:p14="http://schemas.microsoft.com/office/powerpoint/2010/main" val="2112290328"/>
+        <p14:creationId xmlns:p14="http://schemas.microsoft.com/office/powerpoint/2010/main" val="4165259950"/>
       </p:ext>
     </p:extLst>
   </p:cSld>
@@ -7159,58 +7803,193 @@
       </p:grpSpPr>
       <p:sp>
         <p:nvSpPr>
-          <p:cNvPr id="2" name="Titel 1">
-            <a:extLst>
-              <a:ext uri="{FF2B5EF4-FFF2-40B4-BE49-F238E27FC236}">
-                <a16:creationId xmlns:a16="http://schemas.microsoft.com/office/drawing/2014/main" id="{8BECF30F-E8FF-4675-B113-99C8FD561A16}"/>
+          <p:cNvPr id="7" name="Rechteck 6">
+            <a:extLst>
+              <a:ext uri="{FF2B5EF4-FFF2-40B4-BE49-F238E27FC236}">
+                <a16:creationId xmlns:a16="http://schemas.microsoft.com/office/drawing/2014/main" id="{DDEE7F32-2FE3-4894-9D03-30A7178F7B64}"/>
+              </a:ext>
+            </a:extLst>
+          </p:cNvPr>
+          <p:cNvSpPr/>
+          <p:nvPr/>
+        </p:nvSpPr>
+        <p:spPr>
+          <a:xfrm>
+            <a:off x="1272072" y="317241"/>
+            <a:ext cx="4478694" cy="2985796"/>
+          </a:xfrm>
+          <a:prstGeom prst="rect">
+            <a:avLst/>
+          </a:prstGeom>
+        </p:spPr>
+        <p:style>
+          <a:lnRef idx="2">
+            <a:schemeClr val="accent1">
+              <a:shade val="50000"/>
+            </a:schemeClr>
+          </a:lnRef>
+          <a:fillRef idx="1">
+            <a:schemeClr val="accent1"/>
+          </a:fillRef>
+          <a:effectRef idx="0">
+            <a:schemeClr val="accent1"/>
+          </a:effectRef>
+          <a:fontRef idx="minor">
+            <a:schemeClr val="lt1"/>
+          </a:fontRef>
+        </p:style>
+        <p:txBody>
+          <a:bodyPr rtlCol="0" anchor="ctr"/>
+          <a:lstStyle/>
+          <a:p>
+            <a:pPr algn="ctr"/>
+            <a:endParaRPr lang="de-DE"/>
+          </a:p>
+        </p:txBody>
+      </p:sp>
+      <p:pic>
+        <p:nvPicPr>
+          <p:cNvPr id="4098" name="Picture 2" descr="Bildergebnis fÃ¼r webpage">
+            <a:extLst>
+              <a:ext uri="{FF2B5EF4-FFF2-40B4-BE49-F238E27FC236}">
+                <a16:creationId xmlns:a16="http://schemas.microsoft.com/office/drawing/2014/main" id="{EDB986C9-D082-4B2A-B453-3C8B53A0C3CC}"/>
+              </a:ext>
+            </a:extLst>
+          </p:cNvPr>
+          <p:cNvPicPr>
+            <a:picLocks noChangeAspect="1" noChangeArrowheads="1"/>
+          </p:cNvPicPr>
+          <p:nvPr/>
+        </p:nvPicPr>
+        <p:blipFill>
+          <a:blip r:embed="rId2">
+            <a:extLst>
+              <a:ext uri="{28A0092B-C50C-407E-A947-70E740481C1C}">
+                <a14:useLocalDpi xmlns:a14="http://schemas.microsoft.com/office/drawing/2010/main" val="0"/>
+              </a:ext>
+            </a:extLst>
+          </a:blip>
+          <a:srcRect/>
+          <a:stretch>
+            <a:fillRect/>
+          </a:stretch>
+        </p:blipFill>
+        <p:spPr bwMode="auto">
+          <a:xfrm>
+            <a:off x="6441235" y="304023"/>
+            <a:ext cx="4478693" cy="2985795"/>
+          </a:xfrm>
+          <a:prstGeom prst="rect">
+            <a:avLst/>
+          </a:prstGeom>
+          <a:noFill/>
+          <a:extLst>
+            <a:ext uri="{909E8E84-426E-40DD-AFC4-6F175D3DCCD1}">
+              <a14:hiddenFill xmlns:a14="http://schemas.microsoft.com/office/drawing/2010/main">
+                <a:solidFill>
+                  <a:srgbClr val="FFFFFF"/>
+                </a:solidFill>
+              </a14:hiddenFill>
+            </a:ext>
+          </a:extLst>
+        </p:spPr>
+      </p:pic>
+      <p:sp>
+        <p:nvSpPr>
+          <p:cNvPr id="13" name="AutoShape 6" descr="Bildergebnis fÃ¼r Quadratic programming">
+            <a:extLst>
+              <a:ext uri="{FF2B5EF4-FFF2-40B4-BE49-F238E27FC236}">
+                <a16:creationId xmlns:a16="http://schemas.microsoft.com/office/drawing/2014/main" id="{DB59D097-587B-4879-9901-761CEBA0449B}"/>
               </a:ext>
             </a:extLst>
           </p:cNvPr>
           <p:cNvSpPr>
-            <a:spLocks noGrp="1"/>
+            <a:spLocks noChangeAspect="1" noChangeArrowheads="1"/>
           </p:cNvSpPr>
-          <p:nvPr>
-            <p:ph type="title"/>
-          </p:nvPr>
-        </p:nvSpPr>
-        <p:spPr/>
-        <p:txBody>
-          <a:bodyPr/>
+          <p:nvPr/>
+        </p:nvSpPr>
+        <p:spPr bwMode="auto">
+          <a:xfrm>
+            <a:off x="5943600" y="3276600"/>
+            <a:ext cx="4976328" cy="4976328"/>
+          </a:xfrm>
+          <a:prstGeom prst="rect">
+            <a:avLst/>
+          </a:prstGeom>
+          <a:noFill/>
+          <a:extLst>
+            <a:ext uri="{909E8E84-426E-40DD-AFC4-6F175D3DCCD1}">
+              <a14:hiddenFill xmlns:a14="http://schemas.microsoft.com/office/drawing/2010/main">
+                <a:solidFill>
+                  <a:srgbClr val="FFFFFF"/>
+                </a:solidFill>
+              </a14:hiddenFill>
+            </a:ext>
+          </a:extLst>
+        </p:spPr>
+        <p:txBody>
+          <a:bodyPr vert="horz" wrap="square" lIns="91440" tIns="45720" rIns="91440" bIns="45720" numCol="1" anchor="t" anchorCtr="0" compatLnSpc="1">
+            <a:prstTxWarp prst="textNoShape">
+              <a:avLst/>
+            </a:prstTxWarp>
+          </a:bodyPr>
           <a:lstStyle/>
           <a:p>
             <a:endParaRPr lang="de-DE"/>
           </a:p>
         </p:txBody>
       </p:sp>
-      <p:sp>
-        <p:nvSpPr>
-          <p:cNvPr id="3" name="Inhaltsplatzhalter 2">
-            <a:extLst>
-              <a:ext uri="{FF2B5EF4-FFF2-40B4-BE49-F238E27FC236}">
-                <a16:creationId xmlns:a16="http://schemas.microsoft.com/office/drawing/2014/main" id="{D9125FBE-E7A9-412C-9A6E-1F6AA47140B7}"/>
-              </a:ext>
-            </a:extLst>
-          </p:cNvPr>
-          <p:cNvSpPr>
-            <a:spLocks noGrp="1"/>
-          </p:cNvSpPr>
-          <p:nvPr>
-            <p:ph idx="1"/>
-          </p:nvPr>
-        </p:nvSpPr>
-        <p:spPr/>
-        <p:txBody>
-          <a:bodyPr/>
-          <a:lstStyle/>
-          <a:p>
-            <a:endParaRPr lang="de-DE"/>
-          </a:p>
-        </p:txBody>
-      </p:sp>
+      <p:pic>
+        <p:nvPicPr>
+          <p:cNvPr id="4108" name="Picture 12" descr="Bildergebnis fÃ¼r circuit">
+            <a:extLst>
+              <a:ext uri="{FF2B5EF4-FFF2-40B4-BE49-F238E27FC236}">
+                <a16:creationId xmlns:a16="http://schemas.microsoft.com/office/drawing/2014/main" id="{82D03DF6-E7BA-4A37-A66F-47DC2DF5DF69}"/>
+              </a:ext>
+            </a:extLst>
+          </p:cNvPr>
+          <p:cNvPicPr>
+            <a:picLocks noChangeAspect="1" noChangeArrowheads="1"/>
+          </p:cNvPicPr>
+          <p:nvPr/>
+        </p:nvPicPr>
+        <p:blipFill>
+          <a:blip r:embed="rId3">
+            <a:extLst>
+              <a:ext uri="{28A0092B-C50C-407E-A947-70E740481C1C}">
+                <a14:useLocalDpi xmlns:a14="http://schemas.microsoft.com/office/drawing/2010/main" val="0"/>
+              </a:ext>
+            </a:extLst>
+          </a:blip>
+          <a:srcRect/>
+          <a:stretch>
+            <a:fillRect/>
+          </a:stretch>
+        </p:blipFill>
+        <p:spPr bwMode="auto">
+          <a:xfrm>
+            <a:off x="1272072" y="317241"/>
+            <a:ext cx="4478693" cy="2959360"/>
+          </a:xfrm>
+          <a:prstGeom prst="rect">
+            <a:avLst/>
+          </a:prstGeom>
+          <a:noFill/>
+          <a:extLst>
+            <a:ext uri="{909E8E84-426E-40DD-AFC4-6F175D3DCCD1}">
+              <a14:hiddenFill xmlns:a14="http://schemas.microsoft.com/office/drawing/2010/main">
+                <a:solidFill>
+                  <a:srgbClr val="FFFFFF"/>
+                </a:solidFill>
+              </a14:hiddenFill>
+            </a:ext>
+          </a:extLst>
+        </p:spPr>
+      </p:pic>
     </p:spTree>
     <p:extLst>
       <p:ext uri="{BB962C8B-B14F-4D97-AF65-F5344CB8AC3E}">
-        <p14:creationId xmlns:p14="http://schemas.microsoft.com/office/powerpoint/2010/main" val="298969375"/>
+        <p14:creationId xmlns:p14="http://schemas.microsoft.com/office/powerpoint/2010/main" val="4167139949"/>
       </p:ext>
     </p:extLst>
   </p:cSld>
@@ -7285,6 +8064,146 @@
       </p:sp>
       <p:sp>
         <p:nvSpPr>
+          <p:cNvPr id="9" name="Rechteck 8">
+            <a:extLst>
+              <a:ext uri="{FF2B5EF4-FFF2-40B4-BE49-F238E27FC236}">
+                <a16:creationId xmlns:a16="http://schemas.microsoft.com/office/drawing/2014/main" id="{FF3B08D9-8EA4-4625-ADF6-EB8A865F4846}"/>
+              </a:ext>
+            </a:extLst>
+          </p:cNvPr>
+          <p:cNvSpPr/>
+          <p:nvPr/>
+        </p:nvSpPr>
+        <p:spPr>
+          <a:xfrm>
+            <a:off x="1272072" y="3657600"/>
+            <a:ext cx="4478694" cy="2985796"/>
+          </a:xfrm>
+          <a:prstGeom prst="rect">
+            <a:avLst/>
+          </a:prstGeom>
+        </p:spPr>
+        <p:style>
+          <a:lnRef idx="2">
+            <a:schemeClr val="accent1">
+              <a:shade val="50000"/>
+            </a:schemeClr>
+          </a:lnRef>
+          <a:fillRef idx="1">
+            <a:schemeClr val="accent1"/>
+          </a:fillRef>
+          <a:effectRef idx="0">
+            <a:schemeClr val="accent1"/>
+          </a:effectRef>
+          <a:fontRef idx="minor">
+            <a:schemeClr val="lt1"/>
+          </a:fontRef>
+        </p:style>
+        <p:txBody>
+          <a:bodyPr rtlCol="0" anchor="ctr"/>
+          <a:lstStyle/>
+          <a:p>
+            <a:pPr algn="ctr"/>
+            <a:endParaRPr lang="de-DE"/>
+          </a:p>
+        </p:txBody>
+      </p:sp>
+      <p:pic>
+        <p:nvPicPr>
+          <p:cNvPr id="11" name="Picture 2" descr="Bildergebnis fÃ¼r stock">
+            <a:extLst>
+              <a:ext uri="{FF2B5EF4-FFF2-40B4-BE49-F238E27FC236}">
+                <a16:creationId xmlns:a16="http://schemas.microsoft.com/office/drawing/2014/main" id="{2D45B5F0-253A-4953-85AE-E63E0F5C0903}"/>
+              </a:ext>
+            </a:extLst>
+          </p:cNvPr>
+          <p:cNvPicPr>
+            <a:picLocks noChangeAspect="1" noChangeArrowheads="1"/>
+          </p:cNvPicPr>
+          <p:nvPr/>
+        </p:nvPicPr>
+        <p:blipFill>
+          <a:blip r:embed="rId2">
+            <a:extLst>
+              <a:ext uri="{28A0092B-C50C-407E-A947-70E740481C1C}">
+                <a14:useLocalDpi xmlns:a14="http://schemas.microsoft.com/office/drawing/2010/main" val="0"/>
+              </a:ext>
+            </a:extLst>
+          </a:blip>
+          <a:srcRect/>
+          <a:stretch>
+            <a:fillRect/>
+          </a:stretch>
+        </p:blipFill>
+        <p:spPr bwMode="auto">
+          <a:xfrm>
+            <a:off x="1272072" y="3657601"/>
+            <a:ext cx="4478694" cy="2985796"/>
+          </a:xfrm>
+          <a:prstGeom prst="rect">
+            <a:avLst/>
+          </a:prstGeom>
+          <a:noFill/>
+          <a:extLst>
+            <a:ext uri="{909E8E84-426E-40DD-AFC4-6F175D3DCCD1}">
+              <a14:hiddenFill xmlns:a14="http://schemas.microsoft.com/office/drawing/2010/main">
+                <a:solidFill>
+                  <a:srgbClr val="FFFFFF"/>
+                </a:solidFill>
+              </a14:hiddenFill>
+            </a:ext>
+          </a:extLst>
+        </p:spPr>
+      </p:pic>
+      <p:pic>
+        <p:nvPicPr>
+          <p:cNvPr id="4098" name="Picture 2" descr="Bildergebnis fÃ¼r webpage">
+            <a:extLst>
+              <a:ext uri="{FF2B5EF4-FFF2-40B4-BE49-F238E27FC236}">
+                <a16:creationId xmlns:a16="http://schemas.microsoft.com/office/drawing/2014/main" id="{EDB986C9-D082-4B2A-B453-3C8B53A0C3CC}"/>
+              </a:ext>
+            </a:extLst>
+          </p:cNvPr>
+          <p:cNvPicPr>
+            <a:picLocks noChangeAspect="1" noChangeArrowheads="1"/>
+          </p:cNvPicPr>
+          <p:nvPr/>
+        </p:nvPicPr>
+        <p:blipFill>
+          <a:blip r:embed="rId3">
+            <a:extLst>
+              <a:ext uri="{28A0092B-C50C-407E-A947-70E740481C1C}">
+                <a14:useLocalDpi xmlns:a14="http://schemas.microsoft.com/office/drawing/2010/main" val="0"/>
+              </a:ext>
+            </a:extLst>
+          </a:blip>
+          <a:srcRect/>
+          <a:stretch>
+            <a:fillRect/>
+          </a:stretch>
+        </p:blipFill>
+        <p:spPr bwMode="auto">
+          <a:xfrm>
+            <a:off x="6441235" y="317242"/>
+            <a:ext cx="4478693" cy="2985795"/>
+          </a:xfrm>
+          <a:prstGeom prst="rect">
+            <a:avLst/>
+          </a:prstGeom>
+          <a:noFill/>
+          <a:extLst>
+            <a:ext uri="{909E8E84-426E-40DD-AFC4-6F175D3DCCD1}">
+              <a14:hiddenFill xmlns:a14="http://schemas.microsoft.com/office/drawing/2010/main">
+                <a:solidFill>
+                  <a:srgbClr val="FFFFFF"/>
+                </a:solidFill>
+              </a14:hiddenFill>
+            </a:ext>
+          </a:extLst>
+        </p:spPr>
+      </p:pic>
+      <p:sp>
+        <p:nvSpPr>
           <p:cNvPr id="13" name="AutoShape 6" descr="Bildergebnis fÃ¼r Quadratic programming">
             <a:extLst>
               <a:ext uri="{FF2B5EF4-FFF2-40B4-BE49-F238E27FC236}">
@@ -7343,7 +8262,7 @@
           <p:nvPr/>
         </p:nvPicPr>
         <p:blipFill>
-          <a:blip r:embed="rId2">
+          <a:blip r:embed="rId4">
             <a:extLst>
               <a:ext uri="{28A0092B-C50C-407E-A947-70E740481C1C}">
                 <a14:useLocalDpi xmlns:a14="http://schemas.microsoft.com/office/drawing/2010/main" val="0"/>
@@ -7378,7 +8297,7 @@
     </p:spTree>
     <p:extLst>
       <p:ext uri="{BB962C8B-B14F-4D97-AF65-F5344CB8AC3E}">
-        <p14:creationId xmlns:p14="http://schemas.microsoft.com/office/powerpoint/2010/main" val="4165259950"/>
+        <p14:creationId xmlns:p14="http://schemas.microsoft.com/office/powerpoint/2010/main" val="3335041752"/>
       </p:ext>
     </p:extLst>
   </p:cSld>
@@ -7451,12 +8370,58 @@
           </a:p>
         </p:txBody>
       </p:sp>
+      <p:sp>
+        <p:nvSpPr>
+          <p:cNvPr id="9" name="Rechteck 8">
+            <a:extLst>
+              <a:ext uri="{FF2B5EF4-FFF2-40B4-BE49-F238E27FC236}">
+                <a16:creationId xmlns:a16="http://schemas.microsoft.com/office/drawing/2014/main" id="{FF3B08D9-8EA4-4625-ADF6-EB8A865F4846}"/>
+              </a:ext>
+            </a:extLst>
+          </p:cNvPr>
+          <p:cNvSpPr/>
+          <p:nvPr/>
+        </p:nvSpPr>
+        <p:spPr>
+          <a:xfrm>
+            <a:off x="1272072" y="3657600"/>
+            <a:ext cx="4478694" cy="2985796"/>
+          </a:xfrm>
+          <a:prstGeom prst="rect">
+            <a:avLst/>
+          </a:prstGeom>
+        </p:spPr>
+        <p:style>
+          <a:lnRef idx="2">
+            <a:schemeClr val="accent1">
+              <a:shade val="50000"/>
+            </a:schemeClr>
+          </a:lnRef>
+          <a:fillRef idx="1">
+            <a:schemeClr val="accent1"/>
+          </a:fillRef>
+          <a:effectRef idx="0">
+            <a:schemeClr val="accent1"/>
+          </a:effectRef>
+          <a:fontRef idx="minor">
+            <a:schemeClr val="lt1"/>
+          </a:fontRef>
+        </p:style>
+        <p:txBody>
+          <a:bodyPr rtlCol="0" anchor="ctr"/>
+          <a:lstStyle/>
+          <a:p>
+            <a:pPr algn="ctr"/>
+            <a:endParaRPr lang="de-DE"/>
+          </a:p>
+        </p:txBody>
+      </p:sp>
       <p:pic>
         <p:nvPicPr>
-          <p:cNvPr id="4098" name="Picture 2" descr="Bildergebnis fÃ¼r webpage">
-            <a:extLst>
-              <a:ext uri="{FF2B5EF4-FFF2-40B4-BE49-F238E27FC236}">
-                <a16:creationId xmlns:a16="http://schemas.microsoft.com/office/drawing/2014/main" id="{EDB986C9-D082-4B2A-B453-3C8B53A0C3CC}"/>
+          <p:cNvPr id="11" name="Picture 2" descr="Bildergebnis fÃ¼r stock">
+            <a:extLst>
+              <a:ext uri="{FF2B5EF4-FFF2-40B4-BE49-F238E27FC236}">
+                <a16:creationId xmlns:a16="http://schemas.microsoft.com/office/drawing/2014/main" id="{2D45B5F0-253A-4953-85AE-E63E0F5C0903}"/>
               </a:ext>
             </a:extLst>
           </p:cNvPr>
@@ -7480,7 +8445,54 @@
         </p:blipFill>
         <p:spPr bwMode="auto">
           <a:xfrm>
-            <a:off x="6441235" y="304023"/>
+            <a:off x="1272072" y="3657601"/>
+            <a:ext cx="4478694" cy="2985796"/>
+          </a:xfrm>
+          <a:prstGeom prst="rect">
+            <a:avLst/>
+          </a:prstGeom>
+          <a:noFill/>
+          <a:extLst>
+            <a:ext uri="{909E8E84-426E-40DD-AFC4-6F175D3DCCD1}">
+              <a14:hiddenFill xmlns:a14="http://schemas.microsoft.com/office/drawing/2010/main">
+                <a:solidFill>
+                  <a:srgbClr val="FFFFFF"/>
+                </a:solidFill>
+              </a14:hiddenFill>
+            </a:ext>
+          </a:extLst>
+        </p:spPr>
+      </p:pic>
+      <p:pic>
+        <p:nvPicPr>
+          <p:cNvPr id="4098" name="Picture 2" descr="Bildergebnis fÃ¼r webpage">
+            <a:extLst>
+              <a:ext uri="{FF2B5EF4-FFF2-40B4-BE49-F238E27FC236}">
+                <a16:creationId xmlns:a16="http://schemas.microsoft.com/office/drawing/2014/main" id="{EDB986C9-D082-4B2A-B453-3C8B53A0C3CC}"/>
+              </a:ext>
+            </a:extLst>
+          </p:cNvPr>
+          <p:cNvPicPr>
+            <a:picLocks noChangeAspect="1" noChangeArrowheads="1"/>
+          </p:cNvPicPr>
+          <p:nvPr/>
+        </p:nvPicPr>
+        <p:blipFill>
+          <a:blip r:embed="rId3">
+            <a:extLst>
+              <a:ext uri="{28A0092B-C50C-407E-A947-70E740481C1C}">
+                <a14:useLocalDpi xmlns:a14="http://schemas.microsoft.com/office/drawing/2010/main" val="0"/>
+              </a:ext>
+            </a:extLst>
+          </a:blip>
+          <a:srcRect/>
+          <a:stretch>
+            <a:fillRect/>
+          </a:stretch>
+        </p:blipFill>
+        <p:spPr bwMode="auto">
+          <a:xfrm>
+            <a:off x="6441234" y="317242"/>
             <a:ext cx="4478693" cy="2985795"/>
           </a:xfrm>
           <a:prstGeom prst="rect">
@@ -7545,10 +8557,10 @@
       </p:sp>
       <p:pic>
         <p:nvPicPr>
-          <p:cNvPr id="4108" name="Picture 12" descr="Bildergebnis fÃ¼r circuit">
-            <a:extLst>
-              <a:ext uri="{FF2B5EF4-FFF2-40B4-BE49-F238E27FC236}">
-                <a16:creationId xmlns:a16="http://schemas.microsoft.com/office/drawing/2014/main" id="{82D03DF6-E7BA-4A37-A66F-47DC2DF5DF69}"/>
+          <p:cNvPr id="4104" name="Picture 8" descr="Ãhnliches Foto">
+            <a:extLst>
+              <a:ext uri="{FF2B5EF4-FFF2-40B4-BE49-F238E27FC236}">
+                <a16:creationId xmlns:a16="http://schemas.microsoft.com/office/drawing/2014/main" id="{3DF9AC50-3149-4EAB-BAA4-1092BDF6F0B6}"/>
               </a:ext>
             </a:extLst>
           </p:cNvPr>
@@ -7558,7 +8570,54 @@
           <p:nvPr/>
         </p:nvPicPr>
         <p:blipFill>
-          <a:blip r:embed="rId3">
+          <a:blip r:embed="rId4">
+            <a:extLst>
+              <a:ext uri="{28A0092B-C50C-407E-A947-70E740481C1C}">
+                <a14:useLocalDpi xmlns:a14="http://schemas.microsoft.com/office/drawing/2010/main" val="0"/>
+              </a:ext>
+            </a:extLst>
+          </a:blip>
+          <a:srcRect/>
+          <a:stretch>
+            <a:fillRect/>
+          </a:stretch>
+        </p:blipFill>
+        <p:spPr bwMode="auto">
+          <a:xfrm>
+            <a:off x="6441234" y="3657600"/>
+            <a:ext cx="4478693" cy="3006789"/>
+          </a:xfrm>
+          <a:prstGeom prst="rect">
+            <a:avLst/>
+          </a:prstGeom>
+          <a:noFill/>
+          <a:extLst>
+            <a:ext uri="{909E8E84-426E-40DD-AFC4-6F175D3DCCD1}">
+              <a14:hiddenFill xmlns:a14="http://schemas.microsoft.com/office/drawing/2010/main">
+                <a:solidFill>
+                  <a:srgbClr val="FFFFFF"/>
+                </a:solidFill>
+              </a14:hiddenFill>
+            </a:ext>
+          </a:extLst>
+        </p:spPr>
+      </p:pic>
+      <p:pic>
+        <p:nvPicPr>
+          <p:cNvPr id="4108" name="Picture 12" descr="Bildergebnis fÃ¼r circuit">
+            <a:extLst>
+              <a:ext uri="{FF2B5EF4-FFF2-40B4-BE49-F238E27FC236}">
+                <a16:creationId xmlns:a16="http://schemas.microsoft.com/office/drawing/2014/main" id="{82D03DF6-E7BA-4A37-A66F-47DC2DF5DF69}"/>
+              </a:ext>
+            </a:extLst>
+          </p:cNvPr>
+          <p:cNvPicPr>
+            <a:picLocks noChangeAspect="1" noChangeArrowheads="1"/>
+          </p:cNvPicPr>
+          <p:nvPr/>
+        </p:nvPicPr>
+        <p:blipFill>
+          <a:blip r:embed="rId5">
             <a:extLst>
               <a:ext uri="{28A0092B-C50C-407E-A947-70E740481C1C}">
                 <a14:useLocalDpi xmlns:a14="http://schemas.microsoft.com/office/drawing/2010/main" val="0"/>
@@ -7593,7 +8652,7 @@
     </p:spTree>
     <p:extLst>
       <p:ext uri="{BB962C8B-B14F-4D97-AF65-F5344CB8AC3E}">
-        <p14:creationId xmlns:p14="http://schemas.microsoft.com/office/powerpoint/2010/main" val="4167139949"/>
+        <p14:creationId xmlns:p14="http://schemas.microsoft.com/office/powerpoint/2010/main" val="2917853738"/>
       </p:ext>
     </p:extLst>
   </p:cSld>
@@ -7727,7 +8786,7 @@
           <p:nvPr/>
         </p:nvPicPr>
         <p:blipFill>
-          <a:blip r:embed="rId2">
+          <a:blip r:embed="rId3">
             <a:extLst>
               <a:ext uri="{28A0092B-C50C-407E-A947-70E740481C1C}">
                 <a14:useLocalDpi xmlns:a14="http://schemas.microsoft.com/office/drawing/2010/main" val="0"/>
@@ -7774,7 +8833,7 @@
           <p:nvPr/>
         </p:nvPicPr>
         <p:blipFill>
-          <a:blip r:embed="rId3">
+          <a:blip r:embed="rId4">
             <a:extLst>
               <a:ext uri="{28A0092B-C50C-407E-A947-70E740481C1C}">
                 <a14:useLocalDpi xmlns:a14="http://schemas.microsoft.com/office/drawing/2010/main" val="0"/>
@@ -7788,7 +8847,7 @@
         </p:blipFill>
         <p:spPr bwMode="auto">
           <a:xfrm>
-            <a:off x="6441235" y="317242"/>
+            <a:off x="6441234" y="317242"/>
             <a:ext cx="4478693" cy="2985795"/>
           </a:xfrm>
           <a:prstGeom prst="rect">
@@ -7853,10 +8912,10 @@
       </p:sp>
       <p:pic>
         <p:nvPicPr>
-          <p:cNvPr id="4108" name="Picture 12" descr="Bildergebnis fÃ¼r circuit">
-            <a:extLst>
-              <a:ext uri="{FF2B5EF4-FFF2-40B4-BE49-F238E27FC236}">
-                <a16:creationId xmlns:a16="http://schemas.microsoft.com/office/drawing/2014/main" id="{82D03DF6-E7BA-4A37-A66F-47DC2DF5DF69}"/>
+          <p:cNvPr id="4104" name="Picture 8" descr="Ãhnliches Foto">
+            <a:extLst>
+              <a:ext uri="{FF2B5EF4-FFF2-40B4-BE49-F238E27FC236}">
+                <a16:creationId xmlns:a16="http://schemas.microsoft.com/office/drawing/2014/main" id="{3DF9AC50-3149-4EAB-BAA4-1092BDF6F0B6}"/>
               </a:ext>
             </a:extLst>
           </p:cNvPr>
@@ -7866,7 +8925,7 @@
           <p:nvPr/>
         </p:nvPicPr>
         <p:blipFill>
-          <a:blip r:embed="rId4">
+          <a:blip r:embed="rId5">
             <a:extLst>
               <a:ext uri="{28A0092B-C50C-407E-A947-70E740481C1C}">
                 <a14:useLocalDpi xmlns:a14="http://schemas.microsoft.com/office/drawing/2010/main" val="0"/>
@@ -7880,8 +8939,8 @@
         </p:blipFill>
         <p:spPr bwMode="auto">
           <a:xfrm>
-            <a:off x="1272072" y="317241"/>
-            <a:ext cx="4478693" cy="2959360"/>
+            <a:off x="6441234" y="3657600"/>
+            <a:ext cx="4478693" cy="3006789"/>
           </a:xfrm>
           <a:prstGeom prst="rect">
             <a:avLst/>
@@ -7898,10 +8957,55 @@
           </a:extLst>
         </p:spPr>
       </p:pic>
+      <p:pic>
+        <p:nvPicPr>
+          <p:cNvPr id="10" name="Picture 6" descr="http://faculty.cse.tamu.edu/davis/matrices_files/net25_and_pre2.jpg">
+            <a:extLst>
+              <a:ext uri="{FF2B5EF4-FFF2-40B4-BE49-F238E27FC236}">
+                <a16:creationId xmlns:a16="http://schemas.microsoft.com/office/drawing/2014/main" id="{4EA83C6A-E100-4F83-BBF4-1AD297F82564}"/>
+              </a:ext>
+            </a:extLst>
+          </p:cNvPr>
+          <p:cNvPicPr>
+            <a:picLocks noChangeAspect="1" noChangeArrowheads="1"/>
+          </p:cNvPicPr>
+          <p:nvPr/>
+        </p:nvPicPr>
+        <p:blipFill rotWithShape="1">
+          <a:blip r:embed="rId6">
+            <a:extLst>
+              <a:ext uri="{28A0092B-C50C-407E-A947-70E740481C1C}">
+                <a14:useLocalDpi xmlns:a14="http://schemas.microsoft.com/office/drawing/2010/main" val="0"/>
+              </a:ext>
+            </a:extLst>
+          </a:blip>
+          <a:srcRect t="48303"/>
+          <a:stretch/>
+        </p:blipFill>
+        <p:spPr bwMode="auto">
+          <a:xfrm>
+            <a:off x="1272073" y="317241"/>
+            <a:ext cx="4495816" cy="2985796"/>
+          </a:xfrm>
+          <a:prstGeom prst="rect">
+            <a:avLst/>
+          </a:prstGeom>
+          <a:noFill/>
+          <a:extLst>
+            <a:ext uri="{909E8E84-426E-40DD-AFC4-6F175D3DCCD1}">
+              <a14:hiddenFill xmlns:a14="http://schemas.microsoft.com/office/drawing/2010/main">
+                <a:solidFill>
+                  <a:srgbClr val="FFFFFF"/>
+                </a:solidFill>
+              </a14:hiddenFill>
+            </a:ext>
+          </a:extLst>
+        </p:spPr>
+      </p:pic>
     </p:spTree>
     <p:extLst>
       <p:ext uri="{BB962C8B-B14F-4D97-AF65-F5344CB8AC3E}">
-        <p14:creationId xmlns:p14="http://schemas.microsoft.com/office/powerpoint/2010/main" val="3335041752"/>
+        <p14:creationId xmlns:p14="http://schemas.microsoft.com/office/powerpoint/2010/main" val="4226975708"/>
       </p:ext>
     </p:extLst>
   </p:cSld>
@@ -8208,10 +9312,55 @@
       </p:pic>
       <p:pic>
         <p:nvPicPr>
-          <p:cNvPr id="4108" name="Picture 12" descr="Bildergebnis fÃ¼r circuit">
-            <a:extLst>
-              <a:ext uri="{FF2B5EF4-FFF2-40B4-BE49-F238E27FC236}">
-                <a16:creationId xmlns:a16="http://schemas.microsoft.com/office/drawing/2014/main" id="{82D03DF6-E7BA-4A37-A66F-47DC2DF5DF69}"/>
+          <p:cNvPr id="10" name="Picture 6" descr="http://faculty.cse.tamu.edu/davis/matrices_files/net25_and_pre2.jpg">
+            <a:extLst>
+              <a:ext uri="{FF2B5EF4-FFF2-40B4-BE49-F238E27FC236}">
+                <a16:creationId xmlns:a16="http://schemas.microsoft.com/office/drawing/2014/main" id="{4EA83C6A-E100-4F83-BBF4-1AD297F82564}"/>
+              </a:ext>
+            </a:extLst>
+          </p:cNvPr>
+          <p:cNvPicPr>
+            <a:picLocks noChangeAspect="1" noChangeArrowheads="1"/>
+          </p:cNvPicPr>
+          <p:nvPr/>
+        </p:nvPicPr>
+        <p:blipFill rotWithShape="1">
+          <a:blip r:embed="rId5">
+            <a:extLst>
+              <a:ext uri="{28A0092B-C50C-407E-A947-70E740481C1C}">
+                <a14:useLocalDpi xmlns:a14="http://schemas.microsoft.com/office/drawing/2010/main" val="0"/>
+              </a:ext>
+            </a:extLst>
+          </a:blip>
+          <a:srcRect t="48303"/>
+          <a:stretch/>
+        </p:blipFill>
+        <p:spPr bwMode="auto">
+          <a:xfrm>
+            <a:off x="1272073" y="317241"/>
+            <a:ext cx="4495816" cy="2985796"/>
+          </a:xfrm>
+          <a:prstGeom prst="rect">
+            <a:avLst/>
+          </a:prstGeom>
+          <a:noFill/>
+          <a:extLst>
+            <a:ext uri="{909E8E84-426E-40DD-AFC4-6F175D3DCCD1}">
+              <a14:hiddenFill xmlns:a14="http://schemas.microsoft.com/office/drawing/2010/main">
+                <a:solidFill>
+                  <a:srgbClr val="FFFFFF"/>
+                </a:solidFill>
+              </a14:hiddenFill>
+            </a:ext>
+          </a:extLst>
+        </p:spPr>
+      </p:pic>
+      <p:pic>
+        <p:nvPicPr>
+          <p:cNvPr id="12" name="Picture 2" descr="http://faculty.cse.tamu.edu/davis/matrices_files/Buss%40connectus.jpg">
+            <a:extLst>
+              <a:ext uri="{FF2B5EF4-FFF2-40B4-BE49-F238E27FC236}">
+                <a16:creationId xmlns:a16="http://schemas.microsoft.com/office/drawing/2014/main" id="{E47E536E-8909-41FE-BBF5-E469E442B124}"/>
               </a:ext>
             </a:extLst>
           </p:cNvPr>
@@ -8221,7 +9370,7 @@
           <p:nvPr/>
         </p:nvPicPr>
         <p:blipFill>
-          <a:blip r:embed="rId5">
+          <a:blip r:embed="rId6">
             <a:extLst>
               <a:ext uri="{28A0092B-C50C-407E-A947-70E740481C1C}">
                 <a14:useLocalDpi xmlns:a14="http://schemas.microsoft.com/office/drawing/2010/main" val="0"/>
@@ -8235,8 +9384,8 @@
         </p:blipFill>
         <p:spPr bwMode="auto">
           <a:xfrm>
-            <a:off x="1272072" y="317241"/>
-            <a:ext cx="4478693" cy="2959360"/>
+            <a:off x="6441234" y="317866"/>
+            <a:ext cx="4478693" cy="2994732"/>
           </a:xfrm>
           <a:prstGeom prst="rect">
             <a:avLst/>
@@ -8256,7 +9405,7 @@
     </p:spTree>
     <p:extLst>
       <p:ext uri="{BB962C8B-B14F-4D97-AF65-F5344CB8AC3E}">
-        <p14:creationId xmlns:p14="http://schemas.microsoft.com/office/powerpoint/2010/main" val="2917853738"/>
+        <p14:creationId xmlns:p14="http://schemas.microsoft.com/office/powerpoint/2010/main" val="3932120313"/>
       </p:ext>
     </p:extLst>
   </p:cSld>
@@ -8606,10 +9755,104 @@
           </a:extLst>
         </p:spPr>
       </p:pic>
+      <p:pic>
+        <p:nvPicPr>
+          <p:cNvPr id="12" name="Picture 2" descr="http://faculty.cse.tamu.edu/davis/matrices_files/Buss%40connectus.jpg">
+            <a:extLst>
+              <a:ext uri="{FF2B5EF4-FFF2-40B4-BE49-F238E27FC236}">
+                <a16:creationId xmlns:a16="http://schemas.microsoft.com/office/drawing/2014/main" id="{E47E536E-8909-41FE-BBF5-E469E442B124}"/>
+              </a:ext>
+            </a:extLst>
+          </p:cNvPr>
+          <p:cNvPicPr>
+            <a:picLocks noChangeAspect="1" noChangeArrowheads="1"/>
+          </p:cNvPicPr>
+          <p:nvPr/>
+        </p:nvPicPr>
+        <p:blipFill>
+          <a:blip r:embed="rId6">
+            <a:extLst>
+              <a:ext uri="{28A0092B-C50C-407E-A947-70E740481C1C}">
+                <a14:useLocalDpi xmlns:a14="http://schemas.microsoft.com/office/drawing/2010/main" val="0"/>
+              </a:ext>
+            </a:extLst>
+          </a:blip>
+          <a:srcRect/>
+          <a:stretch>
+            <a:fillRect/>
+          </a:stretch>
+        </p:blipFill>
+        <p:spPr bwMode="auto">
+          <a:xfrm>
+            <a:off x="6441234" y="317866"/>
+            <a:ext cx="4478693" cy="2994732"/>
+          </a:xfrm>
+          <a:prstGeom prst="rect">
+            <a:avLst/>
+          </a:prstGeom>
+          <a:noFill/>
+          <a:extLst>
+            <a:ext uri="{909E8E84-426E-40DD-AFC4-6F175D3DCCD1}">
+              <a14:hiddenFill xmlns:a14="http://schemas.microsoft.com/office/drawing/2010/main">
+                <a:solidFill>
+                  <a:srgbClr val="FFFFFF"/>
+                </a:solidFill>
+              </a14:hiddenFill>
+            </a:ext>
+          </a:extLst>
+        </p:spPr>
+      </p:pic>
+      <p:pic>
+        <p:nvPicPr>
+          <p:cNvPr id="14" name="Picture 2" descr="http://faculty.cse.tamu.edu/davis/matrices_files/GHS_psdef%40finance256.jpg">
+            <a:extLst>
+              <a:ext uri="{FF2B5EF4-FFF2-40B4-BE49-F238E27FC236}">
+                <a16:creationId xmlns:a16="http://schemas.microsoft.com/office/drawing/2014/main" id="{C2162F5B-2394-46C7-A737-DC5C654843D4}"/>
+              </a:ext>
+            </a:extLst>
+          </p:cNvPr>
+          <p:cNvPicPr>
+            <a:picLocks noChangeAspect="1" noChangeArrowheads="1"/>
+          </p:cNvPicPr>
+          <p:nvPr/>
+        </p:nvPicPr>
+        <p:blipFill>
+          <a:blip r:embed="rId7">
+            <a:extLst>
+              <a:ext uri="{28A0092B-C50C-407E-A947-70E740481C1C}">
+                <a14:useLocalDpi xmlns:a14="http://schemas.microsoft.com/office/drawing/2010/main" val="0"/>
+              </a:ext>
+            </a:extLst>
+          </a:blip>
+          <a:srcRect/>
+          <a:stretch>
+            <a:fillRect/>
+          </a:stretch>
+        </p:blipFill>
+        <p:spPr bwMode="auto">
+          <a:xfrm>
+            <a:off x="1272072" y="3657599"/>
+            <a:ext cx="4478694" cy="2985796"/>
+          </a:xfrm>
+          <a:prstGeom prst="rect">
+            <a:avLst/>
+          </a:prstGeom>
+          <a:noFill/>
+          <a:extLst>
+            <a:ext uri="{909E8E84-426E-40DD-AFC4-6F175D3DCCD1}">
+              <a14:hiddenFill xmlns:a14="http://schemas.microsoft.com/office/drawing/2010/main">
+                <a:solidFill>
+                  <a:srgbClr val="FFFFFF"/>
+                </a:solidFill>
+              </a14:hiddenFill>
+            </a:ext>
+          </a:extLst>
+        </p:spPr>
+      </p:pic>
     </p:spTree>
     <p:extLst>
       <p:ext uri="{BB962C8B-B14F-4D97-AF65-F5344CB8AC3E}">
-        <p14:creationId xmlns:p14="http://schemas.microsoft.com/office/powerpoint/2010/main" val="4226975708"/>
+        <p14:creationId xmlns:p14="http://schemas.microsoft.com/office/powerpoint/2010/main" val="4287327766"/>
       </p:ext>
     </p:extLst>
   </p:cSld>
@@ -8684,6 +9927,52 @@
       </p:sp>
       <p:sp>
         <p:nvSpPr>
+          <p:cNvPr id="8" name="Rechteck 7">
+            <a:extLst>
+              <a:ext uri="{FF2B5EF4-FFF2-40B4-BE49-F238E27FC236}">
+                <a16:creationId xmlns:a16="http://schemas.microsoft.com/office/drawing/2014/main" id="{4DE2C732-B352-4842-B99D-CDC85719EA27}"/>
+              </a:ext>
+            </a:extLst>
+          </p:cNvPr>
+          <p:cNvSpPr/>
+          <p:nvPr/>
+        </p:nvSpPr>
+        <p:spPr>
+          <a:xfrm>
+            <a:off x="6441234" y="317241"/>
+            <a:ext cx="4478694" cy="2985796"/>
+          </a:xfrm>
+          <a:prstGeom prst="rect">
+            <a:avLst/>
+          </a:prstGeom>
+        </p:spPr>
+        <p:style>
+          <a:lnRef idx="2">
+            <a:schemeClr val="accent1">
+              <a:shade val="50000"/>
+            </a:schemeClr>
+          </a:lnRef>
+          <a:fillRef idx="1">
+            <a:schemeClr val="accent1"/>
+          </a:fillRef>
+          <a:effectRef idx="0">
+            <a:schemeClr val="accent1"/>
+          </a:effectRef>
+          <a:fontRef idx="minor">
+            <a:schemeClr val="lt1"/>
+          </a:fontRef>
+        </p:style>
+        <p:txBody>
+          <a:bodyPr rtlCol="0" anchor="ctr"/>
+          <a:lstStyle/>
+          <a:p>
+            <a:pPr algn="ctr"/>
+            <a:endParaRPr lang="de-DE"/>
+          </a:p>
+        </p:txBody>
+      </p:sp>
+      <p:sp>
+        <p:nvSpPr>
           <p:cNvPr id="9" name="Rechteck 8">
             <a:extLst>
               <a:ext uri="{FF2B5EF4-FFF2-40B4-BE49-F238E27FC236}">
@@ -8728,12 +10017,58 @@
           </a:p>
         </p:txBody>
       </p:sp>
+      <p:sp>
+        <p:nvSpPr>
+          <p:cNvPr id="10" name="Rechteck 9">
+            <a:extLst>
+              <a:ext uri="{FF2B5EF4-FFF2-40B4-BE49-F238E27FC236}">
+                <a16:creationId xmlns:a16="http://schemas.microsoft.com/office/drawing/2014/main" id="{F56097F6-CF95-4FB8-A223-ABB0946893DE}"/>
+              </a:ext>
+            </a:extLst>
+          </p:cNvPr>
+          <p:cNvSpPr/>
+          <p:nvPr/>
+        </p:nvSpPr>
+        <p:spPr>
+          <a:xfrm>
+            <a:off x="6441234" y="3657600"/>
+            <a:ext cx="4478694" cy="2985796"/>
+          </a:xfrm>
+          <a:prstGeom prst="rect">
+            <a:avLst/>
+          </a:prstGeom>
+        </p:spPr>
+        <p:style>
+          <a:lnRef idx="2">
+            <a:schemeClr val="accent1">
+              <a:shade val="50000"/>
+            </a:schemeClr>
+          </a:lnRef>
+          <a:fillRef idx="1">
+            <a:schemeClr val="accent1"/>
+          </a:fillRef>
+          <a:effectRef idx="0">
+            <a:schemeClr val="accent1"/>
+          </a:effectRef>
+          <a:fontRef idx="minor">
+            <a:schemeClr val="lt1"/>
+          </a:fontRef>
+        </p:style>
+        <p:txBody>
+          <a:bodyPr rtlCol="0" anchor="ctr"/>
+          <a:lstStyle/>
+          <a:p>
+            <a:pPr algn="ctr"/>
+            <a:endParaRPr lang="de-DE"/>
+          </a:p>
+        </p:txBody>
+      </p:sp>
       <p:pic>
         <p:nvPicPr>
-          <p:cNvPr id="11" name="Picture 2" descr="Bildergebnis fÃ¼r stock">
-            <a:extLst>
-              <a:ext uri="{FF2B5EF4-FFF2-40B4-BE49-F238E27FC236}">
-                <a16:creationId xmlns:a16="http://schemas.microsoft.com/office/drawing/2014/main" id="{2D45B5F0-253A-4953-85AE-E63E0F5C0903}"/>
+          <p:cNvPr id="6" name="Picture 2" descr="http://faculty.cse.tamu.edu/davis/matrices_files/GHS_psdef%40finance256.jpg">
+            <a:extLst>
+              <a:ext uri="{FF2B5EF4-FFF2-40B4-BE49-F238E27FC236}">
+                <a16:creationId xmlns:a16="http://schemas.microsoft.com/office/drawing/2014/main" id="{61DFCF7A-E0E2-407C-9205-1044D2A6CE60}"/>
               </a:ext>
             </a:extLst>
           </p:cNvPr>
@@ -8743,7 +10078,7 @@
           <p:nvPr/>
         </p:nvPicPr>
         <p:blipFill>
-          <a:blip r:embed="rId2">
+          <a:blip r:embed="rId3">
             <a:extLst>
               <a:ext uri="{28A0092B-C50C-407E-A947-70E740481C1C}">
                 <a14:useLocalDpi xmlns:a14="http://schemas.microsoft.com/office/drawing/2010/main" val="0"/>
@@ -8757,7 +10092,7 @@
         </p:blipFill>
         <p:spPr bwMode="auto">
           <a:xfrm>
-            <a:off x="1272072" y="3657601"/>
+            <a:off x="1272072" y="3657600"/>
             <a:ext cx="4478694" cy="2985796"/>
           </a:xfrm>
           <a:prstGeom prst="rect">
@@ -8777,102 +10112,10 @@
       </p:pic>
       <p:pic>
         <p:nvPicPr>
-          <p:cNvPr id="4098" name="Picture 2" descr="Bildergebnis fÃ¼r webpage">
-            <a:extLst>
-              <a:ext uri="{FF2B5EF4-FFF2-40B4-BE49-F238E27FC236}">
-                <a16:creationId xmlns:a16="http://schemas.microsoft.com/office/drawing/2014/main" id="{EDB986C9-D082-4B2A-B453-3C8B53A0C3CC}"/>
-              </a:ext>
-            </a:extLst>
-          </p:cNvPr>
-          <p:cNvPicPr>
-            <a:picLocks noChangeAspect="1" noChangeArrowheads="1"/>
-          </p:cNvPicPr>
-          <p:nvPr/>
-        </p:nvPicPr>
-        <p:blipFill>
-          <a:blip r:embed="rId3">
-            <a:extLst>
-              <a:ext uri="{28A0092B-C50C-407E-A947-70E740481C1C}">
-                <a14:useLocalDpi xmlns:a14="http://schemas.microsoft.com/office/drawing/2010/main" val="0"/>
-              </a:ext>
-            </a:extLst>
-          </a:blip>
-          <a:srcRect/>
-          <a:stretch>
-            <a:fillRect/>
-          </a:stretch>
-        </p:blipFill>
-        <p:spPr bwMode="auto">
-          <a:xfrm>
-            <a:off x="6441234" y="317242"/>
-            <a:ext cx="4478693" cy="2985795"/>
-          </a:xfrm>
-          <a:prstGeom prst="rect">
-            <a:avLst/>
-          </a:prstGeom>
-          <a:noFill/>
-          <a:extLst>
-            <a:ext uri="{909E8E84-426E-40DD-AFC4-6F175D3DCCD1}">
-              <a14:hiddenFill xmlns:a14="http://schemas.microsoft.com/office/drawing/2010/main">
-                <a:solidFill>
-                  <a:srgbClr val="FFFFFF"/>
-                </a:solidFill>
-              </a14:hiddenFill>
-            </a:ext>
-          </a:extLst>
-        </p:spPr>
-      </p:pic>
-      <p:sp>
-        <p:nvSpPr>
-          <p:cNvPr id="13" name="AutoShape 6" descr="Bildergebnis fÃ¼r Quadratic programming">
-            <a:extLst>
-              <a:ext uri="{FF2B5EF4-FFF2-40B4-BE49-F238E27FC236}">
-                <a16:creationId xmlns:a16="http://schemas.microsoft.com/office/drawing/2014/main" id="{DB59D097-587B-4879-9901-761CEBA0449B}"/>
-              </a:ext>
-            </a:extLst>
-          </p:cNvPr>
-          <p:cNvSpPr>
-            <a:spLocks noChangeAspect="1" noChangeArrowheads="1"/>
-          </p:cNvSpPr>
-          <p:nvPr/>
-        </p:nvSpPr>
-        <p:spPr bwMode="auto">
-          <a:xfrm>
-            <a:off x="5943600" y="3276600"/>
-            <a:ext cx="4976328" cy="4976328"/>
-          </a:xfrm>
-          <a:prstGeom prst="rect">
-            <a:avLst/>
-          </a:prstGeom>
-          <a:noFill/>
-          <a:extLst>
-            <a:ext uri="{909E8E84-426E-40DD-AFC4-6F175D3DCCD1}">
-              <a14:hiddenFill xmlns:a14="http://schemas.microsoft.com/office/drawing/2010/main">
-                <a:solidFill>
-                  <a:srgbClr val="FFFFFF"/>
-                </a:solidFill>
-              </a14:hiddenFill>
-            </a:ext>
-          </a:extLst>
-        </p:spPr>
-        <p:txBody>
-          <a:bodyPr vert="horz" wrap="square" lIns="91440" tIns="45720" rIns="91440" bIns="45720" numCol="1" anchor="t" anchorCtr="0" compatLnSpc="1">
-            <a:prstTxWarp prst="textNoShape">
-              <a:avLst/>
-            </a:prstTxWarp>
-          </a:bodyPr>
-          <a:lstStyle/>
-          <a:p>
-            <a:endParaRPr lang="de-DE"/>
-          </a:p>
-        </p:txBody>
-      </p:sp>
-      <p:pic>
-        <p:nvPicPr>
-          <p:cNvPr id="4104" name="Picture 8" descr="Ãhnliches Foto">
-            <a:extLst>
-              <a:ext uri="{FF2B5EF4-FFF2-40B4-BE49-F238E27FC236}">
-                <a16:creationId xmlns:a16="http://schemas.microsoft.com/office/drawing/2014/main" id="{3DF9AC50-3149-4EAB-BAA4-1092BDF6F0B6}"/>
+          <p:cNvPr id="3074" name="Picture 2" descr="http://faculty.cse.tamu.edu/davis/matrices_files/Buss%40connectus.jpg">
+            <a:extLst>
+              <a:ext uri="{FF2B5EF4-FFF2-40B4-BE49-F238E27FC236}">
+                <a16:creationId xmlns:a16="http://schemas.microsoft.com/office/drawing/2014/main" id="{BCAF3CDB-5626-4BD9-A0CE-FE06AC74D2FA}"/>
               </a:ext>
             </a:extLst>
           </p:cNvPr>
@@ -8883,98 +10126,6 @@
         </p:nvPicPr>
         <p:blipFill>
           <a:blip r:embed="rId4">
-            <a:extLst>
-              <a:ext uri="{28A0092B-C50C-407E-A947-70E740481C1C}">
-                <a14:useLocalDpi xmlns:a14="http://schemas.microsoft.com/office/drawing/2010/main" val="0"/>
-              </a:ext>
-            </a:extLst>
-          </a:blip>
-          <a:srcRect/>
-          <a:stretch>
-            <a:fillRect/>
-          </a:stretch>
-        </p:blipFill>
-        <p:spPr bwMode="auto">
-          <a:xfrm>
-            <a:off x="6441234" y="3657600"/>
-            <a:ext cx="4478693" cy="3006789"/>
-          </a:xfrm>
-          <a:prstGeom prst="rect">
-            <a:avLst/>
-          </a:prstGeom>
-          <a:noFill/>
-          <a:extLst>
-            <a:ext uri="{909E8E84-426E-40DD-AFC4-6F175D3DCCD1}">
-              <a14:hiddenFill xmlns:a14="http://schemas.microsoft.com/office/drawing/2010/main">
-                <a:solidFill>
-                  <a:srgbClr val="FFFFFF"/>
-                </a:solidFill>
-              </a14:hiddenFill>
-            </a:ext>
-          </a:extLst>
-        </p:spPr>
-      </p:pic>
-      <p:pic>
-        <p:nvPicPr>
-          <p:cNvPr id="10" name="Picture 6" descr="http://faculty.cse.tamu.edu/davis/matrices_files/net25_and_pre2.jpg">
-            <a:extLst>
-              <a:ext uri="{FF2B5EF4-FFF2-40B4-BE49-F238E27FC236}">
-                <a16:creationId xmlns:a16="http://schemas.microsoft.com/office/drawing/2014/main" id="{4EA83C6A-E100-4F83-BBF4-1AD297F82564}"/>
-              </a:ext>
-            </a:extLst>
-          </p:cNvPr>
-          <p:cNvPicPr>
-            <a:picLocks noChangeAspect="1" noChangeArrowheads="1"/>
-          </p:cNvPicPr>
-          <p:nvPr/>
-        </p:nvPicPr>
-        <p:blipFill rotWithShape="1">
-          <a:blip r:embed="rId5">
-            <a:extLst>
-              <a:ext uri="{28A0092B-C50C-407E-A947-70E740481C1C}">
-                <a14:useLocalDpi xmlns:a14="http://schemas.microsoft.com/office/drawing/2010/main" val="0"/>
-              </a:ext>
-            </a:extLst>
-          </a:blip>
-          <a:srcRect t="48303"/>
-          <a:stretch/>
-        </p:blipFill>
-        <p:spPr bwMode="auto">
-          <a:xfrm>
-            <a:off x="1272073" y="317241"/>
-            <a:ext cx="4495816" cy="2985796"/>
-          </a:xfrm>
-          <a:prstGeom prst="rect">
-            <a:avLst/>
-          </a:prstGeom>
-          <a:noFill/>
-          <a:extLst>
-            <a:ext uri="{909E8E84-426E-40DD-AFC4-6F175D3DCCD1}">
-              <a14:hiddenFill xmlns:a14="http://schemas.microsoft.com/office/drawing/2010/main">
-                <a:solidFill>
-                  <a:srgbClr val="FFFFFF"/>
-                </a:solidFill>
-              </a14:hiddenFill>
-            </a:ext>
-          </a:extLst>
-        </p:spPr>
-      </p:pic>
-      <p:pic>
-        <p:nvPicPr>
-          <p:cNvPr id="12" name="Picture 2" descr="http://faculty.cse.tamu.edu/davis/matrices_files/Buss%40connectus.jpg">
-            <a:extLst>
-              <a:ext uri="{FF2B5EF4-FFF2-40B4-BE49-F238E27FC236}">
-                <a16:creationId xmlns:a16="http://schemas.microsoft.com/office/drawing/2014/main" id="{E47E536E-8909-41FE-BBF5-E469E442B124}"/>
-              </a:ext>
-            </a:extLst>
-          </p:cNvPr>
-          <p:cNvPicPr>
-            <a:picLocks noChangeAspect="1" noChangeArrowheads="1"/>
-          </p:cNvPicPr>
-          <p:nvPr/>
-        </p:nvPicPr>
-        <p:blipFill>
-          <a:blip r:embed="rId6">
             <a:extLst>
               <a:ext uri="{28A0092B-C50C-407E-A947-70E740481C1C}">
                 <a14:useLocalDpi xmlns:a14="http://schemas.microsoft.com/office/drawing/2010/main" val="0"/>
@@ -9006,10 +10157,102 @@
           </a:extLst>
         </p:spPr>
       </p:pic>
+      <p:pic>
+        <p:nvPicPr>
+          <p:cNvPr id="3076" name="Picture 4" descr="http://faculty.cse.tamu.edu/davis/matrices_files/GHS_psdef%40cvxbqp1.jpg">
+            <a:extLst>
+              <a:ext uri="{FF2B5EF4-FFF2-40B4-BE49-F238E27FC236}">
+                <a16:creationId xmlns:a16="http://schemas.microsoft.com/office/drawing/2014/main" id="{54722D13-9088-492B-9567-7A15DB12415D}"/>
+              </a:ext>
+            </a:extLst>
+          </p:cNvPr>
+          <p:cNvPicPr>
+            <a:picLocks noChangeAspect="1" noChangeArrowheads="1"/>
+          </p:cNvPicPr>
+          <p:nvPr/>
+        </p:nvPicPr>
+        <p:blipFill>
+          <a:blip r:embed="rId5">
+            <a:extLst>
+              <a:ext uri="{28A0092B-C50C-407E-A947-70E740481C1C}">
+                <a14:useLocalDpi xmlns:a14="http://schemas.microsoft.com/office/drawing/2010/main" val="0"/>
+              </a:ext>
+            </a:extLst>
+          </a:blip>
+          <a:srcRect/>
+          <a:stretch>
+            <a:fillRect/>
+          </a:stretch>
+        </p:blipFill>
+        <p:spPr bwMode="auto">
+          <a:xfrm>
+            <a:off x="6441234" y="3648039"/>
+            <a:ext cx="4478693" cy="2994732"/>
+          </a:xfrm>
+          <a:prstGeom prst="rect">
+            <a:avLst/>
+          </a:prstGeom>
+          <a:noFill/>
+          <a:extLst>
+            <a:ext uri="{909E8E84-426E-40DD-AFC4-6F175D3DCCD1}">
+              <a14:hiddenFill xmlns:a14="http://schemas.microsoft.com/office/drawing/2010/main">
+                <a:solidFill>
+                  <a:srgbClr val="FFFFFF"/>
+                </a:solidFill>
+              </a14:hiddenFill>
+            </a:ext>
+          </a:extLst>
+        </p:spPr>
+      </p:pic>
+      <p:pic>
+        <p:nvPicPr>
+          <p:cNvPr id="3078" name="Picture 6" descr="http://faculty.cse.tamu.edu/davis/matrices_files/net25_and_pre2.jpg">
+            <a:extLst>
+              <a:ext uri="{FF2B5EF4-FFF2-40B4-BE49-F238E27FC236}">
+                <a16:creationId xmlns:a16="http://schemas.microsoft.com/office/drawing/2014/main" id="{D76272FE-3BED-4E3A-AF62-F47267354A74}"/>
+              </a:ext>
+            </a:extLst>
+          </p:cNvPr>
+          <p:cNvPicPr>
+            <a:picLocks noChangeAspect="1" noChangeArrowheads="1"/>
+          </p:cNvPicPr>
+          <p:nvPr/>
+        </p:nvPicPr>
+        <p:blipFill rotWithShape="1">
+          <a:blip r:embed="rId6">
+            <a:extLst>
+              <a:ext uri="{28A0092B-C50C-407E-A947-70E740481C1C}">
+                <a14:useLocalDpi xmlns:a14="http://schemas.microsoft.com/office/drawing/2010/main" val="0"/>
+              </a:ext>
+            </a:extLst>
+          </a:blip>
+          <a:srcRect t="48303"/>
+          <a:stretch/>
+        </p:blipFill>
+        <p:spPr bwMode="auto">
+          <a:xfrm>
+            <a:off x="1272073" y="317241"/>
+            <a:ext cx="4495816" cy="2985796"/>
+          </a:xfrm>
+          <a:prstGeom prst="rect">
+            <a:avLst/>
+          </a:prstGeom>
+          <a:noFill/>
+          <a:extLst>
+            <a:ext uri="{909E8E84-426E-40DD-AFC4-6F175D3DCCD1}">
+              <a14:hiddenFill xmlns:a14="http://schemas.microsoft.com/office/drawing/2010/main">
+                <a:solidFill>
+                  <a:srgbClr val="FFFFFF"/>
+                </a:solidFill>
+              </a14:hiddenFill>
+            </a:ext>
+          </a:extLst>
+        </p:spPr>
+      </p:pic>
     </p:spTree>
     <p:extLst>
       <p:ext uri="{BB962C8B-B14F-4D97-AF65-F5344CB8AC3E}">
-        <p14:creationId xmlns:p14="http://schemas.microsoft.com/office/powerpoint/2010/main" val="3932120313"/>
+        <p14:creationId xmlns:p14="http://schemas.microsoft.com/office/powerpoint/2010/main" val="106776170"/>
       </p:ext>
     </p:extLst>
   </p:cSld>
@@ -9312,4 +10555,299 @@
     </a:ext>
   </a:extLst>
 </a:theme>
+</file>
+
+<file path=ppt/theme/theme2.xml><?xml version="1.0" encoding="utf-8"?>
+<a:theme xmlns:a="http://schemas.openxmlformats.org/drawingml/2006/main" name="Office">
+  <a:themeElements>
+    <a:clrScheme name="Office">
+      <a:dk1>
+        <a:sysClr val="windowText" lastClr="000000"/>
+      </a:dk1>
+      <a:lt1>
+        <a:sysClr val="window" lastClr="FFFFFF"/>
+      </a:lt1>
+      <a:dk2>
+        <a:srgbClr val="44546A"/>
+      </a:dk2>
+      <a:lt2>
+        <a:srgbClr val="E7E6E6"/>
+      </a:lt2>
+      <a:accent1>
+        <a:srgbClr val="4472C4"/>
+      </a:accent1>
+      <a:accent2>
+        <a:srgbClr val="ED7D31"/>
+      </a:accent2>
+      <a:accent3>
+        <a:srgbClr val="A5A5A5"/>
+      </a:accent3>
+      <a:accent4>
+        <a:srgbClr val="FFC000"/>
+      </a:accent4>
+      <a:accent5>
+        <a:srgbClr val="5B9BD5"/>
+      </a:accent5>
+      <a:accent6>
+        <a:srgbClr val="70AD47"/>
+      </a:accent6>
+      <a:hlink>
+        <a:srgbClr val="0563C1"/>
+      </a:hlink>
+      <a:folHlink>
+        <a:srgbClr val="954F72"/>
+      </a:folHlink>
+    </a:clrScheme>
+    <a:fontScheme name="Office">
+      <a:majorFont>
+        <a:latin typeface="Calibri Light" panose="020F0302020204030204"/>
+        <a:ea typeface=""/>
+        <a:cs typeface=""/>
+        <a:font script="Jpan" typeface="游ゴシック Light"/>
+        <a:font script="Hang" typeface="맑은 고딕"/>
+        <a:font script="Hans" typeface="等线 Light"/>
+        <a:font script="Hant" typeface="新細明體"/>
+        <a:font script="Arab" typeface="Times New Roman"/>
+        <a:font script="Hebr" typeface="Times New Roman"/>
+        <a:font script="Thai" typeface="Angsana New"/>
+        <a:font script="Ethi" typeface="Nyala"/>
+        <a:font script="Beng" typeface="Vrinda"/>
+        <a:font script="Gujr" typeface="Shruti"/>
+        <a:font script="Khmr" typeface="MoolBoran"/>
+        <a:font script="Knda" typeface="Tunga"/>
+        <a:font script="Guru" typeface="Raavi"/>
+        <a:font script="Cans" typeface="Euphemia"/>
+        <a:font script="Cher" typeface="Plantagenet Cherokee"/>
+        <a:font script="Yiii" typeface="Microsoft Yi Baiti"/>
+        <a:font script="Tibt" typeface="Microsoft Himalaya"/>
+        <a:font script="Thaa" typeface="MV Boli"/>
+        <a:font script="Deva" typeface="Mangal"/>
+        <a:font script="Telu" typeface="Gautami"/>
+        <a:font script="Taml" typeface="Latha"/>
+        <a:font script="Syrc" typeface="Estrangelo Edessa"/>
+        <a:font script="Orya" typeface="Kalinga"/>
+        <a:font script="Mlym" typeface="Kartika"/>
+        <a:font script="Laoo" typeface="DokChampa"/>
+        <a:font script="Sinh" typeface="Iskoola Pota"/>
+        <a:font script="Mong" typeface="Mongolian Baiti"/>
+        <a:font script="Viet" typeface="Times New Roman"/>
+        <a:font script="Uigh" typeface="Microsoft Uighur"/>
+        <a:font script="Geor" typeface="Sylfaen"/>
+        <a:font script="Armn" typeface="Arial"/>
+        <a:font script="Bugi" typeface="Leelawadee UI"/>
+        <a:font script="Bopo" typeface="Microsoft JhengHei"/>
+        <a:font script="Java" typeface="Javanese Text"/>
+        <a:font script="Lisu" typeface="Segoe UI"/>
+        <a:font script="Mymr" typeface="Myanmar Text"/>
+        <a:font script="Nkoo" typeface="Ebrima"/>
+        <a:font script="Olck" typeface="Nirmala UI"/>
+        <a:font script="Osma" typeface="Ebrima"/>
+        <a:font script="Phag" typeface="Phagspa"/>
+        <a:font script="Syrn" typeface="Estrangelo Edessa"/>
+        <a:font script="Syrj" typeface="Estrangelo Edessa"/>
+        <a:font script="Syre" typeface="Estrangelo Edessa"/>
+        <a:font script="Sora" typeface="Nirmala UI"/>
+        <a:font script="Tale" typeface="Microsoft Tai Le"/>
+        <a:font script="Talu" typeface="Microsoft New Tai Lue"/>
+        <a:font script="Tfng" typeface="Ebrima"/>
+      </a:majorFont>
+      <a:minorFont>
+        <a:latin typeface="Calibri" panose="020F0502020204030204"/>
+        <a:ea typeface=""/>
+        <a:cs typeface=""/>
+        <a:font script="Jpan" typeface="游ゴシック"/>
+        <a:font script="Hang" typeface="맑은 고딕"/>
+        <a:font script="Hans" typeface="等线"/>
+        <a:font script="Hant" typeface="新細明體"/>
+        <a:font script="Arab" typeface="Arial"/>
+        <a:font script="Hebr" typeface="Arial"/>
+        <a:font script="Thai" typeface="Cordia New"/>
+        <a:font script="Ethi" typeface="Nyala"/>
+        <a:font script="Beng" typeface="Vrinda"/>
+        <a:font script="Gujr" typeface="Shruti"/>
+        <a:font script="Khmr" typeface="DaunPenh"/>
+        <a:font script="Knda" typeface="Tunga"/>
+        <a:font script="Guru" typeface="Raavi"/>
+        <a:font script="Cans" typeface="Euphemia"/>
+        <a:font script="Cher" typeface="Plantagenet Cherokee"/>
+        <a:font script="Yiii" typeface="Microsoft Yi Baiti"/>
+        <a:font script="Tibt" typeface="Microsoft Himalaya"/>
+        <a:font script="Thaa" typeface="MV Boli"/>
+        <a:font script="Deva" typeface="Mangal"/>
+        <a:font script="Telu" typeface="Gautami"/>
+        <a:font script="Taml" typeface="Latha"/>
+        <a:font script="Syrc" typeface="Estrangelo Edessa"/>
+        <a:font script="Orya" typeface="Kalinga"/>
+        <a:font script="Mlym" typeface="Kartika"/>
+        <a:font script="Laoo" typeface="DokChampa"/>
+        <a:font script="Sinh" typeface="Iskoola Pota"/>
+        <a:font script="Mong" typeface="Mongolian Baiti"/>
+        <a:font script="Viet" typeface="Arial"/>
+        <a:font script="Uigh" typeface="Microsoft Uighur"/>
+        <a:font script="Geor" typeface="Sylfaen"/>
+        <a:font script="Armn" typeface="Arial"/>
+        <a:font script="Bugi" typeface="Leelawadee UI"/>
+        <a:font script="Bopo" typeface="Microsoft JhengHei"/>
+        <a:font script="Java" typeface="Javanese Text"/>
+        <a:font script="Lisu" typeface="Segoe UI"/>
+        <a:font script="Mymr" typeface="Myanmar Text"/>
+        <a:font script="Nkoo" typeface="Ebrima"/>
+        <a:font script="Olck" typeface="Nirmala UI"/>
+        <a:font script="Osma" typeface="Ebrima"/>
+        <a:font script="Phag" typeface="Phagspa"/>
+        <a:font script="Syrn" typeface="Estrangelo Edessa"/>
+        <a:font script="Syrj" typeface="Estrangelo Edessa"/>
+        <a:font script="Syre" typeface="Estrangelo Edessa"/>
+        <a:font script="Sora" typeface="Nirmala UI"/>
+        <a:font script="Tale" typeface="Microsoft Tai Le"/>
+        <a:font script="Talu" typeface="Microsoft New Tai Lue"/>
+        <a:font script="Tfng" typeface="Ebrima"/>
+      </a:minorFont>
+    </a:fontScheme>
+    <a:fmtScheme name="Office">
+      <a:fillStyleLst>
+        <a:solidFill>
+          <a:schemeClr val="phClr"/>
+        </a:solidFill>
+        <a:gradFill rotWithShape="1">
+          <a:gsLst>
+            <a:gs pos="0">
+              <a:schemeClr val="phClr">
+                <a:lumMod val="110000"/>
+                <a:satMod val="105000"/>
+                <a:tint val="67000"/>
+              </a:schemeClr>
+            </a:gs>
+            <a:gs pos="50000">
+              <a:schemeClr val="phClr">
+                <a:lumMod val="105000"/>
+                <a:satMod val="103000"/>
+                <a:tint val="73000"/>
+              </a:schemeClr>
+            </a:gs>
+            <a:gs pos="100000">
+              <a:schemeClr val="phClr">
+                <a:lumMod val="105000"/>
+                <a:satMod val="109000"/>
+                <a:tint val="81000"/>
+              </a:schemeClr>
+            </a:gs>
+          </a:gsLst>
+          <a:lin ang="5400000" scaled="0"/>
+        </a:gradFill>
+        <a:gradFill rotWithShape="1">
+          <a:gsLst>
+            <a:gs pos="0">
+              <a:schemeClr val="phClr">
+                <a:satMod val="103000"/>
+                <a:lumMod val="102000"/>
+                <a:tint val="94000"/>
+              </a:schemeClr>
+            </a:gs>
+            <a:gs pos="50000">
+              <a:schemeClr val="phClr">
+                <a:satMod val="110000"/>
+                <a:lumMod val="100000"/>
+                <a:shade val="100000"/>
+              </a:schemeClr>
+            </a:gs>
+            <a:gs pos="100000">
+              <a:schemeClr val="phClr">
+                <a:lumMod val="99000"/>
+                <a:satMod val="120000"/>
+                <a:shade val="78000"/>
+              </a:schemeClr>
+            </a:gs>
+          </a:gsLst>
+          <a:lin ang="5400000" scaled="0"/>
+        </a:gradFill>
+      </a:fillStyleLst>
+      <a:lnStyleLst>
+        <a:ln w="6350" cap="flat" cmpd="sng" algn="ctr">
+          <a:solidFill>
+            <a:schemeClr val="phClr"/>
+          </a:solidFill>
+          <a:prstDash val="solid"/>
+          <a:miter lim="800000"/>
+        </a:ln>
+        <a:ln w="12700" cap="flat" cmpd="sng" algn="ctr">
+          <a:solidFill>
+            <a:schemeClr val="phClr"/>
+          </a:solidFill>
+          <a:prstDash val="solid"/>
+          <a:miter lim="800000"/>
+        </a:ln>
+        <a:ln w="19050" cap="flat" cmpd="sng" algn="ctr">
+          <a:solidFill>
+            <a:schemeClr val="phClr"/>
+          </a:solidFill>
+          <a:prstDash val="solid"/>
+          <a:miter lim="800000"/>
+        </a:ln>
+      </a:lnStyleLst>
+      <a:effectStyleLst>
+        <a:effectStyle>
+          <a:effectLst/>
+        </a:effectStyle>
+        <a:effectStyle>
+          <a:effectLst/>
+        </a:effectStyle>
+        <a:effectStyle>
+          <a:effectLst>
+            <a:outerShdw blurRad="57150" dist="19050" dir="5400000" algn="ctr" rotWithShape="0">
+              <a:srgbClr val="000000">
+                <a:alpha val="63000"/>
+              </a:srgbClr>
+            </a:outerShdw>
+          </a:effectLst>
+        </a:effectStyle>
+      </a:effectStyleLst>
+      <a:bgFillStyleLst>
+        <a:solidFill>
+          <a:schemeClr val="phClr"/>
+        </a:solidFill>
+        <a:solidFill>
+          <a:schemeClr val="phClr">
+            <a:tint val="95000"/>
+            <a:satMod val="170000"/>
+          </a:schemeClr>
+        </a:solidFill>
+        <a:gradFill rotWithShape="1">
+          <a:gsLst>
+            <a:gs pos="0">
+              <a:schemeClr val="phClr">
+                <a:tint val="93000"/>
+                <a:satMod val="150000"/>
+                <a:shade val="98000"/>
+                <a:lumMod val="102000"/>
+              </a:schemeClr>
+            </a:gs>
+            <a:gs pos="50000">
+              <a:schemeClr val="phClr">
+                <a:tint val="98000"/>
+                <a:satMod val="130000"/>
+                <a:shade val="90000"/>
+                <a:lumMod val="103000"/>
+              </a:schemeClr>
+            </a:gs>
+            <a:gs pos="100000">
+              <a:schemeClr val="phClr">
+                <a:shade val="63000"/>
+                <a:satMod val="120000"/>
+              </a:schemeClr>
+            </a:gs>
+          </a:gsLst>
+          <a:lin ang="5400000" scaled="0"/>
+        </a:gradFill>
+      </a:bgFillStyleLst>
+    </a:fmtScheme>
+  </a:themeElements>
+  <a:objectDefaults/>
+  <a:extraClrSchemeLst/>
+  <a:extLst>
+    <a:ext uri="{05A4C25C-085E-4340-85A3-A5531E510DB2}">
+      <thm15:themeFamily xmlns:thm15="http://schemas.microsoft.com/office/thememl/2012/main" name="Office Theme" id="{62F939B6-93AF-4DB8-9C6B-D6C7DFDC589F}" vid="{4A3C46E8-61CC-4603-A589-7422A47A8E4A}"/>
+    </a:ext>
+  </a:extLst>
+</a:theme>
 </file>
--- a/Final Presentation/La meets ML.pptx
+++ b/Final Presentation/La meets ML.pptx
@@ -1888,10 +1888,26 @@
         <a:lstStyle/>
         <a:p>
           <a:r>
-            <a:rPr lang="de-DE"/>
-            <a:t>Object orientation was difficult</a:t>
+            <a:rPr lang="de-DE" dirty="0" err="1"/>
+            <a:t>Object</a:t>
           </a:r>
-          <a:endParaRPr lang="en-US"/>
+          <a:r>
+            <a:rPr lang="de-DE" dirty="0"/>
+            <a:t> </a:t>
+          </a:r>
+          <a:r>
+            <a:rPr lang="de-DE" dirty="0" err="1"/>
+            <a:t>orientation</a:t>
+          </a:r>
+          <a:r>
+            <a:rPr lang="de-DE" dirty="0"/>
+            <a:t> was </a:t>
+          </a:r>
+          <a:r>
+            <a:rPr lang="de-DE" dirty="0" err="1"/>
+            <a:t>difficult</a:t>
+          </a:r>
+          <a:endParaRPr lang="en-US" dirty="0"/>
         </a:p>
       </dgm:t>
     </dgm:pt>
@@ -1977,14 +1993,12 @@
         <a:blipFill>
           <a:blip xmlns:r="http://schemas.openxmlformats.org/officeDocument/2006/relationships" r:embed="rId1">
             <a:extLst>
-              <a:ext uri="{28A0092B-C50C-407E-A947-70E740481C1C}">
-                <a14:useLocalDpi xmlns:a14="http://schemas.microsoft.com/office/drawing/2010/main" val="0"/>
-              </a:ext>
               <a:ext uri="{96DAC541-7B7A-43D3-8B79-37D633B846F1}">
                 <asvg:svgBlip xmlns:asvg="http://schemas.microsoft.com/office/drawing/2016/SVG/main" r:embed="rId2"/>
               </a:ext>
             </a:extLst>
           </a:blip>
+          <a:srcRect/>
           <a:stretch>
             <a:fillRect/>
           </a:stretch>
@@ -1995,7 +2009,7 @@
       </dgm:spPr>
       <dgm:extLst>
         <a:ext uri="{E40237B7-FDA0-4F09-8148-C483321AD2D9}">
-          <dgm14:cNvPr xmlns:dgm14="http://schemas.microsoft.com/office/drawing/2010/diagram" id="0" name="" descr="In Love Face with Solid Fill"/>
+          <dgm14:cNvPr xmlns:dgm14="http://schemas.microsoft.com/office/drawing/2010/diagram" id="0" name="" descr="USB"/>
         </a:ext>
       </dgm:extLst>
     </dgm:pt>
@@ -2030,14 +2044,12 @@
         <a:blipFill>
           <a:blip xmlns:r="http://schemas.openxmlformats.org/officeDocument/2006/relationships" r:embed="rId3">
             <a:extLst>
-              <a:ext uri="{28A0092B-C50C-407E-A947-70E740481C1C}">
-                <a14:useLocalDpi xmlns:a14="http://schemas.microsoft.com/office/drawing/2010/main" val="0"/>
-              </a:ext>
               <a:ext uri="{96DAC541-7B7A-43D3-8B79-37D633B846F1}">
                 <asvg:svgBlip xmlns:asvg="http://schemas.microsoft.com/office/drawing/2016/SVG/main" r:embed="rId4"/>
               </a:ext>
             </a:extLst>
           </a:blip>
+          <a:srcRect/>
           <a:stretch>
             <a:fillRect/>
           </a:stretch>
@@ -2048,7 +2060,7 @@
       </dgm:spPr>
       <dgm:extLst>
         <a:ext uri="{E40237B7-FDA0-4F09-8148-C483321AD2D9}">
-          <dgm14:cNvPr xmlns:dgm14="http://schemas.microsoft.com/office/drawing/2010/diagram" id="0" name="" descr="Medicine"/>
+          <dgm14:cNvPr xmlns:dgm14="http://schemas.microsoft.com/office/drawing/2010/diagram" id="0" name="" descr="Internet"/>
         </a:ext>
       </dgm:extLst>
     </dgm:pt>
@@ -2197,6 +2209,7 @@
               </a:ext>
             </a:extLst>
           </a:blip>
+          <a:srcRect/>
           <a:stretch>
             <a:fillRect/>
           </a:stretch>
@@ -2207,7 +2220,7 @@
       </dgm:spPr>
       <dgm:extLst>
         <a:ext uri="{E40237B7-FDA0-4F09-8148-C483321AD2D9}">
-          <dgm14:cNvPr xmlns:dgm14="http://schemas.microsoft.com/office/drawing/2010/diagram" id="0" name="" descr="Help"/>
+          <dgm14:cNvPr xmlns:dgm14="http://schemas.microsoft.com/office/drawing/2010/diagram" id="0" name="" descr="Server"/>
         </a:ext>
       </dgm:extLst>
     </dgm:pt>
@@ -2242,14 +2255,12 @@
         <a:blipFill>
           <a:blip xmlns:r="http://schemas.openxmlformats.org/officeDocument/2006/relationships" r:embed="rId11">
             <a:extLst>
-              <a:ext uri="{28A0092B-C50C-407E-A947-70E740481C1C}">
-                <a14:useLocalDpi xmlns:a14="http://schemas.microsoft.com/office/drawing/2010/main" val="0"/>
-              </a:ext>
               <a:ext uri="{96DAC541-7B7A-43D3-8B79-37D633B846F1}">
                 <asvg:svgBlip xmlns:asvg="http://schemas.microsoft.com/office/drawing/2016/SVG/main" r:embed="rId12"/>
               </a:ext>
             </a:extLst>
           </a:blip>
+          <a:srcRect/>
           <a:stretch>
             <a:fillRect/>
           </a:stretch>
@@ -2260,7 +2271,7 @@
       </dgm:spPr>
       <dgm:extLst>
         <a:ext uri="{E40237B7-FDA0-4F09-8148-C483321AD2D9}">
-          <dgm14:cNvPr xmlns:dgm14="http://schemas.microsoft.com/office/drawing/2010/diagram" id="0" name="" descr="Group of People"/>
+          <dgm14:cNvPr xmlns:dgm14="http://schemas.microsoft.com/office/drawing/2010/diagram" id="0" name="" descr="Zahnrad"/>
         </a:ext>
       </dgm:extLst>
     </dgm:pt>
@@ -2519,14 +2530,12 @@
         <a:blipFill>
           <a:blip xmlns:r="http://schemas.openxmlformats.org/officeDocument/2006/relationships" r:embed="rId1">
             <a:extLst>
-              <a:ext uri="{28A0092B-C50C-407E-A947-70E740481C1C}">
-                <a14:useLocalDpi xmlns:a14="http://schemas.microsoft.com/office/drawing/2010/main" val="0"/>
-              </a:ext>
               <a:ext uri="{96DAC541-7B7A-43D3-8B79-37D633B846F1}">
                 <asvg:svgBlip xmlns:asvg="http://schemas.microsoft.com/office/drawing/2016/SVG/main" r:embed="rId2"/>
               </a:ext>
             </a:extLst>
           </a:blip>
+          <a:srcRect/>
           <a:stretch>
             <a:fillRect/>
           </a:stretch>
@@ -2537,7 +2546,7 @@
       </dgm:spPr>
       <dgm:extLst>
         <a:ext uri="{E40237B7-FDA0-4F09-8148-C483321AD2D9}">
-          <dgm14:cNvPr xmlns:dgm14="http://schemas.microsoft.com/office/drawing/2010/diagram" id="0" name="" descr="Venn Diagram"/>
+          <dgm14:cNvPr xmlns:dgm14="http://schemas.microsoft.com/office/drawing/2010/diagram" id="0" name="" descr="Aufwärtstrend"/>
         </a:ext>
       </dgm:extLst>
     </dgm:pt>
@@ -2752,7 +2761,7 @@
   <dgm:whole/>
   <dgm:extLst>
     <a:ext uri="http://schemas.microsoft.com/office/drawing/2008/diagram">
-      <dsp:dataModelExt xmlns:dsp="http://schemas.microsoft.com/office/drawing/2008/diagram" relId="rId6" minVer="http://schemas.openxmlformats.org/drawingml/2006/diagram"/>
+      <dsp:dataModelExt xmlns:dsp="http://schemas.microsoft.com/office/drawing/2008/diagram" relId="rId7" minVer="http://schemas.openxmlformats.org/drawingml/2006/diagram"/>
     </a:ext>
   </dgm:extLst>
 </dgm:dataModel>
@@ -2824,14 +2833,12 @@
         <a:blipFill>
           <a:blip xmlns:r="http://schemas.openxmlformats.org/officeDocument/2006/relationships" r:embed="rId1">
             <a:extLst>
-              <a:ext uri="{28A0092B-C50C-407E-A947-70E740481C1C}">
-                <a14:useLocalDpi xmlns:a14="http://schemas.microsoft.com/office/drawing/2010/main" val="0"/>
-              </a:ext>
               <a:ext uri="{96DAC541-7B7A-43D3-8B79-37D633B846F1}">
                 <asvg:svgBlip xmlns:asvg="http://schemas.microsoft.com/office/drawing/2016/SVG/main" r:embed="rId2"/>
               </a:ext>
             </a:extLst>
           </a:blip>
+          <a:srcRect/>
           <a:stretch>
             <a:fillRect/>
           </a:stretch>
@@ -2975,14 +2982,12 @@
         <a:blipFill>
           <a:blip xmlns:r="http://schemas.openxmlformats.org/officeDocument/2006/relationships" r:embed="rId3">
             <a:extLst>
-              <a:ext uri="{28A0092B-C50C-407E-A947-70E740481C1C}">
-                <a14:useLocalDpi xmlns:a14="http://schemas.microsoft.com/office/drawing/2010/main" val="0"/>
-              </a:ext>
               <a:ext uri="{96DAC541-7B7A-43D3-8B79-37D633B846F1}">
                 <asvg:svgBlip xmlns:asvg="http://schemas.microsoft.com/office/drawing/2016/SVG/main" r:embed="rId4"/>
               </a:ext>
             </a:extLst>
           </a:blip>
+          <a:srcRect/>
           <a:stretch>
             <a:fillRect/>
           </a:stretch>
@@ -3436,6 +3441,7 @@
               </a:ext>
             </a:extLst>
           </a:blip>
+          <a:srcRect/>
           <a:stretch>
             <a:fillRect/>
           </a:stretch>
@@ -3510,10 +3516,26 @@
             <a:buNone/>
           </a:pPr>
           <a:r>
-            <a:rPr lang="de-DE" sz="1900" kern="1200"/>
-            <a:t>Object orientation was difficult</a:t>
+            <a:rPr lang="de-DE" sz="1900" kern="1200" dirty="0" err="1"/>
+            <a:t>Object</a:t>
           </a:r>
-          <a:endParaRPr lang="en-US" sz="1900" kern="1200"/>
+          <a:r>
+            <a:rPr lang="de-DE" sz="1900" kern="1200" dirty="0"/>
+            <a:t> </a:t>
+          </a:r>
+          <a:r>
+            <a:rPr lang="de-DE" sz="1900" kern="1200" dirty="0" err="1"/>
+            <a:t>orientation</a:t>
+          </a:r>
+          <a:r>
+            <a:rPr lang="de-DE" sz="1900" kern="1200" dirty="0"/>
+            <a:t> was </a:t>
+          </a:r>
+          <a:r>
+            <a:rPr lang="de-DE" sz="1900" kern="1200" dirty="0" err="1"/>
+            <a:t>difficult</a:t>
+          </a:r>
+          <a:endParaRPr lang="en-US" sz="1900" kern="1200" dirty="0"/>
         </a:p>
       </dsp:txBody>
       <dsp:txXfrm>
@@ -3579,14 +3601,12 @@
         <a:blipFill>
           <a:blip xmlns:r="http://schemas.openxmlformats.org/officeDocument/2006/relationships" r:embed="rId11">
             <a:extLst>
-              <a:ext uri="{28A0092B-C50C-407E-A947-70E740481C1C}">
-                <a14:useLocalDpi xmlns:a14="http://schemas.microsoft.com/office/drawing/2010/main" val="0"/>
-              </a:ext>
               <a:ext uri="{96DAC541-7B7A-43D3-8B79-37D633B846F1}">
                 <asvg:svgBlip xmlns:asvg="http://schemas.microsoft.com/office/drawing/2016/SVG/main" r:embed="rId12"/>
               </a:ext>
             </a:extLst>
           </a:blip>
+          <a:srcRect/>
           <a:stretch>
             <a:fillRect/>
           </a:stretch>
@@ -3742,14 +3762,12 @@
         <a:blipFill>
           <a:blip xmlns:r="http://schemas.openxmlformats.org/officeDocument/2006/relationships" r:embed="rId1">
             <a:extLst>
-              <a:ext uri="{28A0092B-C50C-407E-A947-70E740481C1C}">
-                <a14:useLocalDpi xmlns:a14="http://schemas.microsoft.com/office/drawing/2010/main" val="0"/>
-              </a:ext>
               <a:ext uri="{96DAC541-7B7A-43D3-8B79-37D633B846F1}">
                 <asvg:svgBlip xmlns:asvg="http://schemas.microsoft.com/office/drawing/2016/SVG/main" r:embed="rId2"/>
               </a:ext>
             </a:extLst>
           </a:blip>
+          <a:srcRect/>
           <a:stretch>
             <a:fillRect/>
           </a:stretch>
@@ -7881,9 +7899,23 @@
           <a:bodyPr/>
           <a:lstStyle/>
           <a:p>
+            <a:pPr marL="171450" indent="-171450">
+              <a:buFont typeface="Arial" panose="020B0604020202020204" pitchFamily="34" charset="0"/>
+              <a:buChar char="•"/>
+            </a:pPr>
             <a:r>
               <a:rPr lang="en-US" dirty="0"/>
               <a:t>others= config and build-setup files</a:t>
+            </a:r>
+          </a:p>
+          <a:p>
+            <a:pPr marL="171450" indent="-171450">
+              <a:buFont typeface="Arial" panose="020B0604020202020204" pitchFamily="34" charset="0"/>
+              <a:buChar char="•"/>
+            </a:pPr>
+            <a:r>
+              <a:rPr lang="en-US" dirty="0"/>
+              <a:t>Overall. 900 commits</a:t>
             </a:r>
           </a:p>
         </p:txBody>
@@ -7947,6 +7979,356 @@
 </file>
 
 <file path=ppt/notesSlides/notesSlide12.xml><?xml version="1.0" encoding="utf-8"?>
+<p:notes xmlns:a="http://schemas.openxmlformats.org/drawingml/2006/main" xmlns:r="http://schemas.openxmlformats.org/officeDocument/2006/relationships" xmlns:p="http://schemas.openxmlformats.org/presentationml/2006/main">
+  <p:cSld>
+    <p:spTree>
+      <p:nvGrpSpPr>
+        <p:cNvPr id="1" name=""/>
+        <p:cNvGrpSpPr/>
+        <p:nvPr/>
+      </p:nvGrpSpPr>
+      <p:grpSpPr>
+        <a:xfrm>
+          <a:off x="0" y="0"/>
+          <a:ext cx="0" cy="0"/>
+          <a:chOff x="0" y="0"/>
+          <a:chExt cx="0" cy="0"/>
+        </a:xfrm>
+      </p:grpSpPr>
+      <p:sp>
+        <p:nvSpPr>
+          <p:cNvPr id="2" name="Folienbildplatzhalter 1"/>
+          <p:cNvSpPr>
+            <a:spLocks noGrp="1" noRot="1" noChangeAspect="1"/>
+          </p:cNvSpPr>
+          <p:nvPr>
+            <p:ph type="sldImg"/>
+          </p:nvPr>
+        </p:nvSpPr>
+        <p:spPr/>
+      </p:sp>
+      <p:sp>
+        <p:nvSpPr>
+          <p:cNvPr id="3" name="Notizenplatzhalter 2"/>
+          <p:cNvSpPr>
+            <a:spLocks noGrp="1"/>
+          </p:cNvSpPr>
+          <p:nvPr>
+            <p:ph type="body" idx="1"/>
+          </p:nvPr>
+        </p:nvSpPr>
+        <p:spPr/>
+        <p:txBody>
+          <a:bodyPr/>
+          <a:lstStyle/>
+          <a:p>
+            <a:r>
+              <a:rPr lang="en-US" dirty="0"/>
+              <a:t>Commit rate increased in January -&gt; start of the implementation phase and quality assurance</a:t>
+            </a:r>
+          </a:p>
+        </p:txBody>
+      </p:sp>
+      <p:sp>
+        <p:nvSpPr>
+          <p:cNvPr id="4" name="Fußzeilenplatzhalter 3"/>
+          <p:cNvSpPr>
+            <a:spLocks noGrp="1"/>
+          </p:cNvSpPr>
+          <p:nvPr>
+            <p:ph type="ftr" sz="quarter" idx="4"/>
+          </p:nvPr>
+        </p:nvSpPr>
+        <p:spPr/>
+        <p:txBody>
+          <a:bodyPr/>
+          <a:lstStyle/>
+          <a:p>
+            <a:r>
+              <a:rPr lang="de-DE"/>
+              <a:t>Fabian Koffer, Simon Hanselmann, Yannick Funk, Dennis Leon Grötzinger, Anna Ricker</a:t>
+            </a:r>
+          </a:p>
+        </p:txBody>
+      </p:sp>
+      <p:sp>
+        <p:nvSpPr>
+          <p:cNvPr id="5" name="Foliennummernplatzhalter 4"/>
+          <p:cNvSpPr>
+            <a:spLocks noGrp="1"/>
+          </p:cNvSpPr>
+          <p:nvPr>
+            <p:ph type="sldNum" sz="quarter" idx="5"/>
+          </p:nvPr>
+        </p:nvSpPr>
+        <p:spPr/>
+        <p:txBody>
+          <a:bodyPr/>
+          <a:lstStyle/>
+          <a:p>
+            <a:fld id="{CA04F272-B815-443A-A9C1-BA10F9533513}" type="slidenum">
+              <a:rPr lang="de-DE" smtClean="0"/>
+              <a:t>19</a:t>
+            </a:fld>
+            <a:endParaRPr lang="de-DE"/>
+          </a:p>
+        </p:txBody>
+      </p:sp>
+    </p:spTree>
+    <p:extLst>
+      <p:ext uri="{BB962C8B-B14F-4D97-AF65-F5344CB8AC3E}">
+        <p14:creationId xmlns:p14="http://schemas.microsoft.com/office/powerpoint/2010/main" val="1961905670"/>
+      </p:ext>
+    </p:extLst>
+  </p:cSld>
+  <p:clrMapOvr>
+    <a:masterClrMapping/>
+  </p:clrMapOvr>
+</p:notes>
+</file>
+
+<file path=ppt/notesSlides/notesSlide13.xml><?xml version="1.0" encoding="utf-8"?>
+<p:notes xmlns:a="http://schemas.openxmlformats.org/drawingml/2006/main" xmlns:r="http://schemas.openxmlformats.org/officeDocument/2006/relationships" xmlns:p="http://schemas.openxmlformats.org/presentationml/2006/main">
+  <p:cSld>
+    <p:spTree>
+      <p:nvGrpSpPr>
+        <p:cNvPr id="1" name=""/>
+        <p:cNvGrpSpPr/>
+        <p:nvPr/>
+      </p:nvGrpSpPr>
+      <p:grpSpPr>
+        <a:xfrm>
+          <a:off x="0" y="0"/>
+          <a:ext cx="0" cy="0"/>
+          <a:chOff x="0" y="0"/>
+          <a:chExt cx="0" cy="0"/>
+        </a:xfrm>
+      </p:grpSpPr>
+      <p:sp>
+        <p:nvSpPr>
+          <p:cNvPr id="2" name="Folienbildplatzhalter 1"/>
+          <p:cNvSpPr>
+            <a:spLocks noGrp="1" noRot="1" noChangeAspect="1"/>
+          </p:cNvSpPr>
+          <p:nvPr>
+            <p:ph type="sldImg"/>
+          </p:nvPr>
+        </p:nvSpPr>
+        <p:spPr/>
+      </p:sp>
+      <p:sp>
+        <p:nvSpPr>
+          <p:cNvPr id="3" name="Notizenplatzhalter 2"/>
+          <p:cNvSpPr>
+            <a:spLocks noGrp="1"/>
+          </p:cNvSpPr>
+          <p:nvPr>
+            <p:ph type="body" idx="1"/>
+          </p:nvPr>
+        </p:nvSpPr>
+        <p:spPr/>
+        <p:txBody>
+          <a:bodyPr/>
+          <a:lstStyle/>
+          <a:p>
+            <a:pPr marL="0" indent="0">
+              <a:buFont typeface="Arial" panose="020B0604020202020204" pitchFamily="34" charset="0"/>
+              <a:buNone/>
+            </a:pPr>
+            <a:r>
+              <a:rPr lang="de-DE" dirty="0" err="1"/>
+              <a:t>Following</a:t>
+            </a:r>
+            <a:r>
+              <a:rPr lang="de-DE" dirty="0"/>
+              <a:t> </a:t>
+            </a:r>
+            <a:r>
+              <a:rPr lang="de-DE" dirty="0" err="1"/>
+              <a:t>steps</a:t>
+            </a:r>
+            <a:r>
+              <a:rPr lang="de-DE" dirty="0"/>
+              <a:t>:</a:t>
+            </a:r>
+          </a:p>
+          <a:p>
+            <a:pPr marL="171450" indent="-171450">
+              <a:buFont typeface="Arial" panose="020B0604020202020204" pitchFamily="34" charset="0"/>
+              <a:buChar char="•"/>
+            </a:pPr>
+            <a:r>
+              <a:rPr lang="de-DE" dirty="0"/>
+              <a:t>Data </a:t>
+            </a:r>
+            <a:r>
+              <a:rPr lang="de-DE" dirty="0" err="1"/>
+              <a:t>we</a:t>
+            </a:r>
+            <a:r>
+              <a:rPr lang="de-DE" dirty="0"/>
+              <a:t> </a:t>
+            </a:r>
+            <a:r>
+              <a:rPr lang="de-DE" dirty="0" err="1"/>
+              <a:t>got</a:t>
+            </a:r>
+            <a:r>
+              <a:rPr lang="de-DE" dirty="0"/>
+              <a:t> out </a:t>
+            </a:r>
+            <a:r>
+              <a:rPr lang="de-DE" dirty="0" err="1"/>
+              <a:t>of</a:t>
+            </a:r>
+            <a:r>
+              <a:rPr lang="de-DE" dirty="0"/>
+              <a:t> </a:t>
+            </a:r>
+            <a:r>
+              <a:rPr lang="de-DE" dirty="0" err="1"/>
+              <a:t>the</a:t>
+            </a:r>
+            <a:r>
+              <a:rPr lang="de-DE" dirty="0"/>
+              <a:t> </a:t>
+            </a:r>
+            <a:r>
+              <a:rPr lang="de-DE" dirty="0" err="1"/>
+              <a:t>labeler</a:t>
+            </a:r>
+            <a:r>
+              <a:rPr lang="de-DE" dirty="0"/>
+              <a:t> </a:t>
+            </a:r>
+            <a:r>
+              <a:rPr lang="de-DE" dirty="0" err="1"/>
+              <a:t>to</a:t>
+            </a:r>
+            <a:r>
+              <a:rPr lang="de-DE" dirty="0"/>
+              <a:t> </a:t>
+            </a:r>
+            <a:r>
+              <a:rPr lang="de-DE" dirty="0" err="1"/>
+              <a:t>get</a:t>
+            </a:r>
+            <a:r>
+              <a:rPr lang="de-DE" dirty="0"/>
+              <a:t> a </a:t>
+            </a:r>
+            <a:r>
+              <a:rPr lang="de-DE" dirty="0" err="1"/>
+              <a:t>better</a:t>
+            </a:r>
+            <a:r>
+              <a:rPr lang="de-DE" dirty="0"/>
+              <a:t> NN</a:t>
+            </a:r>
+          </a:p>
+          <a:p>
+            <a:pPr marL="171450" indent="-171450">
+              <a:buFont typeface="Arial" panose="020B0604020202020204" pitchFamily="34" charset="0"/>
+              <a:buChar char="•"/>
+            </a:pPr>
+            <a:r>
+              <a:rPr lang="de-DE" dirty="0" err="1"/>
+              <a:t>Preconditioner</a:t>
+            </a:r>
+            <a:r>
+              <a:rPr lang="de-DE" dirty="0"/>
+              <a:t>/</a:t>
+            </a:r>
+            <a:r>
+              <a:rPr lang="de-DE" dirty="0" err="1"/>
+              <a:t>solver</a:t>
+            </a:r>
+            <a:r>
+              <a:rPr lang="de-DE" dirty="0"/>
+              <a:t> </a:t>
+            </a:r>
+            <a:r>
+              <a:rPr lang="de-DE" dirty="0" err="1"/>
+              <a:t>combination</a:t>
+            </a:r>
+            <a:endParaRPr lang="de-DE" dirty="0"/>
+          </a:p>
+          <a:p>
+            <a:pPr marL="171450" indent="-171450">
+              <a:buFont typeface="Arial" panose="020B0604020202020204" pitchFamily="34" charset="0"/>
+              <a:buChar char="•"/>
+            </a:pPr>
+            <a:r>
+              <a:rPr lang="en-GB" dirty="0" err="1"/>
+              <a:t>seperate</a:t>
+            </a:r>
+            <a:r>
+              <a:rPr lang="en-GB" dirty="0"/>
+              <a:t> neural networks for each size -&gt; </a:t>
+            </a:r>
+            <a:endParaRPr lang="en-US" dirty="0"/>
+          </a:p>
+        </p:txBody>
+      </p:sp>
+      <p:sp>
+        <p:nvSpPr>
+          <p:cNvPr id="4" name="Fußzeilenplatzhalter 3"/>
+          <p:cNvSpPr>
+            <a:spLocks noGrp="1"/>
+          </p:cNvSpPr>
+          <p:nvPr>
+            <p:ph type="ftr" sz="quarter" idx="4"/>
+          </p:nvPr>
+        </p:nvSpPr>
+        <p:spPr/>
+        <p:txBody>
+          <a:bodyPr/>
+          <a:lstStyle/>
+          <a:p>
+            <a:r>
+              <a:rPr lang="de-DE"/>
+              <a:t>Fabian Koffer, Simon Hanselmann, Yannick Funk, Dennis Leon Grötzinger, Anna Ricker</a:t>
+            </a:r>
+          </a:p>
+        </p:txBody>
+      </p:sp>
+      <p:sp>
+        <p:nvSpPr>
+          <p:cNvPr id="5" name="Foliennummernplatzhalter 4"/>
+          <p:cNvSpPr>
+            <a:spLocks noGrp="1"/>
+          </p:cNvSpPr>
+          <p:nvPr>
+            <p:ph type="sldNum" sz="quarter" idx="5"/>
+          </p:nvPr>
+        </p:nvSpPr>
+        <p:spPr/>
+        <p:txBody>
+          <a:bodyPr/>
+          <a:lstStyle/>
+          <a:p>
+            <a:fld id="{CA04F272-B815-443A-A9C1-BA10F9533513}" type="slidenum">
+              <a:rPr lang="de-DE" smtClean="0"/>
+              <a:t>20</a:t>
+            </a:fld>
+            <a:endParaRPr lang="de-DE"/>
+          </a:p>
+        </p:txBody>
+      </p:sp>
+    </p:spTree>
+    <p:extLst>
+      <p:ext uri="{BB962C8B-B14F-4D97-AF65-F5344CB8AC3E}">
+        <p14:creationId xmlns:p14="http://schemas.microsoft.com/office/powerpoint/2010/main" val="3065879523"/>
+      </p:ext>
+    </p:extLst>
+  </p:cSld>
+  <p:clrMapOvr>
+    <a:masterClrMapping/>
+  </p:clrMapOvr>
+</p:notes>
+</file>
+
+<file path=ppt/notesSlides/notesSlide14.xml><?xml version="1.0" encoding="utf-8"?>
 <p:notes xmlns:a="http://schemas.openxmlformats.org/drawingml/2006/main" xmlns:r="http://schemas.openxmlformats.org/officeDocument/2006/relationships" xmlns:p="http://schemas.openxmlformats.org/presentationml/2006/main">
   <p:cSld>
     <p:spTree>
@@ -16194,7 +16576,7 @@
             <p:ph idx="1"/>
             <p:extLst>
               <p:ext uri="{D42A27DB-BD31-4B8C-83A1-F6EECF244321}">
-                <p14:modId xmlns:p14="http://schemas.microsoft.com/office/powerpoint/2010/main" val="1872615011"/>
+                <p14:modId xmlns:p14="http://schemas.microsoft.com/office/powerpoint/2010/main" val="2491514188"/>
               </p:ext>
             </p:extLst>
           </p:nvPr>
@@ -16287,7 +16669,7 @@
         <p:spPr>
           <a:xfrm>
             <a:off x="838200" y="1825625"/>
-            <a:ext cx="3175000" cy="4351338"/>
+            <a:ext cx="3764280" cy="4351338"/>
           </a:xfrm>
         </p:spPr>
         <p:txBody>
@@ -16315,19 +16697,19 @@
           <a:p>
             <a:r>
               <a:rPr lang="de-DE" dirty="0"/>
-              <a:t>Python code: 2451</a:t>
+              <a:t>Python code: 2500</a:t>
             </a:r>
           </a:p>
           <a:p>
             <a:r>
               <a:rPr lang="de-DE" dirty="0"/>
-              <a:t>C++ code: 209</a:t>
+              <a:t>C++ code: 200</a:t>
             </a:r>
           </a:p>
           <a:p>
             <a:r>
               <a:rPr lang="en-US" dirty="0"/>
-              <a:t>others: 192</a:t>
+              <a:t>others: 200</a:t>
             </a:r>
           </a:p>
           <a:p>
@@ -16853,7 +17235,7 @@
           <p:nvPr/>
         </p:nvPicPr>
         <p:blipFill>
-          <a:blip r:embed="rId2"/>
+          <a:blip r:embed="rId3"/>
           <a:stretch>
             <a:fillRect/>
           </a:stretch>
@@ -17773,7 +18155,7 @@
             <p:ph idx="1"/>
             <p:extLst>
               <p:ext uri="{D42A27DB-BD31-4B8C-83A1-F6EECF244321}">
-                <p14:modId xmlns:p14="http://schemas.microsoft.com/office/powerpoint/2010/main" val="4232140265"/>
+                <p14:modId xmlns:p14="http://schemas.microsoft.com/office/powerpoint/2010/main" val="122322262"/>
               </p:ext>
             </p:extLst>
           </p:nvPr>
@@ -17784,7 +18166,7 @@
         </p:xfrm>
         <a:graphic>
           <a:graphicData uri="http://schemas.openxmlformats.org/drawingml/2006/diagram">
-            <dgm:relIds xmlns:dgm="http://schemas.openxmlformats.org/drawingml/2006/diagram" xmlns:r="http://schemas.openxmlformats.org/officeDocument/2006/relationships" r:dm="rId2" r:lo="rId3" r:qs="rId4" r:cs="rId5"/>
+            <dgm:relIds xmlns:dgm="http://schemas.openxmlformats.org/drawingml/2006/diagram" xmlns:r="http://schemas.openxmlformats.org/officeDocument/2006/relationships" r:dm="rId3" r:lo="rId4" r:qs="rId5" r:cs="rId6"/>
           </a:graphicData>
         </a:graphic>
       </p:graphicFrame>

--- a/Final Presentation/La meets ML.pptx
+++ b/Final Presentation/La meets ML.pptx
@@ -8264,7 +8264,11 @@
             </a:r>
             <a:r>
               <a:rPr lang="en-GB" dirty="0"/>
-              <a:t> neural networks for each size -&gt; </a:t>
+              <a:t> neural networks for each size </a:t>
+            </a:r>
+            <a:r>
+              <a:rPr lang="en-GB"/>
+              <a:t>-&gt; make training independent from matrix size</a:t>
             </a:r>
             <a:endParaRPr lang="en-US" dirty="0"/>
           </a:p>

--- a/Final Presentation/La meets ML.pptx
+++ b/Final Presentation/La meets ML.pptx
@@ -8264,11 +8264,7 @@
             </a:r>
             <a:r>
               <a:rPr lang="en-GB" dirty="0"/>
-              <a:t> neural networks for each size </a:t>
-            </a:r>
-            <a:r>
-              <a:rPr lang="en-GB"/>
-              <a:t>-&gt; make training independent from matrix size</a:t>
+              <a:t> neural networks for each size -&gt; make training independent from matrix size</a:t>
             </a:r>
             <a:endParaRPr lang="en-US" dirty="0"/>
           </a:p>
@@ -18026,12 +18022,12 @@
           <a:lstStyle/>
           <a:p>
             <a:r>
-              <a:rPr lang="en-US">
+              <a:rPr lang="en-US" dirty="0">
                 <a:solidFill>
                   <a:srgbClr val="FFFFFF"/>
                 </a:solidFill>
               </a:rPr>
-              <a:t>Outlook</a:t>
+              <a:t>Prospect</a:t>
             </a:r>
           </a:p>
         </p:txBody>

--- a/Final Presentation/La meets ML.pptx
+++ b/Final Presentation/La meets ML.pptx
@@ -148,6 +148,14 @@
     </p:extLst>
   </p:cmAuthor>
 </p:cmAuthorLst>
+</file>
+
+<file path=ppt/revisionInfo.xml><?xml version="1.0" encoding="utf-8"?>
+<p1510:revInfo xmlns:a="http://schemas.openxmlformats.org/drawingml/2006/main" xmlns:r="http://schemas.openxmlformats.org/officeDocument/2006/relationships" xmlns:p1510="http://schemas.microsoft.com/office/powerpoint/2015/10/main">
+  <p1510:revLst>
+    <p1510:client id="{F1738E0B-10FE-4512-B3C4-8D9081131403}" v="64" dt="2019-03-19T07:42:18.491"/>
+  </p1510:revLst>
+</p1510:revInfo>
 </file>
 
 <file path=ppt/diagrams/colors1.xml><?xml version="1.0" encoding="utf-8"?>
@@ -7056,7 +7064,7 @@
           <a:p>
             <a:fld id="{3C88CB10-1076-4101-A44A-CA91DC524357}" type="datetimeFigureOut">
               <a:rPr lang="en-US" smtClean="0"/>
-              <a:t>3/18/2019</a:t>
+              <a:t>3/19/2019</a:t>
             </a:fld>
             <a:endParaRPr lang="en-US"/>
           </a:p>
@@ -7237,7 +7245,7 @@
           <a:p>
             <a:fld id="{3CEC165E-15F5-4935-BBD1-A9D451E9120B}" type="datetimeFigureOut">
               <a:rPr lang="de-DE" smtClean="0"/>
-              <a:t>18.03.2019</a:t>
+              <a:t>19.03.2019</a:t>
             </a:fld>
             <a:endParaRPr lang="de-DE"/>
           </a:p>
@@ -15447,12 +15455,72 @@
           </a:p>
         </p:txBody>
       </p:sp>
+      <p:pic>
+        <p:nvPicPr>
+          <p:cNvPr id="4" name="Grafik 4">
+            <a:extLst>
+              <a:ext uri="{FF2B5EF4-FFF2-40B4-BE49-F238E27FC236}">
+                <a16:creationId xmlns:a16="http://schemas.microsoft.com/office/drawing/2014/main" id="{08C95A70-A27E-4C76-A67B-66C0AAFD896F}"/>
+              </a:ext>
+            </a:extLst>
+          </p:cNvPr>
+          <p:cNvPicPr>
+            <a:picLocks noChangeAspect="1"/>
+          </p:cNvPicPr>
+          <p:nvPr/>
+        </p:nvPicPr>
+        <p:blipFill>
+          <a:blip r:embed="rId2"/>
+          <a:stretch>
+            <a:fillRect/>
+          </a:stretch>
+        </p:blipFill>
+        <p:spPr>
+          <a:xfrm>
+            <a:off x="4598773" y="1921187"/>
+            <a:ext cx="2743200" cy="795528"/>
+          </a:xfrm>
+          <a:prstGeom prst="rect">
+            <a:avLst/>
+          </a:prstGeom>
+        </p:spPr>
+      </p:pic>
+      <p:pic>
+        <p:nvPicPr>
+          <p:cNvPr id="6" name="Grafik 6" descr="Ein Bild, das grün enthält.&#10;&#10;Mit hoher Zuverlässigkeit generierte Beschreibung">
+            <a:extLst>
+              <a:ext uri="{FF2B5EF4-FFF2-40B4-BE49-F238E27FC236}">
+                <a16:creationId xmlns:a16="http://schemas.microsoft.com/office/drawing/2014/main" id="{B444ABB9-1517-4F04-987E-54B48BE3EF15}"/>
+              </a:ext>
+            </a:extLst>
+          </p:cNvPr>
+          <p:cNvPicPr>
+            <a:picLocks noChangeAspect="1"/>
+          </p:cNvPicPr>
+          <p:nvPr/>
+        </p:nvPicPr>
+        <p:blipFill>
+          <a:blip r:embed="rId3"/>
+          <a:stretch>
+            <a:fillRect/>
+          </a:stretch>
+        </p:blipFill>
+        <p:spPr>
+          <a:xfrm>
+            <a:off x="1037968" y="2834534"/>
+            <a:ext cx="2743200" cy="2486390"/>
+          </a:xfrm>
+          <a:prstGeom prst="rect">
+            <a:avLst/>
+          </a:prstGeom>
+        </p:spPr>
+      </p:pic>
       <p:sp>
         <p:nvSpPr>
-          <p:cNvPr id="3" name="Textfeld 2">
+          <p:cNvPr id="10" name="Textfeld 9">
             <a:extLst>
               <a:ext uri="{FF2B5EF4-FFF2-40B4-BE49-F238E27FC236}">
-                <a16:creationId xmlns:a16="http://schemas.microsoft.com/office/drawing/2014/main" id="{717D8D97-B1F8-4CD6-B8EA-5CA564F5B994}"/>
+                <a16:creationId xmlns:a16="http://schemas.microsoft.com/office/drawing/2014/main" id="{1720B01D-D3EF-4FA3-B1EA-F905C2A00913}"/>
               </a:ext>
             </a:extLst>
           </p:cNvPr>
@@ -15460,36 +15528,161 @@
           <p:nvPr/>
         </p:nvSpPr>
         <p:spPr>
-          <a:xfrm>
-            <a:off x="838200" y="1769661"/>
-            <a:ext cx="1260858" cy="954107"/>
+          <a:xfrm rot="-5340000">
+            <a:off x="2201562" y="3509318"/>
+            <a:ext cx="2743200" cy="369332"/>
           </a:xfrm>
           <a:prstGeom prst="rect">
             <a:avLst/>
           </a:prstGeom>
-          <a:noFill/>
         </p:spPr>
         <p:txBody>
-          <a:bodyPr wrap="none" rtlCol="0">
+          <a:bodyPr rot="0" spcFirstLastPara="0" vertOverflow="overflow" horzOverflow="overflow" vert="horz" wrap="square" lIns="91440" tIns="45720" rIns="91440" bIns="45720" numCol="1" spcCol="0" rtlCol="0" fromWordArt="0" anchor="t" anchorCtr="0" forceAA="0" compatLnSpc="1">
+            <a:prstTxWarp prst="textNoShape">
+              <a:avLst/>
+            </a:prstTxWarp>
             <a:spAutoFit/>
           </a:bodyPr>
           <a:lstStyle/>
           <a:p>
             <a:r>
-              <a:rPr lang="en-US" sz="2800" dirty="0"/>
-              <a:t>Tools:</a:t>
-            </a:r>
-          </a:p>
-          <a:p>
-            <a:pPr marL="285750" indent="-285750">
-              <a:buFont typeface="Arial" panose="020B0604020202020204" pitchFamily="34" charset="0"/>
-              <a:buChar char="•"/>
-            </a:pPr>
-            <a:r>
-              <a:rPr lang="en-US" sz="2800" dirty="0" err="1"/>
-              <a:t>Keras</a:t>
-            </a:r>
-            <a:endParaRPr lang="en-US" sz="2800" dirty="0"/>
+              <a:rPr lang="de-DE" dirty="0">
+                <a:cs typeface="Calibri"/>
+              </a:rPr>
+              <a:t>Fastest Solver</a:t>
+            </a:r>
+          </a:p>
+        </p:txBody>
+      </p:sp>
+      <p:pic>
+        <p:nvPicPr>
+          <p:cNvPr id="3" name="Grafik 4">
+            <a:extLst>
+              <a:ext uri="{FF2B5EF4-FFF2-40B4-BE49-F238E27FC236}">
+                <a16:creationId xmlns:a16="http://schemas.microsoft.com/office/drawing/2014/main" id="{8995E77C-BBAE-4DF9-AFBF-EF05A230ED20}"/>
+              </a:ext>
+            </a:extLst>
+          </p:cNvPr>
+          <p:cNvPicPr>
+            <a:picLocks noChangeAspect="1"/>
+          </p:cNvPicPr>
+          <p:nvPr/>
+        </p:nvPicPr>
+        <p:blipFill>
+          <a:blip r:embed="rId4"/>
+          <a:stretch>
+            <a:fillRect/>
+          </a:stretch>
+        </p:blipFill>
+        <p:spPr>
+          <a:xfrm>
+            <a:off x="4524375" y="2707809"/>
+            <a:ext cx="2743200" cy="2509183"/>
+          </a:xfrm>
+          <a:prstGeom prst="rect">
+            <a:avLst/>
+          </a:prstGeom>
+        </p:spPr>
+      </p:pic>
+      <p:sp>
+        <p:nvSpPr>
+          <p:cNvPr id="7" name="Pfeil: nach rechts 6">
+            <a:extLst>
+              <a:ext uri="{FF2B5EF4-FFF2-40B4-BE49-F238E27FC236}">
+                <a16:creationId xmlns:a16="http://schemas.microsoft.com/office/drawing/2014/main" id="{5A71C770-25D5-4423-9C32-B4350BC53BFC}"/>
+              </a:ext>
+            </a:extLst>
+          </p:cNvPr>
+          <p:cNvSpPr/>
+          <p:nvPr/>
+        </p:nvSpPr>
+        <p:spPr>
+          <a:xfrm>
+            <a:off x="3692271" y="3729609"/>
+            <a:ext cx="978408" cy="484632"/>
+          </a:xfrm>
+          <a:prstGeom prst="rightArrow">
+            <a:avLst/>
+          </a:prstGeom>
+          <a:solidFill>
+            <a:schemeClr val="tx1"/>
+          </a:solidFill>
+        </p:spPr>
+        <p:style>
+          <a:lnRef idx="2">
+            <a:schemeClr val="accent1">
+              <a:shade val="50000"/>
+            </a:schemeClr>
+          </a:lnRef>
+          <a:fillRef idx="1">
+            <a:schemeClr val="accent1"/>
+          </a:fillRef>
+          <a:effectRef idx="0">
+            <a:schemeClr val="accent1"/>
+          </a:effectRef>
+          <a:fontRef idx="minor">
+            <a:schemeClr val="lt1"/>
+          </a:fontRef>
+        </p:style>
+        <p:txBody>
+          <a:bodyPr rtlCol="0" anchor="ctr"/>
+          <a:lstStyle/>
+          <a:p>
+            <a:pPr algn="ctr"/>
+            <a:endParaRPr lang="de-DE"/>
+          </a:p>
+        </p:txBody>
+      </p:sp>
+      <p:sp>
+        <p:nvSpPr>
+          <p:cNvPr id="11" name="Pfeil: nach links gekrümmt 10">
+            <a:extLst>
+              <a:ext uri="{FF2B5EF4-FFF2-40B4-BE49-F238E27FC236}">
+                <a16:creationId xmlns:a16="http://schemas.microsoft.com/office/drawing/2014/main" id="{4229CE6B-5D73-499B-8A0B-CB50A6B6C10A}"/>
+              </a:ext>
+            </a:extLst>
+          </p:cNvPr>
+          <p:cNvSpPr/>
+          <p:nvPr/>
+        </p:nvSpPr>
+        <p:spPr>
+          <a:xfrm>
+            <a:off x="7073265" y="3354324"/>
+            <a:ext cx="731520" cy="1216152"/>
+          </a:xfrm>
+          <a:prstGeom prst="curvedLeftArrow">
+            <a:avLst/>
+          </a:prstGeom>
+          <a:solidFill>
+            <a:schemeClr val="tx1"/>
+          </a:solidFill>
+        </p:spPr>
+        <p:style>
+          <a:lnRef idx="2">
+            <a:schemeClr val="accent1">
+              <a:shade val="50000"/>
+            </a:schemeClr>
+          </a:lnRef>
+          <a:fillRef idx="1">
+            <a:schemeClr val="accent1"/>
+          </a:fillRef>
+          <a:effectRef idx="0">
+            <a:schemeClr val="accent1"/>
+          </a:effectRef>
+          <a:fontRef idx="minor">
+            <a:schemeClr val="lt1"/>
+          </a:fontRef>
+        </p:style>
+        <p:txBody>
+          <a:bodyPr rtlCol="0" anchor="ctr"/>
+          <a:lstStyle/>
+          <a:p>
+            <a:pPr algn="ctr"/>
+            <a:endParaRPr lang="de-DE">
+              <a:solidFill>
+                <a:schemeClr val="tx1"/>
+              </a:solidFill>
+            </a:endParaRPr>
           </a:p>
         </p:txBody>
       </p:sp>
@@ -15640,11 +15833,280 @@
         </p:blipFill>
         <p:spPr>
           <a:xfrm>
-            <a:off x="8284698" y="250824"/>
+            <a:off x="9065748" y="250824"/>
             <a:ext cx="2743200" cy="6277513"/>
           </a:xfrm>
         </p:spPr>
       </p:pic>
+      <p:pic>
+        <p:nvPicPr>
+          <p:cNvPr id="3" name="Grafik 4">
+            <a:extLst>
+              <a:ext uri="{FF2B5EF4-FFF2-40B4-BE49-F238E27FC236}">
+                <a16:creationId xmlns:a16="http://schemas.microsoft.com/office/drawing/2014/main" id="{57A49D15-9434-442A-B0C2-949945313823}"/>
+              </a:ext>
+            </a:extLst>
+          </p:cNvPr>
+          <p:cNvPicPr>
+            <a:picLocks noChangeAspect="1"/>
+          </p:cNvPicPr>
+          <p:nvPr/>
+        </p:nvPicPr>
+        <p:blipFill>
+          <a:blip r:embed="rId3"/>
+          <a:stretch>
+            <a:fillRect/>
+          </a:stretch>
+        </p:blipFill>
+        <p:spPr>
+          <a:xfrm>
+            <a:off x="4598773" y="1921187"/>
+            <a:ext cx="2743200" cy="795528"/>
+          </a:xfrm>
+          <a:prstGeom prst="rect">
+            <a:avLst/>
+          </a:prstGeom>
+        </p:spPr>
+      </p:pic>
+      <p:pic>
+        <p:nvPicPr>
+          <p:cNvPr id="4" name="Grafik 6" descr="Ein Bild, das grün enthält.&#10;&#10;Mit hoher Zuverlässigkeit generierte Beschreibung">
+            <a:extLst>
+              <a:ext uri="{FF2B5EF4-FFF2-40B4-BE49-F238E27FC236}">
+                <a16:creationId xmlns:a16="http://schemas.microsoft.com/office/drawing/2014/main" id="{C9F92556-8E50-460F-AAD7-756439036E13}"/>
+              </a:ext>
+            </a:extLst>
+          </p:cNvPr>
+          <p:cNvPicPr>
+            <a:picLocks noChangeAspect="1"/>
+          </p:cNvPicPr>
+          <p:nvPr/>
+        </p:nvPicPr>
+        <p:blipFill>
+          <a:blip r:embed="rId4"/>
+          <a:stretch>
+            <a:fillRect/>
+          </a:stretch>
+        </p:blipFill>
+        <p:spPr>
+          <a:xfrm>
+            <a:off x="1037968" y="2834534"/>
+            <a:ext cx="2743200" cy="2486390"/>
+          </a:xfrm>
+          <a:prstGeom prst="rect">
+            <a:avLst/>
+          </a:prstGeom>
+        </p:spPr>
+      </p:pic>
+      <p:sp>
+        <p:nvSpPr>
+          <p:cNvPr id="5" name="Textfeld 4">
+            <a:extLst>
+              <a:ext uri="{FF2B5EF4-FFF2-40B4-BE49-F238E27FC236}">
+                <a16:creationId xmlns:a16="http://schemas.microsoft.com/office/drawing/2014/main" id="{13909133-6126-4757-82ED-11A5ADB7B609}"/>
+              </a:ext>
+            </a:extLst>
+          </p:cNvPr>
+          <p:cNvSpPr txBox="1"/>
+          <p:nvPr/>
+        </p:nvSpPr>
+        <p:spPr>
+          <a:xfrm rot="16260000">
+            <a:off x="2201562" y="3509318"/>
+            <a:ext cx="2743200" cy="369332"/>
+          </a:xfrm>
+          <a:prstGeom prst="rect">
+            <a:avLst/>
+          </a:prstGeom>
+        </p:spPr>
+        <p:txBody>
+          <a:bodyPr rot="0" spcFirstLastPara="0" vertOverflow="overflow" horzOverflow="overflow" vert="horz" wrap="square" lIns="91440" tIns="45720" rIns="91440" bIns="45720" numCol="1" spcCol="0" rtlCol="0" fromWordArt="0" anchor="t" anchorCtr="0" forceAA="0" compatLnSpc="1">
+            <a:prstTxWarp prst="textNoShape">
+              <a:avLst/>
+            </a:prstTxWarp>
+            <a:spAutoFit/>
+          </a:bodyPr>
+          <a:lstStyle/>
+          <a:p>
+            <a:endParaRPr lang="de-DE" dirty="0">
+              <a:cs typeface="Calibri"/>
+            </a:endParaRPr>
+          </a:p>
+        </p:txBody>
+      </p:sp>
+      <p:pic>
+        <p:nvPicPr>
+          <p:cNvPr id="13" name="Grafik 4" descr="Ein Bild, das Briefpapier enthält.&#10;&#10;Mit hoher Zuverlässigkeit generierte Beschreibung">
+            <a:extLst>
+              <a:ext uri="{FF2B5EF4-FFF2-40B4-BE49-F238E27FC236}">
+                <a16:creationId xmlns:a16="http://schemas.microsoft.com/office/drawing/2014/main" id="{CD2E69F9-1AD1-4A30-98E0-B94CC9B495F7}"/>
+              </a:ext>
+            </a:extLst>
+          </p:cNvPr>
+          <p:cNvPicPr>
+            <a:picLocks noChangeAspect="1"/>
+          </p:cNvPicPr>
+          <p:nvPr/>
+        </p:nvPicPr>
+        <p:blipFill>
+          <a:blip r:embed="rId5"/>
+          <a:stretch>
+            <a:fillRect/>
+          </a:stretch>
+        </p:blipFill>
+        <p:spPr>
+          <a:xfrm>
+            <a:off x="4524375" y="2707809"/>
+            <a:ext cx="2743200" cy="2509183"/>
+          </a:xfrm>
+          <a:prstGeom prst="rect">
+            <a:avLst/>
+          </a:prstGeom>
+        </p:spPr>
+      </p:pic>
+      <p:sp>
+        <p:nvSpPr>
+          <p:cNvPr id="15" name="Pfeil: nach rechts 14">
+            <a:extLst>
+              <a:ext uri="{FF2B5EF4-FFF2-40B4-BE49-F238E27FC236}">
+                <a16:creationId xmlns:a16="http://schemas.microsoft.com/office/drawing/2014/main" id="{F00ADBD7-867B-48D0-A634-B601F981E946}"/>
+              </a:ext>
+            </a:extLst>
+          </p:cNvPr>
+          <p:cNvSpPr/>
+          <p:nvPr/>
+        </p:nvSpPr>
+        <p:spPr>
+          <a:xfrm>
+            <a:off x="3692271" y="3729609"/>
+            <a:ext cx="978408" cy="484632"/>
+          </a:xfrm>
+          <a:prstGeom prst="rightArrow">
+            <a:avLst/>
+          </a:prstGeom>
+          <a:solidFill>
+            <a:schemeClr val="tx1"/>
+          </a:solidFill>
+        </p:spPr>
+        <p:style>
+          <a:lnRef idx="2">
+            <a:schemeClr val="accent1">
+              <a:shade val="50000"/>
+            </a:schemeClr>
+          </a:lnRef>
+          <a:fillRef idx="1">
+            <a:schemeClr val="accent1"/>
+          </a:fillRef>
+          <a:effectRef idx="0">
+            <a:schemeClr val="accent1"/>
+          </a:effectRef>
+          <a:fontRef idx="minor">
+            <a:schemeClr val="lt1"/>
+          </a:fontRef>
+        </p:style>
+        <p:txBody>
+          <a:bodyPr rtlCol="0" anchor="ctr"/>
+          <a:lstStyle/>
+          <a:p>
+            <a:pPr algn="ctr"/>
+            <a:endParaRPr lang="de-DE"/>
+          </a:p>
+        </p:txBody>
+      </p:sp>
+      <p:sp>
+        <p:nvSpPr>
+          <p:cNvPr id="18" name="Pfeil: nach rechts 17">
+            <a:extLst>
+              <a:ext uri="{FF2B5EF4-FFF2-40B4-BE49-F238E27FC236}">
+                <a16:creationId xmlns:a16="http://schemas.microsoft.com/office/drawing/2014/main" id="{52826443-F1C2-49AD-80E1-5ED7E661FA64}"/>
+              </a:ext>
+            </a:extLst>
+          </p:cNvPr>
+          <p:cNvSpPr/>
+          <p:nvPr/>
+        </p:nvSpPr>
+        <p:spPr>
+          <a:xfrm>
+            <a:off x="6978396" y="3729609"/>
+            <a:ext cx="302133" cy="484632"/>
+          </a:xfrm>
+          <a:prstGeom prst="rightArrow">
+            <a:avLst/>
+          </a:prstGeom>
+          <a:solidFill>
+            <a:schemeClr val="tx1"/>
+          </a:solidFill>
+        </p:spPr>
+        <p:style>
+          <a:lnRef idx="2">
+            <a:schemeClr val="accent1">
+              <a:shade val="50000"/>
+            </a:schemeClr>
+          </a:lnRef>
+          <a:fillRef idx="1">
+            <a:schemeClr val="accent1"/>
+          </a:fillRef>
+          <a:effectRef idx="0">
+            <a:schemeClr val="accent1"/>
+          </a:effectRef>
+          <a:fontRef idx="minor">
+            <a:schemeClr val="lt1"/>
+          </a:fontRef>
+        </p:style>
+        <p:txBody>
+          <a:bodyPr rtlCol="0" anchor="ctr"/>
+          <a:lstStyle/>
+          <a:p>
+            <a:pPr algn="ctr"/>
+            <a:endParaRPr lang="de-DE"/>
+          </a:p>
+        </p:txBody>
+      </p:sp>
+      <p:sp>
+        <p:nvSpPr>
+          <p:cNvPr id="19" name="Textfeld 18">
+            <a:extLst>
+              <a:ext uri="{FF2B5EF4-FFF2-40B4-BE49-F238E27FC236}">
+                <a16:creationId xmlns:a16="http://schemas.microsoft.com/office/drawing/2014/main" id="{4E2E1BFD-D149-44AA-BAF8-09B545DB18CF}"/>
+              </a:ext>
+            </a:extLst>
+          </p:cNvPr>
+          <p:cNvSpPr txBox="1"/>
+          <p:nvPr/>
+        </p:nvSpPr>
+        <p:spPr>
+          <a:xfrm>
+            <a:off x="7200900" y="3800475"/>
+            <a:ext cx="2743200" cy="369332"/>
+          </a:xfrm>
+          <a:prstGeom prst="rect">
+            <a:avLst/>
+          </a:prstGeom>
+        </p:spPr>
+        <p:txBody>
+          <a:bodyPr rot="0" spcFirstLastPara="0" vertOverflow="overflow" horzOverflow="overflow" vert="horz" wrap="square" lIns="91440" tIns="45720" rIns="91440" bIns="45720" numCol="1" spcCol="0" rtlCol="0" fromWordArt="0" anchor="t" anchorCtr="0" forceAA="0" compatLnSpc="1">
+            <a:prstTxWarp prst="textNoShape">
+              <a:avLst/>
+            </a:prstTxWarp>
+            <a:spAutoFit/>
+          </a:bodyPr>
+          <a:lstStyle/>
+          <a:p>
+            <a:r>
+              <a:rPr lang="de-DE" dirty="0">
+                <a:cs typeface="Calibri"/>
+              </a:rPr>
+              <a:t>Fastest </a:t>
+            </a:r>
+            <a:r>
+              <a:rPr lang="de-DE" dirty="0" err="1">
+                <a:cs typeface="Calibri"/>
+              </a:rPr>
+              <a:t>solver</a:t>
+            </a:r>
+          </a:p>
+        </p:txBody>
+      </p:sp>
     </p:spTree>
     <p:extLst>
       <p:ext uri="{BB962C8B-B14F-4D97-AF65-F5344CB8AC3E}">

--- a/Final Presentation/La meets ML.pptx
+++ b/Final Presentation/La meets ML.pptx
@@ -5,10 +5,10 @@
     <p:sldMasterId id="2147483708" r:id="rId1"/>
   </p:sldMasterIdLst>
   <p:notesMasterIdLst>
-    <p:notesMasterId r:id="rId23"/>
+    <p:notesMasterId r:id="rId25"/>
   </p:notesMasterIdLst>
   <p:handoutMasterIdLst>
-    <p:handoutMasterId r:id="rId24"/>
+    <p:handoutMasterId r:id="rId26"/>
   </p:handoutMasterIdLst>
   <p:sldIdLst>
     <p:sldId id="295" r:id="rId2"/>
@@ -24,14 +24,16 @@
     <p:sldId id="291" r:id="rId12"/>
     <p:sldId id="260" r:id="rId13"/>
     <p:sldId id="261" r:id="rId14"/>
-    <p:sldId id="262" r:id="rId15"/>
-    <p:sldId id="263" r:id="rId16"/>
-    <p:sldId id="296" r:id="rId17"/>
-    <p:sldId id="293" r:id="rId18"/>
-    <p:sldId id="292" r:id="rId19"/>
-    <p:sldId id="310" r:id="rId20"/>
-    <p:sldId id="312" r:id="rId21"/>
-    <p:sldId id="294" r:id="rId22"/>
+    <p:sldId id="316" r:id="rId15"/>
+    <p:sldId id="262" r:id="rId16"/>
+    <p:sldId id="263" r:id="rId17"/>
+    <p:sldId id="315" r:id="rId18"/>
+    <p:sldId id="296" r:id="rId19"/>
+    <p:sldId id="293" r:id="rId20"/>
+    <p:sldId id="292" r:id="rId21"/>
+    <p:sldId id="310" r:id="rId22"/>
+    <p:sldId id="312" r:id="rId23"/>
+    <p:sldId id="294" r:id="rId24"/>
   </p:sldIdLst>
   <p:sldSz cx="12192000" cy="6858000"/>
   <p:notesSz cx="6858000" cy="9144000"/>
@@ -7967,7 +7969,7 @@
           <a:p>
             <a:fld id="{CA04F272-B815-443A-A9C1-BA10F9533513}" type="slidenum">
               <a:rPr lang="de-DE" smtClean="0"/>
-              <a:t>18</a:t>
+              <a:t>20</a:t>
             </a:fld>
             <a:endParaRPr lang="de-DE"/>
           </a:p>
@@ -8076,7 +8078,7 @@
           <a:p>
             <a:fld id="{CA04F272-B815-443A-A9C1-BA10F9533513}" type="slidenum">
               <a:rPr lang="de-DE" smtClean="0"/>
-              <a:t>19</a:t>
+              <a:t>21</a:t>
             </a:fld>
             <a:endParaRPr lang="de-DE"/>
           </a:p>
@@ -8317,7 +8319,7 @@
           <a:p>
             <a:fld id="{CA04F272-B815-443A-A9C1-BA10F9533513}" type="slidenum">
               <a:rPr lang="de-DE" smtClean="0"/>
-              <a:t>20</a:t>
+              <a:t>22</a:t>
             </a:fld>
             <a:endParaRPr lang="de-DE"/>
           </a:p>
@@ -8401,7 +8403,7 @@
           <a:p>
             <a:fld id="{CA04F272-B815-443A-A9C1-BA10F9533513}" type="slidenum">
               <a:rPr lang="de-DE" smtClean="0"/>
-              <a:t>21</a:t>
+              <a:t>23</a:t>
             </a:fld>
             <a:endParaRPr lang="de-DE"/>
           </a:p>
@@ -15354,6 +15356,253 @@
           <p:cNvPr id="2" name="Titel 1">
             <a:extLst>
               <a:ext uri="{FF2B5EF4-FFF2-40B4-BE49-F238E27FC236}">
+                <a16:creationId xmlns:a16="http://schemas.microsoft.com/office/drawing/2014/main" id="{C71D9E32-2C6F-407D-B345-E6AB558ADBD9}"/>
+              </a:ext>
+            </a:extLst>
+          </p:cNvPr>
+          <p:cNvSpPr>
+            <a:spLocks noGrp="1"/>
+          </p:cNvSpPr>
+          <p:nvPr>
+            <p:ph type="title"/>
+          </p:nvPr>
+        </p:nvSpPr>
+        <p:spPr/>
+        <p:txBody>
+          <a:bodyPr/>
+          <a:lstStyle/>
+          <a:p>
+            <a:r>
+              <a:rPr lang="de-DE" dirty="0" err="1"/>
+              <a:t>Labeling</a:t>
+            </a:r>
+            <a:r>
+              <a:rPr lang="de-DE" dirty="0"/>
+              <a:t> </a:t>
+            </a:r>
+            <a:r>
+              <a:rPr lang="de-DE" dirty="0" err="1"/>
+              <a:t>module</a:t>
+            </a:r>
+            <a:endParaRPr lang="de-DE" dirty="0"/>
+          </a:p>
+        </p:txBody>
+      </p:sp>
+      <p:sp>
+        <p:nvSpPr>
+          <p:cNvPr id="3" name="Inhaltsplatzhalter 2">
+            <a:extLst>
+              <a:ext uri="{FF2B5EF4-FFF2-40B4-BE49-F238E27FC236}">
+                <a16:creationId xmlns:a16="http://schemas.microsoft.com/office/drawing/2014/main" id="{A6E36060-4FDA-4834-B05D-0841012EE52D}"/>
+              </a:ext>
+            </a:extLst>
+          </p:cNvPr>
+          <p:cNvSpPr>
+            <a:spLocks noGrp="1"/>
+          </p:cNvSpPr>
+          <p:nvPr>
+            <p:ph idx="1"/>
+          </p:nvPr>
+        </p:nvSpPr>
+        <p:spPr>
+          <a:xfrm>
+            <a:off x="838200" y="1825625"/>
+            <a:ext cx="5010150" cy="4351338"/>
+          </a:xfrm>
+        </p:spPr>
+        <p:txBody>
+          <a:bodyPr/>
+          <a:lstStyle/>
+          <a:p>
+            <a:pPr marL="0" indent="0">
+              <a:lnSpc>
+                <a:spcPct val="100000"/>
+              </a:lnSpc>
+              <a:buNone/>
+            </a:pPr>
+            <a:r>
+              <a:rPr lang="de-DE" dirty="0"/>
+              <a:t>Tools:</a:t>
+            </a:r>
+          </a:p>
+          <a:p>
+            <a:pPr>
+              <a:lnSpc>
+                <a:spcPct val="100000"/>
+              </a:lnSpc>
+            </a:pPr>
+            <a:r>
+              <a:rPr lang="de-DE" dirty="0"/>
+              <a:t>Ginkgo</a:t>
+            </a:r>
+          </a:p>
+        </p:txBody>
+      </p:sp>
+      <p:sp>
+        <p:nvSpPr>
+          <p:cNvPr id="8" name="Fußzeilenplatzhalter 7">
+            <a:extLst>
+              <a:ext uri="{FF2B5EF4-FFF2-40B4-BE49-F238E27FC236}">
+                <a16:creationId xmlns:a16="http://schemas.microsoft.com/office/drawing/2014/main" id="{3CE93F45-8E7A-4B51-8093-FB8E6689C4E8}"/>
+              </a:ext>
+            </a:extLst>
+          </p:cNvPr>
+          <p:cNvSpPr>
+            <a:spLocks noGrp="1"/>
+          </p:cNvSpPr>
+          <p:nvPr>
+            <p:ph type="ftr" sz="quarter" idx="11"/>
+          </p:nvPr>
+        </p:nvSpPr>
+        <p:spPr/>
+        <p:txBody>
+          <a:bodyPr/>
+          <a:lstStyle/>
+          <a:p>
+            <a:r>
+              <a:rPr lang="de-DE"/>
+              <a:t>Fabian Koffer, Simon Hanselmann, Yannick Funk, Dennis Leon Grötzinger, Anna Ricker</a:t>
+            </a:r>
+            <a:endParaRPr lang="de-DE" dirty="0"/>
+          </a:p>
+        </p:txBody>
+      </p:sp>
+      <p:sp>
+        <p:nvSpPr>
+          <p:cNvPr id="9" name="Foliennummernplatzhalter 8">
+            <a:extLst>
+              <a:ext uri="{FF2B5EF4-FFF2-40B4-BE49-F238E27FC236}">
+                <a16:creationId xmlns:a16="http://schemas.microsoft.com/office/drawing/2014/main" id="{275636D9-DD61-4D67-A167-08B55720AD58}"/>
+              </a:ext>
+            </a:extLst>
+          </p:cNvPr>
+          <p:cNvSpPr>
+            <a:spLocks noGrp="1"/>
+          </p:cNvSpPr>
+          <p:nvPr>
+            <p:ph type="sldNum" sz="quarter" idx="12"/>
+          </p:nvPr>
+        </p:nvSpPr>
+        <p:spPr/>
+        <p:txBody>
+          <a:bodyPr/>
+          <a:lstStyle/>
+          <a:p>
+            <a:fld id="{93F958DD-C366-48E3-9E19-F94396BCFA77}" type="slidenum">
+              <a:rPr lang="de-DE" smtClean="0"/>
+              <a:t>14</a:t>
+            </a:fld>
+            <a:endParaRPr lang="de-DE"/>
+          </a:p>
+        </p:txBody>
+      </p:sp>
+      <p:pic>
+        <p:nvPicPr>
+          <p:cNvPr id="10" name="Grafik 9">
+            <a:extLst>
+              <a:ext uri="{FF2B5EF4-FFF2-40B4-BE49-F238E27FC236}">
+                <a16:creationId xmlns:a16="http://schemas.microsoft.com/office/drawing/2014/main" id="{D6263D27-2164-442D-9124-6FE798E0F3BE}"/>
+              </a:ext>
+            </a:extLst>
+          </p:cNvPr>
+          <p:cNvPicPr>
+            <a:picLocks noChangeAspect="1"/>
+          </p:cNvPicPr>
+          <p:nvPr/>
+        </p:nvPicPr>
+        <p:blipFill>
+          <a:blip r:embed="rId2">
+            <a:extLst>
+              <a:ext uri="{28A0092B-C50C-407E-A947-70E740481C1C}">
+                <a14:useLocalDpi xmlns:a14="http://schemas.microsoft.com/office/drawing/2010/main" val="0"/>
+              </a:ext>
+            </a:extLst>
+          </a:blip>
+          <a:stretch>
+            <a:fillRect/>
+          </a:stretch>
+        </p:blipFill>
+        <p:spPr>
+          <a:xfrm>
+            <a:off x="8971280" y="80951"/>
+            <a:ext cx="2288540" cy="6696098"/>
+          </a:xfrm>
+          <a:prstGeom prst="rect">
+            <a:avLst/>
+          </a:prstGeom>
+        </p:spPr>
+      </p:pic>
+      <p:pic>
+        <p:nvPicPr>
+          <p:cNvPr id="7" name="Grafik 6">
+            <a:extLst>
+              <a:ext uri="{FF2B5EF4-FFF2-40B4-BE49-F238E27FC236}">
+                <a16:creationId xmlns:a16="http://schemas.microsoft.com/office/drawing/2014/main" id="{90BD00EE-79EE-4589-8197-1CBA7311AF17}"/>
+              </a:ext>
+            </a:extLst>
+          </p:cNvPr>
+          <p:cNvPicPr>
+            <a:picLocks noChangeAspect="1"/>
+          </p:cNvPicPr>
+          <p:nvPr/>
+        </p:nvPicPr>
+        <p:blipFill>
+          <a:blip r:embed="rId3">
+            <a:extLst>
+              <a:ext uri="{28A0092B-C50C-407E-A947-70E740481C1C}">
+                <a14:useLocalDpi xmlns:a14="http://schemas.microsoft.com/office/drawing/2010/main" val="0"/>
+              </a:ext>
+            </a:extLst>
+          </a:blip>
+          <a:stretch>
+            <a:fillRect/>
+          </a:stretch>
+        </p:blipFill>
+        <p:spPr>
+          <a:xfrm>
+            <a:off x="2697163" y="1825625"/>
+            <a:ext cx="5649662" cy="4217353"/>
+          </a:xfrm>
+          <a:prstGeom prst="rect">
+            <a:avLst/>
+          </a:prstGeom>
+        </p:spPr>
+      </p:pic>
+    </p:spTree>
+    <p:extLst>
+      <p:ext uri="{BB962C8B-B14F-4D97-AF65-F5344CB8AC3E}">
+        <p14:creationId xmlns:p14="http://schemas.microsoft.com/office/powerpoint/2010/main" val="486456156"/>
+      </p:ext>
+    </p:extLst>
+  </p:cSld>
+  <p:clrMapOvr>
+    <a:masterClrMapping/>
+  </p:clrMapOvr>
+</p:sld>
+</file>
+
+<file path=ppt/slides/slide15.xml><?xml version="1.0" encoding="utf-8"?>
+<p:sld xmlns:a="http://schemas.openxmlformats.org/drawingml/2006/main" xmlns:r="http://schemas.openxmlformats.org/officeDocument/2006/relationships" xmlns:p="http://schemas.openxmlformats.org/presentationml/2006/main">
+  <p:cSld>
+    <p:spTree>
+      <p:nvGrpSpPr>
+        <p:cNvPr id="1" name=""/>
+        <p:cNvGrpSpPr/>
+        <p:nvPr/>
+      </p:nvGrpSpPr>
+      <p:grpSpPr>
+        <a:xfrm>
+          <a:off x="0" y="0"/>
+          <a:ext cx="0" cy="0"/>
+          <a:chOff x="0" y="0"/>
+          <a:chExt cx="0" cy="0"/>
+        </a:xfrm>
+      </p:grpSpPr>
+      <p:sp>
+        <p:nvSpPr>
+          <p:cNvPr id="2" name="Titel 1">
+            <a:extLst>
+              <a:ext uri="{FF2B5EF4-FFF2-40B4-BE49-F238E27FC236}">
                 <a16:creationId xmlns:a16="http://schemas.microsoft.com/office/drawing/2014/main" id="{7BC52B4E-481D-441F-B0BC-7D838FEF4397}"/>
               </a:ext>
             </a:extLst>
@@ -15449,7 +15698,7 @@
           <a:p>
             <a:fld id="{93F958DD-C366-48E3-9E19-F94396BCFA77}" type="slidenum">
               <a:rPr lang="de-DE" smtClean="0"/>
-              <a:t>14</a:t>
+              <a:t>15</a:t>
             </a:fld>
             <a:endParaRPr lang="de-DE"/>
           </a:p>
@@ -15699,7 +15948,7 @@
 </p:sld>
 </file>
 
-<file path=ppt/slides/slide15.xml><?xml version="1.0" encoding="utf-8"?>
+<file path=ppt/slides/slide16.xml><?xml version="1.0" encoding="utf-8"?>
 <p:sld xmlns:a="http://schemas.openxmlformats.org/drawingml/2006/main" xmlns:r="http://schemas.openxmlformats.org/officeDocument/2006/relationships" xmlns:p="http://schemas.openxmlformats.org/presentationml/2006/main">
   <p:cSld>
     <p:spTree>
@@ -15797,7 +16046,7 @@
           <a:p>
             <a:fld id="{93F958DD-C366-48E3-9E19-F94396BCFA77}" type="slidenum">
               <a:rPr lang="de-DE" smtClean="0"/>
-              <a:t>15</a:t>
+              <a:t>16</a:t>
             </a:fld>
             <a:endParaRPr lang="de-DE"/>
           </a:p>
@@ -16120,7 +16369,129 @@
 </p:sld>
 </file>
 
-<file path=ppt/slides/slide16.xml><?xml version="1.0" encoding="utf-8"?>
+<file path=ppt/slides/slide17.xml><?xml version="1.0" encoding="utf-8"?>
+<p:sld xmlns:a="http://schemas.openxmlformats.org/drawingml/2006/main" xmlns:r="http://schemas.openxmlformats.org/officeDocument/2006/relationships" xmlns:p="http://schemas.openxmlformats.org/presentationml/2006/main">
+  <p:cSld>
+    <p:spTree>
+      <p:nvGrpSpPr>
+        <p:cNvPr id="1" name=""/>
+        <p:cNvGrpSpPr/>
+        <p:nvPr/>
+      </p:nvGrpSpPr>
+      <p:grpSpPr>
+        <a:xfrm>
+          <a:off x="0" y="0"/>
+          <a:ext cx="0" cy="0"/>
+          <a:chOff x="0" y="0"/>
+          <a:chExt cx="0" cy="0"/>
+        </a:xfrm>
+      </p:grpSpPr>
+      <p:sp>
+        <p:nvSpPr>
+          <p:cNvPr id="4" name="Fußzeilenplatzhalter 3">
+            <a:extLst>
+              <a:ext uri="{FF2B5EF4-FFF2-40B4-BE49-F238E27FC236}">
+                <a16:creationId xmlns:a16="http://schemas.microsoft.com/office/drawing/2014/main" id="{A102E123-3E18-4172-AD32-5A4D315253D1}"/>
+              </a:ext>
+            </a:extLst>
+          </p:cNvPr>
+          <p:cNvSpPr>
+            <a:spLocks noGrp="1"/>
+          </p:cNvSpPr>
+          <p:nvPr>
+            <p:ph type="ftr" sz="quarter" idx="11"/>
+          </p:nvPr>
+        </p:nvSpPr>
+        <p:spPr>
+          <a:xfrm>
+            <a:off x="135420" y="6424612"/>
+            <a:ext cx="5437340" cy="228600"/>
+          </a:xfrm>
+        </p:spPr>
+        <p:txBody>
+          <a:bodyPr/>
+          <a:lstStyle/>
+          <a:p>
+            <a:r>
+              <a:rPr lang="de-DE"/>
+              <a:t>Fabian Koffer, Simon Hanselmann, Yannick Funk, Dennis Leon Grötzinger, Anna Ricker</a:t>
+            </a:r>
+            <a:endParaRPr lang="de-DE" dirty="0"/>
+          </a:p>
+        </p:txBody>
+      </p:sp>
+      <p:sp>
+        <p:nvSpPr>
+          <p:cNvPr id="5" name="Foliennummernplatzhalter 4">
+            <a:extLst>
+              <a:ext uri="{FF2B5EF4-FFF2-40B4-BE49-F238E27FC236}">
+                <a16:creationId xmlns:a16="http://schemas.microsoft.com/office/drawing/2014/main" id="{BB41A628-8123-4CC8-ACED-5B66640056EC}"/>
+              </a:ext>
+            </a:extLst>
+          </p:cNvPr>
+          <p:cNvSpPr>
+            <a:spLocks noGrp="1"/>
+          </p:cNvSpPr>
+          <p:nvPr>
+            <p:ph type="sldNum" sz="quarter" idx="12"/>
+          </p:nvPr>
+        </p:nvSpPr>
+        <p:spPr/>
+        <p:txBody>
+          <a:bodyPr/>
+          <a:lstStyle/>
+          <a:p>
+            <a:fld id="{93F958DD-C366-48E3-9E19-F94396BCFA77}" type="slidenum">
+              <a:rPr lang="de-DE" smtClean="0"/>
+              <a:t>17</a:t>
+            </a:fld>
+            <a:endParaRPr lang="de-DE"/>
+          </a:p>
+        </p:txBody>
+      </p:sp>
+      <p:pic>
+        <p:nvPicPr>
+          <p:cNvPr id="10" name="Grafik 9">
+            <a:extLst>
+              <a:ext uri="{FF2B5EF4-FFF2-40B4-BE49-F238E27FC236}">
+                <a16:creationId xmlns:a16="http://schemas.microsoft.com/office/drawing/2014/main" id="{C4C0E2C2-EF36-4D08-AE0F-2286F3CEDF2D}"/>
+              </a:ext>
+            </a:extLst>
+          </p:cNvPr>
+          <p:cNvPicPr>
+            <a:picLocks noChangeAspect="1"/>
+          </p:cNvPicPr>
+          <p:nvPr/>
+        </p:nvPicPr>
+        <p:blipFill rotWithShape="1">
+          <a:blip r:embed="rId2"/>
+          <a:srcRect l="26250" r="26333"/>
+          <a:stretch/>
+        </p:blipFill>
+        <p:spPr>
+          <a:xfrm>
+            <a:off x="5902960" y="0"/>
+            <a:ext cx="5781040" cy="6858000"/>
+          </a:xfrm>
+          <a:prstGeom prst="rect">
+            <a:avLst/>
+          </a:prstGeom>
+        </p:spPr>
+      </p:pic>
+    </p:spTree>
+    <p:extLst>
+      <p:ext uri="{BB962C8B-B14F-4D97-AF65-F5344CB8AC3E}">
+        <p14:creationId xmlns:p14="http://schemas.microsoft.com/office/powerpoint/2010/main" val="1984619583"/>
+      </p:ext>
+    </p:extLst>
+  </p:cSld>
+  <p:clrMapOvr>
+    <a:masterClrMapping/>
+  </p:clrMapOvr>
+</p:sld>
+</file>
+
+<file path=ppt/slides/slide18.xml><?xml version="1.0" encoding="utf-8"?>
 <p:sld xmlns:a="http://schemas.openxmlformats.org/drawingml/2006/main" xmlns:r="http://schemas.openxmlformats.org/officeDocument/2006/relationships" xmlns:p="http://schemas.openxmlformats.org/presentationml/2006/main">
   <p:cSld>
     <p:bg>
@@ -16351,7 +16722,7 @@
           <a:p>
             <a:fld id="{93F958DD-C366-48E3-9E19-F94396BCFA77}" type="slidenum">
               <a:rPr lang="de-DE" smtClean="0"/>
-              <a:t>16</a:t>
+              <a:t>18</a:t>
             </a:fld>
             <a:endParaRPr lang="de-DE"/>
           </a:p>
@@ -16370,7 +16741,7 @@
 </p:sld>
 </file>
 
-<file path=ppt/slides/slide17.xml><?xml version="1.0" encoding="utf-8"?>
+<file path=ppt/slides/slide19.xml><?xml version="1.0" encoding="utf-8"?>
 <p:sld xmlns:a="http://schemas.openxmlformats.org/drawingml/2006/main" xmlns:r="http://schemas.openxmlformats.org/officeDocument/2006/relationships" xmlns:p="http://schemas.openxmlformats.org/presentationml/2006/main">
   <p:cSld>
     <p:bg>
@@ -17010,7 +17381,7 @@
                   <a:spcPts val="600"/>
                 </a:spcAft>
               </a:pPr>
-              <a:t>17</a:t>
+              <a:t>19</a:t>
             </a:fld>
             <a:endParaRPr lang="de-DE">
               <a:solidFill>
@@ -17066,7 +17437,142 @@
 </p:sld>
 </file>
 
-<file path=ppt/slides/slide18.xml><?xml version="1.0" encoding="utf-8"?>
+<file path=ppt/slides/slide2.xml><?xml version="1.0" encoding="utf-8"?>
+<p:sld xmlns:a="http://schemas.openxmlformats.org/drawingml/2006/main" xmlns:r="http://schemas.openxmlformats.org/officeDocument/2006/relationships" xmlns:p="http://schemas.openxmlformats.org/presentationml/2006/main">
+  <p:cSld>
+    <p:spTree>
+      <p:nvGrpSpPr>
+        <p:cNvPr id="1" name=""/>
+        <p:cNvGrpSpPr/>
+        <p:nvPr/>
+      </p:nvGrpSpPr>
+      <p:grpSpPr>
+        <a:xfrm>
+          <a:off x="0" y="0"/>
+          <a:ext cx="0" cy="0"/>
+          <a:chOff x="0" y="0"/>
+          <a:chExt cx="0" cy="0"/>
+        </a:xfrm>
+      </p:grpSpPr>
+      <p:pic>
+        <p:nvPicPr>
+          <p:cNvPr id="11" name="Picture 12" descr="Bildergebnis fÃ¼r circuit">
+            <a:extLst>
+              <a:ext uri="{FF2B5EF4-FFF2-40B4-BE49-F238E27FC236}">
+                <a16:creationId xmlns:a16="http://schemas.microsoft.com/office/drawing/2014/main" id="{BC67922E-DAD8-4D79-AF6C-9C657D706E27}"/>
+              </a:ext>
+            </a:extLst>
+          </p:cNvPr>
+          <p:cNvPicPr>
+            <a:picLocks noChangeAspect="1" noChangeArrowheads="1"/>
+          </p:cNvPicPr>
+          <p:nvPr/>
+        </p:nvPicPr>
+        <p:blipFill>
+          <a:blip r:embed="rId3">
+            <a:extLst>
+              <a:ext uri="{28A0092B-C50C-407E-A947-70E740481C1C}">
+                <a14:useLocalDpi xmlns:a14="http://schemas.microsoft.com/office/drawing/2010/main" val="0"/>
+              </a:ext>
+            </a:extLst>
+          </a:blip>
+          <a:srcRect/>
+          <a:stretch>
+            <a:fillRect/>
+          </a:stretch>
+        </p:blipFill>
+        <p:spPr bwMode="auto">
+          <a:xfrm>
+            <a:off x="1272072" y="317240"/>
+            <a:ext cx="4478693" cy="2959360"/>
+          </a:xfrm>
+          <a:prstGeom prst="rect">
+            <a:avLst/>
+          </a:prstGeom>
+          <a:noFill/>
+          <a:extLst>
+            <a:ext uri="{909E8E84-426E-40DD-AFC4-6F175D3DCCD1}">
+              <a14:hiddenFill xmlns:a14="http://schemas.microsoft.com/office/drawing/2010/main">
+                <a:solidFill>
+                  <a:srgbClr val="FFFFFF"/>
+                </a:solidFill>
+              </a14:hiddenFill>
+            </a:ext>
+          </a:extLst>
+        </p:spPr>
+      </p:pic>
+      <p:sp>
+        <p:nvSpPr>
+          <p:cNvPr id="6" name="Fußzeilenplatzhalter 5">
+            <a:extLst>
+              <a:ext uri="{FF2B5EF4-FFF2-40B4-BE49-F238E27FC236}">
+                <a16:creationId xmlns:a16="http://schemas.microsoft.com/office/drawing/2014/main" id="{A38F14E7-4B74-4EE1-A08E-408F440566CB}"/>
+              </a:ext>
+            </a:extLst>
+          </p:cNvPr>
+          <p:cNvSpPr>
+            <a:spLocks noGrp="1"/>
+          </p:cNvSpPr>
+          <p:nvPr>
+            <p:ph type="ftr" sz="quarter" idx="11"/>
+          </p:nvPr>
+        </p:nvSpPr>
+        <p:spPr/>
+        <p:txBody>
+          <a:bodyPr/>
+          <a:lstStyle/>
+          <a:p>
+            <a:r>
+              <a:rPr lang="de-DE"/>
+              <a:t>Fabian Koffer, Simon Hanselmann, Yannick Funk, Dennis Leon Grötzinger, Anna Ricker</a:t>
+            </a:r>
+            <a:endParaRPr lang="de-DE" dirty="0"/>
+          </a:p>
+        </p:txBody>
+      </p:sp>
+      <p:sp>
+        <p:nvSpPr>
+          <p:cNvPr id="7" name="Foliennummernplatzhalter 6">
+            <a:extLst>
+              <a:ext uri="{FF2B5EF4-FFF2-40B4-BE49-F238E27FC236}">
+                <a16:creationId xmlns:a16="http://schemas.microsoft.com/office/drawing/2014/main" id="{21700714-F238-48A4-9228-74171582CB61}"/>
+              </a:ext>
+            </a:extLst>
+          </p:cNvPr>
+          <p:cNvSpPr>
+            <a:spLocks noGrp="1"/>
+          </p:cNvSpPr>
+          <p:nvPr>
+            <p:ph type="sldNum" sz="quarter" idx="12"/>
+          </p:nvPr>
+        </p:nvSpPr>
+        <p:spPr/>
+        <p:txBody>
+          <a:bodyPr/>
+          <a:lstStyle/>
+          <a:p>
+            <a:fld id="{93F958DD-C366-48E3-9E19-F94396BCFA77}" type="slidenum">
+              <a:rPr lang="de-DE" smtClean="0"/>
+              <a:t>2</a:t>
+            </a:fld>
+            <a:endParaRPr lang="de-DE"/>
+          </a:p>
+        </p:txBody>
+      </p:sp>
+    </p:spTree>
+    <p:extLst>
+      <p:ext uri="{BB962C8B-B14F-4D97-AF65-F5344CB8AC3E}">
+        <p14:creationId xmlns:p14="http://schemas.microsoft.com/office/powerpoint/2010/main" val="676986612"/>
+      </p:ext>
+    </p:extLst>
+  </p:cSld>
+  <p:clrMapOvr>
+    <a:masterClrMapping/>
+  </p:clrMapOvr>
+</p:sld>
+</file>
+
+<file path=ppt/slides/slide20.xml><?xml version="1.0" encoding="utf-8"?>
 <p:sld xmlns:a="http://schemas.openxmlformats.org/drawingml/2006/main" xmlns:r="http://schemas.openxmlformats.org/officeDocument/2006/relationships" xmlns:p="http://schemas.openxmlformats.org/presentationml/2006/main">
   <p:cSld>
     <p:spTree>
@@ -17191,6 +17697,23 @@
             </a:r>
           </a:p>
           <a:p>
+            <a:endParaRPr lang="de-DE" dirty="0"/>
+          </a:p>
+          <a:p>
+            <a:r>
+              <a:rPr lang="de-DE" dirty="0"/>
+              <a:t>Training </a:t>
+            </a:r>
+            <a:r>
+              <a:rPr lang="de-DE" dirty="0" err="1"/>
+              <a:t>accuracy</a:t>
+            </a:r>
+            <a:r>
+              <a:rPr lang="de-DE" dirty="0"/>
+              <a:t>: 60% </a:t>
+            </a:r>
+          </a:p>
+          <a:p>
             <a:endParaRPr lang="en-US" dirty="0"/>
           </a:p>
           <a:p>
@@ -17250,7 +17773,7 @@
           <a:p>
             <a:fld id="{93F958DD-C366-48E3-9E19-F94396BCFA77}" type="slidenum">
               <a:rPr lang="de-DE" smtClean="0"/>
-              <a:t>18</a:t>
+              <a:t>20</a:t>
             </a:fld>
             <a:endParaRPr lang="de-DE"/>
           </a:p>
@@ -17554,7 +18077,7 @@
 </p:sld>
 </file>
 
-<file path=ppt/slides/slide19.xml><?xml version="1.0" encoding="utf-8"?>
+<file path=ppt/slides/slide21.xml><?xml version="1.0" encoding="utf-8"?>
 <p:sld xmlns:a="http://schemas.openxmlformats.org/drawingml/2006/main" xmlns:r="http://schemas.openxmlformats.org/officeDocument/2006/relationships" xmlns:p="http://schemas.openxmlformats.org/presentationml/2006/main">
   <p:cSld>
     <p:bg>
@@ -17795,7 +18318,7 @@
                   <a:spcPts val="600"/>
                 </a:spcAft>
               </a:pPr>
-              <a:t>19</a:t>
+              <a:t>21</a:t>
             </a:fld>
             <a:endParaRPr lang="de-DE"/>
           </a:p>
@@ -17814,142 +18337,7 @@
 </p:sld>
 </file>
 
-<file path=ppt/slides/slide2.xml><?xml version="1.0" encoding="utf-8"?>
-<p:sld xmlns:a="http://schemas.openxmlformats.org/drawingml/2006/main" xmlns:r="http://schemas.openxmlformats.org/officeDocument/2006/relationships" xmlns:p="http://schemas.openxmlformats.org/presentationml/2006/main">
-  <p:cSld>
-    <p:spTree>
-      <p:nvGrpSpPr>
-        <p:cNvPr id="1" name=""/>
-        <p:cNvGrpSpPr/>
-        <p:nvPr/>
-      </p:nvGrpSpPr>
-      <p:grpSpPr>
-        <a:xfrm>
-          <a:off x="0" y="0"/>
-          <a:ext cx="0" cy="0"/>
-          <a:chOff x="0" y="0"/>
-          <a:chExt cx="0" cy="0"/>
-        </a:xfrm>
-      </p:grpSpPr>
-      <p:pic>
-        <p:nvPicPr>
-          <p:cNvPr id="11" name="Picture 12" descr="Bildergebnis fÃ¼r circuit">
-            <a:extLst>
-              <a:ext uri="{FF2B5EF4-FFF2-40B4-BE49-F238E27FC236}">
-                <a16:creationId xmlns:a16="http://schemas.microsoft.com/office/drawing/2014/main" id="{BC67922E-DAD8-4D79-AF6C-9C657D706E27}"/>
-              </a:ext>
-            </a:extLst>
-          </p:cNvPr>
-          <p:cNvPicPr>
-            <a:picLocks noChangeAspect="1" noChangeArrowheads="1"/>
-          </p:cNvPicPr>
-          <p:nvPr/>
-        </p:nvPicPr>
-        <p:blipFill>
-          <a:blip r:embed="rId3">
-            <a:extLst>
-              <a:ext uri="{28A0092B-C50C-407E-A947-70E740481C1C}">
-                <a14:useLocalDpi xmlns:a14="http://schemas.microsoft.com/office/drawing/2010/main" val="0"/>
-              </a:ext>
-            </a:extLst>
-          </a:blip>
-          <a:srcRect/>
-          <a:stretch>
-            <a:fillRect/>
-          </a:stretch>
-        </p:blipFill>
-        <p:spPr bwMode="auto">
-          <a:xfrm>
-            <a:off x="1272072" y="317240"/>
-            <a:ext cx="4478693" cy="2959360"/>
-          </a:xfrm>
-          <a:prstGeom prst="rect">
-            <a:avLst/>
-          </a:prstGeom>
-          <a:noFill/>
-          <a:extLst>
-            <a:ext uri="{909E8E84-426E-40DD-AFC4-6F175D3DCCD1}">
-              <a14:hiddenFill xmlns:a14="http://schemas.microsoft.com/office/drawing/2010/main">
-                <a:solidFill>
-                  <a:srgbClr val="FFFFFF"/>
-                </a:solidFill>
-              </a14:hiddenFill>
-            </a:ext>
-          </a:extLst>
-        </p:spPr>
-      </p:pic>
-      <p:sp>
-        <p:nvSpPr>
-          <p:cNvPr id="6" name="Fußzeilenplatzhalter 5">
-            <a:extLst>
-              <a:ext uri="{FF2B5EF4-FFF2-40B4-BE49-F238E27FC236}">
-                <a16:creationId xmlns:a16="http://schemas.microsoft.com/office/drawing/2014/main" id="{A38F14E7-4B74-4EE1-A08E-408F440566CB}"/>
-              </a:ext>
-            </a:extLst>
-          </p:cNvPr>
-          <p:cNvSpPr>
-            <a:spLocks noGrp="1"/>
-          </p:cNvSpPr>
-          <p:nvPr>
-            <p:ph type="ftr" sz="quarter" idx="11"/>
-          </p:nvPr>
-        </p:nvSpPr>
-        <p:spPr/>
-        <p:txBody>
-          <a:bodyPr/>
-          <a:lstStyle/>
-          <a:p>
-            <a:r>
-              <a:rPr lang="de-DE"/>
-              <a:t>Fabian Koffer, Simon Hanselmann, Yannick Funk, Dennis Leon Grötzinger, Anna Ricker</a:t>
-            </a:r>
-            <a:endParaRPr lang="de-DE" dirty="0"/>
-          </a:p>
-        </p:txBody>
-      </p:sp>
-      <p:sp>
-        <p:nvSpPr>
-          <p:cNvPr id="7" name="Foliennummernplatzhalter 6">
-            <a:extLst>
-              <a:ext uri="{FF2B5EF4-FFF2-40B4-BE49-F238E27FC236}">
-                <a16:creationId xmlns:a16="http://schemas.microsoft.com/office/drawing/2014/main" id="{21700714-F238-48A4-9228-74171582CB61}"/>
-              </a:ext>
-            </a:extLst>
-          </p:cNvPr>
-          <p:cNvSpPr>
-            <a:spLocks noGrp="1"/>
-          </p:cNvSpPr>
-          <p:nvPr>
-            <p:ph type="sldNum" sz="quarter" idx="12"/>
-          </p:nvPr>
-        </p:nvSpPr>
-        <p:spPr/>
-        <p:txBody>
-          <a:bodyPr/>
-          <a:lstStyle/>
-          <a:p>
-            <a:fld id="{93F958DD-C366-48E3-9E19-F94396BCFA77}" type="slidenum">
-              <a:rPr lang="de-DE" smtClean="0"/>
-              <a:t>2</a:t>
-            </a:fld>
-            <a:endParaRPr lang="de-DE"/>
-          </a:p>
-        </p:txBody>
-      </p:sp>
-    </p:spTree>
-    <p:extLst>
-      <p:ext uri="{BB962C8B-B14F-4D97-AF65-F5344CB8AC3E}">
-        <p14:creationId xmlns:p14="http://schemas.microsoft.com/office/powerpoint/2010/main" val="676986612"/>
-      </p:ext>
-    </p:extLst>
-  </p:cSld>
-  <p:clrMapOvr>
-    <a:masterClrMapping/>
-  </p:clrMapOvr>
-</p:sld>
-</file>
-
-<file path=ppt/slides/slide20.xml><?xml version="1.0" encoding="utf-8"?>
+<file path=ppt/slides/slide22.xml><?xml version="1.0" encoding="utf-8"?>
 <p:sld xmlns:a="http://schemas.openxmlformats.org/drawingml/2006/main" xmlns:r="http://schemas.openxmlformats.org/officeDocument/2006/relationships" xmlns:p="http://schemas.openxmlformats.org/presentationml/2006/main">
   <p:cSld>
     <p:bg>
@@ -18589,7 +18977,7 @@
                   <a:spcPts val="600"/>
                 </a:spcAft>
               </a:pPr>
-              <a:t>20</a:t>
+              <a:t>22</a:t>
             </a:fld>
             <a:endParaRPr lang="de-DE">
               <a:solidFill>
@@ -18645,7 +19033,7 @@
 </p:sld>
 </file>
 
-<file path=ppt/slides/slide21.xml><?xml version="1.0" encoding="utf-8"?>
+<file path=ppt/slides/slide23.xml><?xml version="1.0" encoding="utf-8"?>
 <p:sld xmlns:a="http://schemas.openxmlformats.org/drawingml/2006/main" xmlns:r="http://schemas.openxmlformats.org/officeDocument/2006/relationships" xmlns:p="http://schemas.openxmlformats.org/presentationml/2006/main">
   <p:cSld>
     <p:spTree>
@@ -18822,7 +19210,7 @@
           <a:p>
             <a:fld id="{93F958DD-C366-48E3-9E19-F94396BCFA77}" type="slidenum">
               <a:rPr lang="de-DE" smtClean="0"/>
-              <a:t>21</a:t>
+              <a:t>23</a:t>
             </a:fld>
             <a:endParaRPr lang="de-DE"/>
           </a:p>
